--- a/TESM E-Sporter Manager.pptx
+++ b/TESM E-Sporter Manager.pptx
@@ -1,27 +1,31 @@
 
 <file path=ppt/presentation.xml><?xml version="1.0" encoding="utf-8"?>
-<p:presentation xmlns:a="http://schemas.openxmlformats.org/drawingml/2006/main" xmlns:r="http://schemas.openxmlformats.org/officeDocument/2006/relationships" xmlns:p="http://schemas.openxmlformats.org/presentationml/2006/main" saveSubsetFonts="1">
+<p:presentation xmlns:a="http://schemas.openxmlformats.org/drawingml/2006/main" xmlns:r="http://schemas.openxmlformats.org/officeDocument/2006/relationships" xmlns:p="http://schemas.openxmlformats.org/presentationml/2006/main" showSpecialPlsOnTitleSld="0" saveSubsetFonts="1">
   <p:sldMasterIdLst>
     <p:sldMasterId id="2147483660" r:id="rId4"/>
   </p:sldMasterIdLst>
   <p:notesMasterIdLst>
-    <p:notesMasterId r:id="rId16"/>
+    <p:notesMasterId r:id="rId20"/>
   </p:notesMasterIdLst>
   <p:handoutMasterIdLst>
-    <p:handoutMasterId r:id="rId17"/>
+    <p:handoutMasterId r:id="rId21"/>
   </p:handoutMasterIdLst>
   <p:sldIdLst>
     <p:sldId id="257" r:id="rId5"/>
     <p:sldId id="268" r:id="rId6"/>
     <p:sldId id="267" r:id="rId7"/>
-    <p:sldId id="269" r:id="rId8"/>
-    <p:sldId id="270" r:id="rId9"/>
-    <p:sldId id="259" r:id="rId10"/>
-    <p:sldId id="261" r:id="rId11"/>
-    <p:sldId id="262" r:id="rId12"/>
-    <p:sldId id="263" r:id="rId13"/>
-    <p:sldId id="271" r:id="rId14"/>
-    <p:sldId id="265" r:id="rId15"/>
+    <p:sldId id="273" r:id="rId8"/>
+    <p:sldId id="269" r:id="rId9"/>
+    <p:sldId id="276" r:id="rId10"/>
+    <p:sldId id="270" r:id="rId11"/>
+    <p:sldId id="274" r:id="rId12"/>
+    <p:sldId id="275" r:id="rId13"/>
+    <p:sldId id="262" r:id="rId14"/>
+    <p:sldId id="277" r:id="rId15"/>
+    <p:sldId id="272" r:id="rId16"/>
+    <p:sldId id="278" r:id="rId17"/>
+    <p:sldId id="279" r:id="rId18"/>
+    <p:sldId id="280" r:id="rId19"/>
   </p:sldIdLst>
   <p:sldSz cx="12188825" cy="6858000"/>
   <p:notesSz cx="6858000" cy="9144000"/>
@@ -153,4877 +157,6 @@
 </p:presentation>
 </file>
 
-<file path=ppt/charts/chart1.xml><?xml version="1.0" encoding="utf-8"?>
-<c:chartSpace xmlns:c="http://schemas.openxmlformats.org/drawingml/2006/chart" xmlns:a="http://schemas.openxmlformats.org/drawingml/2006/main" xmlns:r="http://schemas.openxmlformats.org/officeDocument/2006/relationships" xmlns:c16r2="http://schemas.microsoft.com/office/drawing/2015/06/chart">
-  <c:date1904 val="0"/>
-  <c:lang val="fr-FR"/>
-  <c:roundedCorners val="0"/>
-  <mc:AlternateContent xmlns:mc="http://schemas.openxmlformats.org/markup-compatibility/2006">
-    <mc:Choice xmlns:c14="http://schemas.microsoft.com/office/drawing/2007/8/2/chart" Requires="c14">
-      <c14:style val="102"/>
-    </mc:Choice>
-    <mc:Fallback>
-      <c:style val="2"/>
-    </mc:Fallback>
-  </mc:AlternateContent>
-  <c:chart>
-    <c:autoTitleDeleted val="0"/>
-    <c:plotArea>
-      <c:layout/>
-      <c:barChart>
-        <c:barDir val="col"/>
-        <c:grouping val="clustered"/>
-        <c:varyColors val="0"/>
-        <c:ser>
-          <c:idx val="0"/>
-          <c:order val="0"/>
-          <c:tx>
-            <c:strRef>
-              <c:f>Sheet1!$B$1</c:f>
-              <c:strCache>
-                <c:ptCount val="1"/>
-                <c:pt idx="0">
-                  <c:v>Série 1</c:v>
-                </c:pt>
-              </c:strCache>
-            </c:strRef>
-          </c:tx>
-          <c:spPr>
-            <a:noFill/>
-            <a:ln w="25400" cap="flat" cmpd="sng" algn="ctr">
-              <a:solidFill>
-                <a:schemeClr val="accent1"/>
-              </a:solidFill>
-              <a:miter lim="800000"/>
-            </a:ln>
-            <a:effectLst/>
-          </c:spPr>
-          <c:invertIfNegative val="0"/>
-          <c:cat>
-            <c:strRef>
-              <c:f>Sheet1!$A$2:$A$5</c:f>
-              <c:strCache>
-                <c:ptCount val="4"/>
-                <c:pt idx="0">
-                  <c:v>Catégorie 1</c:v>
-                </c:pt>
-                <c:pt idx="1">
-                  <c:v>Catégorie 2</c:v>
-                </c:pt>
-                <c:pt idx="2">
-                  <c:v>Catégorie 3</c:v>
-                </c:pt>
-                <c:pt idx="3">
-                  <c:v>Catégorie 4</c:v>
-                </c:pt>
-              </c:strCache>
-            </c:strRef>
-          </c:cat>
-          <c:val>
-            <c:numRef>
-              <c:f>Sheet1!$B$2:$B$5</c:f>
-              <c:numCache>
-                <c:formatCode>General</c:formatCode>
-                <c:ptCount val="4"/>
-                <c:pt idx="0">
-                  <c:v>4.3</c:v>
-                </c:pt>
-                <c:pt idx="1">
-                  <c:v>2.5</c:v>
-                </c:pt>
-                <c:pt idx="2">
-                  <c:v>3.5</c:v>
-                </c:pt>
-                <c:pt idx="3">
-                  <c:v>4.5</c:v>
-                </c:pt>
-              </c:numCache>
-            </c:numRef>
-          </c:val>
-          <c:extLst>
-            <c:ext xmlns:c16="http://schemas.microsoft.com/office/drawing/2014/chart" uri="{C3380CC4-5D6E-409C-BE32-E72D297353CC}">
-              <c16:uniqueId val="{00000000-5E92-4051-99BC-2623F45BF7E0}"/>
-            </c:ext>
-          </c:extLst>
-        </c:ser>
-        <c:ser>
-          <c:idx val="1"/>
-          <c:order val="1"/>
-          <c:tx>
-            <c:strRef>
-              <c:f>Sheet1!$C$1</c:f>
-              <c:strCache>
-                <c:ptCount val="1"/>
-                <c:pt idx="0">
-                  <c:v>Série 2</c:v>
-                </c:pt>
-              </c:strCache>
-            </c:strRef>
-          </c:tx>
-          <c:spPr>
-            <a:noFill/>
-            <a:ln w="25400" cap="flat" cmpd="sng" algn="ctr">
-              <a:solidFill>
-                <a:schemeClr val="accent2"/>
-              </a:solidFill>
-              <a:miter lim="800000"/>
-            </a:ln>
-            <a:effectLst/>
-          </c:spPr>
-          <c:invertIfNegative val="0"/>
-          <c:cat>
-            <c:strRef>
-              <c:f>Sheet1!$A$2:$A$5</c:f>
-              <c:strCache>
-                <c:ptCount val="4"/>
-                <c:pt idx="0">
-                  <c:v>Catégorie 1</c:v>
-                </c:pt>
-                <c:pt idx="1">
-                  <c:v>Catégorie 2</c:v>
-                </c:pt>
-                <c:pt idx="2">
-                  <c:v>Catégorie 3</c:v>
-                </c:pt>
-                <c:pt idx="3">
-                  <c:v>Catégorie 4</c:v>
-                </c:pt>
-              </c:strCache>
-            </c:strRef>
-          </c:cat>
-          <c:val>
-            <c:numRef>
-              <c:f>Sheet1!$C$2:$C$5</c:f>
-              <c:numCache>
-                <c:formatCode>General</c:formatCode>
-                <c:ptCount val="4"/>
-                <c:pt idx="0">
-                  <c:v>2.4</c:v>
-                </c:pt>
-                <c:pt idx="1">
-                  <c:v>4.4000000000000004</c:v>
-                </c:pt>
-                <c:pt idx="2">
-                  <c:v>1.8</c:v>
-                </c:pt>
-                <c:pt idx="3">
-                  <c:v>2.8</c:v>
-                </c:pt>
-              </c:numCache>
-            </c:numRef>
-          </c:val>
-          <c:extLst>
-            <c:ext xmlns:c16="http://schemas.microsoft.com/office/drawing/2014/chart" uri="{C3380CC4-5D6E-409C-BE32-E72D297353CC}">
-              <c16:uniqueId val="{00000001-5E92-4051-99BC-2623F45BF7E0}"/>
-            </c:ext>
-          </c:extLst>
-        </c:ser>
-        <c:ser>
-          <c:idx val="2"/>
-          <c:order val="2"/>
-          <c:tx>
-            <c:strRef>
-              <c:f>Sheet1!$D$1</c:f>
-              <c:strCache>
-                <c:ptCount val="1"/>
-                <c:pt idx="0">
-                  <c:v>Série 3</c:v>
-                </c:pt>
-              </c:strCache>
-            </c:strRef>
-          </c:tx>
-          <c:spPr>
-            <a:noFill/>
-            <a:ln w="25400" cap="flat" cmpd="sng" algn="ctr">
-              <a:solidFill>
-                <a:schemeClr val="accent3"/>
-              </a:solidFill>
-              <a:miter lim="800000"/>
-            </a:ln>
-            <a:effectLst/>
-          </c:spPr>
-          <c:invertIfNegative val="0"/>
-          <c:cat>
-            <c:strRef>
-              <c:f>Sheet1!$A$2:$A$5</c:f>
-              <c:strCache>
-                <c:ptCount val="4"/>
-                <c:pt idx="0">
-                  <c:v>Catégorie 1</c:v>
-                </c:pt>
-                <c:pt idx="1">
-                  <c:v>Catégorie 2</c:v>
-                </c:pt>
-                <c:pt idx="2">
-                  <c:v>Catégorie 3</c:v>
-                </c:pt>
-                <c:pt idx="3">
-                  <c:v>Catégorie 4</c:v>
-                </c:pt>
-              </c:strCache>
-            </c:strRef>
-          </c:cat>
-          <c:val>
-            <c:numRef>
-              <c:f>Sheet1!$D$2:$D$5</c:f>
-              <c:numCache>
-                <c:formatCode>General</c:formatCode>
-                <c:ptCount val="4"/>
-                <c:pt idx="0">
-                  <c:v>2</c:v>
-                </c:pt>
-                <c:pt idx="1">
-                  <c:v>2</c:v>
-                </c:pt>
-                <c:pt idx="2">
-                  <c:v>3</c:v>
-                </c:pt>
-                <c:pt idx="3">
-                  <c:v>5</c:v>
-                </c:pt>
-              </c:numCache>
-            </c:numRef>
-          </c:val>
-          <c:extLst>
-            <c:ext xmlns:c16="http://schemas.microsoft.com/office/drawing/2014/chart" uri="{C3380CC4-5D6E-409C-BE32-E72D297353CC}">
-              <c16:uniqueId val="{00000002-5E92-4051-99BC-2623F45BF7E0}"/>
-            </c:ext>
-          </c:extLst>
-        </c:ser>
-        <c:dLbls>
-          <c:showLegendKey val="0"/>
-          <c:showVal val="0"/>
-          <c:showCatName val="0"/>
-          <c:showSerName val="0"/>
-          <c:showPercent val="0"/>
-          <c:showBubbleSize val="0"/>
-        </c:dLbls>
-        <c:gapWidth val="164"/>
-        <c:overlap val="-35"/>
-        <c:axId val="632163384"/>
-        <c:axId val="632166128"/>
-      </c:barChart>
-      <c:catAx>
-        <c:axId val="632163384"/>
-        <c:scaling>
-          <c:orientation val="minMax"/>
-        </c:scaling>
-        <c:delete val="0"/>
-        <c:axPos val="b"/>
-        <c:numFmt formatCode="General" sourceLinked="0"/>
-        <c:majorTickMark val="none"/>
-        <c:minorTickMark val="none"/>
-        <c:tickLblPos val="nextTo"/>
-        <c:spPr>
-          <a:noFill/>
-          <a:ln>
-            <a:noFill/>
-          </a:ln>
-          <a:effectLst/>
-        </c:spPr>
-        <c:txPr>
-          <a:bodyPr rot="-60000000" spcFirstLastPara="1" vertOverflow="ellipsis" vert="horz" wrap="square" anchor="ctr" anchorCtr="1"/>
-          <a:lstStyle/>
-          <a:p>
-            <a:pPr>
-              <a:defRPr sz="1197" b="0" i="0" u="none" strike="noStrike" kern="1200" baseline="0">
-                <a:solidFill>
-                  <a:schemeClr val="tx1">
-                    <a:lumMod val="50000"/>
-                    <a:lumOff val="50000"/>
-                  </a:schemeClr>
-                </a:solidFill>
-                <a:latin typeface="+mn-lt"/>
-                <a:ea typeface="+mn-ea"/>
-                <a:cs typeface="+mn-cs"/>
-              </a:defRPr>
-            </a:pPr>
-            <a:endParaRPr lang="fr-FR"/>
-          </a:p>
-        </c:txPr>
-        <c:crossAx val="632166128"/>
-        <c:crosses val="autoZero"/>
-        <c:auto val="1"/>
-        <c:lblAlgn val="ctr"/>
-        <c:lblOffset val="100"/>
-        <c:noMultiLvlLbl val="0"/>
-      </c:catAx>
-      <c:valAx>
-        <c:axId val="632166128"/>
-        <c:scaling>
-          <c:orientation val="minMax"/>
-        </c:scaling>
-        <c:delete val="0"/>
-        <c:axPos val="l"/>
-        <c:numFmt formatCode="General" sourceLinked="1"/>
-        <c:majorTickMark val="none"/>
-        <c:minorTickMark val="none"/>
-        <c:tickLblPos val="nextTo"/>
-        <c:spPr>
-          <a:noFill/>
-          <a:ln>
-            <a:noFill/>
-          </a:ln>
-          <a:effectLst/>
-        </c:spPr>
-        <c:txPr>
-          <a:bodyPr rot="-60000000" spcFirstLastPara="1" vertOverflow="ellipsis" vert="horz" wrap="square" anchor="ctr" anchorCtr="1"/>
-          <a:lstStyle/>
-          <a:p>
-            <a:pPr>
-              <a:defRPr sz="1197" b="0" i="0" u="none" strike="noStrike" kern="1200" baseline="0">
-                <a:solidFill>
-                  <a:schemeClr val="tx1">
-                    <a:lumMod val="50000"/>
-                    <a:lumOff val="50000"/>
-                  </a:schemeClr>
-                </a:solidFill>
-                <a:latin typeface="+mn-lt"/>
-                <a:ea typeface="+mn-ea"/>
-                <a:cs typeface="+mn-cs"/>
-              </a:defRPr>
-            </a:pPr>
-            <a:endParaRPr lang="fr-FR"/>
-          </a:p>
-        </c:txPr>
-        <c:crossAx val="632163384"/>
-        <c:crosses val="autoZero"/>
-        <c:crossBetween val="between"/>
-      </c:valAx>
-      <c:spPr>
-        <a:noFill/>
-        <a:ln>
-          <a:noFill/>
-        </a:ln>
-        <a:effectLst/>
-      </c:spPr>
-    </c:plotArea>
-    <c:legend>
-      <c:legendPos val="t"/>
-      <c:overlay val="0"/>
-      <c:spPr>
-        <a:noFill/>
-        <a:ln>
-          <a:noFill/>
-        </a:ln>
-        <a:effectLst/>
-      </c:spPr>
-      <c:txPr>
-        <a:bodyPr rot="0" spcFirstLastPara="1" vertOverflow="ellipsis" vert="horz" wrap="square" anchor="ctr" anchorCtr="1"/>
-        <a:lstStyle/>
-        <a:p>
-          <a:pPr>
-            <a:defRPr sz="1197" b="0" i="0" u="none" strike="noStrike" kern="1200" baseline="0">
-              <a:solidFill>
-                <a:schemeClr val="tx1">
-                  <a:lumMod val="50000"/>
-                  <a:lumOff val="50000"/>
-                </a:schemeClr>
-              </a:solidFill>
-              <a:latin typeface="+mn-lt"/>
-              <a:ea typeface="+mn-ea"/>
-              <a:cs typeface="+mn-cs"/>
-            </a:defRPr>
-          </a:pPr>
-          <a:endParaRPr lang="fr-FR"/>
-        </a:p>
-      </c:txPr>
-    </c:legend>
-    <c:plotVisOnly val="1"/>
-    <c:dispBlanksAs val="gap"/>
-    <c:showDLblsOverMax val="0"/>
-  </c:chart>
-  <c:spPr>
-    <a:noFill/>
-    <a:ln>
-      <a:noFill/>
-    </a:ln>
-    <a:effectLst/>
-  </c:spPr>
-  <c:txPr>
-    <a:bodyPr/>
-    <a:lstStyle/>
-    <a:p>
-      <a:pPr>
-        <a:defRPr/>
-      </a:pPr>
-      <a:endParaRPr lang="fr-FR"/>
-    </a:p>
-  </c:txPr>
-  <c:externalData r:id="rId3">
-    <c:autoUpdate val="0"/>
-  </c:externalData>
-</c:chartSpace>
-</file>
-
-<file path=ppt/charts/colors1.xml><?xml version="1.0" encoding="utf-8"?>
-<cs:colorStyle xmlns:cs="http://schemas.microsoft.com/office/drawing/2012/chartStyle" xmlns:a="http://schemas.openxmlformats.org/drawingml/2006/main" meth="cycle" id="10">
-  <a:schemeClr val="accent1"/>
-  <a:schemeClr val="accent2"/>
-  <a:schemeClr val="accent3"/>
-  <a:schemeClr val="accent4"/>
-  <a:schemeClr val="accent5"/>
-  <a:schemeClr val="accent6"/>
-  <cs:variation/>
-  <cs:variation>
-    <a:lumMod val="60000"/>
-  </cs:variation>
-  <cs:variation>
-    <a:lumMod val="80000"/>
-    <a:lumOff val="20000"/>
-  </cs:variation>
-  <cs:variation>
-    <a:lumMod val="80000"/>
-  </cs:variation>
-  <cs:variation>
-    <a:lumMod val="60000"/>
-    <a:lumOff val="40000"/>
-  </cs:variation>
-  <cs:variation>
-    <a:lumMod val="50000"/>
-  </cs:variation>
-  <cs:variation>
-    <a:lumMod val="70000"/>
-    <a:lumOff val="30000"/>
-  </cs:variation>
-  <cs:variation>
-    <a:lumMod val="70000"/>
-  </cs:variation>
-  <cs:variation>
-    <a:lumMod val="50000"/>
-    <a:lumOff val="50000"/>
-  </cs:variation>
-</cs:colorStyle>
-</file>
-
-<file path=ppt/charts/style1.xml><?xml version="1.0" encoding="utf-8"?>
-<cs:chartStyle xmlns:cs="http://schemas.microsoft.com/office/drawing/2012/chartStyle" xmlns:a="http://schemas.openxmlformats.org/drawingml/2006/main" id="211">
-  <cs:axisTitle>
-    <cs:lnRef idx="0"/>
-    <cs:fillRef idx="0"/>
-    <cs:effectRef idx="0"/>
-    <cs:fontRef idx="minor">
-      <a:schemeClr val="tx1">
-        <a:lumMod val="50000"/>
-        <a:lumOff val="50000"/>
-      </a:schemeClr>
-    </cs:fontRef>
-    <cs:defRPr sz="1197" kern="1200"/>
-  </cs:axisTitle>
-  <cs:categoryAxis>
-    <cs:lnRef idx="0"/>
-    <cs:fillRef idx="0"/>
-    <cs:effectRef idx="0"/>
-    <cs:fontRef idx="minor">
-      <a:schemeClr val="tx1">
-        <a:lumMod val="50000"/>
-        <a:lumOff val="50000"/>
-      </a:schemeClr>
-    </cs:fontRef>
-    <cs:defRPr sz="1197" kern="1200"/>
-  </cs:categoryAxis>
-  <cs:chartArea mods="allowNoFillOverride allowNoLineOverride">
-    <cs:lnRef idx="0"/>
-    <cs:fillRef idx="0"/>
-    <cs:effectRef idx="0"/>
-    <cs:fontRef idx="minor">
-      <a:schemeClr val="dk1"/>
-    </cs:fontRef>
-    <cs:spPr>
-      <a:solidFill>
-        <a:schemeClr val="bg1"/>
-      </a:solidFill>
-      <a:ln w="9525" cap="flat" cmpd="sng" algn="ctr">
-        <a:solidFill>
-          <a:schemeClr val="tx1">
-            <a:lumMod val="15000"/>
-            <a:lumOff val="85000"/>
-          </a:schemeClr>
-        </a:solidFill>
-        <a:round/>
-      </a:ln>
-    </cs:spPr>
-    <cs:defRPr sz="1197" kern="1200"/>
-  </cs:chartArea>
-  <cs:dataLabel>
-    <cs:lnRef idx="0"/>
-    <cs:fillRef idx="0"/>
-    <cs:effectRef idx="0"/>
-    <cs:fontRef idx="minor">
-      <a:schemeClr val="tx1">
-        <a:lumMod val="65000"/>
-        <a:lumOff val="35000"/>
-      </a:schemeClr>
-    </cs:fontRef>
-    <cs:defRPr sz="1197" kern="1200"/>
-  </cs:dataLabel>
-  <cs:dataLabelCallout>
-    <cs:lnRef idx="0"/>
-    <cs:fillRef idx="0"/>
-    <cs:effectRef idx="0"/>
-    <cs:fontRef idx="minor">
-      <a:schemeClr val="bg1"/>
-    </cs:fontRef>
-    <cs:spPr>
-      <a:solidFill>
-        <a:schemeClr val="tx1">
-          <a:lumMod val="35000"/>
-          <a:lumOff val="65000"/>
-        </a:schemeClr>
-      </a:solidFill>
-    </cs:spPr>
-    <cs:defRPr sz="1197"/>
-  </cs:dataLabelCallout>
-  <cs:dataPoint>
-    <cs:lnRef idx="0">
-      <cs:styleClr val="auto"/>
-    </cs:lnRef>
-    <cs:fillRef idx="0"/>
-    <cs:effectRef idx="0"/>
-    <cs:fontRef idx="minor">
-      <a:schemeClr val="dk1"/>
-    </cs:fontRef>
-    <cs:spPr>
-      <a:noFill/>
-      <a:ln w="25400" cap="flat" cmpd="sng" algn="ctr">
-        <a:solidFill>
-          <a:schemeClr val="phClr"/>
-        </a:solidFill>
-        <a:miter lim="800000"/>
-      </a:ln>
-    </cs:spPr>
-  </cs:dataPoint>
-  <cs:dataPoint3D>
-    <cs:lnRef idx="0">
-      <cs:styleClr val="auto"/>
-    </cs:lnRef>
-    <cs:fillRef idx="0">
-      <cs:styleClr val="auto"/>
-    </cs:fillRef>
-    <cs:effectRef idx="0"/>
-    <cs:fontRef idx="minor">
-      <a:schemeClr val="dk1"/>
-    </cs:fontRef>
-    <cs:spPr>
-      <a:ln w="19050" cap="flat" cmpd="sng" algn="ctr">
-        <a:solidFill>
-          <a:schemeClr val="phClr"/>
-        </a:solidFill>
-        <a:miter lim="800000"/>
-      </a:ln>
-    </cs:spPr>
-  </cs:dataPoint3D>
-  <cs:dataPointLine>
-    <cs:lnRef idx="0">
-      <cs:styleClr val="auto"/>
-    </cs:lnRef>
-    <cs:fillRef idx="0"/>
-    <cs:effectRef idx="0"/>
-    <cs:fontRef idx="minor">
-      <a:schemeClr val="dk1"/>
-    </cs:fontRef>
-    <cs:spPr>
-      <a:ln w="28575" cap="rnd">
-        <a:solidFill>
-          <a:schemeClr val="phClr"/>
-        </a:solidFill>
-        <a:round/>
-      </a:ln>
-    </cs:spPr>
-  </cs:dataPointLine>
-  <cs:dataPointMarker>
-    <cs:lnRef idx="0">
-      <cs:styleClr val="auto"/>
-    </cs:lnRef>
-    <cs:fillRef idx="0">
-      <cs:styleClr val="auto"/>
-    </cs:fillRef>
-    <cs:effectRef idx="0"/>
-    <cs:fontRef idx="minor">
-      <a:schemeClr val="dk1"/>
-    </cs:fontRef>
-    <cs:spPr>
-      <a:ln w="19050" cap="rnd">
-        <a:solidFill>
-          <a:schemeClr val="phClr"/>
-        </a:solidFill>
-        <a:round/>
-      </a:ln>
-    </cs:spPr>
-  </cs:dataPointMarker>
-  <cs:dataPointMarkerLayout symbol="circle" size="6"/>
-  <cs:dataPointWireframe>
-    <cs:lnRef idx="0">
-      <cs:styleClr val="auto"/>
-    </cs:lnRef>
-    <cs:fillRef idx="1"/>
-    <cs:effectRef idx="0"/>
-    <cs:fontRef idx="minor">
-      <a:schemeClr val="tx1"/>
-    </cs:fontRef>
-    <cs:spPr>
-      <a:ln w="9525">
-        <a:solidFill>
-          <a:schemeClr val="phClr"/>
-        </a:solidFill>
-      </a:ln>
-    </cs:spPr>
-  </cs:dataPointWireframe>
-  <cs:dataTable>
-    <cs:lnRef idx="0"/>
-    <cs:fillRef idx="0"/>
-    <cs:effectRef idx="0"/>
-    <cs:fontRef idx="minor">
-      <a:schemeClr val="tx1">
-        <a:lumMod val="50000"/>
-        <a:lumOff val="50000"/>
-      </a:schemeClr>
-    </cs:fontRef>
-    <cs:spPr>
-      <a:ln w="9525">
-        <a:solidFill>
-          <a:schemeClr val="tx1">
-            <a:lumMod val="15000"/>
-            <a:lumOff val="85000"/>
-          </a:schemeClr>
-        </a:solidFill>
-      </a:ln>
-    </cs:spPr>
-    <cs:defRPr sz="1197" kern="1200"/>
-  </cs:dataTable>
-  <cs:downBar>
-    <cs:lnRef idx="0"/>
-    <cs:fillRef idx="0"/>
-    <cs:effectRef idx="0"/>
-    <cs:fontRef idx="minor">
-      <a:schemeClr val="dk1"/>
-    </cs:fontRef>
-    <cs:spPr>
-      <a:solidFill>
-        <a:schemeClr val="dk1">
-          <a:lumMod val="75000"/>
-          <a:lumOff val="25000"/>
-        </a:schemeClr>
-      </a:solidFill>
-      <a:ln w="9525" cap="flat" cmpd="sng" algn="ctr">
-        <a:solidFill>
-          <a:schemeClr val="tx1">
-            <a:lumMod val="50000"/>
-            <a:lumOff val="50000"/>
-          </a:schemeClr>
-        </a:solidFill>
-        <a:round/>
-      </a:ln>
-    </cs:spPr>
-  </cs:downBar>
-  <cs:dropLine>
-    <cs:lnRef idx="0"/>
-    <cs:fillRef idx="0"/>
-    <cs:effectRef idx="0"/>
-    <cs:fontRef idx="minor">
-      <a:schemeClr val="dk1"/>
-    </cs:fontRef>
-    <cs:spPr>
-      <a:ln w="9525" cap="flat" cmpd="sng" algn="ctr">
-        <a:solidFill>
-          <a:schemeClr val="tx1">
-            <a:lumMod val="35000"/>
-            <a:lumOff val="65000"/>
-          </a:schemeClr>
-        </a:solidFill>
-        <a:round/>
-      </a:ln>
-    </cs:spPr>
-  </cs:dropLine>
-  <cs:errorBar>
-    <cs:lnRef idx="0"/>
-    <cs:fillRef idx="0"/>
-    <cs:effectRef idx="0"/>
-    <cs:fontRef idx="minor">
-      <a:schemeClr val="dk1"/>
-    </cs:fontRef>
-    <cs:spPr>
-      <a:ln w="9525" cap="flat" cmpd="sng" algn="ctr">
-        <a:solidFill>
-          <a:schemeClr val="tx1">
-            <a:lumMod val="50000"/>
-            <a:lumOff val="50000"/>
-          </a:schemeClr>
-        </a:solidFill>
-        <a:round/>
-      </a:ln>
-    </cs:spPr>
-  </cs:errorBar>
-  <cs:floor>
-    <cs:lnRef idx="0"/>
-    <cs:fillRef idx="0"/>
-    <cs:effectRef idx="0"/>
-    <cs:fontRef idx="minor">
-      <a:schemeClr val="dk1"/>
-    </cs:fontRef>
-  </cs:floor>
-  <cs:gridlineMajor>
-    <cs:lnRef idx="0"/>
-    <cs:fillRef idx="0"/>
-    <cs:effectRef idx="0"/>
-    <cs:fontRef idx="minor">
-      <a:schemeClr val="dk1"/>
-    </cs:fontRef>
-    <cs:spPr>
-      <a:ln w="9525">
-        <a:solidFill>
-          <a:schemeClr val="tx1">
-            <a:lumMod val="15000"/>
-            <a:lumOff val="85000"/>
-          </a:schemeClr>
-        </a:solidFill>
-      </a:ln>
-    </cs:spPr>
-  </cs:gridlineMajor>
-  <cs:gridlineMinor>
-    <cs:lnRef idx="0"/>
-    <cs:fillRef idx="0"/>
-    <cs:effectRef idx="0"/>
-    <cs:fontRef idx="minor">
-      <a:schemeClr val="dk1"/>
-    </cs:fontRef>
-    <cs:spPr>
-      <a:ln w="9525">
-        <a:solidFill>
-          <a:schemeClr val="tx1">
-            <a:lumMod val="5000"/>
-            <a:lumOff val="95000"/>
-          </a:schemeClr>
-        </a:solidFill>
-      </a:ln>
-    </cs:spPr>
-  </cs:gridlineMinor>
-  <cs:hiLoLine>
-    <cs:lnRef idx="0"/>
-    <cs:fillRef idx="0"/>
-    <cs:effectRef idx="0"/>
-    <cs:fontRef idx="minor">
-      <a:schemeClr val="dk1"/>
-    </cs:fontRef>
-    <cs:spPr>
-      <a:ln w="9525" cap="flat" cmpd="sng" algn="ctr">
-        <a:solidFill>
-          <a:schemeClr val="tx1">
-            <a:lumMod val="35000"/>
-            <a:lumOff val="65000"/>
-          </a:schemeClr>
-        </a:solidFill>
-        <a:round/>
-      </a:ln>
-    </cs:spPr>
-  </cs:hiLoLine>
-  <cs:leaderLine>
-    <cs:lnRef idx="0"/>
-    <cs:fillRef idx="0"/>
-    <cs:effectRef idx="0"/>
-    <cs:fontRef idx="minor">
-      <a:schemeClr val="dk1"/>
-    </cs:fontRef>
-    <cs:spPr>
-      <a:ln w="9525" cap="flat" cmpd="sng" algn="ctr">
-        <a:solidFill>
-          <a:schemeClr val="tx1">
-            <a:lumMod val="35000"/>
-            <a:lumOff val="65000"/>
-          </a:schemeClr>
-        </a:solidFill>
-        <a:round/>
-      </a:ln>
-    </cs:spPr>
-  </cs:leaderLine>
-  <cs:legend>
-    <cs:lnRef idx="0"/>
-    <cs:fillRef idx="0"/>
-    <cs:effectRef idx="0"/>
-    <cs:fontRef idx="minor">
-      <a:schemeClr val="tx1">
-        <a:lumMod val="50000"/>
-        <a:lumOff val="50000"/>
-      </a:schemeClr>
-    </cs:fontRef>
-    <cs:defRPr sz="1197" kern="1200"/>
-  </cs:legend>
-  <cs:plotArea mods="allowNoFillOverride allowNoLineOverride">
-    <cs:lnRef idx="0"/>
-    <cs:fillRef idx="0"/>
-    <cs:effectRef idx="0"/>
-    <cs:fontRef idx="minor">
-      <a:schemeClr val="dk1"/>
-    </cs:fontRef>
-  </cs:plotArea>
-  <cs:plotArea3D mods="allowNoFillOverride allowNoLineOverride">
-    <cs:lnRef idx="0"/>
-    <cs:fillRef idx="0"/>
-    <cs:effectRef idx="0"/>
-    <cs:fontRef idx="minor">
-      <a:schemeClr val="dk1"/>
-    </cs:fontRef>
-  </cs:plotArea3D>
-  <cs:seriesAxis>
-    <cs:lnRef idx="0"/>
-    <cs:fillRef idx="0"/>
-    <cs:effectRef idx="0"/>
-    <cs:fontRef idx="minor">
-      <a:schemeClr val="tx1">
-        <a:lumMod val="50000"/>
-        <a:lumOff val="50000"/>
-      </a:schemeClr>
-    </cs:fontRef>
-    <cs:defRPr sz="1197" kern="1200"/>
-  </cs:seriesAxis>
-  <cs:seriesLine>
-    <cs:lnRef idx="0"/>
-    <cs:fillRef idx="0"/>
-    <cs:effectRef idx="0"/>
-    <cs:fontRef idx="minor">
-      <a:schemeClr val="dk1"/>
-    </cs:fontRef>
-    <cs:spPr>
-      <a:ln w="9525" cap="flat" cmpd="sng" algn="ctr">
-        <a:solidFill>
-          <a:schemeClr val="tx1">
-            <a:lumMod val="35000"/>
-            <a:lumOff val="65000"/>
-          </a:schemeClr>
-        </a:solidFill>
-        <a:round/>
-      </a:ln>
-    </cs:spPr>
-  </cs:seriesLine>
-  <cs:title>
-    <cs:lnRef idx="0"/>
-    <cs:fillRef idx="0"/>
-    <cs:effectRef idx="0"/>
-    <cs:fontRef idx="minor">
-      <a:schemeClr val="tx1">
-        <a:lumMod val="65000"/>
-        <a:lumOff val="35000"/>
-      </a:schemeClr>
-    </cs:fontRef>
-    <cs:defRPr sz="2200" b="0" kern="1200" cap="none" spc="50" baseline="0"/>
-  </cs:title>
-  <cs:trendline>
-    <cs:lnRef idx="0">
-      <cs:styleClr val="auto"/>
-    </cs:lnRef>
-    <cs:fillRef idx="0"/>
-    <cs:effectRef idx="0"/>
-    <cs:fontRef idx="minor">
-      <a:schemeClr val="dk1"/>
-    </cs:fontRef>
-    <cs:spPr>
-      <a:ln w="19050" cap="rnd">
-        <a:solidFill>
-          <a:schemeClr val="phClr"/>
-        </a:solidFill>
-      </a:ln>
-    </cs:spPr>
-  </cs:trendline>
-  <cs:trendlineLabel>
-    <cs:lnRef idx="0"/>
-    <cs:fillRef idx="0"/>
-    <cs:effectRef idx="0"/>
-    <cs:fontRef idx="minor">
-      <a:schemeClr val="tx1">
-        <a:lumMod val="50000"/>
-        <a:lumOff val="50000"/>
-      </a:schemeClr>
-    </cs:fontRef>
-    <cs:defRPr sz="1197" kern="1200"/>
-  </cs:trendlineLabel>
-  <cs:upBar>
-    <cs:lnRef idx="0"/>
-    <cs:fillRef idx="0"/>
-    <cs:effectRef idx="0"/>
-    <cs:fontRef idx="minor">
-      <a:schemeClr val="dk1"/>
-    </cs:fontRef>
-    <cs:spPr>
-      <a:solidFill>
-        <a:schemeClr val="lt1"/>
-      </a:solidFill>
-      <a:ln w="9525" cap="flat" cmpd="sng" algn="ctr">
-        <a:solidFill>
-          <a:schemeClr val="tx1">
-            <a:lumMod val="50000"/>
-            <a:lumOff val="50000"/>
-          </a:schemeClr>
-        </a:solidFill>
-        <a:round/>
-      </a:ln>
-    </cs:spPr>
-  </cs:upBar>
-  <cs:valueAxis>
-    <cs:lnRef idx="0"/>
-    <cs:fillRef idx="0"/>
-    <cs:effectRef idx="0"/>
-    <cs:fontRef idx="minor">
-      <a:schemeClr val="tx1">
-        <a:lumMod val="50000"/>
-        <a:lumOff val="50000"/>
-      </a:schemeClr>
-    </cs:fontRef>
-    <cs:defRPr sz="1197" kern="1200"/>
-  </cs:valueAxis>
-  <cs:wall>
-    <cs:lnRef idx="0"/>
-    <cs:fillRef idx="0"/>
-    <cs:effectRef idx="0"/>
-    <cs:fontRef idx="minor">
-      <a:schemeClr val="dk1"/>
-    </cs:fontRef>
-  </cs:wall>
-</cs:chartStyle>
-</file>
-
-<file path=ppt/diagrams/colors1.xml><?xml version="1.0" encoding="utf-8"?>
-<dgm:colorsDef xmlns:dgm="http://schemas.openxmlformats.org/drawingml/2006/diagram" xmlns:a="http://schemas.openxmlformats.org/drawingml/2006/main" uniqueId="urn:microsoft.com/office/officeart/2005/8/colors/colorful1">
-  <dgm:title val=""/>
-  <dgm:desc val=""/>
-  <dgm:catLst>
-    <dgm:cat type="colorful" pri="10100"/>
-  </dgm:catLst>
-  <dgm:styleLbl name="node0">
-    <dgm:fillClrLst meth="repeat">
-      <a:schemeClr val="accent1"/>
-    </dgm:fillClrLst>
-    <dgm:linClrLst meth="repeat">
-      <a:schemeClr val="lt1"/>
-    </dgm:linClrLst>
-    <dgm:effectClrLst/>
-    <dgm:txLinClrLst/>
-    <dgm:txFillClrLst/>
-    <dgm:txEffectClrLst/>
-  </dgm:styleLbl>
-  <dgm:styleLbl name="node1">
-    <dgm:fillClrLst meth="repeat">
-      <a:schemeClr val="accent2"/>
-      <a:schemeClr val="accent3"/>
-      <a:schemeClr val="accent4"/>
-      <a:schemeClr val="accent5"/>
-      <a:schemeClr val="accent6"/>
-    </dgm:fillClrLst>
-    <dgm:linClrLst meth="repeat">
-      <a:schemeClr val="lt1"/>
-    </dgm:linClrLst>
-    <dgm:effectClrLst/>
-    <dgm:txLinClrLst/>
-    <dgm:txFillClrLst/>
-    <dgm:txEffectClrLst/>
-  </dgm:styleLbl>
-  <dgm:styleLbl name="alignNode1">
-    <dgm:fillClrLst meth="repeat">
-      <a:schemeClr val="accent2"/>
-      <a:schemeClr val="accent3"/>
-      <a:schemeClr val="accent4"/>
-      <a:schemeClr val="accent5"/>
-      <a:schemeClr val="accent6"/>
-    </dgm:fillClrLst>
-    <dgm:linClrLst meth="repeat">
-      <a:schemeClr val="accent2"/>
-      <a:schemeClr val="accent3"/>
-      <a:schemeClr val="accent4"/>
-      <a:schemeClr val="accent5"/>
-      <a:schemeClr val="accent6"/>
-    </dgm:linClrLst>
-    <dgm:effectClrLst/>
-    <dgm:txLinClrLst/>
-    <dgm:txFillClrLst/>
-    <dgm:txEffectClrLst/>
-  </dgm:styleLbl>
-  <dgm:styleLbl name="lnNode1">
-    <dgm:fillClrLst meth="repeat">
-      <a:schemeClr val="accent2"/>
-      <a:schemeClr val="accent3"/>
-      <a:schemeClr val="accent4"/>
-      <a:schemeClr val="accent5"/>
-      <a:schemeClr val="accent6"/>
-    </dgm:fillClrLst>
-    <dgm:linClrLst meth="repeat">
-      <a:schemeClr val="lt1"/>
-    </dgm:linClrLst>
-    <dgm:effectClrLst/>
-    <dgm:txLinClrLst/>
-    <dgm:txFillClrLst/>
-    <dgm:txEffectClrLst/>
-  </dgm:styleLbl>
-  <dgm:styleLbl name="vennNode1">
-    <dgm:fillClrLst meth="repeat">
-      <a:schemeClr val="accent2">
-        <a:alpha val="50000"/>
-      </a:schemeClr>
-      <a:schemeClr val="accent3">
-        <a:alpha val="50000"/>
-      </a:schemeClr>
-      <a:schemeClr val="accent4">
-        <a:alpha val="50000"/>
-      </a:schemeClr>
-      <a:schemeClr val="accent5">
-        <a:alpha val="50000"/>
-      </a:schemeClr>
-      <a:schemeClr val="accent6">
-        <a:alpha val="50000"/>
-      </a:schemeClr>
-    </dgm:fillClrLst>
-    <dgm:linClrLst meth="repeat">
-      <a:schemeClr val="lt1"/>
-    </dgm:linClrLst>
-    <dgm:effectClrLst/>
-    <dgm:txLinClrLst/>
-    <dgm:txFillClrLst/>
-    <dgm:txEffectClrLst/>
-  </dgm:styleLbl>
-  <dgm:styleLbl name="node2">
-    <dgm:fillClrLst>
-      <a:schemeClr val="accent2"/>
-    </dgm:fillClrLst>
-    <dgm:linClrLst meth="repeat">
-      <a:schemeClr val="lt1"/>
-    </dgm:linClrLst>
-    <dgm:effectClrLst/>
-    <dgm:txLinClrLst/>
-    <dgm:txFillClrLst/>
-    <dgm:txEffectClrLst/>
-  </dgm:styleLbl>
-  <dgm:styleLbl name="node3">
-    <dgm:fillClrLst>
-      <a:schemeClr val="accent3"/>
-    </dgm:fillClrLst>
-    <dgm:linClrLst meth="repeat">
-      <a:schemeClr val="lt1"/>
-    </dgm:linClrLst>
-    <dgm:effectClrLst/>
-    <dgm:txLinClrLst/>
-    <dgm:txFillClrLst/>
-    <dgm:txEffectClrLst/>
-  </dgm:styleLbl>
-  <dgm:styleLbl name="node4">
-    <dgm:fillClrLst>
-      <a:schemeClr val="accent4"/>
-    </dgm:fillClrLst>
-    <dgm:linClrLst meth="repeat">
-      <a:schemeClr val="lt1"/>
-    </dgm:linClrLst>
-    <dgm:effectClrLst/>
-    <dgm:txLinClrLst/>
-    <dgm:txFillClrLst/>
-    <dgm:txEffectClrLst/>
-  </dgm:styleLbl>
-  <dgm:styleLbl name="fgImgPlace1">
-    <dgm:fillClrLst meth="repeat">
-      <a:schemeClr val="accent2">
-        <a:tint val="50000"/>
-      </a:schemeClr>
-      <a:schemeClr val="accent3">
-        <a:tint val="50000"/>
-      </a:schemeClr>
-      <a:schemeClr val="accent4">
-        <a:tint val="50000"/>
-      </a:schemeClr>
-      <a:schemeClr val="accent5">
-        <a:tint val="50000"/>
-      </a:schemeClr>
-      <a:schemeClr val="accent6">
-        <a:tint val="50000"/>
-      </a:schemeClr>
-    </dgm:fillClrLst>
-    <dgm:linClrLst meth="repeat">
-      <a:schemeClr val="lt1"/>
-    </dgm:linClrLst>
-    <dgm:effectClrLst/>
-    <dgm:txLinClrLst/>
-    <dgm:txFillClrLst meth="repeat">
-      <a:schemeClr val="lt1"/>
-    </dgm:txFillClrLst>
-    <dgm:txEffectClrLst/>
-  </dgm:styleLbl>
-  <dgm:styleLbl name="alignImgPlace1">
-    <dgm:fillClrLst>
-      <a:schemeClr val="accent1">
-        <a:tint val="50000"/>
-      </a:schemeClr>
-      <a:schemeClr val="accent2">
-        <a:tint val="20000"/>
-      </a:schemeClr>
-    </dgm:fillClrLst>
-    <dgm:linClrLst meth="repeat">
-      <a:schemeClr val="lt1"/>
-    </dgm:linClrLst>
-    <dgm:effectClrLst/>
-    <dgm:txLinClrLst/>
-    <dgm:txFillClrLst meth="repeat">
-      <a:schemeClr val="lt1"/>
-    </dgm:txFillClrLst>
-    <dgm:txEffectClrLst/>
-  </dgm:styleLbl>
-  <dgm:styleLbl name="bgImgPlace1">
-    <dgm:fillClrLst>
-      <a:schemeClr val="accent1">
-        <a:tint val="50000"/>
-      </a:schemeClr>
-      <a:schemeClr val="accent2">
-        <a:tint val="20000"/>
-      </a:schemeClr>
-    </dgm:fillClrLst>
-    <dgm:linClrLst meth="repeat">
-      <a:schemeClr val="lt1"/>
-    </dgm:linClrLst>
-    <dgm:effectClrLst/>
-    <dgm:txLinClrLst/>
-    <dgm:txFillClrLst meth="repeat">
-      <a:schemeClr val="lt1"/>
-    </dgm:txFillClrLst>
-    <dgm:txEffectClrLst/>
-  </dgm:styleLbl>
-  <dgm:styleLbl name="sibTrans2D1">
-    <dgm:fillClrLst meth="repeat">
-      <a:schemeClr val="accent2"/>
-      <a:schemeClr val="accent3"/>
-      <a:schemeClr val="accent4"/>
-      <a:schemeClr val="accent5"/>
-      <a:schemeClr val="accent6"/>
-    </dgm:fillClrLst>
-    <dgm:linClrLst meth="cycle">
-      <a:schemeClr val="lt1"/>
-    </dgm:linClrLst>
-    <dgm:effectClrLst/>
-    <dgm:txLinClrLst/>
-    <dgm:txFillClrLst/>
-    <dgm:txEffectClrLst/>
-  </dgm:styleLbl>
-  <dgm:styleLbl name="fgSibTrans2D1">
-    <dgm:fillClrLst meth="repeat">
-      <a:schemeClr val="accent2"/>
-      <a:schemeClr val="accent3"/>
-      <a:schemeClr val="accent4"/>
-      <a:schemeClr val="accent5"/>
-      <a:schemeClr val="accent6"/>
-    </dgm:fillClrLst>
-    <dgm:linClrLst meth="cycle">
-      <a:schemeClr val="lt1"/>
-    </dgm:linClrLst>
-    <dgm:effectClrLst/>
-    <dgm:txLinClrLst/>
-    <dgm:txFillClrLst meth="repeat">
-      <a:schemeClr val="lt1"/>
-    </dgm:txFillClrLst>
-    <dgm:txEffectClrLst/>
-  </dgm:styleLbl>
-  <dgm:styleLbl name="bgSibTrans2D1">
-    <dgm:fillClrLst meth="repeat">
-      <a:schemeClr val="accent2"/>
-      <a:schemeClr val="accent3"/>
-      <a:schemeClr val="accent4"/>
-      <a:schemeClr val="accent5"/>
-      <a:schemeClr val="accent6"/>
-    </dgm:fillClrLst>
-    <dgm:linClrLst meth="cycle">
-      <a:schemeClr val="lt1"/>
-    </dgm:linClrLst>
-    <dgm:effectClrLst/>
-    <dgm:txLinClrLst/>
-    <dgm:txFillClrLst meth="repeat">
-      <a:schemeClr val="lt1"/>
-    </dgm:txFillClrLst>
-    <dgm:txEffectClrLst/>
-  </dgm:styleLbl>
-  <dgm:styleLbl name="sibTrans1D1">
-    <dgm:fillClrLst meth="repeat">
-      <a:schemeClr val="accent2"/>
-      <a:schemeClr val="accent3"/>
-      <a:schemeClr val="accent4"/>
-      <a:schemeClr val="accent5"/>
-      <a:schemeClr val="accent6"/>
-    </dgm:fillClrLst>
-    <dgm:linClrLst meth="repeat">
-      <a:schemeClr val="accent2"/>
-      <a:schemeClr val="accent3"/>
-      <a:schemeClr val="accent4"/>
-      <a:schemeClr val="accent5"/>
-      <a:schemeClr val="accent6"/>
-    </dgm:linClrLst>
-    <dgm:effectClrLst/>
-    <dgm:txLinClrLst/>
-    <dgm:txFillClrLst meth="repeat">
-      <a:schemeClr val="tx1"/>
-    </dgm:txFillClrLst>
-    <dgm:txEffectClrLst/>
-  </dgm:styleLbl>
-  <dgm:styleLbl name="callout">
-    <dgm:fillClrLst meth="repeat">
-      <a:schemeClr val="accent2"/>
-    </dgm:fillClrLst>
-    <dgm:linClrLst meth="repeat">
-      <a:schemeClr val="accent2">
-        <a:tint val="50000"/>
-      </a:schemeClr>
-    </dgm:linClrLst>
-    <dgm:effectClrLst/>
-    <dgm:txLinClrLst/>
-    <dgm:txFillClrLst meth="repeat">
-      <a:schemeClr val="tx1"/>
-    </dgm:txFillClrLst>
-    <dgm:txEffectClrLst/>
-  </dgm:styleLbl>
-  <dgm:styleLbl name="asst0">
-    <dgm:fillClrLst meth="repeat">
-      <a:schemeClr val="accent1"/>
-    </dgm:fillClrLst>
-    <dgm:linClrLst meth="repeat">
-      <a:schemeClr val="lt1"/>
-    </dgm:linClrLst>
-    <dgm:effectClrLst/>
-    <dgm:txLinClrLst/>
-    <dgm:txFillClrLst/>
-    <dgm:txEffectClrLst/>
-  </dgm:styleLbl>
-  <dgm:styleLbl name="asst1">
-    <dgm:fillClrLst meth="repeat">
-      <a:schemeClr val="accent2"/>
-    </dgm:fillClrLst>
-    <dgm:linClrLst meth="repeat">
-      <a:schemeClr val="lt1"/>
-    </dgm:linClrLst>
-    <dgm:effectClrLst/>
-    <dgm:txLinClrLst/>
-    <dgm:txFillClrLst/>
-    <dgm:txEffectClrLst/>
-  </dgm:styleLbl>
-  <dgm:styleLbl name="asst2">
-    <dgm:fillClrLst>
-      <a:schemeClr val="accent3"/>
-    </dgm:fillClrLst>
-    <dgm:linClrLst meth="repeat">
-      <a:schemeClr val="lt1"/>
-    </dgm:linClrLst>
-    <dgm:effectClrLst/>
-    <dgm:txLinClrLst/>
-    <dgm:txFillClrLst/>
-    <dgm:txEffectClrLst/>
-  </dgm:styleLbl>
-  <dgm:styleLbl name="asst3">
-    <dgm:fillClrLst>
-      <a:schemeClr val="accent4"/>
-    </dgm:fillClrLst>
-    <dgm:linClrLst meth="repeat">
-      <a:schemeClr val="lt1"/>
-    </dgm:linClrLst>
-    <dgm:effectClrLst/>
-    <dgm:txLinClrLst/>
-    <dgm:txFillClrLst/>
-    <dgm:txEffectClrLst/>
-  </dgm:styleLbl>
-  <dgm:styleLbl name="asst4">
-    <dgm:fillClrLst>
-      <a:schemeClr val="accent5"/>
-    </dgm:fillClrLst>
-    <dgm:linClrLst meth="repeat">
-      <a:schemeClr val="lt1"/>
-    </dgm:linClrLst>
-    <dgm:effectClrLst/>
-    <dgm:txLinClrLst/>
-    <dgm:txFillClrLst/>
-    <dgm:txEffectClrLst/>
-  </dgm:styleLbl>
-  <dgm:styleLbl name="parChTrans2D1">
-    <dgm:fillClrLst meth="repeat">
-      <a:schemeClr val="accent2"/>
-    </dgm:fillClrLst>
-    <dgm:linClrLst meth="repeat">
-      <a:schemeClr val="lt1"/>
-    </dgm:linClrLst>
-    <dgm:effectClrLst/>
-    <dgm:txLinClrLst/>
-    <dgm:txFillClrLst meth="repeat">
-      <a:schemeClr val="lt1"/>
-    </dgm:txFillClrLst>
-    <dgm:txEffectClrLst/>
-  </dgm:styleLbl>
-  <dgm:styleLbl name="parChTrans2D2">
-    <dgm:fillClrLst meth="repeat">
-      <a:schemeClr val="accent3"/>
-    </dgm:fillClrLst>
-    <dgm:linClrLst meth="repeat">
-      <a:schemeClr val="lt1"/>
-    </dgm:linClrLst>
-    <dgm:effectClrLst/>
-    <dgm:txLinClrLst/>
-    <dgm:txFillClrLst/>
-    <dgm:txEffectClrLst/>
-  </dgm:styleLbl>
-  <dgm:styleLbl name="parChTrans2D3">
-    <dgm:fillClrLst meth="repeat">
-      <a:schemeClr val="accent4"/>
-    </dgm:fillClrLst>
-    <dgm:linClrLst meth="repeat">
-      <a:schemeClr val="lt1"/>
-    </dgm:linClrLst>
-    <dgm:effectClrLst/>
-    <dgm:txLinClrLst/>
-    <dgm:txFillClrLst/>
-    <dgm:txEffectClrLst/>
-  </dgm:styleLbl>
-  <dgm:styleLbl name="parChTrans2D4">
-    <dgm:fillClrLst meth="repeat">
-      <a:schemeClr val="accent5"/>
-    </dgm:fillClrLst>
-    <dgm:linClrLst meth="repeat">
-      <a:schemeClr val="lt1"/>
-    </dgm:linClrLst>
-    <dgm:effectClrLst/>
-    <dgm:txLinClrLst/>
-    <dgm:txFillClrLst meth="repeat">
-      <a:schemeClr val="lt1"/>
-    </dgm:txFillClrLst>
-    <dgm:txEffectClrLst/>
-  </dgm:styleLbl>
-  <dgm:styleLbl name="parChTrans1D1">
-    <dgm:fillClrLst meth="repeat">
-      <a:schemeClr val="accent2"/>
-    </dgm:fillClrLst>
-    <dgm:linClrLst meth="repeat">
-      <a:schemeClr val="accent1"/>
-    </dgm:linClrLst>
-    <dgm:effectClrLst/>
-    <dgm:txLinClrLst/>
-    <dgm:txFillClrLst meth="repeat">
-      <a:schemeClr val="tx1"/>
-    </dgm:txFillClrLst>
-    <dgm:txEffectClrLst/>
-  </dgm:styleLbl>
-  <dgm:styleLbl name="parChTrans1D2">
-    <dgm:fillClrLst meth="repeat">
-      <a:schemeClr val="accent3">
-        <a:tint val="90000"/>
-      </a:schemeClr>
-    </dgm:fillClrLst>
-    <dgm:linClrLst meth="repeat">
-      <a:schemeClr val="accent2"/>
-    </dgm:linClrLst>
-    <dgm:effectClrLst/>
-    <dgm:txLinClrLst/>
-    <dgm:txFillClrLst meth="repeat">
-      <a:schemeClr val="tx1"/>
-    </dgm:txFillClrLst>
-    <dgm:txEffectClrLst/>
-  </dgm:styleLbl>
-  <dgm:styleLbl name="parChTrans1D3">
-    <dgm:fillClrLst meth="repeat">
-      <a:schemeClr val="accent4">
-        <a:tint val="70000"/>
-      </a:schemeClr>
-    </dgm:fillClrLst>
-    <dgm:linClrLst meth="repeat">
-      <a:schemeClr val="accent3"/>
-    </dgm:linClrLst>
-    <dgm:effectClrLst/>
-    <dgm:txLinClrLst/>
-    <dgm:txFillClrLst meth="repeat">
-      <a:schemeClr val="tx1"/>
-    </dgm:txFillClrLst>
-    <dgm:txEffectClrLst/>
-  </dgm:styleLbl>
-  <dgm:styleLbl name="parChTrans1D4">
-    <dgm:fillClrLst meth="repeat">
-      <a:schemeClr val="accent5">
-        <a:tint val="50000"/>
-      </a:schemeClr>
-    </dgm:fillClrLst>
-    <dgm:linClrLst meth="repeat">
-      <a:schemeClr val="accent4"/>
-    </dgm:linClrLst>
-    <dgm:effectClrLst/>
-    <dgm:txLinClrLst/>
-    <dgm:txFillClrLst meth="repeat">
-      <a:schemeClr val="tx1"/>
-    </dgm:txFillClrLst>
-    <dgm:txEffectClrLst/>
-  </dgm:styleLbl>
-  <dgm:styleLbl name="fgAcc1">
-    <dgm:fillClrLst meth="repeat">
-      <a:schemeClr val="lt1">
-        <a:alpha val="90000"/>
-      </a:schemeClr>
-    </dgm:fillClrLst>
-    <dgm:linClrLst meth="repeat">
-      <a:schemeClr val="accent2"/>
-      <a:schemeClr val="accent3"/>
-      <a:schemeClr val="accent4"/>
-      <a:schemeClr val="accent5"/>
-      <a:schemeClr val="accent6"/>
-    </dgm:linClrLst>
-    <dgm:effectClrLst/>
-    <dgm:txLinClrLst/>
-    <dgm:txFillClrLst meth="repeat">
-      <a:schemeClr val="dk1"/>
-    </dgm:txFillClrLst>
-    <dgm:txEffectClrLst/>
-  </dgm:styleLbl>
-  <dgm:styleLbl name="conFgAcc1">
-    <dgm:fillClrLst meth="repeat">
-      <a:schemeClr val="lt1">
-        <a:alpha val="90000"/>
-      </a:schemeClr>
-    </dgm:fillClrLst>
-    <dgm:linClrLst meth="repeat">
-      <a:schemeClr val="accent2"/>
-      <a:schemeClr val="accent3"/>
-      <a:schemeClr val="accent4"/>
-      <a:schemeClr val="accent5"/>
-      <a:schemeClr val="accent6"/>
-    </dgm:linClrLst>
-    <dgm:effectClrLst/>
-    <dgm:txLinClrLst/>
-    <dgm:txFillClrLst meth="repeat">
-      <a:schemeClr val="dk1"/>
-    </dgm:txFillClrLst>
-    <dgm:txEffectClrLst/>
-  </dgm:styleLbl>
-  <dgm:styleLbl name="alignAcc1">
-    <dgm:fillClrLst meth="repeat">
-      <a:schemeClr val="lt1">
-        <a:alpha val="90000"/>
-      </a:schemeClr>
-    </dgm:fillClrLst>
-    <dgm:linClrLst meth="repeat">
-      <a:schemeClr val="accent2"/>
-      <a:schemeClr val="accent3"/>
-      <a:schemeClr val="accent4"/>
-      <a:schemeClr val="accent5"/>
-      <a:schemeClr val="accent6"/>
-    </dgm:linClrLst>
-    <dgm:effectClrLst/>
-    <dgm:txLinClrLst/>
-    <dgm:txFillClrLst meth="repeat">
-      <a:schemeClr val="dk1"/>
-    </dgm:txFillClrLst>
-    <dgm:txEffectClrLst/>
-  </dgm:styleLbl>
-  <dgm:styleLbl name="trAlignAcc1">
-    <dgm:fillClrLst meth="repeat">
-      <a:schemeClr val="lt1">
-        <a:alpha val="40000"/>
-      </a:schemeClr>
-    </dgm:fillClrLst>
-    <dgm:linClrLst meth="repeat">
-      <a:schemeClr val="accent1"/>
-    </dgm:linClrLst>
-    <dgm:effectClrLst/>
-    <dgm:txLinClrLst/>
-    <dgm:txFillClrLst meth="repeat">
-      <a:schemeClr val="dk1"/>
-    </dgm:txFillClrLst>
-    <dgm:txEffectClrLst/>
-  </dgm:styleLbl>
-  <dgm:styleLbl name="bgAcc1">
-    <dgm:fillClrLst meth="repeat">
-      <a:schemeClr val="lt1">
-        <a:alpha val="90000"/>
-      </a:schemeClr>
-    </dgm:fillClrLst>
-    <dgm:linClrLst meth="repeat">
-      <a:schemeClr val="accent2"/>
-      <a:schemeClr val="accent3"/>
-      <a:schemeClr val="accent4"/>
-      <a:schemeClr val="accent5"/>
-      <a:schemeClr val="accent6"/>
-    </dgm:linClrLst>
-    <dgm:effectClrLst/>
-    <dgm:txLinClrLst/>
-    <dgm:txFillClrLst meth="repeat">
-      <a:schemeClr val="dk1"/>
-    </dgm:txFillClrLst>
-    <dgm:txEffectClrLst/>
-  </dgm:styleLbl>
-  <dgm:styleLbl name="solidFgAcc1">
-    <dgm:fillClrLst meth="repeat">
-      <a:schemeClr val="lt1"/>
-    </dgm:fillClrLst>
-    <dgm:linClrLst meth="repeat">
-      <a:schemeClr val="accent2"/>
-      <a:schemeClr val="accent3"/>
-      <a:schemeClr val="accent4"/>
-      <a:schemeClr val="accent5"/>
-      <a:schemeClr val="accent6"/>
-    </dgm:linClrLst>
-    <dgm:effectClrLst/>
-    <dgm:txLinClrLst/>
-    <dgm:txFillClrLst meth="repeat">
-      <a:schemeClr val="dk1"/>
-    </dgm:txFillClrLst>
-    <dgm:txEffectClrLst/>
-  </dgm:styleLbl>
-  <dgm:styleLbl name="solidAlignAcc1">
-    <dgm:fillClrLst meth="repeat">
-      <a:schemeClr val="lt1"/>
-    </dgm:fillClrLst>
-    <dgm:linClrLst meth="repeat">
-      <a:schemeClr val="accent2"/>
-      <a:schemeClr val="accent3"/>
-      <a:schemeClr val="accent4"/>
-      <a:schemeClr val="accent5"/>
-      <a:schemeClr val="accent6"/>
-    </dgm:linClrLst>
-    <dgm:effectClrLst/>
-    <dgm:txLinClrLst/>
-    <dgm:txFillClrLst meth="repeat">
-      <a:schemeClr val="dk1"/>
-    </dgm:txFillClrLst>
-    <dgm:txEffectClrLst/>
-  </dgm:styleLbl>
-  <dgm:styleLbl name="solidBgAcc1">
-    <dgm:fillClrLst meth="repeat">
-      <a:schemeClr val="lt1"/>
-    </dgm:fillClrLst>
-    <dgm:linClrLst meth="repeat">
-      <a:schemeClr val="accent2"/>
-      <a:schemeClr val="accent3"/>
-      <a:schemeClr val="accent4"/>
-      <a:schemeClr val="accent5"/>
-      <a:schemeClr val="accent6"/>
-    </dgm:linClrLst>
-    <dgm:effectClrLst/>
-    <dgm:txLinClrLst/>
-    <dgm:txFillClrLst meth="repeat">
-      <a:schemeClr val="dk1"/>
-    </dgm:txFillClrLst>
-    <dgm:txEffectClrLst/>
-  </dgm:styleLbl>
-  <dgm:styleLbl name="fgAccFollowNode1">
-    <dgm:fillClrLst meth="repeat">
-      <a:schemeClr val="accent2">
-        <a:tint val="40000"/>
-        <a:alpha val="90000"/>
-      </a:schemeClr>
-      <a:schemeClr val="accent3">
-        <a:tint val="40000"/>
-        <a:alpha val="90000"/>
-      </a:schemeClr>
-      <a:schemeClr val="accent4">
-        <a:tint val="40000"/>
-        <a:alpha val="90000"/>
-      </a:schemeClr>
-      <a:schemeClr val="accent5">
-        <a:tint val="40000"/>
-        <a:alpha val="90000"/>
-      </a:schemeClr>
-      <a:schemeClr val="accent6">
-        <a:tint val="40000"/>
-        <a:alpha val="90000"/>
-      </a:schemeClr>
-    </dgm:fillClrLst>
-    <dgm:linClrLst meth="repeat">
-      <a:schemeClr val="accent2">
-        <a:tint val="40000"/>
-        <a:alpha val="90000"/>
-      </a:schemeClr>
-      <a:schemeClr val="accent3">
-        <a:tint val="40000"/>
-        <a:alpha val="90000"/>
-      </a:schemeClr>
-      <a:schemeClr val="accent4">
-        <a:tint val="40000"/>
-        <a:alpha val="90000"/>
-      </a:schemeClr>
-      <a:schemeClr val="accent5">
-        <a:tint val="40000"/>
-        <a:alpha val="90000"/>
-      </a:schemeClr>
-      <a:schemeClr val="accent6">
-        <a:tint val="40000"/>
-        <a:alpha val="90000"/>
-      </a:schemeClr>
-    </dgm:linClrLst>
-    <dgm:effectClrLst/>
-    <dgm:txLinClrLst/>
-    <dgm:txFillClrLst meth="repeat">
-      <a:schemeClr val="dk1"/>
-    </dgm:txFillClrLst>
-    <dgm:txEffectClrLst/>
-  </dgm:styleLbl>
-  <dgm:styleLbl name="alignAccFollowNode1">
-    <dgm:fillClrLst meth="repeat">
-      <a:schemeClr val="accent2">
-        <a:tint val="40000"/>
-        <a:alpha val="90000"/>
-      </a:schemeClr>
-      <a:schemeClr val="accent3">
-        <a:tint val="40000"/>
-        <a:alpha val="90000"/>
-      </a:schemeClr>
-      <a:schemeClr val="accent4">
-        <a:tint val="40000"/>
-        <a:alpha val="90000"/>
-      </a:schemeClr>
-      <a:schemeClr val="accent5">
-        <a:tint val="40000"/>
-        <a:alpha val="90000"/>
-      </a:schemeClr>
-      <a:schemeClr val="accent6">
-        <a:tint val="40000"/>
-        <a:alpha val="90000"/>
-      </a:schemeClr>
-    </dgm:fillClrLst>
-    <dgm:linClrLst meth="repeat">
-      <a:schemeClr val="accent2">
-        <a:tint val="40000"/>
-        <a:alpha val="90000"/>
-      </a:schemeClr>
-      <a:schemeClr val="accent3">
-        <a:tint val="40000"/>
-        <a:alpha val="90000"/>
-      </a:schemeClr>
-      <a:schemeClr val="accent4">
-        <a:tint val="40000"/>
-        <a:alpha val="90000"/>
-      </a:schemeClr>
-      <a:schemeClr val="accent5">
-        <a:tint val="40000"/>
-        <a:alpha val="90000"/>
-      </a:schemeClr>
-      <a:schemeClr val="accent6">
-        <a:tint val="40000"/>
-        <a:alpha val="90000"/>
-      </a:schemeClr>
-    </dgm:linClrLst>
-    <dgm:effectClrLst/>
-    <dgm:txLinClrLst/>
-    <dgm:txFillClrLst meth="repeat">
-      <a:schemeClr val="dk1"/>
-    </dgm:txFillClrLst>
-    <dgm:txEffectClrLst/>
-  </dgm:styleLbl>
-  <dgm:styleLbl name="bgAccFollowNode1">
-    <dgm:fillClrLst meth="repeat">
-      <a:schemeClr val="accent2">
-        <a:tint val="40000"/>
-        <a:alpha val="90000"/>
-      </a:schemeClr>
-      <a:schemeClr val="accent3">
-        <a:tint val="40000"/>
-        <a:alpha val="90000"/>
-      </a:schemeClr>
-      <a:schemeClr val="accent4">
-        <a:tint val="40000"/>
-        <a:alpha val="90000"/>
-      </a:schemeClr>
-      <a:schemeClr val="accent5">
-        <a:tint val="40000"/>
-        <a:alpha val="90000"/>
-      </a:schemeClr>
-      <a:schemeClr val="accent6">
-        <a:tint val="40000"/>
-        <a:alpha val="90000"/>
-      </a:schemeClr>
-    </dgm:fillClrLst>
-    <dgm:linClrLst meth="repeat">
-      <a:schemeClr val="accent2">
-        <a:tint val="40000"/>
-        <a:alpha val="90000"/>
-      </a:schemeClr>
-      <a:schemeClr val="accent3">
-        <a:tint val="40000"/>
-        <a:alpha val="90000"/>
-      </a:schemeClr>
-      <a:schemeClr val="accent4">
-        <a:tint val="40000"/>
-        <a:alpha val="90000"/>
-      </a:schemeClr>
-      <a:schemeClr val="accent5">
-        <a:tint val="40000"/>
-        <a:alpha val="90000"/>
-      </a:schemeClr>
-      <a:schemeClr val="accent6">
-        <a:tint val="40000"/>
-        <a:alpha val="90000"/>
-      </a:schemeClr>
-    </dgm:linClrLst>
-    <dgm:effectClrLst/>
-    <dgm:txLinClrLst/>
-    <dgm:txFillClrLst meth="repeat">
-      <a:schemeClr val="dk1"/>
-    </dgm:txFillClrLst>
-    <dgm:txEffectClrLst/>
-  </dgm:styleLbl>
-  <dgm:styleLbl name="fgAcc0">
-    <dgm:fillClrLst meth="repeat">
-      <a:schemeClr val="lt1">
-        <a:alpha val="90000"/>
-      </a:schemeClr>
-    </dgm:fillClrLst>
-    <dgm:linClrLst>
-      <a:schemeClr val="accent1"/>
-    </dgm:linClrLst>
-    <dgm:effectClrLst/>
-    <dgm:txLinClrLst/>
-    <dgm:txFillClrLst meth="repeat">
-      <a:schemeClr val="dk1"/>
-    </dgm:txFillClrLst>
-    <dgm:txEffectClrLst/>
-  </dgm:styleLbl>
-  <dgm:styleLbl name="fgAcc2">
-    <dgm:fillClrLst meth="repeat">
-      <a:schemeClr val="lt1">
-        <a:alpha val="90000"/>
-      </a:schemeClr>
-    </dgm:fillClrLst>
-    <dgm:linClrLst>
-      <a:schemeClr val="accent2"/>
-    </dgm:linClrLst>
-    <dgm:effectClrLst/>
-    <dgm:txLinClrLst/>
-    <dgm:txFillClrLst meth="repeat">
-      <a:schemeClr val="dk1"/>
-    </dgm:txFillClrLst>
-    <dgm:txEffectClrLst/>
-  </dgm:styleLbl>
-  <dgm:styleLbl name="fgAcc3">
-    <dgm:fillClrLst meth="repeat">
-      <a:schemeClr val="lt1">
-        <a:alpha val="90000"/>
-      </a:schemeClr>
-    </dgm:fillClrLst>
-    <dgm:linClrLst>
-      <a:schemeClr val="accent3"/>
-    </dgm:linClrLst>
-    <dgm:effectClrLst/>
-    <dgm:txLinClrLst/>
-    <dgm:txFillClrLst meth="repeat">
-      <a:schemeClr val="dk1"/>
-    </dgm:txFillClrLst>
-    <dgm:txEffectClrLst/>
-  </dgm:styleLbl>
-  <dgm:styleLbl name="fgAcc4">
-    <dgm:fillClrLst meth="repeat">
-      <a:schemeClr val="lt1">
-        <a:alpha val="90000"/>
-      </a:schemeClr>
-    </dgm:fillClrLst>
-    <dgm:linClrLst>
-      <a:schemeClr val="accent4"/>
-    </dgm:linClrLst>
-    <dgm:effectClrLst/>
-    <dgm:txLinClrLst/>
-    <dgm:txFillClrLst meth="repeat">
-      <a:schemeClr val="dk1"/>
-    </dgm:txFillClrLst>
-    <dgm:txEffectClrLst/>
-  </dgm:styleLbl>
-  <dgm:styleLbl name="bgShp">
-    <dgm:fillClrLst meth="repeat">
-      <a:schemeClr val="accent2">
-        <a:tint val="40000"/>
-      </a:schemeClr>
-    </dgm:fillClrLst>
-    <dgm:linClrLst meth="repeat">
-      <a:schemeClr val="dk1"/>
-    </dgm:linClrLst>
-    <dgm:effectClrLst/>
-    <dgm:txLinClrLst/>
-    <dgm:txFillClrLst meth="repeat">
-      <a:schemeClr val="dk1"/>
-    </dgm:txFillClrLst>
-    <dgm:txEffectClrLst/>
-  </dgm:styleLbl>
-  <dgm:styleLbl name="dkBgShp">
-    <dgm:fillClrLst meth="repeat">
-      <a:schemeClr val="accent2">
-        <a:shade val="90000"/>
-      </a:schemeClr>
-    </dgm:fillClrLst>
-    <dgm:linClrLst meth="repeat">
-      <a:schemeClr val="dk1"/>
-    </dgm:linClrLst>
-    <dgm:effectClrLst/>
-    <dgm:txLinClrLst/>
-    <dgm:txFillClrLst meth="repeat">
-      <a:schemeClr val="lt1"/>
-    </dgm:txFillClrLst>
-    <dgm:txEffectClrLst/>
-  </dgm:styleLbl>
-  <dgm:styleLbl name="trBgShp">
-    <dgm:fillClrLst meth="repeat">
-      <a:schemeClr val="accent1">
-        <a:tint val="50000"/>
-        <a:alpha val="40000"/>
-      </a:schemeClr>
-    </dgm:fillClrLst>
-    <dgm:linClrLst meth="repeat">
-      <a:schemeClr val="accent2"/>
-    </dgm:linClrLst>
-    <dgm:effectClrLst/>
-    <dgm:txLinClrLst/>
-    <dgm:txFillClrLst meth="repeat">
-      <a:schemeClr val="lt1"/>
-    </dgm:txFillClrLst>
-    <dgm:txEffectClrLst/>
-  </dgm:styleLbl>
-  <dgm:styleLbl name="fgShp">
-    <dgm:fillClrLst meth="repeat">
-      <a:schemeClr val="accent2">
-        <a:tint val="40000"/>
-      </a:schemeClr>
-    </dgm:fillClrLst>
-    <dgm:linClrLst meth="repeat">
-      <a:schemeClr val="lt1"/>
-    </dgm:linClrLst>
-    <dgm:effectClrLst/>
-    <dgm:txLinClrLst/>
-    <dgm:txFillClrLst meth="repeat">
-      <a:schemeClr val="dk1"/>
-    </dgm:txFillClrLst>
-    <dgm:txEffectClrLst/>
-  </dgm:styleLbl>
-  <dgm:styleLbl name="revTx">
-    <dgm:fillClrLst meth="repeat">
-      <a:schemeClr val="lt1">
-        <a:alpha val="0"/>
-      </a:schemeClr>
-    </dgm:fillClrLst>
-    <dgm:linClrLst meth="repeat">
-      <a:schemeClr val="dk1">
-        <a:alpha val="0"/>
-      </a:schemeClr>
-    </dgm:linClrLst>
-    <dgm:effectClrLst/>
-    <dgm:txLinClrLst/>
-    <dgm:txFillClrLst meth="repeat">
-      <a:schemeClr val="tx1"/>
-    </dgm:txFillClrLst>
-    <dgm:txEffectClrLst/>
-  </dgm:styleLbl>
-</dgm:colorsDef>
-</file>
-
-<file path=ppt/diagrams/data1.xml><?xml version="1.0" encoding="utf-8"?>
-<dgm:dataModel xmlns:dgm="http://schemas.openxmlformats.org/drawingml/2006/diagram" xmlns:a="http://schemas.openxmlformats.org/drawingml/2006/main">
-  <dgm:ptLst>
-    <dgm:pt modelId="{CD7942A0-B7D2-4B14-8FEA-55FC702F5BE7}" type="doc">
-      <dgm:prSet loTypeId="urn:microsoft.com/office/officeart/2005/8/layout/vProcess5" loCatId="process" qsTypeId="urn:microsoft.com/office/officeart/2005/8/quickstyle/simple4" qsCatId="simple" csTypeId="urn:microsoft.com/office/officeart/2005/8/colors/colorful1" csCatId="colorful" phldr="1"/>
-      <dgm:spPr/>
-      <dgm:t>
-        <a:bodyPr rtlCol="0"/>
-        <a:lstStyle/>
-        <a:p>
-          <a:pPr rtl="0"/>
-          <a:endParaRPr lang="en-US"/>
-        </a:p>
-      </dgm:t>
-    </dgm:pt>
-    <dgm:pt modelId="{095A5E99-E976-4550-8F80-53CC813F2F5A}">
-      <dgm:prSet phldrT="[Text]"/>
-      <dgm:spPr>
-        <a:gradFill rotWithShape="0">
-          <a:gsLst>
-            <a:gs pos="0">
-              <a:srgbClr val="703000"/>
-            </a:gs>
-            <a:gs pos="50000">
-              <a:srgbClr val="A44A00"/>
-            </a:gs>
-            <a:gs pos="70000">
-              <a:srgbClr val="BC5500"/>
-            </a:gs>
-            <a:gs pos="100000">
-              <a:srgbClr val="F26D00"/>
-            </a:gs>
-          </a:gsLst>
-        </a:gradFill>
-      </dgm:spPr>
-      <dgm:t>
-        <a:bodyPr rtlCol="0"/>
-        <a:lstStyle/>
-        <a:p>
-          <a:pPr rtl="0"/>
-          <a:r>
-            <a:rPr lang="fr-FR" noProof="0" dirty="0"/>
-            <a:t>Tâche 1</a:t>
-          </a:r>
-        </a:p>
-      </dgm:t>
-      <dgm:extLst>
-        <a:ext uri="{E40237B7-FDA0-4F09-8148-C483321AD2D9}">
-          <dgm14:cNvPr xmlns:dgm14="http://schemas.microsoft.com/office/drawing/2010/diagram" id="0" name="" descr="Staggered process showing 3 tasks arranged one below the other and two downward pointing arrows are used to indicate progression from first task to second task and second task to third task."/>
-        </a:ext>
-      </dgm:extLst>
-    </dgm:pt>
-    <dgm:pt modelId="{03339A0D-5DC0-4B29-8353-C5AEBFD4DE86}" type="parTrans" cxnId="{D1A4D8E6-F04E-4AB1-8D0C-63DC7AB1E81F}">
-      <dgm:prSet/>
-      <dgm:spPr/>
-      <dgm:t>
-        <a:bodyPr rtlCol="0"/>
-        <a:lstStyle/>
-        <a:p>
-          <a:pPr rtl="0"/>
-          <a:endParaRPr lang="en-US"/>
-        </a:p>
-      </dgm:t>
-    </dgm:pt>
-    <dgm:pt modelId="{8877691F-1B60-4485-9174-DDEC7EE68B70}" type="sibTrans" cxnId="{D1A4D8E6-F04E-4AB1-8D0C-63DC7AB1E81F}">
-      <dgm:prSet/>
-      <dgm:spPr/>
-      <dgm:t>
-        <a:bodyPr rtlCol="0"/>
-        <a:lstStyle/>
-        <a:p>
-          <a:pPr rtl="0"/>
-          <a:endParaRPr lang="en-US"/>
-        </a:p>
-      </dgm:t>
-    </dgm:pt>
-    <dgm:pt modelId="{8EC937D8-BD76-4A12-A3E5-900D5C1E2E05}">
-      <dgm:prSet phldrT="[Text]"/>
-      <dgm:spPr/>
-      <dgm:t>
-        <a:bodyPr rtlCol="0"/>
-        <a:lstStyle/>
-        <a:p>
-          <a:pPr rtl="0"/>
-          <a:r>
-            <a:rPr lang="fr-FR" noProof="0" dirty="0"/>
-            <a:t>Tâche 2</a:t>
-          </a:r>
-        </a:p>
-      </dgm:t>
-    </dgm:pt>
-    <dgm:pt modelId="{8265EE85-9851-494E-A6D3-1CDACE947DF3}" type="parTrans" cxnId="{43DC8383-AEE5-490C-A8E5-1F216F2B8FE6}">
-      <dgm:prSet/>
-      <dgm:spPr/>
-      <dgm:t>
-        <a:bodyPr rtlCol="0"/>
-        <a:lstStyle/>
-        <a:p>
-          <a:pPr rtl="0"/>
-          <a:endParaRPr lang="en-US"/>
-        </a:p>
-      </dgm:t>
-    </dgm:pt>
-    <dgm:pt modelId="{B3EFD4A5-9FA1-4ABE-B722-05162509509B}" type="sibTrans" cxnId="{43DC8383-AEE5-490C-A8E5-1F216F2B8FE6}">
-      <dgm:prSet/>
-      <dgm:spPr/>
-      <dgm:t>
-        <a:bodyPr rtlCol="0"/>
-        <a:lstStyle/>
-        <a:p>
-          <a:pPr rtl="0"/>
-          <a:endParaRPr lang="en-US"/>
-        </a:p>
-      </dgm:t>
-    </dgm:pt>
-    <dgm:pt modelId="{7133ECF5-4190-4604-AA2F-03C9A0A9210F}">
-      <dgm:prSet phldrT="[Text]"/>
-      <dgm:spPr>
-        <a:gradFill rotWithShape="0">
-          <a:gsLst>
-            <a:gs pos="0">
-              <a:srgbClr val="394404"/>
-            </a:gs>
-            <a:gs pos="50000">
-              <a:srgbClr val="5F6F0F"/>
-            </a:gs>
-            <a:gs pos="70000">
-              <a:srgbClr val="65741A"/>
-            </a:gs>
-            <a:gs pos="100000">
-              <a:schemeClr val="accent4">
-                <a:hueOff val="0"/>
-                <a:satOff val="0"/>
-                <a:lumOff val="0"/>
-                <a:alphaOff val="0"/>
-                <a:tint val="100000"/>
-                <a:shade val="100000"/>
-                <a:satMod val="155000"/>
-              </a:schemeClr>
-            </a:gs>
-          </a:gsLst>
-        </a:gradFill>
-      </dgm:spPr>
-      <dgm:t>
-        <a:bodyPr rtlCol="0"/>
-        <a:lstStyle/>
-        <a:p>
-          <a:pPr rtl="0"/>
-          <a:r>
-            <a:rPr lang="fr-FR" noProof="0" dirty="0"/>
-            <a:t>Tâche 3</a:t>
-          </a:r>
-        </a:p>
-      </dgm:t>
-      <dgm:extLst>
-        <a:ext uri="{E40237B7-FDA0-4F09-8148-C483321AD2D9}">
-          <dgm14:cNvPr xmlns:dgm14="http://schemas.microsoft.com/office/drawing/2010/diagram" id="0" name="" descr="Staggered process showing 3 tasks arranged one below the other and two downward pointing arrows are used to indicate progression from first task to second task and second task to third task."/>
-        </a:ext>
-      </dgm:extLst>
-    </dgm:pt>
-    <dgm:pt modelId="{7D1B29D7-21DD-436A-8F7C-E87DE53C1431}" type="parTrans" cxnId="{011A9761-E983-4C7D-AB1D-2038261D8FF8}">
-      <dgm:prSet/>
-      <dgm:spPr/>
-      <dgm:t>
-        <a:bodyPr rtlCol="0"/>
-        <a:lstStyle/>
-        <a:p>
-          <a:pPr rtl="0"/>
-          <a:endParaRPr lang="en-US"/>
-        </a:p>
-      </dgm:t>
-    </dgm:pt>
-    <dgm:pt modelId="{46037378-034A-4662-877A-B53E1DA069A3}" type="sibTrans" cxnId="{011A9761-E983-4C7D-AB1D-2038261D8FF8}">
-      <dgm:prSet/>
-      <dgm:spPr/>
-      <dgm:t>
-        <a:bodyPr rtlCol="0"/>
-        <a:lstStyle/>
-        <a:p>
-          <a:pPr rtl="0"/>
-          <a:endParaRPr lang="en-US"/>
-        </a:p>
-      </dgm:t>
-    </dgm:pt>
-    <dgm:pt modelId="{1D84D8B6-AB32-4491-B5D2-EFE3D7668B88}" type="pres">
-      <dgm:prSet presAssocID="{CD7942A0-B7D2-4B14-8FEA-55FC702F5BE7}" presName="outerComposite" presStyleCnt="0">
-        <dgm:presLayoutVars>
-          <dgm:chMax val="5"/>
-          <dgm:dir/>
-          <dgm:resizeHandles val="exact"/>
-        </dgm:presLayoutVars>
-      </dgm:prSet>
-      <dgm:spPr/>
-    </dgm:pt>
-    <dgm:pt modelId="{3E0E8213-E460-4EB7-9A92-C2B1CC553F0D}" type="pres">
-      <dgm:prSet presAssocID="{CD7942A0-B7D2-4B14-8FEA-55FC702F5BE7}" presName="dummyMaxCanvas" presStyleCnt="0">
-        <dgm:presLayoutVars/>
-      </dgm:prSet>
-      <dgm:spPr/>
-    </dgm:pt>
-    <dgm:pt modelId="{124EF20B-D98C-45B2-BB13-7B93B5373CEB}" type="pres">
-      <dgm:prSet presAssocID="{CD7942A0-B7D2-4B14-8FEA-55FC702F5BE7}" presName="ThreeNodes_1" presStyleLbl="node1" presStyleIdx="0" presStyleCnt="3">
-        <dgm:presLayoutVars>
-          <dgm:bulletEnabled val="1"/>
-        </dgm:presLayoutVars>
-      </dgm:prSet>
-      <dgm:spPr/>
-    </dgm:pt>
-    <dgm:pt modelId="{CA544AF7-F7B2-4CA5-9251-B4CDB8D06634}" type="pres">
-      <dgm:prSet presAssocID="{CD7942A0-B7D2-4B14-8FEA-55FC702F5BE7}" presName="ThreeNodes_2" presStyleLbl="node1" presStyleIdx="1" presStyleCnt="3">
-        <dgm:presLayoutVars>
-          <dgm:bulletEnabled val="1"/>
-        </dgm:presLayoutVars>
-      </dgm:prSet>
-      <dgm:spPr/>
-    </dgm:pt>
-    <dgm:pt modelId="{2AE92D3F-F0FA-45DD-BB60-4C6FBC6BC016}" type="pres">
-      <dgm:prSet presAssocID="{CD7942A0-B7D2-4B14-8FEA-55FC702F5BE7}" presName="ThreeNodes_3" presStyleLbl="node1" presStyleIdx="2" presStyleCnt="3">
-        <dgm:presLayoutVars>
-          <dgm:bulletEnabled val="1"/>
-        </dgm:presLayoutVars>
-      </dgm:prSet>
-      <dgm:spPr/>
-    </dgm:pt>
-    <dgm:pt modelId="{9CA877D8-99F8-40A0-89E9-59A61C9A70F4}" type="pres">
-      <dgm:prSet presAssocID="{CD7942A0-B7D2-4B14-8FEA-55FC702F5BE7}" presName="ThreeConn_1-2" presStyleLbl="fgAccFollowNode1" presStyleIdx="0" presStyleCnt="2">
-        <dgm:presLayoutVars>
-          <dgm:bulletEnabled val="1"/>
-        </dgm:presLayoutVars>
-      </dgm:prSet>
-      <dgm:spPr/>
-    </dgm:pt>
-    <dgm:pt modelId="{62643EF2-016C-41F1-8CBC-398422A85727}" type="pres">
-      <dgm:prSet presAssocID="{CD7942A0-B7D2-4B14-8FEA-55FC702F5BE7}" presName="ThreeConn_2-3" presStyleLbl="fgAccFollowNode1" presStyleIdx="1" presStyleCnt="2">
-        <dgm:presLayoutVars>
-          <dgm:bulletEnabled val="1"/>
-        </dgm:presLayoutVars>
-      </dgm:prSet>
-      <dgm:spPr/>
-    </dgm:pt>
-    <dgm:pt modelId="{7A2F6994-DA87-4497-BFC7-DD9D6EC5315F}" type="pres">
-      <dgm:prSet presAssocID="{CD7942A0-B7D2-4B14-8FEA-55FC702F5BE7}" presName="ThreeNodes_1_text" presStyleLbl="node1" presStyleIdx="2" presStyleCnt="3">
-        <dgm:presLayoutVars>
-          <dgm:bulletEnabled val="1"/>
-        </dgm:presLayoutVars>
-      </dgm:prSet>
-      <dgm:spPr/>
-    </dgm:pt>
-    <dgm:pt modelId="{916C48CB-E452-4B79-A9B9-4C9A90B47960}" type="pres">
-      <dgm:prSet presAssocID="{CD7942A0-B7D2-4B14-8FEA-55FC702F5BE7}" presName="ThreeNodes_2_text" presStyleLbl="node1" presStyleIdx="2" presStyleCnt="3">
-        <dgm:presLayoutVars>
-          <dgm:bulletEnabled val="1"/>
-        </dgm:presLayoutVars>
-      </dgm:prSet>
-      <dgm:spPr/>
-    </dgm:pt>
-    <dgm:pt modelId="{A31D264E-E285-4E5C-8EB7-762CD501BE72}" type="pres">
-      <dgm:prSet presAssocID="{CD7942A0-B7D2-4B14-8FEA-55FC702F5BE7}" presName="ThreeNodes_3_text" presStyleLbl="node1" presStyleIdx="2" presStyleCnt="3">
-        <dgm:presLayoutVars>
-          <dgm:bulletEnabled val="1"/>
-        </dgm:presLayoutVars>
-      </dgm:prSet>
-      <dgm:spPr/>
-    </dgm:pt>
-  </dgm:ptLst>
-  <dgm:cxnLst>
-    <dgm:cxn modelId="{5A89A138-BC1A-490F-935E-2EC3F74E8E18}" type="presOf" srcId="{7133ECF5-4190-4604-AA2F-03C9A0A9210F}" destId="{2AE92D3F-F0FA-45DD-BB60-4C6FBC6BC016}" srcOrd="0" destOrd="0" presId="urn:microsoft.com/office/officeart/2005/8/layout/vProcess5"/>
-    <dgm:cxn modelId="{011A9761-E983-4C7D-AB1D-2038261D8FF8}" srcId="{CD7942A0-B7D2-4B14-8FEA-55FC702F5BE7}" destId="{7133ECF5-4190-4604-AA2F-03C9A0A9210F}" srcOrd="2" destOrd="0" parTransId="{7D1B29D7-21DD-436A-8F7C-E87DE53C1431}" sibTransId="{46037378-034A-4662-877A-B53E1DA069A3}"/>
-    <dgm:cxn modelId="{8A063A46-8F8D-405A-B2D6-6495FA638F46}" type="presOf" srcId="{8EC937D8-BD76-4A12-A3E5-900D5C1E2E05}" destId="{CA544AF7-F7B2-4CA5-9251-B4CDB8D06634}" srcOrd="0" destOrd="0" presId="urn:microsoft.com/office/officeart/2005/8/layout/vProcess5"/>
-    <dgm:cxn modelId="{A071614A-8A85-47B2-A113-0652CAB9B428}" type="presOf" srcId="{095A5E99-E976-4550-8F80-53CC813F2F5A}" destId="{124EF20B-D98C-45B2-BB13-7B93B5373CEB}" srcOrd="0" destOrd="0" presId="urn:microsoft.com/office/officeart/2005/8/layout/vProcess5"/>
-    <dgm:cxn modelId="{43DC8383-AEE5-490C-A8E5-1F216F2B8FE6}" srcId="{CD7942A0-B7D2-4B14-8FEA-55FC702F5BE7}" destId="{8EC937D8-BD76-4A12-A3E5-900D5C1E2E05}" srcOrd="1" destOrd="0" parTransId="{8265EE85-9851-494E-A6D3-1CDACE947DF3}" sibTransId="{B3EFD4A5-9FA1-4ABE-B722-05162509509B}"/>
-    <dgm:cxn modelId="{03E7038C-2CC0-496B-88A0-60396CDC31E4}" type="presOf" srcId="{7133ECF5-4190-4604-AA2F-03C9A0A9210F}" destId="{A31D264E-E285-4E5C-8EB7-762CD501BE72}" srcOrd="1" destOrd="0" presId="urn:microsoft.com/office/officeart/2005/8/layout/vProcess5"/>
-    <dgm:cxn modelId="{C2D0E194-BD14-4AD2-9E3A-CE984C34B6CD}" type="presOf" srcId="{CD7942A0-B7D2-4B14-8FEA-55FC702F5BE7}" destId="{1D84D8B6-AB32-4491-B5D2-EFE3D7668B88}" srcOrd="0" destOrd="0" presId="urn:microsoft.com/office/officeart/2005/8/layout/vProcess5"/>
-    <dgm:cxn modelId="{BB374C9D-646D-46E6-89B4-117F0E21BA34}" type="presOf" srcId="{8EC937D8-BD76-4A12-A3E5-900D5C1E2E05}" destId="{916C48CB-E452-4B79-A9B9-4C9A90B47960}" srcOrd="1" destOrd="0" presId="urn:microsoft.com/office/officeart/2005/8/layout/vProcess5"/>
-    <dgm:cxn modelId="{12FC7FDE-4033-4970-A683-61DE6FA84E89}" type="presOf" srcId="{8877691F-1B60-4485-9174-DDEC7EE68B70}" destId="{9CA877D8-99F8-40A0-89E9-59A61C9A70F4}" srcOrd="0" destOrd="0" presId="urn:microsoft.com/office/officeart/2005/8/layout/vProcess5"/>
-    <dgm:cxn modelId="{D1A4D8E6-F04E-4AB1-8D0C-63DC7AB1E81F}" srcId="{CD7942A0-B7D2-4B14-8FEA-55FC702F5BE7}" destId="{095A5E99-E976-4550-8F80-53CC813F2F5A}" srcOrd="0" destOrd="0" parTransId="{03339A0D-5DC0-4B29-8353-C5AEBFD4DE86}" sibTransId="{8877691F-1B60-4485-9174-DDEC7EE68B70}"/>
-    <dgm:cxn modelId="{7C007CEB-6418-4EA7-9CB6-5B93D0C655E6}" type="presOf" srcId="{095A5E99-E976-4550-8F80-53CC813F2F5A}" destId="{7A2F6994-DA87-4497-BFC7-DD9D6EC5315F}" srcOrd="1" destOrd="0" presId="urn:microsoft.com/office/officeart/2005/8/layout/vProcess5"/>
-    <dgm:cxn modelId="{6CF7D6F9-A5F2-48E3-AF5C-A2074559AE21}" type="presOf" srcId="{B3EFD4A5-9FA1-4ABE-B722-05162509509B}" destId="{62643EF2-016C-41F1-8CBC-398422A85727}" srcOrd="0" destOrd="0" presId="urn:microsoft.com/office/officeart/2005/8/layout/vProcess5"/>
-    <dgm:cxn modelId="{768DB908-A4BF-48A6-A740-5DD0CBAFBB11}" type="presParOf" srcId="{1D84D8B6-AB32-4491-B5D2-EFE3D7668B88}" destId="{3E0E8213-E460-4EB7-9A92-C2B1CC553F0D}" srcOrd="0" destOrd="0" presId="urn:microsoft.com/office/officeart/2005/8/layout/vProcess5"/>
-    <dgm:cxn modelId="{A8B17D3B-E670-4FE0-A845-244C702B8151}" type="presParOf" srcId="{1D84D8B6-AB32-4491-B5D2-EFE3D7668B88}" destId="{124EF20B-D98C-45B2-BB13-7B93B5373CEB}" srcOrd="1" destOrd="0" presId="urn:microsoft.com/office/officeart/2005/8/layout/vProcess5"/>
-    <dgm:cxn modelId="{1E8E2D8B-A980-4080-A16E-1F74528DE4D0}" type="presParOf" srcId="{1D84D8B6-AB32-4491-B5D2-EFE3D7668B88}" destId="{CA544AF7-F7B2-4CA5-9251-B4CDB8D06634}" srcOrd="2" destOrd="0" presId="urn:microsoft.com/office/officeart/2005/8/layout/vProcess5"/>
-    <dgm:cxn modelId="{7992440C-9F36-432D-90EE-E2A708CEB38B}" type="presParOf" srcId="{1D84D8B6-AB32-4491-B5D2-EFE3D7668B88}" destId="{2AE92D3F-F0FA-45DD-BB60-4C6FBC6BC016}" srcOrd="3" destOrd="0" presId="urn:microsoft.com/office/officeart/2005/8/layout/vProcess5"/>
-    <dgm:cxn modelId="{DBE883B8-7D13-43BA-A456-8DBB93D30C93}" type="presParOf" srcId="{1D84D8B6-AB32-4491-B5D2-EFE3D7668B88}" destId="{9CA877D8-99F8-40A0-89E9-59A61C9A70F4}" srcOrd="4" destOrd="0" presId="urn:microsoft.com/office/officeart/2005/8/layout/vProcess5"/>
-    <dgm:cxn modelId="{A3B9E6ED-FFD0-430E-B609-EBE8E75E7C44}" type="presParOf" srcId="{1D84D8B6-AB32-4491-B5D2-EFE3D7668B88}" destId="{62643EF2-016C-41F1-8CBC-398422A85727}" srcOrd="5" destOrd="0" presId="urn:microsoft.com/office/officeart/2005/8/layout/vProcess5"/>
-    <dgm:cxn modelId="{278FE748-9C54-4E36-9203-E948DB63C99A}" type="presParOf" srcId="{1D84D8B6-AB32-4491-B5D2-EFE3D7668B88}" destId="{7A2F6994-DA87-4497-BFC7-DD9D6EC5315F}" srcOrd="6" destOrd="0" presId="urn:microsoft.com/office/officeart/2005/8/layout/vProcess5"/>
-    <dgm:cxn modelId="{E81279B5-23BF-4F73-A353-8831FC04E9BC}" type="presParOf" srcId="{1D84D8B6-AB32-4491-B5D2-EFE3D7668B88}" destId="{916C48CB-E452-4B79-A9B9-4C9A90B47960}" srcOrd="7" destOrd="0" presId="urn:microsoft.com/office/officeart/2005/8/layout/vProcess5"/>
-    <dgm:cxn modelId="{16289EC3-0C51-4B32-B6CC-FE8F7F6F6C76}" type="presParOf" srcId="{1D84D8B6-AB32-4491-B5D2-EFE3D7668B88}" destId="{A31D264E-E285-4E5C-8EB7-762CD501BE72}" srcOrd="8" destOrd="0" presId="urn:microsoft.com/office/officeart/2005/8/layout/vProcess5"/>
-  </dgm:cxnLst>
-  <dgm:bg/>
-  <dgm:whole/>
-  <dgm:extLst>
-    <a:ext uri="http://schemas.microsoft.com/office/drawing/2008/diagram">
-      <dsp:dataModelExt xmlns:dsp="http://schemas.microsoft.com/office/drawing/2008/diagram" relId="rId7" minVer="http://schemas.openxmlformats.org/drawingml/2006/diagram"/>
-    </a:ext>
-  </dgm:extLst>
-</dgm:dataModel>
-</file>
-
-<file path=ppt/diagrams/drawing1.xml><?xml version="1.0" encoding="utf-8"?>
-<dsp:drawing xmlns:dgm="http://schemas.openxmlformats.org/drawingml/2006/diagram" xmlns:dsp="http://schemas.microsoft.com/office/drawing/2008/diagram" xmlns:a="http://schemas.openxmlformats.org/drawingml/2006/main">
-  <dsp:spTree>
-    <dsp:nvGrpSpPr>
-      <dsp:cNvPr id="0" name=""/>
-      <dsp:cNvGrpSpPr/>
-    </dsp:nvGrpSpPr>
-    <dsp:grpSpPr/>
-    <dsp:sp modelId="{124EF20B-D98C-45B2-BB13-7B93B5373CEB}">
-      <dsp:nvSpPr>
-        <dsp:cNvPr id="0" name=""/>
-        <dsp:cNvSpPr/>
-      </dsp:nvSpPr>
-      <dsp:spPr>
-        <a:xfrm>
-          <a:off x="0" y="0"/>
-          <a:ext cx="4316650" cy="1339691"/>
-        </a:xfrm>
-        <a:prstGeom prst="roundRect">
-          <a:avLst>
-            <a:gd name="adj" fmla="val 10000"/>
-          </a:avLst>
-        </a:prstGeom>
-        <a:gradFill rotWithShape="0">
-          <a:gsLst>
-            <a:gs pos="0">
-              <a:srgbClr val="703000"/>
-            </a:gs>
-            <a:gs pos="50000">
-              <a:srgbClr val="A44A00"/>
-            </a:gs>
-            <a:gs pos="70000">
-              <a:srgbClr val="BC5500"/>
-            </a:gs>
-            <a:gs pos="100000">
-              <a:srgbClr val="F26D00"/>
-            </a:gs>
-          </a:gsLst>
-          <a:lin ang="16200000" scaled="0"/>
-        </a:gradFill>
-        <a:ln>
-          <a:noFill/>
-        </a:ln>
-        <a:effectLst>
-          <a:outerShdw blurRad="38100" dist="25400" dir="2700000" algn="br" rotWithShape="0">
-            <a:srgbClr val="000000">
-              <a:alpha val="60000"/>
-            </a:srgbClr>
-          </a:outerShdw>
-        </a:effectLst>
-      </dsp:spPr>
-      <dsp:style>
-        <a:lnRef idx="0">
-          <a:scrgbClr r="0" g="0" b="0"/>
-        </a:lnRef>
-        <a:fillRef idx="3">
-          <a:scrgbClr r="0" g="0" b="0"/>
-        </a:fillRef>
-        <a:effectRef idx="2">
-          <a:scrgbClr r="0" g="0" b="0"/>
-        </a:effectRef>
-        <a:fontRef idx="minor">
-          <a:schemeClr val="lt1"/>
-        </a:fontRef>
-      </dsp:style>
-      <dsp:txBody>
-        <a:bodyPr spcFirstLastPara="0" vert="horz" wrap="square" lIns="220980" tIns="220980" rIns="220980" bIns="220980" numCol="1" spcCol="1270" rtlCol="0" anchor="ctr" anchorCtr="0">
-          <a:noAutofit/>
-        </a:bodyPr>
-        <a:lstStyle/>
-        <a:p>
-          <a:pPr marL="0" lvl="0" indent="0" algn="l" defTabSz="2578100" rtl="0">
-            <a:lnSpc>
-              <a:spcPct val="90000"/>
-            </a:lnSpc>
-            <a:spcBef>
-              <a:spcPct val="0"/>
-            </a:spcBef>
-            <a:spcAft>
-              <a:spcPct val="35000"/>
-            </a:spcAft>
-            <a:buNone/>
-          </a:pPr>
-          <a:r>
-            <a:rPr lang="fr-FR" sz="5800" kern="1200" noProof="0" dirty="0"/>
-            <a:t>Tâche 1</a:t>
-          </a:r>
-        </a:p>
-      </dsp:txBody>
-      <dsp:txXfrm>
-        <a:off x="39238" y="39238"/>
-        <a:ext cx="2871019" cy="1261215"/>
-      </dsp:txXfrm>
-    </dsp:sp>
-    <dsp:sp modelId="{CA544AF7-F7B2-4CA5-9251-B4CDB8D06634}">
-      <dsp:nvSpPr>
-        <dsp:cNvPr id="0" name=""/>
-        <dsp:cNvSpPr/>
-      </dsp:nvSpPr>
-      <dsp:spPr>
-        <a:xfrm>
-          <a:off x="380880" y="1562972"/>
-          <a:ext cx="4316650" cy="1339691"/>
-        </a:xfrm>
-        <a:prstGeom prst="roundRect">
-          <a:avLst>
-            <a:gd name="adj" fmla="val 10000"/>
-          </a:avLst>
-        </a:prstGeom>
-        <a:gradFill rotWithShape="0">
-          <a:gsLst>
-            <a:gs pos="0">
-              <a:schemeClr val="accent3">
-                <a:hueOff val="0"/>
-                <a:satOff val="0"/>
-                <a:lumOff val="0"/>
-                <a:alphaOff val="0"/>
-                <a:shade val="15000"/>
-                <a:satMod val="180000"/>
-              </a:schemeClr>
-            </a:gs>
-            <a:gs pos="50000">
-              <a:schemeClr val="accent3">
-                <a:hueOff val="0"/>
-                <a:satOff val="0"/>
-                <a:lumOff val="0"/>
-                <a:alphaOff val="0"/>
-                <a:shade val="45000"/>
-                <a:satMod val="170000"/>
-              </a:schemeClr>
-            </a:gs>
-            <a:gs pos="70000">
-              <a:schemeClr val="accent3">
-                <a:hueOff val="0"/>
-                <a:satOff val="0"/>
-                <a:lumOff val="0"/>
-                <a:alphaOff val="0"/>
-                <a:tint val="99000"/>
-                <a:shade val="65000"/>
-                <a:satMod val="155000"/>
-              </a:schemeClr>
-            </a:gs>
-            <a:gs pos="100000">
-              <a:schemeClr val="accent3">
-                <a:hueOff val="0"/>
-                <a:satOff val="0"/>
-                <a:lumOff val="0"/>
-                <a:alphaOff val="0"/>
-                <a:tint val="100000"/>
-                <a:shade val="100000"/>
-                <a:satMod val="155000"/>
-              </a:schemeClr>
-            </a:gs>
-          </a:gsLst>
-          <a:lin ang="16200000" scaled="0"/>
-        </a:gradFill>
-        <a:ln>
-          <a:noFill/>
-        </a:ln>
-        <a:effectLst>
-          <a:outerShdw blurRad="38100" dist="25400" dir="2700000" algn="br" rotWithShape="0">
-            <a:srgbClr val="000000">
-              <a:alpha val="60000"/>
-            </a:srgbClr>
-          </a:outerShdw>
-        </a:effectLst>
-      </dsp:spPr>
-      <dsp:style>
-        <a:lnRef idx="0">
-          <a:scrgbClr r="0" g="0" b="0"/>
-        </a:lnRef>
-        <a:fillRef idx="3">
-          <a:scrgbClr r="0" g="0" b="0"/>
-        </a:fillRef>
-        <a:effectRef idx="2">
-          <a:scrgbClr r="0" g="0" b="0"/>
-        </a:effectRef>
-        <a:fontRef idx="minor">
-          <a:schemeClr val="lt1"/>
-        </a:fontRef>
-      </dsp:style>
-      <dsp:txBody>
-        <a:bodyPr spcFirstLastPara="0" vert="horz" wrap="square" lIns="220980" tIns="220980" rIns="220980" bIns="220980" numCol="1" spcCol="1270" rtlCol="0" anchor="ctr" anchorCtr="0">
-          <a:noAutofit/>
-        </a:bodyPr>
-        <a:lstStyle/>
-        <a:p>
-          <a:pPr marL="0" lvl="0" indent="0" algn="l" defTabSz="2578100" rtl="0">
-            <a:lnSpc>
-              <a:spcPct val="90000"/>
-            </a:lnSpc>
-            <a:spcBef>
-              <a:spcPct val="0"/>
-            </a:spcBef>
-            <a:spcAft>
-              <a:spcPct val="35000"/>
-            </a:spcAft>
-            <a:buNone/>
-          </a:pPr>
-          <a:r>
-            <a:rPr lang="fr-FR" sz="5800" kern="1200" noProof="0" dirty="0"/>
-            <a:t>Tâche 2</a:t>
-          </a:r>
-        </a:p>
-      </dsp:txBody>
-      <dsp:txXfrm>
-        <a:off x="420118" y="1602210"/>
-        <a:ext cx="2986494" cy="1261215"/>
-      </dsp:txXfrm>
-    </dsp:sp>
-    <dsp:sp modelId="{2AE92D3F-F0FA-45DD-BB60-4C6FBC6BC016}">
-      <dsp:nvSpPr>
-        <dsp:cNvPr id="0" name=""/>
-        <dsp:cNvSpPr/>
-      </dsp:nvSpPr>
-      <dsp:spPr>
-        <a:xfrm>
-          <a:off x="761761" y="3125945"/>
-          <a:ext cx="4316650" cy="1339691"/>
-        </a:xfrm>
-        <a:prstGeom prst="roundRect">
-          <a:avLst>
-            <a:gd name="adj" fmla="val 10000"/>
-          </a:avLst>
-        </a:prstGeom>
-        <a:gradFill rotWithShape="0">
-          <a:gsLst>
-            <a:gs pos="0">
-              <a:srgbClr val="394404"/>
-            </a:gs>
-            <a:gs pos="50000">
-              <a:srgbClr val="5F6F0F"/>
-            </a:gs>
-            <a:gs pos="70000">
-              <a:srgbClr val="65741A"/>
-            </a:gs>
-            <a:gs pos="100000">
-              <a:schemeClr val="accent4">
-                <a:hueOff val="0"/>
-                <a:satOff val="0"/>
-                <a:lumOff val="0"/>
-                <a:alphaOff val="0"/>
-                <a:tint val="100000"/>
-                <a:shade val="100000"/>
-                <a:satMod val="155000"/>
-              </a:schemeClr>
-            </a:gs>
-          </a:gsLst>
-          <a:lin ang="16200000" scaled="0"/>
-        </a:gradFill>
-        <a:ln>
-          <a:noFill/>
-        </a:ln>
-        <a:effectLst>
-          <a:outerShdw blurRad="38100" dist="25400" dir="2700000" algn="br" rotWithShape="0">
-            <a:srgbClr val="000000">
-              <a:alpha val="60000"/>
-            </a:srgbClr>
-          </a:outerShdw>
-        </a:effectLst>
-      </dsp:spPr>
-      <dsp:style>
-        <a:lnRef idx="0">
-          <a:scrgbClr r="0" g="0" b="0"/>
-        </a:lnRef>
-        <a:fillRef idx="3">
-          <a:scrgbClr r="0" g="0" b="0"/>
-        </a:fillRef>
-        <a:effectRef idx="2">
-          <a:scrgbClr r="0" g="0" b="0"/>
-        </a:effectRef>
-        <a:fontRef idx="minor">
-          <a:schemeClr val="lt1"/>
-        </a:fontRef>
-      </dsp:style>
-      <dsp:txBody>
-        <a:bodyPr spcFirstLastPara="0" vert="horz" wrap="square" lIns="220980" tIns="220980" rIns="220980" bIns="220980" numCol="1" spcCol="1270" rtlCol="0" anchor="ctr" anchorCtr="0">
-          <a:noAutofit/>
-        </a:bodyPr>
-        <a:lstStyle/>
-        <a:p>
-          <a:pPr marL="0" lvl="0" indent="0" algn="l" defTabSz="2578100" rtl="0">
-            <a:lnSpc>
-              <a:spcPct val="90000"/>
-            </a:lnSpc>
-            <a:spcBef>
-              <a:spcPct val="0"/>
-            </a:spcBef>
-            <a:spcAft>
-              <a:spcPct val="35000"/>
-            </a:spcAft>
-            <a:buNone/>
-          </a:pPr>
-          <a:r>
-            <a:rPr lang="fr-FR" sz="5800" kern="1200" noProof="0" dirty="0"/>
-            <a:t>Tâche 3</a:t>
-          </a:r>
-        </a:p>
-      </dsp:txBody>
-      <dsp:txXfrm>
-        <a:off x="800999" y="3165183"/>
-        <a:ext cx="2986494" cy="1261215"/>
-      </dsp:txXfrm>
-    </dsp:sp>
-    <dsp:sp modelId="{9CA877D8-99F8-40A0-89E9-59A61C9A70F4}">
-      <dsp:nvSpPr>
-        <dsp:cNvPr id="0" name=""/>
-        <dsp:cNvSpPr/>
-      </dsp:nvSpPr>
-      <dsp:spPr>
-        <a:xfrm>
-          <a:off x="3445850" y="1015932"/>
-          <a:ext cx="870799" cy="870799"/>
-        </a:xfrm>
-        <a:prstGeom prst="downArrow">
-          <a:avLst>
-            <a:gd name="adj1" fmla="val 55000"/>
-            <a:gd name="adj2" fmla="val 45000"/>
-          </a:avLst>
-        </a:prstGeom>
-        <a:solidFill>
-          <a:schemeClr val="accent2">
-            <a:tint val="40000"/>
-            <a:alpha val="90000"/>
-            <a:hueOff val="0"/>
-            <a:satOff val="0"/>
-            <a:lumOff val="0"/>
-            <a:alphaOff val="0"/>
-          </a:schemeClr>
-        </a:solidFill>
-        <a:ln w="9525" cap="flat" cmpd="sng" algn="ctr">
-          <a:solidFill>
-            <a:schemeClr val="accent2">
-              <a:tint val="40000"/>
-              <a:alpha val="90000"/>
-              <a:hueOff val="0"/>
-              <a:satOff val="0"/>
-              <a:lumOff val="0"/>
-              <a:alphaOff val="0"/>
-            </a:schemeClr>
-          </a:solidFill>
-          <a:miter lim="800000"/>
-        </a:ln>
-        <a:effectLst/>
-      </dsp:spPr>
-      <dsp:style>
-        <a:lnRef idx="1">
-          <a:scrgbClr r="0" g="0" b="0"/>
-        </a:lnRef>
-        <a:fillRef idx="1">
-          <a:scrgbClr r="0" g="0" b="0"/>
-        </a:fillRef>
-        <a:effectRef idx="0">
-          <a:scrgbClr r="0" g="0" b="0"/>
-        </a:effectRef>
-        <a:fontRef idx="minor"/>
-      </dsp:style>
-      <dsp:txBody>
-        <a:bodyPr spcFirstLastPara="0" vert="horz" wrap="square" lIns="45720" tIns="45720" rIns="45720" bIns="45720" numCol="1" spcCol="1270" rtlCol="0" anchor="ctr" anchorCtr="0">
-          <a:noAutofit/>
-        </a:bodyPr>
-        <a:lstStyle/>
-        <a:p>
-          <a:pPr marL="0" lvl="0" indent="0" algn="ctr" defTabSz="1600200" rtl="0">
-            <a:lnSpc>
-              <a:spcPct val="90000"/>
-            </a:lnSpc>
-            <a:spcBef>
-              <a:spcPct val="0"/>
-            </a:spcBef>
-            <a:spcAft>
-              <a:spcPct val="35000"/>
-            </a:spcAft>
-            <a:buNone/>
-          </a:pPr>
-          <a:endParaRPr lang="en-US" sz="3600" kern="1200"/>
-        </a:p>
-      </dsp:txBody>
-      <dsp:txXfrm>
-        <a:off x="3641780" y="1015932"/>
-        <a:ext cx="478939" cy="655276"/>
-      </dsp:txXfrm>
-    </dsp:sp>
-    <dsp:sp modelId="{62643EF2-016C-41F1-8CBC-398422A85727}">
-      <dsp:nvSpPr>
-        <dsp:cNvPr id="0" name=""/>
-        <dsp:cNvSpPr/>
-      </dsp:nvSpPr>
-      <dsp:spPr>
-        <a:xfrm>
-          <a:off x="3826731" y="2569974"/>
-          <a:ext cx="870799" cy="870799"/>
-        </a:xfrm>
-        <a:prstGeom prst="downArrow">
-          <a:avLst>
-            <a:gd name="adj1" fmla="val 55000"/>
-            <a:gd name="adj2" fmla="val 45000"/>
-          </a:avLst>
-        </a:prstGeom>
-        <a:solidFill>
-          <a:schemeClr val="accent3">
-            <a:tint val="40000"/>
-            <a:alpha val="90000"/>
-            <a:hueOff val="0"/>
-            <a:satOff val="0"/>
-            <a:lumOff val="0"/>
-            <a:alphaOff val="0"/>
-          </a:schemeClr>
-        </a:solidFill>
-        <a:ln w="9525" cap="flat" cmpd="sng" algn="ctr">
-          <a:solidFill>
-            <a:schemeClr val="accent3">
-              <a:tint val="40000"/>
-              <a:alpha val="90000"/>
-              <a:hueOff val="0"/>
-              <a:satOff val="0"/>
-              <a:lumOff val="0"/>
-              <a:alphaOff val="0"/>
-            </a:schemeClr>
-          </a:solidFill>
-          <a:miter lim="800000"/>
-        </a:ln>
-        <a:effectLst/>
-      </dsp:spPr>
-      <dsp:style>
-        <a:lnRef idx="1">
-          <a:scrgbClr r="0" g="0" b="0"/>
-        </a:lnRef>
-        <a:fillRef idx="1">
-          <a:scrgbClr r="0" g="0" b="0"/>
-        </a:fillRef>
-        <a:effectRef idx="0">
-          <a:scrgbClr r="0" g="0" b="0"/>
-        </a:effectRef>
-        <a:fontRef idx="minor"/>
-      </dsp:style>
-      <dsp:txBody>
-        <a:bodyPr spcFirstLastPara="0" vert="horz" wrap="square" lIns="45720" tIns="45720" rIns="45720" bIns="45720" numCol="1" spcCol="1270" rtlCol="0" anchor="ctr" anchorCtr="0">
-          <a:noAutofit/>
-        </a:bodyPr>
-        <a:lstStyle/>
-        <a:p>
-          <a:pPr marL="0" lvl="0" indent="0" algn="ctr" defTabSz="1600200" rtl="0">
-            <a:lnSpc>
-              <a:spcPct val="90000"/>
-            </a:lnSpc>
-            <a:spcBef>
-              <a:spcPct val="0"/>
-            </a:spcBef>
-            <a:spcAft>
-              <a:spcPct val="35000"/>
-            </a:spcAft>
-            <a:buNone/>
-          </a:pPr>
-          <a:endParaRPr lang="en-US" sz="3600" kern="1200"/>
-        </a:p>
-      </dsp:txBody>
-      <dsp:txXfrm>
-        <a:off x="4022661" y="2569974"/>
-        <a:ext cx="478939" cy="655276"/>
-      </dsp:txXfrm>
-    </dsp:sp>
-  </dsp:spTree>
-</dsp:drawing>
-</file>
-
-<file path=ppt/diagrams/layout1.xml><?xml version="1.0" encoding="utf-8"?>
-<dgm:layoutDef xmlns:dgm="http://schemas.openxmlformats.org/drawingml/2006/diagram" xmlns:a="http://schemas.openxmlformats.org/drawingml/2006/main" uniqueId="urn:microsoft.com/office/officeart/2005/8/layout/vProcess5">
-  <dgm:title val=""/>
-  <dgm:desc val=""/>
-  <dgm:catLst>
-    <dgm:cat type="process" pri="14000"/>
-  </dgm:catLst>
-  <dgm:sampData>
-    <dgm:dataModel>
-      <dgm:ptLst>
-        <dgm:pt modelId="0" type="doc"/>
-        <dgm:pt modelId="1">
-          <dgm:prSet phldr="1"/>
-        </dgm:pt>
-        <dgm:pt modelId="2">
-          <dgm:prSet phldr="1"/>
-        </dgm:pt>
-        <dgm:pt modelId="3">
-          <dgm:prSet phldr="1"/>
-        </dgm:pt>
-      </dgm:ptLst>
-      <dgm:cxnLst>
-        <dgm:cxn modelId="5" srcId="0" destId="1" srcOrd="0" destOrd="0"/>
-        <dgm:cxn modelId="6" srcId="0" destId="2" srcOrd="1" destOrd="0"/>
-        <dgm:cxn modelId="7" srcId="0" destId="3" srcOrd="2" destOrd="0"/>
-      </dgm:cxnLst>
-      <dgm:bg/>
-      <dgm:whole/>
-    </dgm:dataModel>
-  </dgm:sampData>
-  <dgm:styleData>
-    <dgm:dataModel>
-      <dgm:ptLst>
-        <dgm:pt modelId="0" type="doc"/>
-        <dgm:pt modelId="1"/>
-        <dgm:pt modelId="2"/>
-      </dgm:ptLst>
-      <dgm:cxnLst>
-        <dgm:cxn modelId="3" srcId="0" destId="1" srcOrd="0" destOrd="0"/>
-        <dgm:cxn modelId="4" srcId="0" destId="2" srcOrd="1" destOrd="0"/>
-      </dgm:cxnLst>
-      <dgm:bg/>
-      <dgm:whole/>
-    </dgm:dataModel>
-  </dgm:styleData>
-  <dgm:clrData>
-    <dgm:dataModel>
-      <dgm:ptLst>
-        <dgm:pt modelId="0" type="doc"/>
-        <dgm:pt modelId="1"/>
-        <dgm:pt modelId="2"/>
-        <dgm:pt modelId="3"/>
-        <dgm:pt modelId="4"/>
-      </dgm:ptLst>
-      <dgm:cxnLst>
-        <dgm:cxn modelId="6" srcId="0" destId="1" srcOrd="0" destOrd="0"/>
-        <dgm:cxn modelId="7" srcId="0" destId="2" srcOrd="1" destOrd="0"/>
-        <dgm:cxn modelId="8" srcId="0" destId="3" srcOrd="2" destOrd="0"/>
-        <dgm:cxn modelId="9" srcId="0" destId="4" srcOrd="3" destOrd="0"/>
-      </dgm:cxnLst>
-      <dgm:bg/>
-      <dgm:whole/>
-    </dgm:dataModel>
-  </dgm:clrData>
-  <dgm:layoutNode name="outerComposite">
-    <dgm:varLst>
-      <dgm:chMax val="5"/>
-      <dgm:dir/>
-      <dgm:resizeHandles val="exact"/>
-    </dgm:varLst>
-    <dgm:alg type="composite"/>
-    <dgm:shape xmlns:r="http://schemas.openxmlformats.org/officeDocument/2006/relationships" r:blip="">
-      <dgm:adjLst/>
-    </dgm:shape>
-    <dgm:presOf/>
-    <dgm:choose name="Name0">
-      <dgm:if name="Name1" func="var" arg="dir" op="equ" val="norm">
-        <dgm:constrLst>
-          <dgm:constr type="primFontSz" for="ch" ptType="node" op="equ" val="65"/>
-          <dgm:constr type="w" for="ch" forName="dummyMaxCanvas" refType="w"/>
-          <dgm:constr type="h" for="ch" forName="dummyMaxCanvas" refType="h"/>
-          <dgm:constr type="w" for="ch" forName="OneNode_1" refType="w"/>
-          <dgm:constr type="h" for="ch" forName="OneNode_1" refType="h" fact="0.5"/>
-          <dgm:constr type="ctrY" for="ch" forName="OneNode_1" refType="h" fact="0.5"/>
-          <dgm:constr type="w" for="ch" forName="TwoNodes_1" refType="w" fact="0.85"/>
-          <dgm:constr type="h" for="ch" forName="TwoNodes_1" refType="h" fact="0.45"/>
-          <dgm:constr type="t" for="ch" forName="TwoNodes_1"/>
-          <dgm:constr type="l" for="ch" forName="TwoNodes_1"/>
-          <dgm:constr type="w" for="ch" forName="TwoNodes_2" refType="w" fact="0.85"/>
-          <dgm:constr type="h" for="ch" forName="TwoNodes_2" refType="h" fact="0.45"/>
-          <dgm:constr type="b" for="ch" forName="TwoNodes_2" refType="h"/>
-          <dgm:constr type="r" for="ch" forName="TwoNodes_2" refType="w"/>
-          <dgm:constr type="w" for="ch" forName="TwoConn_1-2" refType="h" refFor="ch" refForName="TwoNodes_1" fact="0.65"/>
-          <dgm:constr type="h" for="ch" forName="TwoConn_1-2" refType="h" refFor="ch" refForName="TwoNodes_1" fact="0.65"/>
-          <dgm:constr type="ctrY" for="ch" forName="TwoConn_1-2" refType="h" fact="0.5"/>
-          <dgm:constr type="r" for="ch" forName="TwoConn_1-2" refType="r" refFor="ch" refForName="TwoNodes_1"/>
-          <dgm:constr type="r" for="ch" forName="TwoNodes_1_text" refType="l" refFor="ch" refForName="TwoConn_1-2"/>
-          <dgm:constr type="rOff" for="ch" forName="TwoNodes_1_text" refType="w" refFor="ch" refForName="TwoConn_1-2" fact="-0.5"/>
-          <dgm:constr type="t" for="ch" forName="TwoNodes_1_text" refType="t" refFor="ch" refForName="TwoNodes_1"/>
-          <dgm:constr type="b" for="ch" forName="TwoNodes_1_text" refType="b" refFor="ch" refForName="TwoNodes_1"/>
-          <dgm:constr type="l" for="ch" forName="TwoNodes_1_text" refType="l" refFor="ch" refForName="TwoNodes_1"/>
-          <dgm:constr type="r" for="ch" forName="TwoNodes_2_text" refType="l" refFor="ch" refForName="TwoConn_1-2"/>
-          <dgm:constr type="t" for="ch" forName="TwoNodes_2_text" refType="t" refFor="ch" refForName="TwoNodes_2"/>
-          <dgm:constr type="b" for="ch" forName="TwoNodes_2_text" refType="b" refFor="ch" refForName="TwoNodes_2"/>
-          <dgm:constr type="l" for="ch" forName="TwoNodes_2_text" refType="l" refFor="ch" refForName="TwoNodes_2"/>
-          <dgm:constr type="w" for="ch" forName="ThreeNodes_1" refType="w" fact="0.85"/>
-          <dgm:constr type="h" for="ch" forName="ThreeNodes_1" refType="h" fact="0.3"/>
-          <dgm:constr type="t" for="ch" forName="ThreeNodes_1"/>
-          <dgm:constr type="l" for="ch" forName="ThreeNodes_1"/>
-          <dgm:constr type="w" for="ch" forName="ThreeNodes_2" refType="w" fact="0.85"/>
-          <dgm:constr type="h" for="ch" forName="ThreeNodes_2" refType="h" fact="0.3"/>
-          <dgm:constr type="ctrY" for="ch" forName="ThreeNodes_2" refType="h" fact="0.5"/>
-          <dgm:constr type="ctrX" for="ch" forName="ThreeNodes_2" refType="w" fact="0.5"/>
-          <dgm:constr type="w" for="ch" forName="ThreeNodes_3" refType="w" fact="0.85"/>
-          <dgm:constr type="h" for="ch" forName="ThreeNodes_3" refType="h" fact="0.3"/>
-          <dgm:constr type="b" for="ch" forName="ThreeNodes_3" refType="h"/>
-          <dgm:constr type="r" for="ch" forName="ThreeNodes_3" refType="w"/>
-          <dgm:constr type="w" for="ch" forName="ThreeConn_1-2" refType="h" refFor="ch" refForName="ThreeNodes_1" fact="0.65"/>
-          <dgm:constr type="h" for="ch" forName="ThreeConn_1-2" refType="h" refFor="ch" refForName="ThreeNodes_1" fact="0.65"/>
-          <dgm:constr type="ctrY" for="ch" forName="ThreeConn_1-2" refType="h" fact="0.325"/>
-          <dgm:constr type="r" for="ch" forName="ThreeConn_1-2" refType="r" refFor="ch" refForName="ThreeNodes_1"/>
-          <dgm:constr type="w" for="ch" forName="ThreeConn_2-3" refType="h" refFor="ch" refForName="ThreeNodes_2" fact="0.65"/>
-          <dgm:constr type="h" for="ch" forName="ThreeConn_2-3" refType="h" refFor="ch" refForName="ThreeNodes_2" fact="0.65"/>
-          <dgm:constr type="ctrY" for="ch" forName="ThreeConn_2-3" refType="h" fact="0.673"/>
-          <dgm:constr type="r" for="ch" forName="ThreeConn_2-3" refType="r" refFor="ch" refForName="ThreeNodes_2"/>
-          <dgm:constr type="r" for="ch" forName="ThreeNodes_1_text" refType="l" refFor="ch" refForName="ThreeConn_1-2"/>
-          <dgm:constr type="rOff" for="ch" forName="ThreeNodes_1_text" refType="w" refFor="ch" refForName="ThreeConn_1-2" fact="-0.57"/>
-          <dgm:constr type="t" for="ch" forName="ThreeNodes_1_text" refType="t" refFor="ch" refForName="ThreeNodes_1"/>
-          <dgm:constr type="b" for="ch" forName="ThreeNodes_1_text" refType="b" refFor="ch" refForName="ThreeNodes_1"/>
-          <dgm:constr type="l" for="ch" forName="ThreeNodes_1_text" refType="l" refFor="ch" refForName="ThreeNodes_1"/>
-          <dgm:constr type="r" for="ch" forName="ThreeNodes_2_text" refType="l" refFor="ch" refForName="ThreeConn_1-2"/>
-          <dgm:constr type="t" for="ch" forName="ThreeNodes_2_text" refType="t" refFor="ch" refForName="ThreeNodes_2"/>
-          <dgm:constr type="b" for="ch" forName="ThreeNodes_2_text" refType="b" refFor="ch" refForName="ThreeNodes_2"/>
-          <dgm:constr type="l" for="ch" forName="ThreeNodes_2_text" refType="l" refFor="ch" refForName="ThreeNodes_2"/>
-          <dgm:constr type="r" for="ch" forName="ThreeNodes_3_text" refType="l" refFor="ch" refForName="ThreeConn_2-3"/>
-          <dgm:constr type="t" for="ch" forName="ThreeNodes_3_text" refType="t" refFor="ch" refForName="ThreeNodes_3"/>
-          <dgm:constr type="b" for="ch" forName="ThreeNodes_3_text" refType="b" refFor="ch" refForName="ThreeNodes_3"/>
-          <dgm:constr type="l" for="ch" forName="ThreeNodes_3_text" refType="l" refFor="ch" refForName="ThreeNodes_3"/>
-          <dgm:constr type="w" for="ch" forName="FourNodes_1" refType="w" fact="0.8"/>
-          <dgm:constr type="h" for="ch" forName="FourNodes_1" refType="h" fact="0.22"/>
-          <dgm:constr type="t" for="ch" forName="FourNodes_1"/>
-          <dgm:constr type="l" for="ch" forName="FourNodes_1"/>
-          <dgm:constr type="w" for="ch" forName="FourNodes_2" refType="w" fact="0.8"/>
-          <dgm:constr type="h" for="ch" forName="FourNodes_2" refType="h" fact="0.22"/>
-          <dgm:constr type="ctrY" for="ch" forName="FourNodes_2" refType="h" fact="0.37"/>
-          <dgm:constr type="ctrX" for="ch" forName="FourNodes_2" refType="w" fact="0.467"/>
-          <dgm:constr type="w" for="ch" forName="FourNodes_3" refType="w" fact="0.8"/>
-          <dgm:constr type="h" for="ch" forName="FourNodes_3" refType="h" fact="0.22"/>
-          <dgm:constr type="ctrY" for="ch" forName="FourNodes_3" refType="h" fact="0.63"/>
-          <dgm:constr type="ctrX" for="ch" forName="FourNodes_3" refType="w" fact="0.533"/>
-          <dgm:constr type="w" for="ch" forName="FourNodes_4" refType="w" fact="0.8"/>
-          <dgm:constr type="h" for="ch" forName="FourNodes_4" refType="h" fact="0.22"/>
-          <dgm:constr type="b" for="ch" forName="FourNodes_4" refType="h"/>
-          <dgm:constr type="r" for="ch" forName="FourNodes_4" refType="w"/>
-          <dgm:constr type="w" for="ch" forName="FourConn_1-2" refType="h" refFor="ch" refForName="FourNodes_1" fact="0.65"/>
-          <dgm:constr type="h" for="ch" forName="FourConn_1-2" refType="h" refFor="ch" refForName="FourNodes_1" fact="0.65"/>
-          <dgm:constr type="ctrY" for="ch" forName="FourConn_1-2" refType="h" fact="0.24"/>
-          <dgm:constr type="r" for="ch" forName="FourConn_1-2" refType="r" refFor="ch" refForName="FourNodes_1"/>
-          <dgm:constr type="w" for="ch" forName="FourConn_2-3" refType="h" refFor="ch" refForName="FourNodes_2" fact="0.65"/>
-          <dgm:constr type="h" for="ch" forName="FourConn_2-3" refType="h" refFor="ch" refForName="FourNodes_2" fact="0.65"/>
-          <dgm:constr type="ctrY" for="ch" forName="FourConn_2-3" refType="h" fact="0.5"/>
-          <dgm:constr type="r" for="ch" forName="FourConn_2-3" refType="r" refFor="ch" refForName="FourNodes_2"/>
-          <dgm:constr type="w" for="ch" forName="FourConn_3-4" refType="h" refFor="ch" refForName="FourNodes_3" fact="0.65"/>
-          <dgm:constr type="h" for="ch" forName="FourConn_3-4" refType="h" refFor="ch" refForName="FourNodes_3" fact="0.65"/>
-          <dgm:constr type="ctrY" for="ch" forName="FourConn_3-4" refType="h" fact="0.76"/>
-          <dgm:constr type="r" for="ch" forName="FourConn_3-4" refType="r" refFor="ch" refForName="FourNodes_3"/>
-          <dgm:constr type="r" for="ch" forName="FourNodes_1_text" refType="l" refFor="ch" refForName="FourConn_1-2"/>
-          <dgm:constr type="rOff" for="ch" forName="FourNodes_1_text" refType="w" refFor="ch" refForName="FourConn_1-2" fact="-0.7"/>
-          <dgm:constr type="t" for="ch" forName="FourNodes_1_text" refType="t" refFor="ch" refForName="FourNodes_1"/>
-          <dgm:constr type="b" for="ch" forName="FourNodes_1_text" refType="b" refFor="ch" refForName="FourNodes_1"/>
-          <dgm:constr type="l" for="ch" forName="FourNodes_1_text" refType="l" refFor="ch" refForName="FourNodes_1"/>
-          <dgm:constr type="r" for="ch" forName="FourNodes_2_text" refType="l" refFor="ch" refForName="FourConn_1-2"/>
-          <dgm:constr type="t" for="ch" forName="FourNodes_2_text" refType="t" refFor="ch" refForName="FourNodes_2"/>
-          <dgm:constr type="b" for="ch" forName="FourNodes_2_text" refType="b" refFor="ch" refForName="FourNodes_2"/>
-          <dgm:constr type="l" for="ch" forName="FourNodes_2_text" refType="l" refFor="ch" refForName="FourNodes_2"/>
-          <dgm:constr type="r" for="ch" forName="FourNodes_3_text" refType="l" refFor="ch" refForName="FourConn_2-3"/>
-          <dgm:constr type="t" for="ch" forName="FourNodes_3_text" refType="t" refFor="ch" refForName="FourNodes_3"/>
-          <dgm:constr type="b" for="ch" forName="FourNodes_3_text" refType="b" refFor="ch" refForName="FourNodes_3"/>
-          <dgm:constr type="l" for="ch" forName="FourNodes_3_text" refType="l" refFor="ch" refForName="FourNodes_3"/>
-          <dgm:constr type="r" for="ch" forName="FourNodes_4_text" refType="l" refFor="ch" refForName="FourConn_3-4"/>
-          <dgm:constr type="t" for="ch" forName="FourNodes_4_text" refType="t" refFor="ch" refForName="FourNodes_4"/>
-          <dgm:constr type="b" for="ch" forName="FourNodes_4_text" refType="b" refFor="ch" refForName="FourNodes_4"/>
-          <dgm:constr type="l" for="ch" forName="FourNodes_4_text" refType="l" refFor="ch" refForName="FourNodes_4"/>
-          <dgm:constr type="w" for="ch" forName="FiveNodes_1" refType="w" fact="0.77"/>
-          <dgm:constr type="h" for="ch" forName="FiveNodes_1" refType="h" fact="0.18"/>
-          <dgm:constr type="t" for="ch" forName="FiveNodes_1"/>
-          <dgm:constr type="l" for="ch" forName="FiveNodes_1"/>
-          <dgm:constr type="w" for="ch" forName="FiveNodes_2" refType="w" fact="0.77"/>
-          <dgm:constr type="h" for="ch" forName="FiveNodes_2" refType="h" fact="0.18"/>
-          <dgm:constr type="ctrY" for="ch" forName="FiveNodes_2" refType="h" fact="0.295"/>
-          <dgm:constr type="ctrX" for="ch" forName="FiveNodes_2" refType="w" fact="0.4425"/>
-          <dgm:constr type="w" for="ch" forName="FiveNodes_3" refType="w" fact="0.77"/>
-          <dgm:constr type="h" for="ch" forName="FiveNodes_3" refType="h" fact="0.18"/>
-          <dgm:constr type="ctrY" for="ch" forName="FiveNodes_3" refType="h" fact="0.5"/>
-          <dgm:constr type="ctrX" for="ch" forName="FiveNodes_3" refType="w" fact="0.5"/>
-          <dgm:constr type="w" for="ch" forName="FiveNodes_4" refType="w" fact="0.77"/>
-          <dgm:constr type="h" for="ch" forName="FiveNodes_4" refType="h" fact="0.18"/>
-          <dgm:constr type="ctrY" for="ch" forName="FiveNodes_4" refType="h" fact="0.705"/>
-          <dgm:constr type="ctrX" for="ch" forName="FiveNodes_4" refType="w" fact="0.5575"/>
-          <dgm:constr type="w" for="ch" forName="FiveNodes_5" refType="w" fact="0.77"/>
-          <dgm:constr type="h" for="ch" forName="FiveNodes_5" refType="h" fact="0.18"/>
-          <dgm:constr type="b" for="ch" forName="FiveNodes_5" refType="h"/>
-          <dgm:constr type="r" for="ch" forName="FiveNodes_5" refType="w"/>
-          <dgm:constr type="w" for="ch" forName="FiveConn_1-2" refType="h" refFor="ch" refForName="FiveNodes_1" fact="0.65"/>
-          <dgm:constr type="h" for="ch" forName="FiveConn_1-2" refType="h" refFor="ch" refForName="FiveNodes_1" fact="0.65"/>
-          <dgm:constr type="ctrY" for="ch" forName="FiveConn_1-2" refType="h" fact="0.19"/>
-          <dgm:constr type="r" for="ch" forName="FiveConn_1-2" refType="r" refFor="ch" refForName="FiveNodes_1"/>
-          <dgm:constr type="w" for="ch" forName="FiveConn_2-3" refType="h" refFor="ch" refForName="FiveNodes_2" fact="0.65"/>
-          <dgm:constr type="h" for="ch" forName="FiveConn_2-3" refType="h" refFor="ch" refForName="FiveNodes_2" fact="0.65"/>
-          <dgm:constr type="ctrY" for="ch" forName="FiveConn_2-3" refType="h" fact="0.395"/>
-          <dgm:constr type="r" for="ch" forName="FiveConn_2-3" refType="r" refFor="ch" refForName="FiveNodes_2"/>
-          <dgm:constr type="w" for="ch" forName="FiveConn_3-4" refType="h" refFor="ch" refForName="FiveNodes_3" fact="0.65"/>
-          <dgm:constr type="h" for="ch" forName="FiveConn_3-4" refType="h" refFor="ch" refForName="FiveNodes_3" fact="0.65"/>
-          <dgm:constr type="ctrY" for="ch" forName="FiveConn_3-4" refType="h" fact="0.597"/>
-          <dgm:constr type="r" for="ch" forName="FiveConn_3-4" refType="r" refFor="ch" refForName="FiveNodes_3"/>
-          <dgm:constr type="w" for="ch" forName="FiveConn_4-5" refType="h" refFor="ch" refForName="FiveNodes_4" fact="0.65"/>
-          <dgm:constr type="h" for="ch" forName="FiveConn_4-5" refType="h" refFor="ch" refForName="FiveNodes_4" fact="0.65"/>
-          <dgm:constr type="ctrY" for="ch" forName="FiveConn_4-5" refType="h" fact="0.804"/>
-          <dgm:constr type="r" for="ch" forName="FiveConn_4-5" refType="r" refFor="ch" refForName="FiveNodes_4"/>
-          <dgm:constr type="r" for="ch" forName="FiveNodes_1_text" refType="l" refFor="ch" refForName="FiveConn_1-2"/>
-          <dgm:constr type="rOff" for="ch" forName="FiveNodes_1_text" refType="w" refFor="ch" refForName="FiveConn_1-2" fact="-0.75"/>
-          <dgm:constr type="t" for="ch" forName="FiveNodes_1_text" refType="t" refFor="ch" refForName="FiveNodes_1"/>
-          <dgm:constr type="b" for="ch" forName="FiveNodes_1_text" refType="b" refFor="ch" refForName="FiveNodes_1"/>
-          <dgm:constr type="l" for="ch" forName="FiveNodes_1_text" refType="l" refFor="ch" refForName="FiveNodes_1"/>
-          <dgm:constr type="r" for="ch" forName="FiveNodes_2_text" refType="l" refFor="ch" refForName="FiveConn_1-2"/>
-          <dgm:constr type="t" for="ch" forName="FiveNodes_2_text" refType="t" refFor="ch" refForName="FiveNodes_2"/>
-          <dgm:constr type="b" for="ch" forName="FiveNodes_2_text" refType="b" refFor="ch" refForName="FiveNodes_2"/>
-          <dgm:constr type="l" for="ch" forName="FiveNodes_2_text" refType="l" refFor="ch" refForName="FiveNodes_2"/>
-          <dgm:constr type="r" for="ch" forName="FiveNodes_3_text" refType="l" refFor="ch" refForName="FiveConn_2-3"/>
-          <dgm:constr type="t" for="ch" forName="FiveNodes_3_text" refType="t" refFor="ch" refForName="FiveNodes_3"/>
-          <dgm:constr type="b" for="ch" forName="FiveNodes_3_text" refType="b" refFor="ch" refForName="FiveNodes_3"/>
-          <dgm:constr type="l" for="ch" forName="FiveNodes_3_text" refType="l" refFor="ch" refForName="FiveNodes_3"/>
-          <dgm:constr type="r" for="ch" forName="FiveNodes_4_text" refType="l" refFor="ch" refForName="FiveConn_3-4"/>
-          <dgm:constr type="t" for="ch" forName="FiveNodes_4_text" refType="t" refFor="ch" refForName="FiveNodes_4"/>
-          <dgm:constr type="b" for="ch" forName="FiveNodes_4_text" refType="b" refFor="ch" refForName="FiveNodes_4"/>
-          <dgm:constr type="l" for="ch" forName="FiveNodes_4_text" refType="l" refFor="ch" refForName="FiveNodes_4"/>
-          <dgm:constr type="r" for="ch" forName="FiveNodes_5_text" refType="l" refFor="ch" refForName="FiveConn_4-5"/>
-          <dgm:constr type="t" for="ch" forName="FiveNodes_5_text" refType="t" refFor="ch" refForName="FiveNodes_5"/>
-          <dgm:constr type="b" for="ch" forName="FiveNodes_5_text" refType="b" refFor="ch" refForName="FiveNodes_5"/>
-          <dgm:constr type="l" for="ch" forName="FiveNodes_5_text" refType="l" refFor="ch" refForName="FiveNodes_5"/>
-        </dgm:constrLst>
-      </dgm:if>
-      <dgm:else name="Name2">
-        <dgm:constrLst>
-          <dgm:constr type="primFontSz" for="ch" ptType="node" op="equ" val="65"/>
-          <dgm:constr type="w" for="ch" forName="dummyMaxCanvas" refType="w"/>
-          <dgm:constr type="h" for="ch" forName="dummyMaxCanvas" refType="h"/>
-          <dgm:constr type="w" for="ch" forName="OneNode_1" refType="w"/>
-          <dgm:constr type="h" for="ch" forName="OneNode_1" refType="h" fact="0.5"/>
-          <dgm:constr type="ctrY" for="ch" forName="OneNode_1" refType="h" fact="0.5"/>
-          <dgm:constr type="w" for="ch" forName="TwoNodes_1" refType="w" fact="0.85"/>
-          <dgm:constr type="h" for="ch" forName="TwoNodes_1" refType="h" fact="0.45"/>
-          <dgm:constr type="t" for="ch" forName="TwoNodes_1"/>
-          <dgm:constr type="r" for="ch" forName="TwoNodes_1" refType="w"/>
-          <dgm:constr type="w" for="ch" forName="TwoNodes_2" refType="w" fact="0.85"/>
-          <dgm:constr type="h" for="ch" forName="TwoNodes_2" refType="h" fact="0.45"/>
-          <dgm:constr type="b" for="ch" forName="TwoNodes_2" refType="h"/>
-          <dgm:constr type="l" for="ch" forName="TwoNodes_2"/>
-          <dgm:constr type="w" for="ch" forName="TwoConn_1-2" refType="h" refFor="ch" refForName="TwoNodes_1" fact="0.65"/>
-          <dgm:constr type="h" for="ch" forName="TwoConn_1-2" refType="h" refFor="ch" refForName="TwoNodes_1" fact="0.65"/>
-          <dgm:constr type="ctrY" for="ch" forName="TwoConn_1-2" refType="h" fact="0.5"/>
-          <dgm:constr type="l" for="ch" forName="TwoConn_1-2" refType="l" refFor="ch" refForName="TwoNodes_1"/>
-          <dgm:constr type="l" for="ch" forName="TwoNodes_1_text" refType="r" refFor="ch" refForName="TwoConn_1-2"/>
-          <dgm:constr type="lOff" for="ch" forName="TwoNodes_1_text" refType="w" refFor="ch" refForName="TwoConn_1-2" fact="0.5"/>
-          <dgm:constr type="t" for="ch" forName="TwoNodes_1_text" refType="t" refFor="ch" refForName="TwoNodes_1"/>
-          <dgm:constr type="b" for="ch" forName="TwoNodes_1_text" refType="b" refFor="ch" refForName="TwoNodes_1"/>
-          <dgm:constr type="r" for="ch" forName="TwoNodes_1_text" refType="r" refFor="ch" refForName="TwoNodes_1"/>
-          <dgm:constr type="l" for="ch" forName="TwoNodes_2_text" refType="r" refFor="ch" refForName="TwoConn_1-2"/>
-          <dgm:constr type="t" for="ch" forName="TwoNodes_2_text" refType="t" refFor="ch" refForName="TwoNodes_2"/>
-          <dgm:constr type="b" for="ch" forName="TwoNodes_2_text" refType="b" refFor="ch" refForName="TwoNodes_2"/>
-          <dgm:constr type="r" for="ch" forName="TwoNodes_2_text" refType="r" refFor="ch" refForName="TwoNodes_2"/>
-          <dgm:constr type="w" for="ch" forName="ThreeNodes_1" refType="w" fact="0.85"/>
-          <dgm:constr type="h" for="ch" forName="ThreeNodes_1" refType="h" fact="0.3"/>
-          <dgm:constr type="t" for="ch" forName="ThreeNodes_1"/>
-          <dgm:constr type="r" for="ch" forName="ThreeNodes_1" refType="w"/>
-          <dgm:constr type="w" for="ch" forName="ThreeNodes_2" refType="w" fact="0.85"/>
-          <dgm:constr type="h" for="ch" forName="ThreeNodes_2" refType="h" fact="0.3"/>
-          <dgm:constr type="ctrY" for="ch" forName="ThreeNodes_2" refType="h" fact="0.5"/>
-          <dgm:constr type="ctrX" for="ch" forName="ThreeNodes_2" refType="w" fact="0.5"/>
-          <dgm:constr type="w" for="ch" forName="ThreeNodes_3" refType="w" fact="0.85"/>
-          <dgm:constr type="h" for="ch" forName="ThreeNodes_3" refType="h" fact="0.3"/>
-          <dgm:constr type="b" for="ch" forName="ThreeNodes_3" refType="h"/>
-          <dgm:constr type="l" for="ch" forName="ThreeNodes_3"/>
-          <dgm:constr type="w" for="ch" forName="ThreeConn_1-2" refType="h" refFor="ch" refForName="ThreeNodes_1" fact="0.65"/>
-          <dgm:constr type="h" for="ch" forName="ThreeConn_1-2" refType="h" refFor="ch" refForName="ThreeNodes_1" fact="0.65"/>
-          <dgm:constr type="ctrY" for="ch" forName="ThreeConn_1-2" refType="h" fact="0.325"/>
-          <dgm:constr type="l" for="ch" forName="ThreeConn_1-2" refType="l" refFor="ch" refForName="ThreeNodes_1"/>
-          <dgm:constr type="w" for="ch" forName="ThreeConn_2-3" refType="h" refFor="ch" refForName="ThreeNodes_2" fact="0.65"/>
-          <dgm:constr type="h" for="ch" forName="ThreeConn_2-3" refType="h" refFor="ch" refForName="ThreeNodes_2" fact="0.65"/>
-          <dgm:constr type="ctrY" for="ch" forName="ThreeConn_2-3" refType="h" fact="0.673"/>
-          <dgm:constr type="l" for="ch" forName="ThreeConn_2-3" refType="l" refFor="ch" refForName="ThreeNodes_2"/>
-          <dgm:constr type="l" for="ch" forName="ThreeNodes_1_text" refType="r" refFor="ch" refForName="ThreeConn_1-2"/>
-          <dgm:constr type="lOff" for="ch" forName="ThreeNodes_1_text" refType="w" refFor="ch" refForName="ThreeConn_1-2" fact="0.55"/>
-          <dgm:constr type="t" for="ch" forName="ThreeNodes_1_text" refType="t" refFor="ch" refForName="ThreeNodes_1"/>
-          <dgm:constr type="b" for="ch" forName="ThreeNodes_1_text" refType="b" refFor="ch" refForName="ThreeNodes_1"/>
-          <dgm:constr type="r" for="ch" forName="ThreeNodes_1_text" refType="r" refFor="ch" refForName="ThreeNodes_1"/>
-          <dgm:constr type="l" for="ch" forName="ThreeNodes_2_text" refType="r" refFor="ch" refForName="ThreeConn_1-2"/>
-          <dgm:constr type="t" for="ch" forName="ThreeNodes_2_text" refType="t" refFor="ch" refForName="ThreeNodes_2"/>
-          <dgm:constr type="b" for="ch" forName="ThreeNodes_2_text" refType="b" refFor="ch" refForName="ThreeNodes_2"/>
-          <dgm:constr type="r" for="ch" forName="ThreeNodes_2_text" refType="r" refFor="ch" refForName="ThreeNodes_2"/>
-          <dgm:constr type="l" for="ch" forName="ThreeNodes_3_text" refType="r" refFor="ch" refForName="ThreeConn_2-3"/>
-          <dgm:constr type="t" for="ch" forName="ThreeNodes_3_text" refType="t" refFor="ch" refForName="ThreeNodes_3"/>
-          <dgm:constr type="b" for="ch" forName="ThreeNodes_3_text" refType="b" refFor="ch" refForName="ThreeNodes_3"/>
-          <dgm:constr type="r" for="ch" forName="ThreeNodes_3_text" refType="r" refFor="ch" refForName="ThreeNodes_3"/>
-          <dgm:constr type="w" for="ch" forName="FourNodes_1" refType="w" fact="0.8"/>
-          <dgm:constr type="h" for="ch" forName="FourNodes_1" refType="h" fact="0.22"/>
-          <dgm:constr type="t" for="ch" forName="FourNodes_1"/>
-          <dgm:constr type="r" for="ch" forName="FourNodes_1" refType="w"/>
-          <dgm:constr type="w" for="ch" forName="FourNodes_2" refType="w" fact="0.8"/>
-          <dgm:constr type="h" for="ch" forName="FourNodes_2" refType="h" fact="0.22"/>
-          <dgm:constr type="ctrY" for="ch" forName="FourNodes_2" refType="h" fact="0.37"/>
-          <dgm:constr type="ctrX" for="ch" forName="FourNodes_2" refType="w" fact="0.533"/>
-          <dgm:constr type="w" for="ch" forName="FourNodes_3" refType="w" fact="0.8"/>
-          <dgm:constr type="h" for="ch" forName="FourNodes_3" refType="h" fact="0.22"/>
-          <dgm:constr type="ctrY" for="ch" forName="FourNodes_3" refType="h" fact="0.63"/>
-          <dgm:constr type="ctrX" for="ch" forName="FourNodes_3" refType="w" fact="0.467"/>
-          <dgm:constr type="w" for="ch" forName="FourNodes_4" refType="w" fact="0.8"/>
-          <dgm:constr type="h" for="ch" forName="FourNodes_4" refType="h" fact="0.22"/>
-          <dgm:constr type="b" for="ch" forName="FourNodes_4" refType="h"/>
-          <dgm:constr type="l" for="ch" forName="FourNodes_4"/>
-          <dgm:constr type="w" for="ch" forName="FourConn_1-2" refType="h" refFor="ch" refForName="FourNodes_1" fact="0.65"/>
-          <dgm:constr type="h" for="ch" forName="FourConn_1-2" refType="h" refFor="ch" refForName="FourNodes_1" fact="0.65"/>
-          <dgm:constr type="ctrY" for="ch" forName="FourConn_1-2" refType="h" fact="0.24"/>
-          <dgm:constr type="l" for="ch" forName="FourConn_1-2" refType="l" refFor="ch" refForName="FourNodes_1"/>
-          <dgm:constr type="w" for="ch" forName="FourConn_2-3" refType="h" refFor="ch" refForName="FourNodes_2" fact="0.65"/>
-          <dgm:constr type="h" for="ch" forName="FourConn_2-3" refType="h" refFor="ch" refForName="FourNodes_2" fact="0.65"/>
-          <dgm:constr type="ctrY" for="ch" forName="FourConn_2-3" refType="h" fact="0.5"/>
-          <dgm:constr type="l" for="ch" forName="FourConn_2-3" refType="l" refFor="ch" refForName="FourNodes_2"/>
-          <dgm:constr type="w" for="ch" forName="FourConn_3-4" refType="h" refFor="ch" refForName="FourNodes_3" fact="0.65"/>
-          <dgm:constr type="h" for="ch" forName="FourConn_3-4" refType="h" refFor="ch" refForName="FourNodes_3" fact="0.65"/>
-          <dgm:constr type="ctrY" for="ch" forName="FourConn_3-4" refType="h" fact="0.76"/>
-          <dgm:constr type="l" for="ch" forName="FourConn_3-4" refType="l" refFor="ch" refForName="FourNodes_3"/>
-          <dgm:constr type="l" for="ch" forName="FourNodes_1_text" refType="r" refFor="ch" refForName="FourConn_1-2"/>
-          <dgm:constr type="lOff" for="ch" forName="FourNodes_1_text" refType="w" refFor="ch" refForName="FourConn_1-2" fact="0.69"/>
-          <dgm:constr type="t" for="ch" forName="FourNodes_1_text" refType="t" refFor="ch" refForName="FourNodes_1"/>
-          <dgm:constr type="b" for="ch" forName="FourNodes_1_text" refType="b" refFor="ch" refForName="FourNodes_1"/>
-          <dgm:constr type="r" for="ch" forName="FourNodes_1_text" refType="r" refFor="ch" refForName="FourNodes_1"/>
-          <dgm:constr type="l" for="ch" forName="FourNodes_2_text" refType="r" refFor="ch" refForName="FourConn_1-2"/>
-          <dgm:constr type="t" for="ch" forName="FourNodes_2_text" refType="t" refFor="ch" refForName="FourNodes_2"/>
-          <dgm:constr type="b" for="ch" forName="FourNodes_2_text" refType="b" refFor="ch" refForName="FourNodes_2"/>
-          <dgm:constr type="r" for="ch" forName="FourNodes_2_text" refType="r" refFor="ch" refForName="FourNodes_2"/>
-          <dgm:constr type="l" for="ch" forName="FourNodes_3_text" refType="r" refFor="ch" refForName="FourConn_2-3"/>
-          <dgm:constr type="t" for="ch" forName="FourNodes_3_text" refType="t" refFor="ch" refForName="FourNodes_3"/>
-          <dgm:constr type="b" for="ch" forName="FourNodes_3_text" refType="b" refFor="ch" refForName="FourNodes_3"/>
-          <dgm:constr type="r" for="ch" forName="FourNodes_3_text" refType="r" refFor="ch" refForName="FourNodes_3"/>
-          <dgm:constr type="l" for="ch" forName="FourNodes_4_text" refType="r" refFor="ch" refForName="FourConn_3-4"/>
-          <dgm:constr type="t" for="ch" forName="FourNodes_4_text" refType="t" refFor="ch" refForName="FourNodes_4"/>
-          <dgm:constr type="b" for="ch" forName="FourNodes_4_text" refType="b" refFor="ch" refForName="FourNodes_4"/>
-          <dgm:constr type="r" for="ch" forName="FourNodes_4_text" refType="r" refFor="ch" refForName="FourNodes_4"/>
-          <dgm:constr type="w" for="ch" forName="FiveNodes_1" refType="w" fact="0.77"/>
-          <dgm:constr type="h" for="ch" forName="FiveNodes_1" refType="h" fact="0.18"/>
-          <dgm:constr type="t" for="ch" forName="FiveNodes_1"/>
-          <dgm:constr type="r" for="ch" forName="FiveNodes_1" refType="w"/>
-          <dgm:constr type="w" for="ch" forName="FiveNodes_2" refType="w" fact="0.77"/>
-          <dgm:constr type="h" for="ch" forName="FiveNodes_2" refType="h" fact="0.18"/>
-          <dgm:constr type="ctrY" for="ch" forName="FiveNodes_2" refType="h" fact="0.295"/>
-          <dgm:constr type="ctrX" for="ch" forName="FiveNodes_2" refType="w" fact="0.5575"/>
-          <dgm:constr type="w" for="ch" forName="FiveNodes_3" refType="w" fact="0.77"/>
-          <dgm:constr type="h" for="ch" forName="FiveNodes_3" refType="h" fact="0.18"/>
-          <dgm:constr type="ctrY" for="ch" forName="FiveNodes_3" refType="h" fact="0.5"/>
-          <dgm:constr type="ctrX" for="ch" forName="FiveNodes_3" refType="w" fact="0.5"/>
-          <dgm:constr type="w" for="ch" forName="FiveNodes_4" refType="w" fact="0.77"/>
-          <dgm:constr type="h" for="ch" forName="FiveNodes_4" refType="h" fact="0.18"/>
-          <dgm:constr type="ctrY" for="ch" forName="FiveNodes_4" refType="h" fact="0.705"/>
-          <dgm:constr type="ctrX" for="ch" forName="FiveNodes_4" refType="w" fact="0.4425"/>
-          <dgm:constr type="w" for="ch" forName="FiveNodes_5" refType="w" fact="0.77"/>
-          <dgm:constr type="h" for="ch" forName="FiveNodes_5" refType="h" fact="0.18"/>
-          <dgm:constr type="b" for="ch" forName="FiveNodes_5" refType="h"/>
-          <dgm:constr type="l" for="ch" forName="FiveNodes_5"/>
-          <dgm:constr type="w" for="ch" forName="FiveConn_1-2" refType="h" refFor="ch" refForName="FiveNodes_1" fact="0.65"/>
-          <dgm:constr type="h" for="ch" forName="FiveConn_1-2" refType="h" refFor="ch" refForName="FiveNodes_1" fact="0.65"/>
-          <dgm:constr type="ctrY" for="ch" forName="FiveConn_1-2" refType="h" fact="0.19"/>
-          <dgm:constr type="l" for="ch" forName="FiveConn_1-2" refType="l" refFor="ch" refForName="FiveNodes_1"/>
-          <dgm:constr type="w" for="ch" forName="FiveConn_2-3" refType="h" refFor="ch" refForName="FiveNodes_2" fact="0.65"/>
-          <dgm:constr type="h" for="ch" forName="FiveConn_2-3" refType="h" refFor="ch" refForName="FiveNodes_2" fact="0.65"/>
-          <dgm:constr type="ctrY" for="ch" forName="FiveConn_2-3" refType="h" fact="0.395"/>
-          <dgm:constr type="l" for="ch" forName="FiveConn_2-3" refType="l" refFor="ch" refForName="FiveNodes_2"/>
-          <dgm:constr type="w" for="ch" forName="FiveConn_3-4" refType="h" refFor="ch" refForName="FiveNodes_3" fact="0.65"/>
-          <dgm:constr type="h" for="ch" forName="FiveConn_3-4" refType="h" refFor="ch" refForName="FiveNodes_3" fact="0.65"/>
-          <dgm:constr type="ctrY" for="ch" forName="FiveConn_3-4" refType="h" fact="0.597"/>
-          <dgm:constr type="l" for="ch" forName="FiveConn_3-4" refType="l" refFor="ch" refForName="FiveNodes_3"/>
-          <dgm:constr type="w" for="ch" forName="FiveConn_4-5" refType="h" refFor="ch" refForName="FiveNodes_4" fact="0.65"/>
-          <dgm:constr type="h" for="ch" forName="FiveConn_4-5" refType="h" refFor="ch" refForName="FiveNodes_4" fact="0.65"/>
-          <dgm:constr type="ctrY" for="ch" forName="FiveConn_4-5" refType="h" fact="0.804"/>
-          <dgm:constr type="l" for="ch" forName="FiveConn_4-5" refType="l" refFor="ch" refForName="FiveNodes_4"/>
-          <dgm:constr type="l" for="ch" forName="FiveNodes_1_text" refType="r" refFor="ch" refForName="FiveConn_1-2"/>
-          <dgm:constr type="lOff" for="ch" forName="FiveNodes_1_text" refType="w" refFor="ch" refForName="FiveConn_1-2" fact="0.73"/>
-          <dgm:constr type="t" for="ch" forName="FiveNodes_1_text" refType="t" refFor="ch" refForName="FiveNodes_1"/>
-          <dgm:constr type="b" for="ch" forName="FiveNodes_1_text" refType="b" refFor="ch" refForName="FiveNodes_1"/>
-          <dgm:constr type="r" for="ch" forName="FiveNodes_1_text" refType="r" refFor="ch" refForName="FiveNodes_1"/>
-          <dgm:constr type="l" for="ch" forName="FiveNodes_2_text" refType="r" refFor="ch" refForName="FiveConn_1-2"/>
-          <dgm:constr type="t" for="ch" forName="FiveNodes_2_text" refType="t" refFor="ch" refForName="FiveNodes_2"/>
-          <dgm:constr type="b" for="ch" forName="FiveNodes_2_text" refType="b" refFor="ch" refForName="FiveNodes_2"/>
-          <dgm:constr type="r" for="ch" forName="FiveNodes_2_text" refType="r" refFor="ch" refForName="FiveNodes_2"/>
-          <dgm:constr type="l" for="ch" forName="FiveNodes_3_text" refType="r" refFor="ch" refForName="FiveConn_2-3"/>
-          <dgm:constr type="t" for="ch" forName="FiveNodes_3_text" refType="t" refFor="ch" refForName="FiveNodes_3"/>
-          <dgm:constr type="b" for="ch" forName="FiveNodes_3_text" refType="b" refFor="ch" refForName="FiveNodes_3"/>
-          <dgm:constr type="r" for="ch" forName="FiveNodes_3_text" refType="r" refFor="ch" refForName="FiveNodes_3"/>
-          <dgm:constr type="l" for="ch" forName="FiveNodes_4_text" refType="r" refFor="ch" refForName="FiveConn_3-4"/>
-          <dgm:constr type="t" for="ch" forName="FiveNodes_4_text" refType="t" refFor="ch" refForName="FiveNodes_4"/>
-          <dgm:constr type="b" for="ch" forName="FiveNodes_4_text" refType="b" refFor="ch" refForName="FiveNodes_4"/>
-          <dgm:constr type="r" for="ch" forName="FiveNodes_4_text" refType="r" refFor="ch" refForName="FiveNodes_4"/>
-          <dgm:constr type="l" for="ch" forName="FiveNodes_5_text" refType="r" refFor="ch" refForName="FiveConn_4-5"/>
-          <dgm:constr type="t" for="ch" forName="FiveNodes_5_text" refType="t" refFor="ch" refForName="FiveNodes_5"/>
-          <dgm:constr type="b" for="ch" forName="FiveNodes_5_text" refType="b" refFor="ch" refForName="FiveNodes_5"/>
-          <dgm:constr type="r" for="ch" forName="FiveNodes_5_text" refType="r" refFor="ch" refForName="FiveNodes_5"/>
-        </dgm:constrLst>
-      </dgm:else>
-    </dgm:choose>
-    <dgm:ruleLst/>
-    <dgm:layoutNode name="dummyMaxCanvas">
-      <dgm:varLst/>
-      <dgm:alg type="sp"/>
-      <dgm:shape xmlns:r="http://schemas.openxmlformats.org/officeDocument/2006/relationships" r:blip="">
-        <dgm:adjLst/>
-      </dgm:shape>
-      <dgm:presOf/>
-      <dgm:constrLst/>
-      <dgm:ruleLst/>
-    </dgm:layoutNode>
-    <dgm:choose name="Name3">
-      <dgm:if name="Name4" axis="ch" ptType="node" func="cnt" op="equ" val="1">
-        <dgm:layoutNode name="OneNode_1">
-          <dgm:varLst>
-            <dgm:bulletEnabled val="1"/>
-          </dgm:varLst>
-          <dgm:alg type="tx"/>
-          <dgm:shape xmlns:r="http://schemas.openxmlformats.org/officeDocument/2006/relationships" type="roundRect" r:blip="">
-            <dgm:adjLst>
-              <dgm:adj idx="1" val="0.1"/>
-            </dgm:adjLst>
-          </dgm:shape>
-          <dgm:presOf axis="ch desOrSelf" ptType="node node" st="1 1" cnt="1 0"/>
-          <dgm:constrLst>
-            <dgm:constr type="lMarg" refType="primFontSz" fact="0.3"/>
-            <dgm:constr type="rMarg" refType="primFontSz" fact="0.3"/>
-            <dgm:constr type="tMarg" refType="primFontSz" fact="0.3"/>
-            <dgm:constr type="bMarg" refType="primFontSz" fact="0.3"/>
-          </dgm:constrLst>
-          <dgm:ruleLst>
-            <dgm:rule type="primFontSz" val="5" fact="NaN" max="NaN"/>
-          </dgm:ruleLst>
-        </dgm:layoutNode>
-      </dgm:if>
-      <dgm:else name="Name5">
-        <dgm:choose name="Name6">
-          <dgm:if name="Name7" axis="ch" ptType="node" func="cnt" op="equ" val="2">
-            <dgm:layoutNode name="TwoNodes_1">
-              <dgm:varLst>
-                <dgm:bulletEnabled val="1"/>
-              </dgm:varLst>
-              <dgm:alg type="sp"/>
-              <dgm:shape xmlns:r="http://schemas.openxmlformats.org/officeDocument/2006/relationships" type="roundRect" r:blip="">
-                <dgm:adjLst>
-                  <dgm:adj idx="1" val="0.1"/>
-                </dgm:adjLst>
-              </dgm:shape>
-              <dgm:presOf axis="ch desOrSelf" ptType="node node" st="1 1" cnt="1 0"/>
-              <dgm:constrLst/>
-              <dgm:ruleLst/>
-            </dgm:layoutNode>
-            <dgm:layoutNode name="TwoNodes_2">
-              <dgm:varLst>
-                <dgm:bulletEnabled val="1"/>
-              </dgm:varLst>
-              <dgm:alg type="sp"/>
-              <dgm:shape xmlns:r="http://schemas.openxmlformats.org/officeDocument/2006/relationships" type="roundRect" r:blip="">
-                <dgm:adjLst>
-                  <dgm:adj idx="1" val="0.1"/>
-                </dgm:adjLst>
-              </dgm:shape>
-              <dgm:presOf axis="ch desOrSelf" ptType="node node" st="2 1" cnt="1 0"/>
-              <dgm:constrLst/>
-              <dgm:ruleLst/>
-            </dgm:layoutNode>
-            <dgm:layoutNode name="TwoConn_1-2" styleLbl="fgAccFollowNode1">
-              <dgm:varLst>
-                <dgm:bulletEnabled val="1"/>
-              </dgm:varLst>
-              <dgm:alg type="tx"/>
-              <dgm:shape xmlns:r="http://schemas.openxmlformats.org/officeDocument/2006/relationships" type="downArrow" r:blip="">
-                <dgm:adjLst>
-                  <dgm:adj idx="1" val="0.55"/>
-                  <dgm:adj idx="2" val="0.45"/>
-                </dgm:adjLst>
-              </dgm:shape>
-              <dgm:presOf axis="ch" ptType="sibTrans" cnt="1"/>
-              <dgm:constrLst>
-                <dgm:constr type="lMarg" refType="primFontSz" fact="0.1"/>
-                <dgm:constr type="rMarg" refType="primFontSz" fact="0.1"/>
-                <dgm:constr type="tMarg" refType="primFontSz" fact="0.1"/>
-                <dgm:constr type="bMarg" refType="primFontSz" fact="0.1"/>
-              </dgm:constrLst>
-              <dgm:ruleLst>
-                <dgm:rule type="primFontSz" val="5" fact="NaN" max="NaN"/>
-              </dgm:ruleLst>
-            </dgm:layoutNode>
-            <dgm:layoutNode name="TwoNodes_1_text">
-              <dgm:varLst>
-                <dgm:bulletEnabled val="1"/>
-              </dgm:varLst>
-              <dgm:alg type="tx">
-                <dgm:param type="parTxLTRAlign" val="l"/>
-                <dgm:param type="txAnchorVertCh" val="mid"/>
-              </dgm:alg>
-              <dgm:shape xmlns:r="http://schemas.openxmlformats.org/officeDocument/2006/relationships" type="roundRect" r:blip="" hideGeom="1">
-                <dgm:adjLst>
-                  <dgm:adj idx="1" val="0.1"/>
-                </dgm:adjLst>
-              </dgm:shape>
-              <dgm:presOf axis="ch desOrSelf" ptType="node node" st="1 1" cnt="1 0"/>
-              <dgm:constrLst>
-                <dgm:constr type="lMarg" refType="primFontSz" fact="0.3"/>
-                <dgm:constr type="rMarg" refType="primFontSz" fact="0.3"/>
-                <dgm:constr type="tMarg" refType="primFontSz" fact="0.3"/>
-                <dgm:constr type="bMarg" refType="primFontSz" fact="0.3"/>
-              </dgm:constrLst>
-              <dgm:ruleLst>
-                <dgm:rule type="primFontSz" val="5" fact="NaN" max="NaN"/>
-              </dgm:ruleLst>
-            </dgm:layoutNode>
-            <dgm:layoutNode name="TwoNodes_2_text">
-              <dgm:varLst>
-                <dgm:bulletEnabled val="1"/>
-              </dgm:varLst>
-              <dgm:alg type="tx">
-                <dgm:param type="parTxLTRAlign" val="l"/>
-                <dgm:param type="txAnchorVertCh" val="mid"/>
-              </dgm:alg>
-              <dgm:shape xmlns:r="http://schemas.openxmlformats.org/officeDocument/2006/relationships" type="roundRect" r:blip="" hideGeom="1">
-                <dgm:adjLst>
-                  <dgm:adj idx="1" val="0.1"/>
-                </dgm:adjLst>
-              </dgm:shape>
-              <dgm:presOf axis="ch desOrSelf" ptType="node node" st="2 1" cnt="1 0"/>
-              <dgm:constrLst>
-                <dgm:constr type="lMarg" refType="primFontSz" fact="0.3"/>
-                <dgm:constr type="rMarg" refType="primFontSz" fact="0.3"/>
-                <dgm:constr type="tMarg" refType="primFontSz" fact="0.3"/>
-                <dgm:constr type="bMarg" refType="primFontSz" fact="0.3"/>
-              </dgm:constrLst>
-              <dgm:ruleLst>
-                <dgm:rule type="primFontSz" val="5" fact="NaN" max="NaN"/>
-              </dgm:ruleLst>
-            </dgm:layoutNode>
-          </dgm:if>
-          <dgm:else name="Name8">
-            <dgm:choose name="Name9">
-              <dgm:if name="Name10" axis="ch" ptType="node" func="cnt" op="equ" val="3">
-                <dgm:layoutNode name="ThreeNodes_1">
-                  <dgm:varLst>
-                    <dgm:bulletEnabled val="1"/>
-                  </dgm:varLst>
-                  <dgm:alg type="sp"/>
-                  <dgm:shape xmlns:r="http://schemas.openxmlformats.org/officeDocument/2006/relationships" type="roundRect" r:blip="">
-                    <dgm:adjLst>
-                      <dgm:adj idx="1" val="0.1"/>
-                    </dgm:adjLst>
-                  </dgm:shape>
-                  <dgm:presOf axis="ch desOrSelf" ptType="node node" st="1 1" cnt="1 0"/>
-                  <dgm:constrLst/>
-                  <dgm:ruleLst/>
-                </dgm:layoutNode>
-                <dgm:layoutNode name="ThreeNodes_2">
-                  <dgm:varLst>
-                    <dgm:bulletEnabled val="1"/>
-                  </dgm:varLst>
-                  <dgm:alg type="sp"/>
-                  <dgm:shape xmlns:r="http://schemas.openxmlformats.org/officeDocument/2006/relationships" type="roundRect" r:blip="">
-                    <dgm:adjLst>
-                      <dgm:adj idx="1" val="0.1"/>
-                    </dgm:adjLst>
-                  </dgm:shape>
-                  <dgm:presOf axis="ch desOrSelf" ptType="node node" st="2 1" cnt="1 0"/>
-                  <dgm:constrLst/>
-                  <dgm:ruleLst/>
-                </dgm:layoutNode>
-                <dgm:layoutNode name="ThreeNodes_3">
-                  <dgm:varLst>
-                    <dgm:bulletEnabled val="1"/>
-                  </dgm:varLst>
-                  <dgm:alg type="sp"/>
-                  <dgm:shape xmlns:r="http://schemas.openxmlformats.org/officeDocument/2006/relationships" type="roundRect" r:blip="">
-                    <dgm:adjLst>
-                      <dgm:adj idx="1" val="0.1"/>
-                    </dgm:adjLst>
-                  </dgm:shape>
-                  <dgm:presOf axis="ch desOrSelf" ptType="node node" st="3 1" cnt="1 0"/>
-                  <dgm:constrLst/>
-                  <dgm:ruleLst/>
-                </dgm:layoutNode>
-                <dgm:layoutNode name="ThreeConn_1-2" styleLbl="fgAccFollowNode1">
-                  <dgm:varLst>
-                    <dgm:bulletEnabled val="1"/>
-                  </dgm:varLst>
-                  <dgm:alg type="tx"/>
-                  <dgm:shape xmlns:r="http://schemas.openxmlformats.org/officeDocument/2006/relationships" type="downArrow" r:blip="">
-                    <dgm:adjLst>
-                      <dgm:adj idx="1" val="0.55"/>
-                      <dgm:adj idx="2" val="0.45"/>
-                    </dgm:adjLst>
-                  </dgm:shape>
-                  <dgm:presOf axis="ch" ptType="sibTrans" cnt="1"/>
-                  <dgm:constrLst>
-                    <dgm:constr type="lMarg" refType="primFontSz" fact="0.1"/>
-                    <dgm:constr type="rMarg" refType="primFontSz" fact="0.1"/>
-                    <dgm:constr type="tMarg" refType="primFontSz" fact="0.1"/>
-                    <dgm:constr type="bMarg" refType="primFontSz" fact="0.1"/>
-                  </dgm:constrLst>
-                  <dgm:ruleLst>
-                    <dgm:rule type="primFontSz" val="5" fact="NaN" max="NaN"/>
-                  </dgm:ruleLst>
-                </dgm:layoutNode>
-                <dgm:layoutNode name="ThreeConn_2-3" styleLbl="fgAccFollowNode1">
-                  <dgm:varLst>
-                    <dgm:bulletEnabled val="1"/>
-                  </dgm:varLst>
-                  <dgm:alg type="tx"/>
-                  <dgm:shape xmlns:r="http://schemas.openxmlformats.org/officeDocument/2006/relationships" type="downArrow" r:blip="">
-                    <dgm:adjLst>
-                      <dgm:adj idx="1" val="0.55"/>
-                      <dgm:adj idx="2" val="0.45"/>
-                    </dgm:adjLst>
-                  </dgm:shape>
-                  <dgm:presOf axis="ch" ptType="sibTrans" st="2" cnt="1"/>
-                  <dgm:constrLst>
-                    <dgm:constr type="lMarg" refType="primFontSz" fact="0.1"/>
-                    <dgm:constr type="rMarg" refType="primFontSz" fact="0.1"/>
-                    <dgm:constr type="tMarg" refType="primFontSz" fact="0.1"/>
-                    <dgm:constr type="bMarg" refType="primFontSz" fact="0.1"/>
-                  </dgm:constrLst>
-                  <dgm:ruleLst>
-                    <dgm:rule type="primFontSz" val="5" fact="NaN" max="NaN"/>
-                  </dgm:ruleLst>
-                </dgm:layoutNode>
-                <dgm:layoutNode name="ThreeNodes_1_text">
-                  <dgm:varLst>
-                    <dgm:bulletEnabled val="1"/>
-                  </dgm:varLst>
-                  <dgm:alg type="tx">
-                    <dgm:param type="parTxLTRAlign" val="l"/>
-                    <dgm:param type="txAnchorVertCh" val="mid"/>
-                  </dgm:alg>
-                  <dgm:shape xmlns:r="http://schemas.openxmlformats.org/officeDocument/2006/relationships" type="roundRect" r:blip="" hideGeom="1">
-                    <dgm:adjLst>
-                      <dgm:adj idx="1" val="0.1"/>
-                    </dgm:adjLst>
-                  </dgm:shape>
-                  <dgm:presOf axis="ch desOrSelf" ptType="node node" st="1 1" cnt="1 0"/>
-                  <dgm:constrLst>
-                    <dgm:constr type="lMarg" refType="primFontSz" fact="0.3"/>
-                    <dgm:constr type="rMarg" refType="primFontSz" fact="0.3"/>
-                    <dgm:constr type="tMarg" refType="primFontSz" fact="0.3"/>
-                    <dgm:constr type="bMarg" refType="primFontSz" fact="0.3"/>
-                  </dgm:constrLst>
-                  <dgm:ruleLst>
-                    <dgm:rule type="primFontSz" val="5" fact="NaN" max="NaN"/>
-                  </dgm:ruleLst>
-                </dgm:layoutNode>
-                <dgm:layoutNode name="ThreeNodes_2_text">
-                  <dgm:varLst>
-                    <dgm:bulletEnabled val="1"/>
-                  </dgm:varLst>
-                  <dgm:alg type="tx">
-                    <dgm:param type="parTxLTRAlign" val="l"/>
-                    <dgm:param type="txAnchorVertCh" val="mid"/>
-                  </dgm:alg>
-                  <dgm:shape xmlns:r="http://schemas.openxmlformats.org/officeDocument/2006/relationships" type="roundRect" r:blip="" hideGeom="1">
-                    <dgm:adjLst>
-                      <dgm:adj idx="1" val="0.1"/>
-                    </dgm:adjLst>
-                  </dgm:shape>
-                  <dgm:presOf axis="ch desOrSelf" ptType="node node" st="2 1" cnt="1 0"/>
-                  <dgm:constrLst>
-                    <dgm:constr type="lMarg" refType="primFontSz" fact="0.3"/>
-                    <dgm:constr type="rMarg" refType="primFontSz" fact="0.3"/>
-                    <dgm:constr type="tMarg" refType="primFontSz" fact="0.3"/>
-                    <dgm:constr type="bMarg" refType="primFontSz" fact="0.3"/>
-                  </dgm:constrLst>
-                  <dgm:ruleLst>
-                    <dgm:rule type="primFontSz" val="5" fact="NaN" max="NaN"/>
-                  </dgm:ruleLst>
-                </dgm:layoutNode>
-                <dgm:layoutNode name="ThreeNodes_3_text">
-                  <dgm:varLst>
-                    <dgm:bulletEnabled val="1"/>
-                  </dgm:varLst>
-                  <dgm:alg type="tx">
-                    <dgm:param type="parTxLTRAlign" val="l"/>
-                    <dgm:param type="txAnchorVertCh" val="mid"/>
-                  </dgm:alg>
-                  <dgm:shape xmlns:r="http://schemas.openxmlformats.org/officeDocument/2006/relationships" type="roundRect" r:blip="" hideGeom="1">
-                    <dgm:adjLst>
-                      <dgm:adj idx="1" val="0.1"/>
-                    </dgm:adjLst>
-                  </dgm:shape>
-                  <dgm:presOf axis="ch desOrSelf" ptType="node node" st="3 1" cnt="1 0"/>
-                  <dgm:constrLst>
-                    <dgm:constr type="lMarg" refType="primFontSz" fact="0.3"/>
-                    <dgm:constr type="rMarg" refType="primFontSz" fact="0.3"/>
-                    <dgm:constr type="tMarg" refType="primFontSz" fact="0.3"/>
-                    <dgm:constr type="bMarg" refType="primFontSz" fact="0.3"/>
-                  </dgm:constrLst>
-                  <dgm:ruleLst>
-                    <dgm:rule type="primFontSz" val="5" fact="NaN" max="NaN"/>
-                  </dgm:ruleLst>
-                </dgm:layoutNode>
-              </dgm:if>
-              <dgm:else name="Name11">
-                <dgm:choose name="Name12">
-                  <dgm:if name="Name13" axis="ch" ptType="node" func="cnt" op="equ" val="4">
-                    <dgm:layoutNode name="FourNodes_1">
-                      <dgm:varLst>
-                        <dgm:bulletEnabled val="1"/>
-                      </dgm:varLst>
-                      <dgm:alg type="sp"/>
-                      <dgm:shape xmlns:r="http://schemas.openxmlformats.org/officeDocument/2006/relationships" type="roundRect" r:blip="">
-                        <dgm:adjLst>
-                          <dgm:adj idx="1" val="0.1"/>
-                        </dgm:adjLst>
-                      </dgm:shape>
-                      <dgm:presOf axis="ch desOrSelf" ptType="node node" st="1 1" cnt="1 0"/>
-                      <dgm:constrLst/>
-                      <dgm:ruleLst/>
-                    </dgm:layoutNode>
-                    <dgm:layoutNode name="FourNodes_2">
-                      <dgm:varLst>
-                        <dgm:bulletEnabled val="1"/>
-                      </dgm:varLst>
-                      <dgm:alg type="sp"/>
-                      <dgm:shape xmlns:r="http://schemas.openxmlformats.org/officeDocument/2006/relationships" type="roundRect" r:blip="">
-                        <dgm:adjLst>
-                          <dgm:adj idx="1" val="0.1"/>
-                        </dgm:adjLst>
-                      </dgm:shape>
-                      <dgm:presOf axis="ch desOrSelf" ptType="node node" st="2 1" cnt="1 0"/>
-                      <dgm:constrLst/>
-                      <dgm:ruleLst/>
-                    </dgm:layoutNode>
-                    <dgm:layoutNode name="FourNodes_3">
-                      <dgm:varLst>
-                        <dgm:bulletEnabled val="1"/>
-                      </dgm:varLst>
-                      <dgm:alg type="sp"/>
-                      <dgm:shape xmlns:r="http://schemas.openxmlformats.org/officeDocument/2006/relationships" type="roundRect" r:blip="">
-                        <dgm:adjLst>
-                          <dgm:adj idx="1" val="0.1"/>
-                        </dgm:adjLst>
-                      </dgm:shape>
-                      <dgm:presOf axis="ch desOrSelf" ptType="node node" st="3 1" cnt="1 0"/>
-                      <dgm:constrLst/>
-                      <dgm:ruleLst/>
-                    </dgm:layoutNode>
-                    <dgm:layoutNode name="FourNodes_4">
-                      <dgm:varLst>
-                        <dgm:bulletEnabled val="1"/>
-                      </dgm:varLst>
-                      <dgm:alg type="sp"/>
-                      <dgm:shape xmlns:r="http://schemas.openxmlformats.org/officeDocument/2006/relationships" type="roundRect" r:blip="">
-                        <dgm:adjLst>
-                          <dgm:adj idx="1" val="0.1"/>
-                        </dgm:adjLst>
-                      </dgm:shape>
-                      <dgm:presOf axis="ch desOrSelf" ptType="node node" st="4 1" cnt="1 0"/>
-                      <dgm:constrLst/>
-                      <dgm:ruleLst/>
-                    </dgm:layoutNode>
-                    <dgm:layoutNode name="FourConn_1-2" styleLbl="fgAccFollowNode1">
-                      <dgm:varLst>
-                        <dgm:bulletEnabled val="1"/>
-                      </dgm:varLst>
-                      <dgm:alg type="tx"/>
-                      <dgm:shape xmlns:r="http://schemas.openxmlformats.org/officeDocument/2006/relationships" type="downArrow" r:blip="">
-                        <dgm:adjLst>
-                          <dgm:adj idx="1" val="0.55"/>
-                          <dgm:adj idx="2" val="0.45"/>
-                        </dgm:adjLst>
-                      </dgm:shape>
-                      <dgm:presOf axis="ch" ptType="sibTrans" cnt="1"/>
-                      <dgm:constrLst>
-                        <dgm:constr type="lMarg" refType="primFontSz" fact="0.1"/>
-                        <dgm:constr type="rMarg" refType="primFontSz" fact="0.1"/>
-                        <dgm:constr type="tMarg" refType="primFontSz" fact="0.1"/>
-                        <dgm:constr type="bMarg" refType="primFontSz" fact="0.1"/>
-                      </dgm:constrLst>
-                      <dgm:ruleLst>
-                        <dgm:rule type="primFontSz" val="5" fact="NaN" max="NaN"/>
-                      </dgm:ruleLst>
-                    </dgm:layoutNode>
-                    <dgm:layoutNode name="FourConn_2-3" styleLbl="fgAccFollowNode1">
-                      <dgm:varLst>
-                        <dgm:bulletEnabled val="1"/>
-                      </dgm:varLst>
-                      <dgm:alg type="tx"/>
-                      <dgm:shape xmlns:r="http://schemas.openxmlformats.org/officeDocument/2006/relationships" type="downArrow" r:blip="">
-                        <dgm:adjLst>
-                          <dgm:adj idx="1" val="0.55"/>
-                          <dgm:adj idx="2" val="0.45"/>
-                        </dgm:adjLst>
-                      </dgm:shape>
-                      <dgm:presOf axis="ch" ptType="sibTrans" st="2" cnt="1"/>
-                      <dgm:constrLst>
-                        <dgm:constr type="lMarg" refType="primFontSz" fact="0.1"/>
-                        <dgm:constr type="rMarg" refType="primFontSz" fact="0.1"/>
-                        <dgm:constr type="tMarg" refType="primFontSz" fact="0.1"/>
-                        <dgm:constr type="bMarg" refType="primFontSz" fact="0.1"/>
-                      </dgm:constrLst>
-                      <dgm:ruleLst>
-                        <dgm:rule type="primFontSz" val="5" fact="NaN" max="NaN"/>
-                      </dgm:ruleLst>
-                    </dgm:layoutNode>
-                    <dgm:layoutNode name="FourConn_3-4" styleLbl="fgAccFollowNode1">
-                      <dgm:varLst>
-                        <dgm:bulletEnabled val="1"/>
-                      </dgm:varLst>
-                      <dgm:alg type="tx"/>
-                      <dgm:shape xmlns:r="http://schemas.openxmlformats.org/officeDocument/2006/relationships" type="downArrow" r:blip="">
-                        <dgm:adjLst>
-                          <dgm:adj idx="1" val="0.55"/>
-                          <dgm:adj idx="2" val="0.45"/>
-                        </dgm:adjLst>
-                      </dgm:shape>
-                      <dgm:presOf axis="ch" ptType="sibTrans" st="3" cnt="1"/>
-                      <dgm:constrLst>
-                        <dgm:constr type="lMarg" refType="primFontSz" fact="0.1"/>
-                        <dgm:constr type="rMarg" refType="primFontSz" fact="0.1"/>
-                        <dgm:constr type="tMarg" refType="primFontSz" fact="0.1"/>
-                        <dgm:constr type="bMarg" refType="primFontSz" fact="0.1"/>
-                      </dgm:constrLst>
-                      <dgm:ruleLst>
-                        <dgm:rule type="primFontSz" val="5" fact="NaN" max="NaN"/>
-                      </dgm:ruleLst>
-                    </dgm:layoutNode>
-                    <dgm:layoutNode name="FourNodes_1_text">
-                      <dgm:varLst>
-                        <dgm:bulletEnabled val="1"/>
-                      </dgm:varLst>
-                      <dgm:alg type="tx">
-                        <dgm:param type="parTxLTRAlign" val="l"/>
-                        <dgm:param type="txAnchorVertCh" val="mid"/>
-                      </dgm:alg>
-                      <dgm:shape xmlns:r="http://schemas.openxmlformats.org/officeDocument/2006/relationships" type="roundRect" r:blip="" hideGeom="1">
-                        <dgm:adjLst>
-                          <dgm:adj idx="1" val="0.1"/>
-                        </dgm:adjLst>
-                      </dgm:shape>
-                      <dgm:presOf axis="ch desOrSelf" ptType="node node" st="1 1" cnt="1 0"/>
-                      <dgm:constrLst>
-                        <dgm:constr type="lMarg" refType="primFontSz" fact="0.3"/>
-                        <dgm:constr type="rMarg" refType="primFontSz" fact="0.3"/>
-                        <dgm:constr type="tMarg" refType="primFontSz" fact="0.3"/>
-                        <dgm:constr type="bMarg" refType="primFontSz" fact="0.3"/>
-                      </dgm:constrLst>
-                      <dgm:ruleLst>
-                        <dgm:rule type="primFontSz" val="5" fact="NaN" max="NaN"/>
-                      </dgm:ruleLst>
-                    </dgm:layoutNode>
-                    <dgm:layoutNode name="FourNodes_2_text">
-                      <dgm:varLst>
-                        <dgm:bulletEnabled val="1"/>
-                      </dgm:varLst>
-                      <dgm:alg type="tx">
-                        <dgm:param type="parTxLTRAlign" val="l"/>
-                        <dgm:param type="txAnchorVertCh" val="mid"/>
-                      </dgm:alg>
-                      <dgm:shape xmlns:r="http://schemas.openxmlformats.org/officeDocument/2006/relationships" type="roundRect" r:blip="" hideGeom="1">
-                        <dgm:adjLst>
-                          <dgm:adj idx="1" val="0.1"/>
-                        </dgm:adjLst>
-                      </dgm:shape>
-                      <dgm:presOf axis="ch desOrSelf" ptType="node node" st="2 1" cnt="1 0"/>
-                      <dgm:constrLst>
-                        <dgm:constr type="lMarg" refType="primFontSz" fact="0.3"/>
-                        <dgm:constr type="rMarg" refType="primFontSz" fact="0.3"/>
-                        <dgm:constr type="tMarg" refType="primFontSz" fact="0.3"/>
-                        <dgm:constr type="bMarg" refType="primFontSz" fact="0.3"/>
-                      </dgm:constrLst>
-                      <dgm:ruleLst>
-                        <dgm:rule type="primFontSz" val="5" fact="NaN" max="NaN"/>
-                      </dgm:ruleLst>
-                    </dgm:layoutNode>
-                    <dgm:layoutNode name="FourNodes_3_text">
-                      <dgm:varLst>
-                        <dgm:bulletEnabled val="1"/>
-                      </dgm:varLst>
-                      <dgm:alg type="tx">
-                        <dgm:param type="parTxLTRAlign" val="l"/>
-                        <dgm:param type="txAnchorVertCh" val="mid"/>
-                      </dgm:alg>
-                      <dgm:shape xmlns:r="http://schemas.openxmlformats.org/officeDocument/2006/relationships" type="roundRect" r:blip="" hideGeom="1">
-                        <dgm:adjLst>
-                          <dgm:adj idx="1" val="0.1"/>
-                        </dgm:adjLst>
-                      </dgm:shape>
-                      <dgm:presOf axis="ch desOrSelf" ptType="node node" st="3 1" cnt="1 0"/>
-                      <dgm:constrLst>
-                        <dgm:constr type="lMarg" refType="primFontSz" fact="0.3"/>
-                        <dgm:constr type="rMarg" refType="primFontSz" fact="0.3"/>
-                        <dgm:constr type="tMarg" refType="primFontSz" fact="0.3"/>
-                        <dgm:constr type="bMarg" refType="primFontSz" fact="0.3"/>
-                      </dgm:constrLst>
-                      <dgm:ruleLst>
-                        <dgm:rule type="primFontSz" val="5" fact="NaN" max="NaN"/>
-                      </dgm:ruleLst>
-                    </dgm:layoutNode>
-                    <dgm:layoutNode name="FourNodes_4_text">
-                      <dgm:varLst>
-                        <dgm:bulletEnabled val="1"/>
-                      </dgm:varLst>
-                      <dgm:alg type="tx">
-                        <dgm:param type="parTxLTRAlign" val="l"/>
-                        <dgm:param type="txAnchorVertCh" val="mid"/>
-                      </dgm:alg>
-                      <dgm:shape xmlns:r="http://schemas.openxmlformats.org/officeDocument/2006/relationships" type="roundRect" r:blip="" hideGeom="1">
-                        <dgm:adjLst>
-                          <dgm:adj idx="1" val="0.1"/>
-                        </dgm:adjLst>
-                      </dgm:shape>
-                      <dgm:presOf axis="ch desOrSelf" ptType="node node" st="4 1" cnt="1 0"/>
-                      <dgm:constrLst>
-                        <dgm:constr type="lMarg" refType="primFontSz" fact="0.3"/>
-                        <dgm:constr type="rMarg" refType="primFontSz" fact="0.3"/>
-                        <dgm:constr type="tMarg" refType="primFontSz" fact="0.3"/>
-                        <dgm:constr type="bMarg" refType="primFontSz" fact="0.3"/>
-                      </dgm:constrLst>
-                      <dgm:ruleLst>
-                        <dgm:rule type="primFontSz" val="5" fact="NaN" max="NaN"/>
-                      </dgm:ruleLst>
-                    </dgm:layoutNode>
-                  </dgm:if>
-                  <dgm:else name="Name14">
-                    <dgm:choose name="Name15">
-                      <dgm:if name="Name16" axis="ch" ptType="node" func="cnt" op="gte" val="5">
-                        <dgm:layoutNode name="FiveNodes_1">
-                          <dgm:varLst>
-                            <dgm:bulletEnabled val="1"/>
-                          </dgm:varLst>
-                          <dgm:alg type="sp"/>
-                          <dgm:shape xmlns:r="http://schemas.openxmlformats.org/officeDocument/2006/relationships" type="roundRect" r:blip="">
-                            <dgm:adjLst>
-                              <dgm:adj idx="1" val="0.1"/>
-                            </dgm:adjLst>
-                          </dgm:shape>
-                          <dgm:presOf axis="ch desOrSelf" ptType="node node" st="1 1" cnt="1 0"/>
-                          <dgm:constrLst/>
-                          <dgm:ruleLst/>
-                        </dgm:layoutNode>
-                        <dgm:layoutNode name="FiveNodes_2">
-                          <dgm:varLst>
-                            <dgm:bulletEnabled val="1"/>
-                          </dgm:varLst>
-                          <dgm:alg type="sp"/>
-                          <dgm:shape xmlns:r="http://schemas.openxmlformats.org/officeDocument/2006/relationships" type="roundRect" r:blip="">
-                            <dgm:adjLst>
-                              <dgm:adj idx="1" val="0.1"/>
-                            </dgm:adjLst>
-                          </dgm:shape>
-                          <dgm:presOf axis="ch desOrSelf" ptType="node node" st="2 1" cnt="1 0"/>
-                          <dgm:constrLst/>
-                          <dgm:ruleLst/>
-                        </dgm:layoutNode>
-                        <dgm:layoutNode name="FiveNodes_3">
-                          <dgm:varLst>
-                            <dgm:bulletEnabled val="1"/>
-                          </dgm:varLst>
-                          <dgm:alg type="sp"/>
-                          <dgm:shape xmlns:r="http://schemas.openxmlformats.org/officeDocument/2006/relationships" type="roundRect" r:blip="">
-                            <dgm:adjLst>
-                              <dgm:adj idx="1" val="0.1"/>
-                            </dgm:adjLst>
-                          </dgm:shape>
-                          <dgm:presOf axis="ch desOrSelf" ptType="node node" st="3 1" cnt="1 0"/>
-                          <dgm:constrLst/>
-                          <dgm:ruleLst/>
-                        </dgm:layoutNode>
-                        <dgm:layoutNode name="FiveNodes_4">
-                          <dgm:varLst>
-                            <dgm:bulletEnabled val="1"/>
-                          </dgm:varLst>
-                          <dgm:alg type="sp"/>
-                          <dgm:shape xmlns:r="http://schemas.openxmlformats.org/officeDocument/2006/relationships" type="roundRect" r:blip="">
-                            <dgm:adjLst>
-                              <dgm:adj idx="1" val="0.1"/>
-                            </dgm:adjLst>
-                          </dgm:shape>
-                          <dgm:presOf axis="ch desOrSelf" ptType="node node" st="4 1" cnt="1 0"/>
-                          <dgm:constrLst/>
-                          <dgm:ruleLst/>
-                        </dgm:layoutNode>
-                        <dgm:layoutNode name="FiveNodes_5">
-                          <dgm:varLst>
-                            <dgm:bulletEnabled val="1"/>
-                          </dgm:varLst>
-                          <dgm:alg type="sp"/>
-                          <dgm:shape xmlns:r="http://schemas.openxmlformats.org/officeDocument/2006/relationships" type="roundRect" r:blip="">
-                            <dgm:adjLst>
-                              <dgm:adj idx="1" val="0.1"/>
-                            </dgm:adjLst>
-                          </dgm:shape>
-                          <dgm:presOf axis="ch desOrSelf" ptType="node node" st="5 1" cnt="1 0"/>
-                          <dgm:constrLst/>
-                          <dgm:ruleLst/>
-                        </dgm:layoutNode>
-                        <dgm:layoutNode name="FiveConn_1-2" styleLbl="fgAccFollowNode1">
-                          <dgm:varLst>
-                            <dgm:bulletEnabled val="1"/>
-                          </dgm:varLst>
-                          <dgm:alg type="tx"/>
-                          <dgm:shape xmlns:r="http://schemas.openxmlformats.org/officeDocument/2006/relationships" type="downArrow" r:blip="">
-                            <dgm:adjLst>
-                              <dgm:adj idx="1" val="0.55"/>
-                              <dgm:adj idx="2" val="0.45"/>
-                            </dgm:adjLst>
-                          </dgm:shape>
-                          <dgm:presOf axis="ch" ptType="sibTrans" cnt="1"/>
-                          <dgm:constrLst>
-                            <dgm:constr type="lMarg" refType="primFontSz" fact="0.1"/>
-                            <dgm:constr type="rMarg" refType="primFontSz" fact="0.1"/>
-                            <dgm:constr type="tMarg" refType="primFontSz" fact="0.1"/>
-                            <dgm:constr type="bMarg" refType="primFontSz" fact="0.1"/>
-                          </dgm:constrLst>
-                          <dgm:ruleLst>
-                            <dgm:rule type="primFontSz" val="5" fact="NaN" max="NaN"/>
-                          </dgm:ruleLst>
-                        </dgm:layoutNode>
-                        <dgm:layoutNode name="FiveConn_2-3" styleLbl="fgAccFollowNode1">
-                          <dgm:varLst>
-                            <dgm:bulletEnabled val="1"/>
-                          </dgm:varLst>
-                          <dgm:alg type="tx"/>
-                          <dgm:shape xmlns:r="http://schemas.openxmlformats.org/officeDocument/2006/relationships" type="downArrow" r:blip="">
-                            <dgm:adjLst>
-                              <dgm:adj idx="1" val="0.55"/>
-                              <dgm:adj idx="2" val="0.45"/>
-                            </dgm:adjLst>
-                          </dgm:shape>
-                          <dgm:presOf axis="ch" ptType="sibTrans" st="2" cnt="1"/>
-                          <dgm:constrLst>
-                            <dgm:constr type="lMarg" refType="primFontSz" fact="0.1"/>
-                            <dgm:constr type="rMarg" refType="primFontSz" fact="0.1"/>
-                            <dgm:constr type="tMarg" refType="primFontSz" fact="0.1"/>
-                            <dgm:constr type="bMarg" refType="primFontSz" fact="0.1"/>
-                          </dgm:constrLst>
-                          <dgm:ruleLst>
-                            <dgm:rule type="primFontSz" val="5" fact="NaN" max="NaN"/>
-                          </dgm:ruleLst>
-                        </dgm:layoutNode>
-                        <dgm:layoutNode name="FiveConn_3-4" styleLbl="fgAccFollowNode1">
-                          <dgm:varLst>
-                            <dgm:bulletEnabled val="1"/>
-                          </dgm:varLst>
-                          <dgm:alg type="tx"/>
-                          <dgm:shape xmlns:r="http://schemas.openxmlformats.org/officeDocument/2006/relationships" type="downArrow" r:blip="">
-                            <dgm:adjLst>
-                              <dgm:adj idx="1" val="0.55"/>
-                              <dgm:adj idx="2" val="0.45"/>
-                            </dgm:adjLst>
-                          </dgm:shape>
-                          <dgm:presOf axis="ch" ptType="sibTrans" st="3" cnt="1"/>
-                          <dgm:constrLst>
-                            <dgm:constr type="lMarg" refType="primFontSz" fact="0.1"/>
-                            <dgm:constr type="rMarg" refType="primFontSz" fact="0.1"/>
-                            <dgm:constr type="tMarg" refType="primFontSz" fact="0.1"/>
-                            <dgm:constr type="bMarg" refType="primFontSz" fact="0.1"/>
-                          </dgm:constrLst>
-                          <dgm:ruleLst>
-                            <dgm:rule type="primFontSz" val="5" fact="NaN" max="NaN"/>
-                          </dgm:ruleLst>
-                        </dgm:layoutNode>
-                        <dgm:layoutNode name="FiveConn_4-5" styleLbl="fgAccFollowNode1">
-                          <dgm:varLst>
-                            <dgm:bulletEnabled val="1"/>
-                          </dgm:varLst>
-                          <dgm:alg type="tx"/>
-                          <dgm:shape xmlns:r="http://schemas.openxmlformats.org/officeDocument/2006/relationships" type="downArrow" r:blip="">
-                            <dgm:adjLst>
-                              <dgm:adj idx="1" val="0.55"/>
-                              <dgm:adj idx="2" val="0.45"/>
-                            </dgm:adjLst>
-                          </dgm:shape>
-                          <dgm:presOf axis="ch" ptType="sibTrans" st="4" cnt="1"/>
-                          <dgm:constrLst>
-                            <dgm:constr type="lMarg" refType="primFontSz" fact="0.1"/>
-                            <dgm:constr type="rMarg" refType="primFontSz" fact="0.1"/>
-                            <dgm:constr type="tMarg" refType="primFontSz" fact="0.1"/>
-                            <dgm:constr type="bMarg" refType="primFontSz" fact="0.1"/>
-                          </dgm:constrLst>
-                          <dgm:ruleLst>
-                            <dgm:rule type="primFontSz" val="5" fact="NaN" max="NaN"/>
-                          </dgm:ruleLst>
-                        </dgm:layoutNode>
-                        <dgm:layoutNode name="FiveNodes_1_text">
-                          <dgm:varLst>
-                            <dgm:bulletEnabled val="1"/>
-                          </dgm:varLst>
-                          <dgm:alg type="tx">
-                            <dgm:param type="parTxLTRAlign" val="l"/>
-                            <dgm:param type="txAnchorVertCh" val="mid"/>
-                          </dgm:alg>
-                          <dgm:shape xmlns:r="http://schemas.openxmlformats.org/officeDocument/2006/relationships" type="roundRect" r:blip="" hideGeom="1">
-                            <dgm:adjLst>
-                              <dgm:adj idx="1" val="0.1"/>
-                            </dgm:adjLst>
-                          </dgm:shape>
-                          <dgm:presOf axis="ch desOrSelf" ptType="node node" st="1 1" cnt="1 0"/>
-                          <dgm:constrLst>
-                            <dgm:constr type="lMarg" refType="primFontSz" fact="0.3"/>
-                            <dgm:constr type="rMarg" refType="primFontSz" fact="0.3"/>
-                            <dgm:constr type="tMarg" refType="primFontSz" fact="0.3"/>
-                            <dgm:constr type="bMarg" refType="primFontSz" fact="0.3"/>
-                          </dgm:constrLst>
-                          <dgm:ruleLst>
-                            <dgm:rule type="primFontSz" val="5" fact="NaN" max="NaN"/>
-                          </dgm:ruleLst>
-                        </dgm:layoutNode>
-                        <dgm:layoutNode name="FiveNodes_2_text">
-                          <dgm:varLst>
-                            <dgm:bulletEnabled val="1"/>
-                          </dgm:varLst>
-                          <dgm:alg type="tx">
-                            <dgm:param type="parTxLTRAlign" val="l"/>
-                            <dgm:param type="txAnchorVertCh" val="mid"/>
-                          </dgm:alg>
-                          <dgm:shape xmlns:r="http://schemas.openxmlformats.org/officeDocument/2006/relationships" type="roundRect" r:blip="" hideGeom="1">
-                            <dgm:adjLst>
-                              <dgm:adj idx="1" val="0.1"/>
-                            </dgm:adjLst>
-                          </dgm:shape>
-                          <dgm:presOf axis="ch desOrSelf" ptType="node node" st="2 1" cnt="1 0"/>
-                          <dgm:constrLst>
-                            <dgm:constr type="lMarg" refType="primFontSz" fact="0.3"/>
-                            <dgm:constr type="rMarg" refType="primFontSz" fact="0.3"/>
-                            <dgm:constr type="tMarg" refType="primFontSz" fact="0.3"/>
-                            <dgm:constr type="bMarg" refType="primFontSz" fact="0.3"/>
-                          </dgm:constrLst>
-                          <dgm:ruleLst>
-                            <dgm:rule type="primFontSz" val="5" fact="NaN" max="NaN"/>
-                          </dgm:ruleLst>
-                        </dgm:layoutNode>
-                        <dgm:layoutNode name="FiveNodes_3_text">
-                          <dgm:varLst>
-                            <dgm:bulletEnabled val="1"/>
-                          </dgm:varLst>
-                          <dgm:alg type="tx">
-                            <dgm:param type="parTxLTRAlign" val="l"/>
-                            <dgm:param type="txAnchorVertCh" val="mid"/>
-                          </dgm:alg>
-                          <dgm:shape xmlns:r="http://schemas.openxmlformats.org/officeDocument/2006/relationships" type="roundRect" r:blip="" hideGeom="1">
-                            <dgm:adjLst>
-                              <dgm:adj idx="1" val="0.1"/>
-                            </dgm:adjLst>
-                          </dgm:shape>
-                          <dgm:presOf axis="ch desOrSelf" ptType="node node" st="3 1" cnt="1 0"/>
-                          <dgm:constrLst>
-                            <dgm:constr type="lMarg" refType="primFontSz" fact="0.3"/>
-                            <dgm:constr type="rMarg" refType="primFontSz" fact="0.3"/>
-                            <dgm:constr type="tMarg" refType="primFontSz" fact="0.3"/>
-                            <dgm:constr type="bMarg" refType="primFontSz" fact="0.3"/>
-                          </dgm:constrLst>
-                          <dgm:ruleLst>
-                            <dgm:rule type="primFontSz" val="5" fact="NaN" max="NaN"/>
-                          </dgm:ruleLst>
-                        </dgm:layoutNode>
-                        <dgm:layoutNode name="FiveNodes_4_text">
-                          <dgm:varLst>
-                            <dgm:bulletEnabled val="1"/>
-                          </dgm:varLst>
-                          <dgm:alg type="tx">
-                            <dgm:param type="parTxLTRAlign" val="l"/>
-                            <dgm:param type="txAnchorVertCh" val="mid"/>
-                          </dgm:alg>
-                          <dgm:shape xmlns:r="http://schemas.openxmlformats.org/officeDocument/2006/relationships" type="roundRect" r:blip="" hideGeom="1">
-                            <dgm:adjLst>
-                              <dgm:adj idx="1" val="0.1"/>
-                            </dgm:adjLst>
-                          </dgm:shape>
-                          <dgm:presOf axis="ch desOrSelf" ptType="node node" st="4 1" cnt="1 0"/>
-                          <dgm:constrLst>
-                            <dgm:constr type="lMarg" refType="primFontSz" fact="0.3"/>
-                            <dgm:constr type="rMarg" refType="primFontSz" fact="0.3"/>
-                            <dgm:constr type="tMarg" refType="primFontSz" fact="0.3"/>
-                            <dgm:constr type="bMarg" refType="primFontSz" fact="0.3"/>
-                          </dgm:constrLst>
-                          <dgm:ruleLst>
-                            <dgm:rule type="primFontSz" val="5" fact="NaN" max="NaN"/>
-                          </dgm:ruleLst>
-                        </dgm:layoutNode>
-                        <dgm:layoutNode name="FiveNodes_5_text">
-                          <dgm:varLst>
-                            <dgm:bulletEnabled val="1"/>
-                          </dgm:varLst>
-                          <dgm:alg type="tx">
-                            <dgm:param type="parTxLTRAlign" val="l"/>
-                            <dgm:param type="txAnchorVertCh" val="mid"/>
-                          </dgm:alg>
-                          <dgm:shape xmlns:r="http://schemas.openxmlformats.org/officeDocument/2006/relationships" type="roundRect" r:blip="" hideGeom="1">
-                            <dgm:adjLst>
-                              <dgm:adj idx="1" val="0.1"/>
-                            </dgm:adjLst>
-                          </dgm:shape>
-                          <dgm:presOf axis="ch desOrSelf" ptType="node node" st="5 1" cnt="1 0"/>
-                          <dgm:constrLst>
-                            <dgm:constr type="lMarg" refType="primFontSz" fact="0.3"/>
-                            <dgm:constr type="rMarg" refType="primFontSz" fact="0.3"/>
-                            <dgm:constr type="tMarg" refType="primFontSz" fact="0.3"/>
-                            <dgm:constr type="bMarg" refType="primFontSz" fact="0.3"/>
-                          </dgm:constrLst>
-                          <dgm:ruleLst>
-                            <dgm:rule type="primFontSz" val="5" fact="NaN" max="NaN"/>
-                          </dgm:ruleLst>
-                        </dgm:layoutNode>
-                      </dgm:if>
-                      <dgm:else name="Name17"/>
-                    </dgm:choose>
-                  </dgm:else>
-                </dgm:choose>
-              </dgm:else>
-            </dgm:choose>
-          </dgm:else>
-        </dgm:choose>
-      </dgm:else>
-    </dgm:choose>
-  </dgm:layoutNode>
-</dgm:layoutDef>
-</file>
-
-<file path=ppt/diagrams/quickStyle1.xml><?xml version="1.0" encoding="utf-8"?>
-<dgm:styleDef xmlns:dgm="http://schemas.openxmlformats.org/drawingml/2006/diagram" xmlns:a="http://schemas.openxmlformats.org/drawingml/2006/main" uniqueId="urn:microsoft.com/office/officeart/2005/8/quickstyle/simple4">
-  <dgm:title val=""/>
-  <dgm:desc val=""/>
-  <dgm:catLst>
-    <dgm:cat type="simple" pri="10400"/>
-  </dgm:catLst>
-  <dgm:scene3d>
-    <a:camera prst="orthographicFront"/>
-    <a:lightRig rig="threePt" dir="t"/>
-  </dgm:scene3d>
-  <dgm:styleLbl name="node0">
-    <dgm:scene3d>
-      <a:camera prst="orthographicFront"/>
-      <a:lightRig rig="threePt" dir="t"/>
-    </dgm:scene3d>
-    <dgm:sp3d/>
-    <dgm:txPr/>
-    <dgm:style>
-      <a:lnRef idx="0">
-        <a:scrgbClr r="0" g="0" b="0"/>
-      </a:lnRef>
-      <a:fillRef idx="3">
-        <a:scrgbClr r="0" g="0" b="0"/>
-      </a:fillRef>
-      <a:effectRef idx="2">
-        <a:scrgbClr r="0" g="0" b="0"/>
-      </a:effectRef>
-      <a:fontRef idx="minor">
-        <a:schemeClr val="lt1"/>
-      </a:fontRef>
-    </dgm:style>
-  </dgm:styleLbl>
-  <dgm:styleLbl name="lnNode1">
-    <dgm:scene3d>
-      <a:camera prst="orthographicFront"/>
-      <a:lightRig rig="threePt" dir="t"/>
-    </dgm:scene3d>
-    <dgm:sp3d/>
-    <dgm:txPr/>
-    <dgm:style>
-      <a:lnRef idx="1">
-        <a:scrgbClr r="0" g="0" b="0"/>
-      </a:lnRef>
-      <a:fillRef idx="3">
-        <a:scrgbClr r="0" g="0" b="0"/>
-      </a:fillRef>
-      <a:effectRef idx="2">
-        <a:scrgbClr r="0" g="0" b="0"/>
-      </a:effectRef>
-      <a:fontRef idx="minor">
-        <a:schemeClr val="lt1"/>
-      </a:fontRef>
-    </dgm:style>
-  </dgm:styleLbl>
-  <dgm:styleLbl name="vennNode1">
-    <dgm:scene3d>
-      <a:camera prst="orthographicFront"/>
-      <a:lightRig rig="threePt" dir="t"/>
-    </dgm:scene3d>
-    <dgm:sp3d/>
-    <dgm:txPr/>
-    <dgm:style>
-      <a:lnRef idx="0">
-        <a:scrgbClr r="0" g="0" b="0"/>
-      </a:lnRef>
-      <a:fillRef idx="3">
-        <a:scrgbClr r="0" g="0" b="0"/>
-      </a:fillRef>
-      <a:effectRef idx="0">
-        <a:scrgbClr r="0" g="0" b="0"/>
-      </a:effectRef>
-      <a:fontRef idx="minor">
-        <a:schemeClr val="tx1"/>
-      </a:fontRef>
-    </dgm:style>
-  </dgm:styleLbl>
-  <dgm:styleLbl name="alignNode1">
-    <dgm:scene3d>
-      <a:camera prst="orthographicFront"/>
-      <a:lightRig rig="threePt" dir="t"/>
-    </dgm:scene3d>
-    <dgm:sp3d/>
-    <dgm:txPr/>
-    <dgm:style>
-      <a:lnRef idx="1">
-        <a:scrgbClr r="0" g="0" b="0"/>
-      </a:lnRef>
-      <a:fillRef idx="3">
-        <a:scrgbClr r="0" g="0" b="0"/>
-      </a:fillRef>
-      <a:effectRef idx="2">
-        <a:scrgbClr r="0" g="0" b="0"/>
-      </a:effectRef>
-      <a:fontRef idx="minor">
-        <a:schemeClr val="lt1"/>
-      </a:fontRef>
-    </dgm:style>
-  </dgm:styleLbl>
-  <dgm:styleLbl name="node1">
-    <dgm:scene3d>
-      <a:camera prst="orthographicFront"/>
-      <a:lightRig rig="threePt" dir="t"/>
-    </dgm:scene3d>
-    <dgm:sp3d/>
-    <dgm:txPr/>
-    <dgm:style>
-      <a:lnRef idx="0">
-        <a:scrgbClr r="0" g="0" b="0"/>
-      </a:lnRef>
-      <a:fillRef idx="3">
-        <a:scrgbClr r="0" g="0" b="0"/>
-      </a:fillRef>
-      <a:effectRef idx="2">
-        <a:scrgbClr r="0" g="0" b="0"/>
-      </a:effectRef>
-      <a:fontRef idx="minor">
-        <a:schemeClr val="lt1"/>
-      </a:fontRef>
-    </dgm:style>
-  </dgm:styleLbl>
-  <dgm:styleLbl name="node2">
-    <dgm:scene3d>
-      <a:camera prst="orthographicFront"/>
-      <a:lightRig rig="threePt" dir="t"/>
-    </dgm:scene3d>
-    <dgm:sp3d/>
-    <dgm:txPr/>
-    <dgm:style>
-      <a:lnRef idx="0">
-        <a:scrgbClr r="0" g="0" b="0"/>
-      </a:lnRef>
-      <a:fillRef idx="3">
-        <a:scrgbClr r="0" g="0" b="0"/>
-      </a:fillRef>
-      <a:effectRef idx="2">
-        <a:scrgbClr r="0" g="0" b="0"/>
-      </a:effectRef>
-      <a:fontRef idx="minor">
-        <a:schemeClr val="lt1"/>
-      </a:fontRef>
-    </dgm:style>
-  </dgm:styleLbl>
-  <dgm:styleLbl name="node3">
-    <dgm:scene3d>
-      <a:camera prst="orthographicFront"/>
-      <a:lightRig rig="threePt" dir="t"/>
-    </dgm:scene3d>
-    <dgm:sp3d/>
-    <dgm:txPr/>
-    <dgm:style>
-      <a:lnRef idx="0">
-        <a:scrgbClr r="0" g="0" b="0"/>
-      </a:lnRef>
-      <a:fillRef idx="3">
-        <a:scrgbClr r="0" g="0" b="0"/>
-      </a:fillRef>
-      <a:effectRef idx="2">
-        <a:scrgbClr r="0" g="0" b="0"/>
-      </a:effectRef>
-      <a:fontRef idx="minor">
-        <a:schemeClr val="lt1"/>
-      </a:fontRef>
-    </dgm:style>
-  </dgm:styleLbl>
-  <dgm:styleLbl name="node4">
-    <dgm:scene3d>
-      <a:camera prst="orthographicFront"/>
-      <a:lightRig rig="threePt" dir="t"/>
-    </dgm:scene3d>
-    <dgm:sp3d/>
-    <dgm:txPr/>
-    <dgm:style>
-      <a:lnRef idx="0">
-        <a:scrgbClr r="0" g="0" b="0"/>
-      </a:lnRef>
-      <a:fillRef idx="3">
-        <a:scrgbClr r="0" g="0" b="0"/>
-      </a:fillRef>
-      <a:effectRef idx="2">
-        <a:scrgbClr r="0" g="0" b="0"/>
-      </a:effectRef>
-      <a:fontRef idx="minor">
-        <a:schemeClr val="lt1"/>
-      </a:fontRef>
-    </dgm:style>
-  </dgm:styleLbl>
-  <dgm:styleLbl name="fgImgPlace1">
-    <dgm:scene3d>
-      <a:camera prst="orthographicFront"/>
-      <a:lightRig rig="threePt" dir="t"/>
-    </dgm:scene3d>
-    <dgm:sp3d/>
-    <dgm:txPr/>
-    <dgm:style>
-      <a:lnRef idx="0">
-        <a:scrgbClr r="0" g="0" b="0"/>
-      </a:lnRef>
-      <a:fillRef idx="1">
-        <a:scrgbClr r="0" g="0" b="0"/>
-      </a:fillRef>
-      <a:effectRef idx="2">
-        <a:scrgbClr r="0" g="0" b="0"/>
-      </a:effectRef>
-      <a:fontRef idx="minor"/>
-    </dgm:style>
-  </dgm:styleLbl>
-  <dgm:styleLbl name="alignImgPlace1">
-    <dgm:scene3d>
-      <a:camera prst="orthographicFront"/>
-      <a:lightRig rig="threePt" dir="t"/>
-    </dgm:scene3d>
-    <dgm:sp3d/>
-    <dgm:txPr/>
-    <dgm:style>
-      <a:lnRef idx="0">
-        <a:scrgbClr r="0" g="0" b="0"/>
-      </a:lnRef>
-      <a:fillRef idx="1">
-        <a:scrgbClr r="0" g="0" b="0"/>
-      </a:fillRef>
-      <a:effectRef idx="2">
-        <a:scrgbClr r="0" g="0" b="0"/>
-      </a:effectRef>
-      <a:fontRef idx="minor"/>
-    </dgm:style>
-  </dgm:styleLbl>
-  <dgm:styleLbl name="bgImgPlace1">
-    <dgm:scene3d>
-      <a:camera prst="orthographicFront"/>
-      <a:lightRig rig="threePt" dir="t"/>
-    </dgm:scene3d>
-    <dgm:sp3d/>
-    <dgm:txPr/>
-    <dgm:style>
-      <a:lnRef idx="0">
-        <a:scrgbClr r="0" g="0" b="0"/>
-      </a:lnRef>
-      <a:fillRef idx="1">
-        <a:scrgbClr r="0" g="0" b="0"/>
-      </a:fillRef>
-      <a:effectRef idx="2">
-        <a:scrgbClr r="0" g="0" b="0"/>
-      </a:effectRef>
-      <a:fontRef idx="minor"/>
-    </dgm:style>
-  </dgm:styleLbl>
-  <dgm:styleLbl name="sibTrans2D1">
-    <dgm:scene3d>
-      <a:camera prst="orthographicFront"/>
-      <a:lightRig rig="threePt" dir="t"/>
-    </dgm:scene3d>
-    <dgm:sp3d/>
-    <dgm:txPr/>
-    <dgm:style>
-      <a:lnRef idx="0">
-        <a:scrgbClr r="0" g="0" b="0"/>
-      </a:lnRef>
-      <a:fillRef idx="3">
-        <a:scrgbClr r="0" g="0" b="0"/>
-      </a:fillRef>
-      <a:effectRef idx="2">
-        <a:scrgbClr r="0" g="0" b="0"/>
-      </a:effectRef>
-      <a:fontRef idx="minor">
-        <a:schemeClr val="lt1"/>
-      </a:fontRef>
-    </dgm:style>
-  </dgm:styleLbl>
-  <dgm:styleLbl name="fgSibTrans2D1">
-    <dgm:scene3d>
-      <a:camera prst="orthographicFront"/>
-      <a:lightRig rig="threePt" dir="t"/>
-    </dgm:scene3d>
-    <dgm:sp3d/>
-    <dgm:txPr/>
-    <dgm:style>
-      <a:lnRef idx="0">
-        <a:scrgbClr r="0" g="0" b="0"/>
-      </a:lnRef>
-      <a:fillRef idx="3">
-        <a:scrgbClr r="0" g="0" b="0"/>
-      </a:fillRef>
-      <a:effectRef idx="2">
-        <a:scrgbClr r="0" g="0" b="0"/>
-      </a:effectRef>
-      <a:fontRef idx="minor">
-        <a:schemeClr val="lt1"/>
-      </a:fontRef>
-    </dgm:style>
-  </dgm:styleLbl>
-  <dgm:styleLbl name="bgSibTrans2D1">
-    <dgm:scene3d>
-      <a:camera prst="orthographicFront"/>
-      <a:lightRig rig="threePt" dir="t"/>
-    </dgm:scene3d>
-    <dgm:sp3d/>
-    <dgm:txPr/>
-    <dgm:style>
-      <a:lnRef idx="0">
-        <a:scrgbClr r="0" g="0" b="0"/>
-      </a:lnRef>
-      <a:fillRef idx="3">
-        <a:scrgbClr r="0" g="0" b="0"/>
-      </a:fillRef>
-      <a:effectRef idx="2">
-        <a:scrgbClr r="0" g="0" b="0"/>
-      </a:effectRef>
-      <a:fontRef idx="minor">
-        <a:schemeClr val="lt1"/>
-      </a:fontRef>
-    </dgm:style>
-  </dgm:styleLbl>
-  <dgm:styleLbl name="sibTrans1D1">
-    <dgm:scene3d>
-      <a:camera prst="orthographicFront"/>
-      <a:lightRig rig="threePt" dir="t"/>
-    </dgm:scene3d>
-    <dgm:sp3d/>
-    <dgm:txPr/>
-    <dgm:style>
-      <a:lnRef idx="1">
-        <a:scrgbClr r="0" g="0" b="0"/>
-      </a:lnRef>
-      <a:fillRef idx="0">
-        <a:scrgbClr r="0" g="0" b="0"/>
-      </a:fillRef>
-      <a:effectRef idx="0">
-        <a:scrgbClr r="0" g="0" b="0"/>
-      </a:effectRef>
-      <a:fontRef idx="minor"/>
-    </dgm:style>
-  </dgm:styleLbl>
-  <dgm:styleLbl name="callout">
-    <dgm:scene3d>
-      <a:camera prst="orthographicFront"/>
-      <a:lightRig rig="threePt" dir="t"/>
-    </dgm:scene3d>
-    <dgm:sp3d/>
-    <dgm:txPr/>
-    <dgm:style>
-      <a:lnRef idx="2">
-        <a:scrgbClr r="0" g="0" b="0"/>
-      </a:lnRef>
-      <a:fillRef idx="1">
-        <a:scrgbClr r="0" g="0" b="0"/>
-      </a:fillRef>
-      <a:effectRef idx="1">
-        <a:scrgbClr r="0" g="0" b="0"/>
-      </a:effectRef>
-      <a:fontRef idx="minor"/>
-    </dgm:style>
-  </dgm:styleLbl>
-  <dgm:styleLbl name="asst0">
-    <dgm:scene3d>
-      <a:camera prst="orthographicFront"/>
-      <a:lightRig rig="threePt" dir="t"/>
-    </dgm:scene3d>
-    <dgm:sp3d/>
-    <dgm:txPr/>
-    <dgm:style>
-      <a:lnRef idx="0">
-        <a:scrgbClr r="0" g="0" b="0"/>
-      </a:lnRef>
-      <a:fillRef idx="3">
-        <a:scrgbClr r="0" g="0" b="0"/>
-      </a:fillRef>
-      <a:effectRef idx="2">
-        <a:scrgbClr r="0" g="0" b="0"/>
-      </a:effectRef>
-      <a:fontRef idx="minor">
-        <a:schemeClr val="lt1"/>
-      </a:fontRef>
-    </dgm:style>
-  </dgm:styleLbl>
-  <dgm:styleLbl name="asst1">
-    <dgm:scene3d>
-      <a:camera prst="orthographicFront"/>
-      <a:lightRig rig="threePt" dir="t"/>
-    </dgm:scene3d>
-    <dgm:sp3d/>
-    <dgm:txPr/>
-    <dgm:style>
-      <a:lnRef idx="0">
-        <a:scrgbClr r="0" g="0" b="0"/>
-      </a:lnRef>
-      <a:fillRef idx="3">
-        <a:scrgbClr r="0" g="0" b="0"/>
-      </a:fillRef>
-      <a:effectRef idx="2">
-        <a:scrgbClr r="0" g="0" b="0"/>
-      </a:effectRef>
-      <a:fontRef idx="minor">
-        <a:schemeClr val="lt1"/>
-      </a:fontRef>
-    </dgm:style>
-  </dgm:styleLbl>
-  <dgm:styleLbl name="asst2">
-    <dgm:scene3d>
-      <a:camera prst="orthographicFront"/>
-      <a:lightRig rig="threePt" dir="t"/>
-    </dgm:scene3d>
-    <dgm:sp3d/>
-    <dgm:txPr/>
-    <dgm:style>
-      <a:lnRef idx="0">
-        <a:scrgbClr r="0" g="0" b="0"/>
-      </a:lnRef>
-      <a:fillRef idx="3">
-        <a:scrgbClr r="0" g="0" b="0"/>
-      </a:fillRef>
-      <a:effectRef idx="2">
-        <a:scrgbClr r="0" g="0" b="0"/>
-      </a:effectRef>
-      <a:fontRef idx="minor">
-        <a:schemeClr val="lt1"/>
-      </a:fontRef>
-    </dgm:style>
-  </dgm:styleLbl>
-  <dgm:styleLbl name="asst3">
-    <dgm:scene3d>
-      <a:camera prst="orthographicFront"/>
-      <a:lightRig rig="threePt" dir="t"/>
-    </dgm:scene3d>
-    <dgm:sp3d/>
-    <dgm:txPr/>
-    <dgm:style>
-      <a:lnRef idx="0">
-        <a:scrgbClr r="0" g="0" b="0"/>
-      </a:lnRef>
-      <a:fillRef idx="3">
-        <a:scrgbClr r="0" g="0" b="0"/>
-      </a:fillRef>
-      <a:effectRef idx="2">
-        <a:scrgbClr r="0" g="0" b="0"/>
-      </a:effectRef>
-      <a:fontRef idx="minor">
-        <a:schemeClr val="lt1"/>
-      </a:fontRef>
-    </dgm:style>
-  </dgm:styleLbl>
-  <dgm:styleLbl name="asst4">
-    <dgm:scene3d>
-      <a:camera prst="orthographicFront"/>
-      <a:lightRig rig="threePt" dir="t"/>
-    </dgm:scene3d>
-    <dgm:sp3d/>
-    <dgm:txPr/>
-    <dgm:style>
-      <a:lnRef idx="0">
-        <a:scrgbClr r="0" g="0" b="0"/>
-      </a:lnRef>
-      <a:fillRef idx="3">
-        <a:scrgbClr r="0" g="0" b="0"/>
-      </a:fillRef>
-      <a:effectRef idx="2">
-        <a:scrgbClr r="0" g="0" b="0"/>
-      </a:effectRef>
-      <a:fontRef idx="minor">
-        <a:schemeClr val="lt1"/>
-      </a:fontRef>
-    </dgm:style>
-  </dgm:styleLbl>
-  <dgm:styleLbl name="parChTrans2D1">
-    <dgm:scene3d>
-      <a:camera prst="orthographicFront"/>
-      <a:lightRig rig="threePt" dir="t"/>
-    </dgm:scene3d>
-    <dgm:sp3d/>
-    <dgm:txPr/>
-    <dgm:style>
-      <a:lnRef idx="0">
-        <a:scrgbClr r="0" g="0" b="0"/>
-      </a:lnRef>
-      <a:fillRef idx="3">
-        <a:scrgbClr r="0" g="0" b="0"/>
-      </a:fillRef>
-      <a:effectRef idx="2">
-        <a:scrgbClr r="0" g="0" b="0"/>
-      </a:effectRef>
-      <a:fontRef idx="minor">
-        <a:schemeClr val="lt1"/>
-      </a:fontRef>
-    </dgm:style>
-  </dgm:styleLbl>
-  <dgm:styleLbl name="parChTrans2D2">
-    <dgm:scene3d>
-      <a:camera prst="orthographicFront"/>
-      <a:lightRig rig="threePt" dir="t"/>
-    </dgm:scene3d>
-    <dgm:sp3d/>
-    <dgm:txPr/>
-    <dgm:style>
-      <a:lnRef idx="0">
-        <a:scrgbClr r="0" g="0" b="0"/>
-      </a:lnRef>
-      <a:fillRef idx="3">
-        <a:scrgbClr r="0" g="0" b="0"/>
-      </a:fillRef>
-      <a:effectRef idx="2">
-        <a:scrgbClr r="0" g="0" b="0"/>
-      </a:effectRef>
-      <a:fontRef idx="minor">
-        <a:schemeClr val="lt1"/>
-      </a:fontRef>
-    </dgm:style>
-  </dgm:styleLbl>
-  <dgm:styleLbl name="parChTrans2D3">
-    <dgm:scene3d>
-      <a:camera prst="orthographicFront"/>
-      <a:lightRig rig="threePt" dir="t"/>
-    </dgm:scene3d>
-    <dgm:sp3d/>
-    <dgm:txPr/>
-    <dgm:style>
-      <a:lnRef idx="1">
-        <a:scrgbClr r="0" g="0" b="0"/>
-      </a:lnRef>
-      <a:fillRef idx="3">
-        <a:scrgbClr r="0" g="0" b="0"/>
-      </a:fillRef>
-      <a:effectRef idx="2">
-        <a:scrgbClr r="0" g="0" b="0"/>
-      </a:effectRef>
-      <a:fontRef idx="minor">
-        <a:schemeClr val="lt1"/>
-      </a:fontRef>
-    </dgm:style>
-  </dgm:styleLbl>
-  <dgm:styleLbl name="parChTrans2D4">
-    <dgm:scene3d>
-      <a:camera prst="orthographicFront"/>
-      <a:lightRig rig="threePt" dir="t"/>
-    </dgm:scene3d>
-    <dgm:sp3d/>
-    <dgm:txPr/>
-    <dgm:style>
-      <a:lnRef idx="1">
-        <a:scrgbClr r="0" g="0" b="0"/>
-      </a:lnRef>
-      <a:fillRef idx="3">
-        <a:scrgbClr r="0" g="0" b="0"/>
-      </a:fillRef>
-      <a:effectRef idx="2">
-        <a:scrgbClr r="0" g="0" b="0"/>
-      </a:effectRef>
-      <a:fontRef idx="minor">
-        <a:schemeClr val="lt1"/>
-      </a:fontRef>
-    </dgm:style>
-  </dgm:styleLbl>
-  <dgm:styleLbl name="parChTrans1D1">
-    <dgm:scene3d>
-      <a:camera prst="orthographicFront"/>
-      <a:lightRig rig="threePt" dir="t"/>
-    </dgm:scene3d>
-    <dgm:sp3d/>
-    <dgm:txPr/>
-    <dgm:style>
-      <a:lnRef idx="1">
-        <a:scrgbClr r="0" g="0" b="0"/>
-      </a:lnRef>
-      <a:fillRef idx="0">
-        <a:scrgbClr r="0" g="0" b="0"/>
-      </a:fillRef>
-      <a:effectRef idx="0">
-        <a:scrgbClr r="0" g="0" b="0"/>
-      </a:effectRef>
-      <a:fontRef idx="minor"/>
-    </dgm:style>
-  </dgm:styleLbl>
-  <dgm:styleLbl name="parChTrans1D2">
-    <dgm:scene3d>
-      <a:camera prst="orthographicFront"/>
-      <a:lightRig rig="threePt" dir="t"/>
-    </dgm:scene3d>
-    <dgm:sp3d/>
-    <dgm:txPr/>
-    <dgm:style>
-      <a:lnRef idx="1">
-        <a:scrgbClr r="0" g="0" b="0"/>
-      </a:lnRef>
-      <a:fillRef idx="0">
-        <a:scrgbClr r="0" g="0" b="0"/>
-      </a:fillRef>
-      <a:effectRef idx="0">
-        <a:scrgbClr r="0" g="0" b="0"/>
-      </a:effectRef>
-      <a:fontRef idx="minor"/>
-    </dgm:style>
-  </dgm:styleLbl>
-  <dgm:styleLbl name="parChTrans1D3">
-    <dgm:scene3d>
-      <a:camera prst="orthographicFront"/>
-      <a:lightRig rig="threePt" dir="t"/>
-    </dgm:scene3d>
-    <dgm:sp3d/>
-    <dgm:txPr/>
-    <dgm:style>
-      <a:lnRef idx="1">
-        <a:scrgbClr r="0" g="0" b="0"/>
-      </a:lnRef>
-      <a:fillRef idx="0">
-        <a:scrgbClr r="0" g="0" b="0"/>
-      </a:fillRef>
-      <a:effectRef idx="0">
-        <a:scrgbClr r="0" g="0" b="0"/>
-      </a:effectRef>
-      <a:fontRef idx="minor"/>
-    </dgm:style>
-  </dgm:styleLbl>
-  <dgm:styleLbl name="parChTrans1D4">
-    <dgm:scene3d>
-      <a:camera prst="orthographicFront"/>
-      <a:lightRig rig="threePt" dir="t"/>
-    </dgm:scene3d>
-    <dgm:sp3d/>
-    <dgm:txPr/>
-    <dgm:style>
-      <a:lnRef idx="1">
-        <a:scrgbClr r="0" g="0" b="0"/>
-      </a:lnRef>
-      <a:fillRef idx="0">
-        <a:scrgbClr r="0" g="0" b="0"/>
-      </a:fillRef>
-      <a:effectRef idx="0">
-        <a:scrgbClr r="0" g="0" b="0"/>
-      </a:effectRef>
-      <a:fontRef idx="minor"/>
-    </dgm:style>
-  </dgm:styleLbl>
-  <dgm:styleLbl name="fgAcc1">
-    <dgm:scene3d>
-      <a:camera prst="orthographicFront"/>
-      <a:lightRig rig="threePt" dir="t"/>
-    </dgm:scene3d>
-    <dgm:sp3d/>
-    <dgm:txPr/>
-    <dgm:style>
-      <a:lnRef idx="1">
-        <a:scrgbClr r="0" g="0" b="0"/>
-      </a:lnRef>
-      <a:fillRef idx="1">
-        <a:scrgbClr r="0" g="0" b="0"/>
-      </a:fillRef>
-      <a:effectRef idx="0">
-        <a:scrgbClr r="0" g="0" b="0"/>
-      </a:effectRef>
-      <a:fontRef idx="minor"/>
-    </dgm:style>
-  </dgm:styleLbl>
-  <dgm:styleLbl name="conFgAcc1">
-    <dgm:scene3d>
-      <a:camera prst="orthographicFront"/>
-      <a:lightRig rig="threePt" dir="t"/>
-    </dgm:scene3d>
-    <dgm:sp3d/>
-    <dgm:txPr/>
-    <dgm:style>
-      <a:lnRef idx="1">
-        <a:scrgbClr r="0" g="0" b="0"/>
-      </a:lnRef>
-      <a:fillRef idx="1">
-        <a:scrgbClr r="0" g="0" b="0"/>
-      </a:fillRef>
-      <a:effectRef idx="0">
-        <a:scrgbClr r="0" g="0" b="0"/>
-      </a:effectRef>
-      <a:fontRef idx="minor"/>
-    </dgm:style>
-  </dgm:styleLbl>
-  <dgm:styleLbl name="alignAcc1">
-    <dgm:scene3d>
-      <a:camera prst="orthographicFront"/>
-      <a:lightRig rig="threePt" dir="t"/>
-    </dgm:scene3d>
-    <dgm:sp3d/>
-    <dgm:txPr/>
-    <dgm:style>
-      <a:lnRef idx="1">
-        <a:scrgbClr r="0" g="0" b="0"/>
-      </a:lnRef>
-      <a:fillRef idx="1">
-        <a:scrgbClr r="0" g="0" b="0"/>
-      </a:fillRef>
-      <a:effectRef idx="0">
-        <a:scrgbClr r="0" g="0" b="0"/>
-      </a:effectRef>
-      <a:fontRef idx="minor"/>
-    </dgm:style>
-  </dgm:styleLbl>
-  <dgm:styleLbl name="trAlignAcc1">
-    <dgm:scene3d>
-      <a:camera prst="orthographicFront"/>
-      <a:lightRig rig="threePt" dir="t"/>
-    </dgm:scene3d>
-    <dgm:sp3d/>
-    <dgm:txPr/>
-    <dgm:style>
-      <a:lnRef idx="1">
-        <a:scrgbClr r="0" g="0" b="0"/>
-      </a:lnRef>
-      <a:fillRef idx="1">
-        <a:scrgbClr r="0" g="0" b="0"/>
-      </a:fillRef>
-      <a:effectRef idx="0">
-        <a:scrgbClr r="0" g="0" b="0"/>
-      </a:effectRef>
-      <a:fontRef idx="minor"/>
-    </dgm:style>
-  </dgm:styleLbl>
-  <dgm:styleLbl name="bgAcc1">
-    <dgm:scene3d>
-      <a:camera prst="orthographicFront"/>
-      <a:lightRig rig="threePt" dir="t"/>
-    </dgm:scene3d>
-    <dgm:sp3d/>
-    <dgm:txPr/>
-    <dgm:style>
-      <a:lnRef idx="1">
-        <a:scrgbClr r="0" g="0" b="0"/>
-      </a:lnRef>
-      <a:fillRef idx="1">
-        <a:scrgbClr r="0" g="0" b="0"/>
-      </a:fillRef>
-      <a:effectRef idx="0">
-        <a:scrgbClr r="0" g="0" b="0"/>
-      </a:effectRef>
-      <a:fontRef idx="minor"/>
-    </dgm:style>
-  </dgm:styleLbl>
-  <dgm:styleLbl name="solidFgAcc1">
-    <dgm:scene3d>
-      <a:camera prst="orthographicFront"/>
-      <a:lightRig rig="threePt" dir="t"/>
-    </dgm:scene3d>
-    <dgm:sp3d/>
-    <dgm:txPr/>
-    <dgm:style>
-      <a:lnRef idx="1">
-        <a:scrgbClr r="0" g="0" b="0"/>
-      </a:lnRef>
-      <a:fillRef idx="1">
-        <a:scrgbClr r="0" g="0" b="0"/>
-      </a:fillRef>
-      <a:effectRef idx="0">
-        <a:scrgbClr r="0" g="0" b="0"/>
-      </a:effectRef>
-      <a:fontRef idx="minor"/>
-    </dgm:style>
-  </dgm:styleLbl>
-  <dgm:styleLbl name="solidAlignAcc1">
-    <dgm:scene3d>
-      <a:camera prst="orthographicFront"/>
-      <a:lightRig rig="threePt" dir="t"/>
-    </dgm:scene3d>
-    <dgm:sp3d/>
-    <dgm:txPr/>
-    <dgm:style>
-      <a:lnRef idx="1">
-        <a:scrgbClr r="0" g="0" b="0"/>
-      </a:lnRef>
-      <a:fillRef idx="1">
-        <a:scrgbClr r="0" g="0" b="0"/>
-      </a:fillRef>
-      <a:effectRef idx="0">
-        <a:scrgbClr r="0" g="0" b="0"/>
-      </a:effectRef>
-      <a:fontRef idx="minor"/>
-    </dgm:style>
-  </dgm:styleLbl>
-  <dgm:styleLbl name="solidBgAcc1">
-    <dgm:scene3d>
-      <a:camera prst="orthographicFront"/>
-      <a:lightRig rig="threePt" dir="t"/>
-    </dgm:scene3d>
-    <dgm:sp3d/>
-    <dgm:txPr/>
-    <dgm:style>
-      <a:lnRef idx="1">
-        <a:scrgbClr r="0" g="0" b="0"/>
-      </a:lnRef>
-      <a:fillRef idx="1">
-        <a:scrgbClr r="0" g="0" b="0"/>
-      </a:fillRef>
-      <a:effectRef idx="0">
-        <a:scrgbClr r="0" g="0" b="0"/>
-      </a:effectRef>
-      <a:fontRef idx="minor"/>
-    </dgm:style>
-  </dgm:styleLbl>
-  <dgm:styleLbl name="fgAccFollowNode1">
-    <dgm:scene3d>
-      <a:camera prst="orthographicFront"/>
-      <a:lightRig rig="threePt" dir="t"/>
-    </dgm:scene3d>
-    <dgm:sp3d/>
-    <dgm:txPr/>
-    <dgm:style>
-      <a:lnRef idx="1">
-        <a:scrgbClr r="0" g="0" b="0"/>
-      </a:lnRef>
-      <a:fillRef idx="1">
-        <a:scrgbClr r="0" g="0" b="0"/>
-      </a:fillRef>
-      <a:effectRef idx="0">
-        <a:scrgbClr r="0" g="0" b="0"/>
-      </a:effectRef>
-      <a:fontRef idx="minor"/>
-    </dgm:style>
-  </dgm:styleLbl>
-  <dgm:styleLbl name="alignAccFollowNode1">
-    <dgm:scene3d>
-      <a:camera prst="orthographicFront"/>
-      <a:lightRig rig="threePt" dir="t"/>
-    </dgm:scene3d>
-    <dgm:sp3d/>
-    <dgm:txPr/>
-    <dgm:style>
-      <a:lnRef idx="1">
-        <a:scrgbClr r="0" g="0" b="0"/>
-      </a:lnRef>
-      <a:fillRef idx="1">
-        <a:scrgbClr r="0" g="0" b="0"/>
-      </a:fillRef>
-      <a:effectRef idx="0">
-        <a:scrgbClr r="0" g="0" b="0"/>
-      </a:effectRef>
-      <a:fontRef idx="minor"/>
-    </dgm:style>
-  </dgm:styleLbl>
-  <dgm:styleLbl name="bgAccFollowNode1">
-    <dgm:scene3d>
-      <a:camera prst="orthographicFront"/>
-      <a:lightRig rig="threePt" dir="t"/>
-    </dgm:scene3d>
-    <dgm:sp3d/>
-    <dgm:txPr/>
-    <dgm:style>
-      <a:lnRef idx="1">
-        <a:scrgbClr r="0" g="0" b="0"/>
-      </a:lnRef>
-      <a:fillRef idx="1">
-        <a:scrgbClr r="0" g="0" b="0"/>
-      </a:fillRef>
-      <a:effectRef idx="0">
-        <a:scrgbClr r="0" g="0" b="0"/>
-      </a:effectRef>
-      <a:fontRef idx="minor"/>
-    </dgm:style>
-  </dgm:styleLbl>
-  <dgm:styleLbl name="fgAcc0">
-    <dgm:scene3d>
-      <a:camera prst="orthographicFront"/>
-      <a:lightRig rig="threePt" dir="t"/>
-    </dgm:scene3d>
-    <dgm:sp3d/>
-    <dgm:txPr/>
-    <dgm:style>
-      <a:lnRef idx="1">
-        <a:scrgbClr r="0" g="0" b="0"/>
-      </a:lnRef>
-      <a:fillRef idx="1">
-        <a:scrgbClr r="0" g="0" b="0"/>
-      </a:fillRef>
-      <a:effectRef idx="0">
-        <a:scrgbClr r="0" g="0" b="0"/>
-      </a:effectRef>
-      <a:fontRef idx="minor"/>
-    </dgm:style>
-  </dgm:styleLbl>
-  <dgm:styleLbl name="fgAcc2">
-    <dgm:scene3d>
-      <a:camera prst="orthographicFront"/>
-      <a:lightRig rig="threePt" dir="t"/>
-    </dgm:scene3d>
-    <dgm:sp3d/>
-    <dgm:txPr/>
-    <dgm:style>
-      <a:lnRef idx="1">
-        <a:scrgbClr r="0" g="0" b="0"/>
-      </a:lnRef>
-      <a:fillRef idx="1">
-        <a:scrgbClr r="0" g="0" b="0"/>
-      </a:fillRef>
-      <a:effectRef idx="0">
-        <a:scrgbClr r="0" g="0" b="0"/>
-      </a:effectRef>
-      <a:fontRef idx="minor"/>
-    </dgm:style>
-  </dgm:styleLbl>
-  <dgm:styleLbl name="fgAcc3">
-    <dgm:scene3d>
-      <a:camera prst="orthographicFront"/>
-      <a:lightRig rig="threePt" dir="t"/>
-    </dgm:scene3d>
-    <dgm:sp3d/>
-    <dgm:txPr/>
-    <dgm:style>
-      <a:lnRef idx="1">
-        <a:scrgbClr r="0" g="0" b="0"/>
-      </a:lnRef>
-      <a:fillRef idx="1">
-        <a:scrgbClr r="0" g="0" b="0"/>
-      </a:fillRef>
-      <a:effectRef idx="0">
-        <a:scrgbClr r="0" g="0" b="0"/>
-      </a:effectRef>
-      <a:fontRef idx="minor"/>
-    </dgm:style>
-  </dgm:styleLbl>
-  <dgm:styleLbl name="fgAcc4">
-    <dgm:scene3d>
-      <a:camera prst="orthographicFront"/>
-      <a:lightRig rig="threePt" dir="t"/>
-    </dgm:scene3d>
-    <dgm:sp3d/>
-    <dgm:txPr/>
-    <dgm:style>
-      <a:lnRef idx="1">
-        <a:scrgbClr r="0" g="0" b="0"/>
-      </a:lnRef>
-      <a:fillRef idx="1">
-        <a:scrgbClr r="0" g="0" b="0"/>
-      </a:fillRef>
-      <a:effectRef idx="0">
-        <a:scrgbClr r="0" g="0" b="0"/>
-      </a:effectRef>
-      <a:fontRef idx="minor"/>
-    </dgm:style>
-  </dgm:styleLbl>
-  <dgm:styleLbl name="bgShp">
-    <dgm:scene3d>
-      <a:camera prst="orthographicFront"/>
-      <a:lightRig rig="threePt" dir="t"/>
-    </dgm:scene3d>
-    <dgm:sp3d/>
-    <dgm:txPr/>
-    <dgm:style>
-      <a:lnRef idx="0">
-        <a:scrgbClr r="0" g="0" b="0"/>
-      </a:lnRef>
-      <a:fillRef idx="1">
-        <a:scrgbClr r="0" g="0" b="0"/>
-      </a:fillRef>
-      <a:effectRef idx="2">
-        <a:scrgbClr r="0" g="0" b="0"/>
-      </a:effectRef>
-      <a:fontRef idx="minor"/>
-    </dgm:style>
-  </dgm:styleLbl>
-  <dgm:styleLbl name="dkBgShp">
-    <dgm:scene3d>
-      <a:camera prst="orthographicFront"/>
-      <a:lightRig rig="threePt" dir="t"/>
-    </dgm:scene3d>
-    <dgm:sp3d/>
-    <dgm:txPr/>
-    <dgm:style>
-      <a:lnRef idx="0">
-        <a:scrgbClr r="0" g="0" b="0"/>
-      </a:lnRef>
-      <a:fillRef idx="1">
-        <a:scrgbClr r="0" g="0" b="0"/>
-      </a:fillRef>
-      <a:effectRef idx="2">
-        <a:scrgbClr r="0" g="0" b="0"/>
-      </a:effectRef>
-      <a:fontRef idx="minor"/>
-    </dgm:style>
-  </dgm:styleLbl>
-  <dgm:styleLbl name="trBgShp">
-    <dgm:scene3d>
-      <a:camera prst="orthographicFront"/>
-      <a:lightRig rig="threePt" dir="t"/>
-    </dgm:scene3d>
-    <dgm:sp3d/>
-    <dgm:txPr/>
-    <dgm:style>
-      <a:lnRef idx="0">
-        <a:scrgbClr r="0" g="0" b="0"/>
-      </a:lnRef>
-      <a:fillRef idx="1">
-        <a:scrgbClr r="0" g="0" b="0"/>
-      </a:fillRef>
-      <a:effectRef idx="0">
-        <a:scrgbClr r="0" g="0" b="0"/>
-      </a:effectRef>
-      <a:fontRef idx="minor"/>
-    </dgm:style>
-  </dgm:styleLbl>
-  <dgm:styleLbl name="fgShp">
-    <dgm:scene3d>
-      <a:camera prst="orthographicFront"/>
-      <a:lightRig rig="threePt" dir="t"/>
-    </dgm:scene3d>
-    <dgm:sp3d/>
-    <dgm:txPr/>
-    <dgm:style>
-      <a:lnRef idx="0">
-        <a:scrgbClr r="0" g="0" b="0"/>
-      </a:lnRef>
-      <a:fillRef idx="3">
-        <a:scrgbClr r="0" g="0" b="0"/>
-      </a:fillRef>
-      <a:effectRef idx="2">
-        <a:scrgbClr r="0" g="0" b="0"/>
-      </a:effectRef>
-      <a:fontRef idx="minor"/>
-    </dgm:style>
-  </dgm:styleLbl>
-  <dgm:styleLbl name="revTx">
-    <dgm:scene3d>
-      <a:camera prst="orthographicFront"/>
-      <a:lightRig rig="threePt" dir="t"/>
-    </dgm:scene3d>
-    <dgm:sp3d/>
-    <dgm:txPr/>
-    <dgm:style>
-      <a:lnRef idx="0">
-        <a:scrgbClr r="0" g="0" b="0"/>
-      </a:lnRef>
-      <a:fillRef idx="0">
-        <a:scrgbClr r="0" g="0" b="0"/>
-      </a:fillRef>
-      <a:effectRef idx="0">
-        <a:scrgbClr r="0" g="0" b="0"/>
-      </a:effectRef>
-      <a:fontRef idx="minor"/>
-    </dgm:style>
-  </dgm:styleLbl>
-</dgm:styleDef>
-</file>
-
 <file path=ppt/handoutMasters/handoutMaster1.xml><?xml version="1.0" encoding="utf-8"?>
 <p:handoutMaster xmlns:a="http://schemas.openxmlformats.org/drawingml/2006/main" xmlns:r="http://schemas.openxmlformats.org/officeDocument/2006/relationships" xmlns:p="http://schemas.openxmlformats.org/presentationml/2006/main">
   <p:cSld>
@@ -5108,7 +241,7 @@
             <a:pPr algn="r" rtl="0"/>
             <a:fld id="{D8AF6929-4F16-43A6-8368-BF93843271D3}" type="datetime1">
               <a:rPr lang="fr-FR" smtClean="0"/>
-              <a:t>12/01/2024</a:t>
+              <a:t>19/01/2024</a:t>
             </a:fld>
             <a:endParaRPr lang="fr-FR" dirty="0"/>
           </a:p>
@@ -5278,7 +411,7 @@
             <a:fld id="{4D9CF8A1-AC6C-4B34-A6AF-5306B09514F1}" type="datetime1">
               <a:rPr lang="fr-FR" smtClean="0"/>
               <a:pPr/>
-              <a:t>12/01/2024</a:t>
+              <a:t>19/01/2024</a:t>
             </a:fld>
             <a:endParaRPr lang="fr-FR" dirty="0"/>
           </a:p>
@@ -5711,7 +844,7 @@
     </p:spTree>
     <p:extLst>
       <p:ext uri="{BB962C8B-B14F-4D97-AF65-F5344CB8AC3E}">
-        <p14:creationId xmlns:p14="http://schemas.microsoft.com/office/powerpoint/2010/main" val="2619119294"/>
+        <p14:creationId xmlns:p14="http://schemas.microsoft.com/office/powerpoint/2010/main" val="3026042699"/>
       </p:ext>
     </p:extLst>
   </p:cSld>
@@ -5765,7 +898,7 @@
           <a:bodyPr/>
           <a:lstStyle/>
           <a:p>
-            <a:endParaRPr lang="fr-FR"/>
+            <a:endParaRPr lang="fr-FR" dirty="0"/>
           </a:p>
         </p:txBody>
       </p:sp>
@@ -5797,7 +930,351 @@
     </p:spTree>
     <p:extLst>
       <p:ext uri="{BB962C8B-B14F-4D97-AF65-F5344CB8AC3E}">
-        <p14:creationId xmlns:p14="http://schemas.microsoft.com/office/powerpoint/2010/main" val="1963363194"/>
+        <p14:creationId xmlns:p14="http://schemas.microsoft.com/office/powerpoint/2010/main" val="3419054617"/>
+      </p:ext>
+    </p:extLst>
+  </p:cSld>
+  <p:clrMapOvr>
+    <a:masterClrMapping/>
+  </p:clrMapOvr>
+</p:notes>
+</file>
+
+<file path=ppt/notesSlides/notesSlide12.xml><?xml version="1.0" encoding="utf-8"?>
+<p:notes xmlns:a="http://schemas.openxmlformats.org/drawingml/2006/main" xmlns:r="http://schemas.openxmlformats.org/officeDocument/2006/relationships" xmlns:p="http://schemas.openxmlformats.org/presentationml/2006/main">
+  <p:cSld>
+    <p:spTree>
+      <p:nvGrpSpPr>
+        <p:cNvPr id="1" name=""/>
+        <p:cNvGrpSpPr/>
+        <p:nvPr/>
+      </p:nvGrpSpPr>
+      <p:grpSpPr>
+        <a:xfrm>
+          <a:off x="0" y="0"/>
+          <a:ext cx="0" cy="0"/>
+          <a:chOff x="0" y="0"/>
+          <a:chExt cx="0" cy="0"/>
+        </a:xfrm>
+      </p:grpSpPr>
+      <p:sp>
+        <p:nvSpPr>
+          <p:cNvPr id="2" name="Espace réservé de l'image des diapositives 1"/>
+          <p:cNvSpPr>
+            <a:spLocks noGrp="1" noRot="1" noChangeAspect="1"/>
+          </p:cNvSpPr>
+          <p:nvPr>
+            <p:ph type="sldImg"/>
+          </p:nvPr>
+        </p:nvSpPr>
+        <p:spPr/>
+      </p:sp>
+      <p:sp>
+        <p:nvSpPr>
+          <p:cNvPr id="3" name="Espace réservé des notes 2"/>
+          <p:cNvSpPr>
+            <a:spLocks noGrp="1"/>
+          </p:cNvSpPr>
+          <p:nvPr>
+            <p:ph type="body" idx="1"/>
+          </p:nvPr>
+        </p:nvSpPr>
+        <p:spPr/>
+        <p:txBody>
+          <a:bodyPr/>
+          <a:lstStyle/>
+          <a:p>
+            <a:endParaRPr lang="fr-FR" dirty="0"/>
+          </a:p>
+        </p:txBody>
+      </p:sp>
+      <p:sp>
+        <p:nvSpPr>
+          <p:cNvPr id="4" name="Espace réservé du numéro de diapositive 3"/>
+          <p:cNvSpPr>
+            <a:spLocks noGrp="1"/>
+          </p:cNvSpPr>
+          <p:nvPr>
+            <p:ph type="sldNum" sz="quarter" idx="10"/>
+          </p:nvPr>
+        </p:nvSpPr>
+        <p:spPr/>
+        <p:txBody>
+          <a:bodyPr/>
+          <a:lstStyle/>
+          <a:p>
+            <a:pPr algn="r"/>
+            <a:fld id="{3EBA5BD7-F043-4D1B-AA17-CD412FC534DE}" type="slidenum">
+              <a:rPr lang="fr-FR" smtClean="0"/>
+              <a:pPr algn="r"/>
+              <a:t>12</a:t>
+            </a:fld>
+            <a:endParaRPr lang="fr-FR" dirty="0"/>
+          </a:p>
+        </p:txBody>
+      </p:sp>
+    </p:spTree>
+    <p:extLst>
+      <p:ext uri="{BB962C8B-B14F-4D97-AF65-F5344CB8AC3E}">
+        <p14:creationId xmlns:p14="http://schemas.microsoft.com/office/powerpoint/2010/main" val="2546300185"/>
+      </p:ext>
+    </p:extLst>
+  </p:cSld>
+  <p:clrMapOvr>
+    <a:masterClrMapping/>
+  </p:clrMapOvr>
+</p:notes>
+</file>
+
+<file path=ppt/notesSlides/notesSlide13.xml><?xml version="1.0" encoding="utf-8"?>
+<p:notes xmlns:a="http://schemas.openxmlformats.org/drawingml/2006/main" xmlns:r="http://schemas.openxmlformats.org/officeDocument/2006/relationships" xmlns:p="http://schemas.openxmlformats.org/presentationml/2006/main">
+  <p:cSld>
+    <p:spTree>
+      <p:nvGrpSpPr>
+        <p:cNvPr id="1" name=""/>
+        <p:cNvGrpSpPr/>
+        <p:nvPr/>
+      </p:nvGrpSpPr>
+      <p:grpSpPr>
+        <a:xfrm>
+          <a:off x="0" y="0"/>
+          <a:ext cx="0" cy="0"/>
+          <a:chOff x="0" y="0"/>
+          <a:chExt cx="0" cy="0"/>
+        </a:xfrm>
+      </p:grpSpPr>
+      <p:sp>
+        <p:nvSpPr>
+          <p:cNvPr id="2" name="Espace réservé de l'image des diapositives 1"/>
+          <p:cNvSpPr>
+            <a:spLocks noGrp="1" noRot="1" noChangeAspect="1"/>
+          </p:cNvSpPr>
+          <p:nvPr>
+            <p:ph type="sldImg"/>
+          </p:nvPr>
+        </p:nvSpPr>
+        <p:spPr/>
+      </p:sp>
+      <p:sp>
+        <p:nvSpPr>
+          <p:cNvPr id="3" name="Espace réservé des notes 2"/>
+          <p:cNvSpPr>
+            <a:spLocks noGrp="1"/>
+          </p:cNvSpPr>
+          <p:nvPr>
+            <p:ph type="body" idx="1"/>
+          </p:nvPr>
+        </p:nvSpPr>
+        <p:spPr/>
+        <p:txBody>
+          <a:bodyPr/>
+          <a:lstStyle/>
+          <a:p>
+            <a:endParaRPr lang="fr-FR" dirty="0"/>
+          </a:p>
+        </p:txBody>
+      </p:sp>
+      <p:sp>
+        <p:nvSpPr>
+          <p:cNvPr id="4" name="Espace réservé du numéro de diapositive 3"/>
+          <p:cNvSpPr>
+            <a:spLocks noGrp="1"/>
+          </p:cNvSpPr>
+          <p:nvPr>
+            <p:ph type="sldNum" sz="quarter" idx="10"/>
+          </p:nvPr>
+        </p:nvSpPr>
+        <p:spPr/>
+        <p:txBody>
+          <a:bodyPr/>
+          <a:lstStyle/>
+          <a:p>
+            <a:pPr algn="r"/>
+            <a:fld id="{3EBA5BD7-F043-4D1B-AA17-CD412FC534DE}" type="slidenum">
+              <a:rPr lang="fr-FR" smtClean="0"/>
+              <a:pPr algn="r"/>
+              <a:t>13</a:t>
+            </a:fld>
+            <a:endParaRPr lang="fr-FR" dirty="0"/>
+          </a:p>
+        </p:txBody>
+      </p:sp>
+    </p:spTree>
+    <p:extLst>
+      <p:ext uri="{BB962C8B-B14F-4D97-AF65-F5344CB8AC3E}">
+        <p14:creationId xmlns:p14="http://schemas.microsoft.com/office/powerpoint/2010/main" val="2194836493"/>
+      </p:ext>
+    </p:extLst>
+  </p:cSld>
+  <p:clrMapOvr>
+    <a:masterClrMapping/>
+  </p:clrMapOvr>
+</p:notes>
+</file>
+
+<file path=ppt/notesSlides/notesSlide14.xml><?xml version="1.0" encoding="utf-8"?>
+<p:notes xmlns:a="http://schemas.openxmlformats.org/drawingml/2006/main" xmlns:r="http://schemas.openxmlformats.org/officeDocument/2006/relationships" xmlns:p="http://schemas.openxmlformats.org/presentationml/2006/main">
+  <p:cSld>
+    <p:spTree>
+      <p:nvGrpSpPr>
+        <p:cNvPr id="1" name=""/>
+        <p:cNvGrpSpPr/>
+        <p:nvPr/>
+      </p:nvGrpSpPr>
+      <p:grpSpPr>
+        <a:xfrm>
+          <a:off x="0" y="0"/>
+          <a:ext cx="0" cy="0"/>
+          <a:chOff x="0" y="0"/>
+          <a:chExt cx="0" cy="0"/>
+        </a:xfrm>
+      </p:grpSpPr>
+      <p:sp>
+        <p:nvSpPr>
+          <p:cNvPr id="2" name="Espace réservé de l'image des diapositives 1"/>
+          <p:cNvSpPr>
+            <a:spLocks noGrp="1" noRot="1" noChangeAspect="1"/>
+          </p:cNvSpPr>
+          <p:nvPr>
+            <p:ph type="sldImg"/>
+          </p:nvPr>
+        </p:nvSpPr>
+        <p:spPr/>
+      </p:sp>
+      <p:sp>
+        <p:nvSpPr>
+          <p:cNvPr id="3" name="Espace réservé des notes 2"/>
+          <p:cNvSpPr>
+            <a:spLocks noGrp="1"/>
+          </p:cNvSpPr>
+          <p:nvPr>
+            <p:ph type="body" idx="1"/>
+          </p:nvPr>
+        </p:nvSpPr>
+        <p:spPr/>
+        <p:txBody>
+          <a:bodyPr/>
+          <a:lstStyle/>
+          <a:p>
+            <a:endParaRPr lang="fr-FR" dirty="0"/>
+          </a:p>
+        </p:txBody>
+      </p:sp>
+      <p:sp>
+        <p:nvSpPr>
+          <p:cNvPr id="4" name="Espace réservé du numéro de diapositive 3"/>
+          <p:cNvSpPr>
+            <a:spLocks noGrp="1"/>
+          </p:cNvSpPr>
+          <p:nvPr>
+            <p:ph type="sldNum" sz="quarter" idx="10"/>
+          </p:nvPr>
+        </p:nvSpPr>
+        <p:spPr/>
+        <p:txBody>
+          <a:bodyPr/>
+          <a:lstStyle/>
+          <a:p>
+            <a:pPr algn="r"/>
+            <a:fld id="{3EBA5BD7-F043-4D1B-AA17-CD412FC534DE}" type="slidenum">
+              <a:rPr lang="fr-FR" smtClean="0"/>
+              <a:pPr algn="r"/>
+              <a:t>14</a:t>
+            </a:fld>
+            <a:endParaRPr lang="fr-FR" dirty="0"/>
+          </a:p>
+        </p:txBody>
+      </p:sp>
+    </p:spTree>
+    <p:extLst>
+      <p:ext uri="{BB962C8B-B14F-4D97-AF65-F5344CB8AC3E}">
+        <p14:creationId xmlns:p14="http://schemas.microsoft.com/office/powerpoint/2010/main" val="3494433464"/>
+      </p:ext>
+    </p:extLst>
+  </p:cSld>
+  <p:clrMapOvr>
+    <a:masterClrMapping/>
+  </p:clrMapOvr>
+</p:notes>
+</file>
+
+<file path=ppt/notesSlides/notesSlide15.xml><?xml version="1.0" encoding="utf-8"?>
+<p:notes xmlns:a="http://schemas.openxmlformats.org/drawingml/2006/main" xmlns:r="http://schemas.openxmlformats.org/officeDocument/2006/relationships" xmlns:p="http://schemas.openxmlformats.org/presentationml/2006/main">
+  <p:cSld>
+    <p:spTree>
+      <p:nvGrpSpPr>
+        <p:cNvPr id="1" name=""/>
+        <p:cNvGrpSpPr/>
+        <p:nvPr/>
+      </p:nvGrpSpPr>
+      <p:grpSpPr>
+        <a:xfrm>
+          <a:off x="0" y="0"/>
+          <a:ext cx="0" cy="0"/>
+          <a:chOff x="0" y="0"/>
+          <a:chExt cx="0" cy="0"/>
+        </a:xfrm>
+      </p:grpSpPr>
+      <p:sp>
+        <p:nvSpPr>
+          <p:cNvPr id="2" name="Espace réservé de l'image des diapositives 1"/>
+          <p:cNvSpPr>
+            <a:spLocks noGrp="1" noRot="1" noChangeAspect="1"/>
+          </p:cNvSpPr>
+          <p:nvPr>
+            <p:ph type="sldImg"/>
+          </p:nvPr>
+        </p:nvSpPr>
+        <p:spPr/>
+      </p:sp>
+      <p:sp>
+        <p:nvSpPr>
+          <p:cNvPr id="3" name="Espace réservé des notes 2"/>
+          <p:cNvSpPr>
+            <a:spLocks noGrp="1"/>
+          </p:cNvSpPr>
+          <p:nvPr>
+            <p:ph type="body" idx="1"/>
+          </p:nvPr>
+        </p:nvSpPr>
+        <p:spPr/>
+        <p:txBody>
+          <a:bodyPr/>
+          <a:lstStyle/>
+          <a:p>
+            <a:endParaRPr lang="fr-FR" dirty="0"/>
+          </a:p>
+        </p:txBody>
+      </p:sp>
+      <p:sp>
+        <p:nvSpPr>
+          <p:cNvPr id="4" name="Espace réservé du numéro de diapositive 3"/>
+          <p:cNvSpPr>
+            <a:spLocks noGrp="1"/>
+          </p:cNvSpPr>
+          <p:nvPr>
+            <p:ph type="sldNum" sz="quarter" idx="10"/>
+          </p:nvPr>
+        </p:nvSpPr>
+        <p:spPr/>
+        <p:txBody>
+          <a:bodyPr/>
+          <a:lstStyle/>
+          <a:p>
+            <a:pPr algn="r"/>
+            <a:fld id="{3EBA5BD7-F043-4D1B-AA17-CD412FC534DE}" type="slidenum">
+              <a:rPr lang="fr-FR" smtClean="0"/>
+              <a:pPr algn="r"/>
+              <a:t>15</a:t>
+            </a:fld>
+            <a:endParaRPr lang="fr-FR" dirty="0"/>
+          </a:p>
+        </p:txBody>
+      </p:sp>
+    </p:spTree>
+    <p:extLst>
+      <p:ext uri="{BB962C8B-B14F-4D97-AF65-F5344CB8AC3E}">
+        <p14:creationId xmlns:p14="http://schemas.microsoft.com/office/powerpoint/2010/main" val="634373245"/>
       </p:ext>
     </p:extLst>
   </p:cSld>
@@ -6055,7 +1532,7 @@
     </p:spTree>
     <p:extLst>
       <p:ext uri="{BB962C8B-B14F-4D97-AF65-F5344CB8AC3E}">
-        <p14:creationId xmlns:p14="http://schemas.microsoft.com/office/powerpoint/2010/main" val="566996762"/>
+        <p14:creationId xmlns:p14="http://schemas.microsoft.com/office/powerpoint/2010/main" val="2141590553"/>
       </p:ext>
     </p:extLst>
   </p:cSld>
@@ -6084,7 +1561,7 @@
       </p:grpSpPr>
       <p:sp>
         <p:nvSpPr>
-          <p:cNvPr id="2" name="Espace réservé d’image de diapositive 1"/>
+          <p:cNvPr id="2" name="Espace réservé de l'image des diapositives 1"/>
           <p:cNvSpPr>
             <a:spLocks noGrp="1" noRot="1" noChangeAspect="1"/>
           </p:cNvSpPr>
@@ -6096,7 +1573,7 @@
       </p:sp>
       <p:sp>
         <p:nvSpPr>
-          <p:cNvPr id="3" name="Espace réservé des commentaires 2"/>
+          <p:cNvPr id="3" name="Espace réservé des notes 2"/>
           <p:cNvSpPr>
             <a:spLocks noGrp="1"/>
           </p:cNvSpPr>
@@ -6106,10 +1583,9 @@
         </p:nvSpPr>
         <p:spPr/>
         <p:txBody>
-          <a:bodyPr rtlCol="0"/>
+          <a:bodyPr/>
           <a:lstStyle/>
           <a:p>
-            <a:pPr rtl="0"/>
             <a:endParaRPr lang="fr-FR" dirty="0"/>
           </a:p>
         </p:txBody>
@@ -6126,13 +1602,13 @@
         </p:nvSpPr>
         <p:spPr/>
         <p:txBody>
-          <a:bodyPr rtlCol="0"/>
+          <a:bodyPr/>
           <a:lstStyle/>
           <a:p>
-            <a:pPr algn="r" rtl="0"/>
+            <a:pPr algn="r"/>
             <a:fld id="{3EBA5BD7-F043-4D1B-AA17-CD412FC534DE}" type="slidenum">
               <a:rPr lang="fr-FR" smtClean="0"/>
-              <a:pPr algn="r" rtl="0"/>
+              <a:pPr algn="r"/>
               <a:t>5</a:t>
             </a:fld>
             <a:endParaRPr lang="fr-FR" dirty="0"/>
@@ -6142,7 +1618,7 @@
     </p:spTree>
     <p:extLst>
       <p:ext uri="{BB962C8B-B14F-4D97-AF65-F5344CB8AC3E}">
-        <p14:creationId xmlns:p14="http://schemas.microsoft.com/office/powerpoint/2010/main" val="4117229062"/>
+        <p14:creationId xmlns:p14="http://schemas.microsoft.com/office/powerpoint/2010/main" val="566996762"/>
       </p:ext>
     </p:extLst>
   </p:cSld>
@@ -6228,7 +1704,7 @@
     </p:spTree>
     <p:extLst>
       <p:ext uri="{BB962C8B-B14F-4D97-AF65-F5344CB8AC3E}">
-        <p14:creationId xmlns:p14="http://schemas.microsoft.com/office/powerpoint/2010/main" val="2869341269"/>
+        <p14:creationId xmlns:p14="http://schemas.microsoft.com/office/powerpoint/2010/main" val="2061276900"/>
       </p:ext>
     </p:extLst>
   </p:cSld>
@@ -6257,7 +1733,7 @@
       </p:grpSpPr>
       <p:sp>
         <p:nvSpPr>
-          <p:cNvPr id="2" name="Espace réservé de l'image des diapositives 1"/>
+          <p:cNvPr id="2" name="Espace réservé d’image de diapositive 1"/>
           <p:cNvSpPr>
             <a:spLocks noGrp="1" noRot="1" noChangeAspect="1"/>
           </p:cNvSpPr>
@@ -6269,7 +1745,7 @@
       </p:sp>
       <p:sp>
         <p:nvSpPr>
-          <p:cNvPr id="3" name="Espace réservé des notes 2"/>
+          <p:cNvPr id="3" name="Espace réservé des commentaires 2"/>
           <p:cNvSpPr>
             <a:spLocks noGrp="1"/>
           </p:cNvSpPr>
@@ -6279,9 +1755,10 @@
         </p:nvSpPr>
         <p:spPr/>
         <p:txBody>
-          <a:bodyPr/>
+          <a:bodyPr rtlCol="0"/>
           <a:lstStyle/>
           <a:p>
+            <a:pPr rtl="0"/>
             <a:endParaRPr lang="fr-FR" dirty="0"/>
           </a:p>
         </p:txBody>
@@ -6298,13 +1775,13 @@
         </p:nvSpPr>
         <p:spPr/>
         <p:txBody>
-          <a:bodyPr/>
+          <a:bodyPr rtlCol="0"/>
           <a:lstStyle/>
           <a:p>
-            <a:pPr algn="r"/>
+            <a:pPr algn="r" rtl="0"/>
             <a:fld id="{3EBA5BD7-F043-4D1B-AA17-CD412FC534DE}" type="slidenum">
               <a:rPr lang="fr-FR" smtClean="0"/>
-              <a:pPr algn="r"/>
+              <a:pPr algn="r" rtl="0"/>
               <a:t>7</a:t>
             </a:fld>
             <a:endParaRPr lang="fr-FR" dirty="0"/>
@@ -6314,7 +1791,7 @@
     </p:spTree>
     <p:extLst>
       <p:ext uri="{BB962C8B-B14F-4D97-AF65-F5344CB8AC3E}">
-        <p14:creationId xmlns:p14="http://schemas.microsoft.com/office/powerpoint/2010/main" val="3636480520"/>
+        <p14:creationId xmlns:p14="http://schemas.microsoft.com/office/powerpoint/2010/main" val="4117229062"/>
       </p:ext>
     </p:extLst>
   </p:cSld>
@@ -6400,7 +1877,7 @@
     </p:spTree>
     <p:extLst>
       <p:ext uri="{BB962C8B-B14F-4D97-AF65-F5344CB8AC3E}">
-        <p14:creationId xmlns:p14="http://schemas.microsoft.com/office/powerpoint/2010/main" val="3026042699"/>
+        <p14:creationId xmlns:p14="http://schemas.microsoft.com/office/powerpoint/2010/main" val="1109717453"/>
       </p:ext>
     </p:extLst>
   </p:cSld>
@@ -6486,7 +1963,7 @@
     </p:spTree>
     <p:extLst>
       <p:ext uri="{BB962C8B-B14F-4D97-AF65-F5344CB8AC3E}">
-        <p14:creationId xmlns:p14="http://schemas.microsoft.com/office/powerpoint/2010/main" val="131119201"/>
+        <p14:creationId xmlns:p14="http://schemas.microsoft.com/office/powerpoint/2010/main" val="3265194658"/>
       </p:ext>
     </p:extLst>
   </p:cSld>
@@ -7256,10 +2733,9 @@
             </a:lvl1pPr>
           </a:lstStyle>
           <a:p>
-            <a:fld id="{3E36D263-5C89-4D5D-8B05-0120FB33B4BA}" type="datetime1">
+            <a:fld id="{26EA2159-B7BC-4FED-9907-AAE50B9DE050}" type="datetime1">
               <a:rPr lang="fr-FR" smtClean="0"/>
-              <a:pPr/>
-              <a:t>12/01/2024</a:t>
+              <a:t>19/01/2024</a:t>
             </a:fld>
             <a:endParaRPr lang="fr-FR" dirty="0"/>
           </a:p>
@@ -7463,10 +2939,9 @@
             </a:lvl1pPr>
           </a:lstStyle>
           <a:p>
-            <a:fld id="{8A1D2FCC-4233-4F14-8EDB-8DB44C2A50E0}" type="datetime1">
+            <a:fld id="{419FD5D5-9A64-4664-A44A-440422DCDD29}" type="datetime1">
               <a:rPr lang="fr-FR" smtClean="0"/>
-              <a:pPr/>
-              <a:t>12/01/2024</a:t>
+              <a:t>19/01/2024</a:t>
             </a:fld>
             <a:endParaRPr lang="fr-FR" dirty="0"/>
           </a:p>
@@ -7680,10 +3155,9 @@
             </a:lvl1pPr>
           </a:lstStyle>
           <a:p>
-            <a:fld id="{763F31CA-359D-41CC-AD54-062A6FB97288}" type="datetime1">
+            <a:fld id="{DC649D84-487E-4F38-9D98-AC74FB1EB444}" type="datetime1">
               <a:rPr lang="fr-FR" smtClean="0"/>
-              <a:pPr/>
-              <a:t>12/01/2024</a:t>
+              <a:t>19/01/2024</a:t>
             </a:fld>
             <a:endParaRPr lang="fr-FR" dirty="0"/>
           </a:p>
@@ -7887,10 +3361,9 @@
             </a:lvl1pPr>
           </a:lstStyle>
           <a:p>
-            <a:fld id="{E2899D0D-1C7F-4044-B286-354B51780DED}" type="datetime1">
+            <a:fld id="{59DCF266-651C-4DFF-8C76-44F4CC1AC009}" type="datetime1">
               <a:rPr lang="fr-FR" smtClean="0"/>
-              <a:pPr/>
-              <a:t>12/01/2024</a:t>
+              <a:t>19/01/2024</a:t>
             </a:fld>
             <a:endParaRPr lang="fr-FR" dirty="0"/>
           </a:p>
@@ -8328,10 +3801,9 @@
             </a:lvl1pPr>
           </a:lstStyle>
           <a:p>
-            <a:fld id="{BEFD5C92-4BB1-4FBC-932D-AE246A545D97}" type="datetime1">
+            <a:fld id="{C5D94B8B-134D-432E-AAAD-FA636062480A}" type="datetime1">
               <a:rPr lang="fr-FR" smtClean="0"/>
-              <a:pPr/>
-              <a:t>12/01/2024</a:t>
+              <a:t>19/01/2024</a:t>
             </a:fld>
             <a:endParaRPr lang="fr-FR" dirty="0"/>
           </a:p>
@@ -8641,10 +4113,9 @@
             </a:lvl1pPr>
           </a:lstStyle>
           <a:p>
-            <a:fld id="{6B22FCC3-3DC7-4160-A3CE-82200479EFA7}" type="datetime1">
+            <a:fld id="{23187FBC-95DF-438F-B4C8-DFD9602AF3C5}" type="datetime1">
               <a:rPr lang="fr-FR" smtClean="0"/>
-              <a:pPr/>
-              <a:t>12/01/2024</a:t>
+              <a:t>19/01/2024</a:t>
             </a:fld>
             <a:endParaRPr lang="fr-FR" dirty="0"/>
           </a:p>
@@ -9106,10 +4577,9 @@
             </a:lvl1pPr>
           </a:lstStyle>
           <a:p>
-            <a:fld id="{17AB33AB-93D8-496F-A7A3-D08F359C34C7}" type="datetime1">
+            <a:fld id="{3471C309-0FC9-4C95-8202-03ACCC0AA2F6}" type="datetime1">
               <a:rPr lang="fr-FR" smtClean="0"/>
-              <a:pPr/>
-              <a:t>12/01/2024</a:t>
+              <a:t>19/01/2024</a:t>
             </a:fld>
             <a:endParaRPr lang="fr-FR" dirty="0"/>
           </a:p>
@@ -9245,10 +4715,9 @@
             </a:lvl1pPr>
           </a:lstStyle>
           <a:p>
-            <a:fld id="{5B80ABE1-D260-4843-B80F-7D5268AEEE07}" type="datetime1">
+            <a:fld id="{5A89CDD9-55C8-4A33-981A-664CAA594539}" type="datetime1">
               <a:rPr lang="fr-FR" smtClean="0"/>
-              <a:pPr/>
-              <a:t>12/01/2024</a:t>
+              <a:t>19/01/2024</a:t>
             </a:fld>
             <a:endParaRPr lang="fr-FR" dirty="0"/>
           </a:p>
@@ -9360,10 +4829,9 @@
             </a:lvl1pPr>
           </a:lstStyle>
           <a:p>
-            <a:fld id="{88B7253B-1B29-4A13-B3F4-5ABF9F84795C}" type="datetime1">
+            <a:fld id="{0174E113-6F80-44E7-AA18-89ACEFD9EBC9}" type="datetime1">
               <a:rPr lang="fr-FR" smtClean="0"/>
-              <a:pPr/>
-              <a:t>12/01/2024</a:t>
+              <a:t>19/01/2024</a:t>
             </a:fld>
             <a:endParaRPr lang="fr-FR" dirty="0"/>
           </a:p>
@@ -9668,10 +5136,9 @@
             </a:lvl1pPr>
           </a:lstStyle>
           <a:p>
-            <a:fld id="{3FF95AA5-BF1E-4EB9-A1D5-0AB2DD60A2D9}" type="datetime1">
+            <a:fld id="{A0B5A9A8-2488-46D0-825A-171AE153E79B}" type="datetime1">
               <a:rPr lang="fr-FR" smtClean="0"/>
-              <a:pPr/>
-              <a:t>12/01/2024</a:t>
+              <a:t>19/01/2024</a:t>
             </a:fld>
             <a:endParaRPr lang="fr-FR" dirty="0"/>
           </a:p>
@@ -9966,10 +5433,9 @@
             </a:lvl1pPr>
           </a:lstStyle>
           <a:p>
-            <a:fld id="{6F7BC923-82FA-41E3-BF4E-E946B22CD3AC}" type="datetime1">
+            <a:fld id="{F8BC6C0A-4837-4855-B1F1-90EBA4CEB346}" type="datetime1">
               <a:rPr lang="fr-FR" smtClean="0"/>
-              <a:pPr/>
-              <a:t>12/01/2024</a:t>
+              <a:t>19/01/2024</a:t>
             </a:fld>
             <a:endParaRPr lang="fr-FR" dirty="0"/>
           </a:p>
@@ -10591,10 +6057,9 @@
             </a:lvl1pPr>
           </a:lstStyle>
           <a:p>
-            <a:fld id="{64A97F8E-A89E-4ECD-B8CE-87968877804C}" type="datetime1">
+            <a:fld id="{0A0779D7-AC1E-48A4-9BA1-0767963D0D42}" type="datetime1">
               <a:rPr lang="fr-FR" smtClean="0"/>
-              <a:pPr/>
-              <a:t>12/01/2024</a:t>
+              <a:t>19/01/2024</a:t>
             </a:fld>
             <a:endParaRPr lang="fr-FR" dirty="0"/>
           </a:p>
@@ -10714,6 +6179,7 @@
       </p:transition>
     </mc:Fallback>
   </mc:AlternateContent>
+  <p:hf hdr="0" ftr="0" dt="0"/>
   <p:txStyles>
     <p:titleStyle>
       <a:lvl1pPr algn="l" defTabSz="1218987" rtl="0" eaLnBrk="1" latinLnBrk="0" hangingPunct="1">
@@ -11202,40 +6668,6 @@
           </a:p>
         </p:txBody>
       </p:sp>
-      <p:sp>
-        <p:nvSpPr>
-          <p:cNvPr id="4" name="Espace réservé de la date 3">
-            <a:extLst>
-              <a:ext uri="{FF2B5EF4-FFF2-40B4-BE49-F238E27FC236}">
-                <a16:creationId xmlns:a16="http://schemas.microsoft.com/office/drawing/2014/main" id="{99DA2DC2-D365-6119-0299-AB0035EA32F3}"/>
-              </a:ext>
-            </a:extLst>
-          </p:cNvPr>
-          <p:cNvSpPr>
-            <a:spLocks noGrp="1"/>
-          </p:cNvSpPr>
-          <p:nvPr>
-            <p:ph type="dt" sz="half" idx="10"/>
-          </p:nvPr>
-        </p:nvSpPr>
-        <p:spPr>
-          <a:xfrm rot="19716691">
-            <a:off x="10634497" y="3952729"/>
-            <a:ext cx="2234618" cy="365125"/>
-          </a:xfrm>
-        </p:spPr>
-        <p:txBody>
-          <a:bodyPr/>
-          <a:lstStyle/>
-          <a:p>
-            <a:fld id="{D25693BC-17B9-4F6F-BEC7-2253FE3F13EE}" type="datetime1">
-              <a:rPr lang="fr-FR" sz="2000" smtClean="0"/>
-              <a:t>12/01/2024</a:t>
-            </a:fld>
-            <a:endParaRPr lang="fr-FR" sz="2000" dirty="0"/>
-          </a:p>
-        </p:txBody>
-      </p:sp>
       <p:pic>
         <p:nvPicPr>
           <p:cNvPr id="11" name="Image 10" descr="Une image contenant texte, Police, logo, Graphique&#10;&#10;Description générée automatiquement">
@@ -11351,7 +6783,7 @@
       </p:grpSpPr>
       <p:sp>
         <p:nvSpPr>
-          <p:cNvPr id="2" name="Titre 1"/>
+          <p:cNvPr id="3" name="Titre 2"/>
           <p:cNvSpPr>
             <a:spLocks noGrp="1"/>
           </p:cNvSpPr>
@@ -11361,61 +6793,359 @@
         </p:nvSpPr>
         <p:spPr/>
         <p:txBody>
-          <a:bodyPr rtlCol="0"/>
+          <a:bodyPr rtlCol="0">
+            <a:normAutofit/>
+          </a:bodyPr>
           <a:lstStyle/>
           <a:p>
             <a:pPr rtl="0"/>
             <a:r>
-              <a:rPr lang="fr-FR" dirty="0"/>
-              <a:t>Ajouter un titre de diapositive - 4</a:t>
-            </a:r>
-          </a:p>
-        </p:txBody>
-      </p:sp>
-      <p:sp>
-        <p:nvSpPr>
-          <p:cNvPr id="4" name="Espace réservé du texte 3"/>
-          <p:cNvSpPr>
-            <a:spLocks noGrp="1"/>
-          </p:cNvSpPr>
-          <p:nvPr>
-            <p:ph type="body" sz="half" idx="2"/>
+              <a:rPr lang="fr-FR" sz="5400" dirty="0"/>
+              <a:t>Répartition du travail</a:t>
+            </a:r>
+          </a:p>
+        </p:txBody>
+      </p:sp>
+      <p:graphicFrame>
+        <p:nvGraphicFramePr>
+          <p:cNvPr id="2" name="Tableau 1">
+            <a:extLst>
+              <a:ext uri="{FF2B5EF4-FFF2-40B4-BE49-F238E27FC236}">
+                <a16:creationId xmlns:a16="http://schemas.microsoft.com/office/drawing/2014/main" id="{B149D382-E472-D76B-262B-002D191E7C84}"/>
+              </a:ext>
+            </a:extLst>
+          </p:cNvPr>
+          <p:cNvGraphicFramePr>
+            <a:graphicFrameLocks noGrp="1"/>
+          </p:cNvGraphicFramePr>
+          <p:nvPr>
+            <p:extLst>
+              <p:ext uri="{D42A27DB-BD31-4B8C-83A1-F6EECF244321}">
+                <p14:modId xmlns:p14="http://schemas.microsoft.com/office/powerpoint/2010/main" val="1964209343"/>
+              </p:ext>
+            </p:extLst>
+          </p:nvPr>
+        </p:nvGraphicFramePr>
+        <p:xfrm>
+          <a:off x="2782044" y="2132856"/>
+          <a:ext cx="6444716" cy="3308216"/>
+        </p:xfrm>
+        <a:graphic>
+          <a:graphicData uri="http://schemas.openxmlformats.org/drawingml/2006/table">
+            <a:tbl>
+              <a:tblPr firstRow="1" bandRow="1">
+                <a:tableStyleId>{68D230F3-CF80-4859-8CE7-A43EE81993B5}</a:tableStyleId>
+              </a:tblPr>
+              <a:tblGrid>
+                <a:gridCol w="1961436">
+                  <a:extLst>
+                    <a:ext uri="{9D8B030D-6E8A-4147-A177-3AD203B41FA5}">
+                      <a16:colId xmlns:a16="http://schemas.microsoft.com/office/drawing/2014/main" val="3288719964"/>
+                    </a:ext>
+                  </a:extLst>
+                </a:gridCol>
+                <a:gridCol w="4483280">
+                  <a:extLst>
+                    <a:ext uri="{9D8B030D-6E8A-4147-A177-3AD203B41FA5}">
+                      <a16:colId xmlns:a16="http://schemas.microsoft.com/office/drawing/2014/main" val="2068952694"/>
+                    </a:ext>
+                  </a:extLst>
+                </a:gridCol>
+              </a:tblGrid>
+              <a:tr h="611301">
+                <a:tc>
+                  <a:txBody>
+                    <a:bodyPr/>
+                    <a:lstStyle/>
+                    <a:p>
+                      <a:r>
+                        <a:rPr lang="en-US" sz="2800" dirty="0" err="1"/>
+                        <a:t>Membres</a:t>
+                      </a:r>
+                      <a:endParaRPr lang="en-US" sz="2800" dirty="0"/>
+                    </a:p>
+                  </a:txBody>
+                  <a:tcPr/>
+                </a:tc>
+                <a:tc>
+                  <a:txBody>
+                    <a:bodyPr/>
+                    <a:lstStyle/>
+                    <a:p>
+                      <a:r>
+                        <a:rPr lang="en-US" sz="2800" dirty="0" err="1"/>
+                        <a:t>Rôles</a:t>
+                      </a:r>
+                      <a:r>
+                        <a:rPr lang="en-US" sz="2800" dirty="0"/>
+                        <a:t> </a:t>
+                      </a:r>
+                      <a:r>
+                        <a:rPr lang="en-US" sz="2800" dirty="0" err="1"/>
+                        <a:t>principaux</a:t>
+                      </a:r>
+                      <a:endParaRPr lang="en-US" sz="2800" dirty="0"/>
+                    </a:p>
+                  </a:txBody>
+                  <a:tcPr/>
+                </a:tc>
+                <a:extLst>
+                  <a:ext uri="{0D108BD9-81ED-4DB2-BD59-A6C34878D82A}">
+                    <a16:rowId xmlns:a16="http://schemas.microsoft.com/office/drawing/2014/main" val="3444095797"/>
+                  </a:ext>
+                </a:extLst>
+              </a:tr>
+              <a:tr h="539383">
+                <a:tc>
+                  <a:txBody>
+                    <a:bodyPr/>
+                    <a:lstStyle/>
+                    <a:p>
+                      <a:r>
+                        <a:rPr lang="en-US" dirty="0"/>
+                        <a:t>Alex</a:t>
+                      </a:r>
+                    </a:p>
+                  </a:txBody>
+                  <a:tcPr/>
+                </a:tc>
+                <a:tc>
+                  <a:txBody>
+                    <a:bodyPr/>
+                    <a:lstStyle/>
+                    <a:p>
+                      <a:r>
+                        <a:rPr lang="en-US" dirty="0"/>
+                        <a:t>Dao, </a:t>
+                      </a:r>
+                      <a:r>
+                        <a:rPr lang="en-US" dirty="0" err="1"/>
+                        <a:t>Modèle</a:t>
+                      </a:r>
+                      <a:r>
+                        <a:rPr lang="en-US" dirty="0"/>
+                        <a:t> et BDD</a:t>
+                      </a:r>
+                    </a:p>
+                  </a:txBody>
+                  <a:tcPr/>
+                </a:tc>
+                <a:extLst>
+                  <a:ext uri="{0D108BD9-81ED-4DB2-BD59-A6C34878D82A}">
+                    <a16:rowId xmlns:a16="http://schemas.microsoft.com/office/drawing/2014/main" val="1604432874"/>
+                  </a:ext>
+                </a:extLst>
+              </a:tr>
+              <a:tr h="539383">
+                <a:tc>
+                  <a:txBody>
+                    <a:bodyPr/>
+                    <a:lstStyle/>
+                    <a:p>
+                      <a:r>
+                        <a:rPr lang="en-US" dirty="0"/>
+                        <a:t>Christian</a:t>
+                      </a:r>
+                    </a:p>
+                  </a:txBody>
+                  <a:tcPr/>
+                </a:tc>
+                <a:tc>
+                  <a:txBody>
+                    <a:bodyPr/>
+                    <a:lstStyle/>
+                    <a:p>
+                      <a:r>
+                        <a:rPr lang="en-US" dirty="0" err="1"/>
+                        <a:t>Contrôleur</a:t>
+                      </a:r>
+                      <a:r>
+                        <a:rPr lang="en-US" dirty="0"/>
+                        <a:t>, Back-end et Front</a:t>
+                      </a:r>
+                    </a:p>
+                  </a:txBody>
+                  <a:tcPr/>
+                </a:tc>
+                <a:extLst>
+                  <a:ext uri="{0D108BD9-81ED-4DB2-BD59-A6C34878D82A}">
+                    <a16:rowId xmlns:a16="http://schemas.microsoft.com/office/drawing/2014/main" val="1296198659"/>
+                  </a:ext>
+                </a:extLst>
+              </a:tr>
+              <a:tr h="539383">
+                <a:tc>
+                  <a:txBody>
+                    <a:bodyPr/>
+                    <a:lstStyle/>
+                    <a:p>
+                      <a:r>
+                        <a:rPr lang="en-US" dirty="0"/>
+                        <a:t>Sofia</a:t>
+                      </a:r>
+                    </a:p>
+                  </a:txBody>
+                  <a:tcPr/>
+                </a:tc>
+                <a:tc>
+                  <a:txBody>
+                    <a:bodyPr/>
+                    <a:lstStyle/>
+                    <a:p>
+                      <a:pPr marL="0" marR="0" lvl="0" indent="0" algn="l" defTabSz="1218987" rtl="0" eaLnBrk="1" fontAlgn="auto" latinLnBrk="0" hangingPunct="1">
+                        <a:lnSpc>
+                          <a:spcPct val="100000"/>
+                        </a:lnSpc>
+                        <a:spcBef>
+                          <a:spcPts val="0"/>
+                        </a:spcBef>
+                        <a:spcAft>
+                          <a:spcPts val="0"/>
+                        </a:spcAft>
+                        <a:buClrTx/>
+                        <a:buSzTx/>
+                        <a:buFontTx/>
+                        <a:buNone/>
+                        <a:tabLst/>
+                        <a:defRPr/>
+                      </a:pPr>
+                      <a:r>
+                        <a:rPr lang="en-US" dirty="0" err="1"/>
+                        <a:t>Contrôleur</a:t>
+                      </a:r>
+                      <a:r>
+                        <a:rPr lang="en-US" dirty="0"/>
+                        <a:t>, Back-end et Design</a:t>
+                      </a:r>
+                    </a:p>
+                  </a:txBody>
+                  <a:tcPr/>
+                </a:tc>
+                <a:extLst>
+                  <a:ext uri="{0D108BD9-81ED-4DB2-BD59-A6C34878D82A}">
+                    <a16:rowId xmlns:a16="http://schemas.microsoft.com/office/drawing/2014/main" val="2495234674"/>
+                  </a:ext>
+                </a:extLst>
+              </a:tr>
+              <a:tr h="539383">
+                <a:tc>
+                  <a:txBody>
+                    <a:bodyPr/>
+                    <a:lstStyle/>
+                    <a:p>
+                      <a:r>
+                        <a:rPr lang="en-US" dirty="0"/>
+                        <a:t>Simon</a:t>
+                      </a:r>
+                    </a:p>
+                  </a:txBody>
+                  <a:tcPr/>
+                </a:tc>
+                <a:tc>
+                  <a:txBody>
+                    <a:bodyPr/>
+                    <a:lstStyle/>
+                    <a:p>
+                      <a:r>
+                        <a:rPr lang="en-US" dirty="0"/>
+                        <a:t>Back-end, </a:t>
+                      </a:r>
+                      <a:r>
+                        <a:rPr lang="en-US" dirty="0" err="1"/>
+                        <a:t>Logique</a:t>
+                      </a:r>
+                      <a:r>
+                        <a:rPr lang="en-US" dirty="0"/>
+                        <a:t> et Images</a:t>
+                      </a:r>
+                    </a:p>
+                  </a:txBody>
+                  <a:tcPr/>
+                </a:tc>
+                <a:extLst>
+                  <a:ext uri="{0D108BD9-81ED-4DB2-BD59-A6C34878D82A}">
+                    <a16:rowId xmlns:a16="http://schemas.microsoft.com/office/drawing/2014/main" val="4099480307"/>
+                  </a:ext>
+                </a:extLst>
+              </a:tr>
+              <a:tr h="539383">
+                <a:tc>
+                  <a:txBody>
+                    <a:bodyPr/>
+                    <a:lstStyle/>
+                    <a:p>
+                      <a:r>
+                        <a:rPr lang="en-US" dirty="0" err="1"/>
+                        <a:t>Titouan</a:t>
+                      </a:r>
+                      <a:endParaRPr lang="en-US" dirty="0"/>
+                    </a:p>
+                  </a:txBody>
+                  <a:tcPr/>
+                </a:tc>
+                <a:tc>
+                  <a:txBody>
+                    <a:bodyPr/>
+                    <a:lstStyle/>
+                    <a:p>
+                      <a:r>
+                        <a:rPr lang="en-US" dirty="0"/>
+                        <a:t>Front et </a:t>
+                      </a:r>
+                      <a:r>
+                        <a:rPr lang="en-US" dirty="0" err="1"/>
+                        <a:t>Logique</a:t>
+                      </a:r>
+                      <a:endParaRPr lang="en-US" dirty="0"/>
+                    </a:p>
+                  </a:txBody>
+                  <a:tcPr/>
+                </a:tc>
+                <a:extLst>
+                  <a:ext uri="{0D108BD9-81ED-4DB2-BD59-A6C34878D82A}">
+                    <a16:rowId xmlns:a16="http://schemas.microsoft.com/office/drawing/2014/main" val="1297183240"/>
+                  </a:ext>
+                </a:extLst>
+              </a:tr>
+            </a:tbl>
+          </a:graphicData>
+        </a:graphic>
+      </p:graphicFrame>
+      <p:sp>
+        <p:nvSpPr>
+          <p:cNvPr id="4" name="Espace réservé du numéro de diapositive 3">
+            <a:extLst>
+              <a:ext uri="{FF2B5EF4-FFF2-40B4-BE49-F238E27FC236}">
+                <a16:creationId xmlns:a16="http://schemas.microsoft.com/office/drawing/2014/main" id="{4B7A155D-293E-0632-16CC-335F05D143A7}"/>
+              </a:ext>
+            </a:extLst>
+          </p:cNvPr>
+          <p:cNvSpPr>
+            <a:spLocks noGrp="1"/>
+          </p:cNvSpPr>
+          <p:nvPr>
+            <p:ph type="sldNum" sz="quarter" idx="12"/>
           </p:nvPr>
         </p:nvSpPr>
         <p:spPr/>
         <p:txBody>
-          <a:bodyPr rtlCol="0"/>
+          <a:bodyPr/>
           <a:lstStyle/>
           <a:p>
-            <a:pPr rtl="0"/>
-            <a:endParaRPr lang="fr-FR" dirty="0"/>
-          </a:p>
-        </p:txBody>
-      </p:sp>
-      <p:sp>
-        <p:nvSpPr>
-          <p:cNvPr id="3" name="Espace réservé du contenu 2"/>
-          <p:cNvSpPr>
-            <a:spLocks noGrp="1"/>
-          </p:cNvSpPr>
-          <p:nvPr>
-            <p:ph idx="1"/>
-          </p:nvPr>
-        </p:nvSpPr>
-        <p:spPr/>
-        <p:txBody>
-          <a:bodyPr rtlCol="0"/>
-          <a:lstStyle/>
-          <a:p>
-            <a:pPr rtl="0"/>
-            <a:endParaRPr lang="fr-FR" dirty="0"/>
+            <a:pPr algn="r"/>
+            <a:fld id="{C014DD1E-5D91-48A3-AD6D-45FBA980D106}" type="slidenum">
+              <a:rPr lang="fr-FR" sz="2400" smtClean="0"/>
+              <a:pPr algn="r"/>
+              <a:t>10</a:t>
+            </a:fld>
+            <a:endParaRPr lang="fr-FR" sz="2400" dirty="0"/>
           </a:p>
         </p:txBody>
       </p:sp>
     </p:spTree>
     <p:extLst>
       <p:ext uri="{BB962C8B-B14F-4D97-AF65-F5344CB8AC3E}">
-        <p14:creationId xmlns:p14="http://schemas.microsoft.com/office/powerpoint/2010/main" val="2319046984"/>
+        <p14:creationId xmlns:p14="http://schemas.microsoft.com/office/powerpoint/2010/main" val="397710800"/>
       </p:ext>
     </p:extLst>
   </p:cSld>
@@ -11456,7 +7186,7 @@
       </p:grpSpPr>
       <p:sp>
         <p:nvSpPr>
-          <p:cNvPr id="3" name="Titre 2"/>
+          <p:cNvPr id="7" name="Titre 6"/>
           <p:cNvSpPr>
             <a:spLocks noGrp="1"/>
           </p:cNvSpPr>
@@ -11466,45 +7196,33 @@
         </p:nvSpPr>
         <p:spPr/>
         <p:txBody>
-          <a:bodyPr rtlCol="0"/>
+          <a:bodyPr rtlCol="0">
+            <a:normAutofit/>
+          </a:bodyPr>
           <a:lstStyle/>
           <a:p>
             <a:pPr rtl="0"/>
             <a:r>
-              <a:rPr lang="fr-FR" dirty="0"/>
-              <a:t>Ajouter un titre de diapositive - 5</a:t>
-            </a:r>
-          </a:p>
-        </p:txBody>
-      </p:sp>
-      <p:sp>
-        <p:nvSpPr>
-          <p:cNvPr id="5" name="Espace réservé du texte 4"/>
-          <p:cNvSpPr>
-            <a:spLocks noGrp="1"/>
-          </p:cNvSpPr>
-          <p:nvPr>
-            <p:ph type="body" sz="half" idx="2"/>
-          </p:nvPr>
-        </p:nvSpPr>
-        <p:spPr/>
-        <p:txBody>
-          <a:bodyPr rtlCol="0"/>
-          <a:lstStyle/>
-          <a:p>
-            <a:pPr rtl="0"/>
-            <a:endParaRPr lang="fr-FR" dirty="0"/>
-          </a:p>
-        </p:txBody>
-      </p:sp>
-      <p:sp>
-        <p:nvSpPr>
-          <p:cNvPr id="6" name="Espace réservé d’image 5" descr="Espace réservé vide pour ajouter une image. Cliquez sur l’espace réservé et sélectionnez l’image à ajouter."/>
-          <p:cNvSpPr>
-            <a:spLocks noGrp="1"/>
-          </p:cNvSpPr>
-          <p:nvPr>
-            <p:ph type="pic" idx="1"/>
+              <a:rPr lang="fr-FR" sz="5400" dirty="0"/>
+              <a:t>Retour d’expérience</a:t>
+            </a:r>
+          </a:p>
+        </p:txBody>
+      </p:sp>
+      <p:sp>
+        <p:nvSpPr>
+          <p:cNvPr id="2" name="Espace réservé du numéro de diapositive 1">
+            <a:extLst>
+              <a:ext uri="{FF2B5EF4-FFF2-40B4-BE49-F238E27FC236}">
+                <a16:creationId xmlns:a16="http://schemas.microsoft.com/office/drawing/2014/main" id="{B344FC84-4D5F-C237-25BB-E05BD8EDA3A9}"/>
+              </a:ext>
+            </a:extLst>
+          </p:cNvPr>
+          <p:cNvSpPr>
+            <a:spLocks noGrp="1"/>
+          </p:cNvSpPr>
+          <p:nvPr>
+            <p:ph type="sldNum" sz="quarter" idx="12"/>
           </p:nvPr>
         </p:nvSpPr>
         <p:spPr/>
@@ -11512,27 +7230,1170 @@
           <a:bodyPr/>
           <a:lstStyle/>
           <a:p>
-            <a:endParaRPr lang="en-US"/>
+            <a:pPr algn="r"/>
+            <a:fld id="{C014DD1E-5D91-48A3-AD6D-45FBA980D106}" type="slidenum">
+              <a:rPr lang="fr-FR" sz="2400" smtClean="0"/>
+              <a:pPr algn="r"/>
+              <a:t>11</a:t>
+            </a:fld>
+            <a:endParaRPr lang="fr-FR" sz="2400" dirty="0"/>
+          </a:p>
+        </p:txBody>
+      </p:sp>
+      <p:sp>
+        <p:nvSpPr>
+          <p:cNvPr id="5" name="ZoneTexte 4">
+            <a:extLst>
+              <a:ext uri="{FF2B5EF4-FFF2-40B4-BE49-F238E27FC236}">
+                <a16:creationId xmlns:a16="http://schemas.microsoft.com/office/drawing/2014/main" id="{1F37CFFB-FB7B-72CF-1200-530604028B94}"/>
+              </a:ext>
+            </a:extLst>
+          </p:cNvPr>
+          <p:cNvSpPr txBox="1"/>
+          <p:nvPr/>
+        </p:nvSpPr>
+        <p:spPr>
+          <a:xfrm>
+            <a:off x="1090536" y="1981443"/>
+            <a:ext cx="6083996" cy="523220"/>
+          </a:xfrm>
+          <a:prstGeom prst="rect">
+            <a:avLst/>
+          </a:prstGeom>
+          <a:noFill/>
+        </p:spPr>
+        <p:txBody>
+          <a:bodyPr wrap="square" rtlCol="0">
+            <a:spAutoFit/>
+          </a:bodyPr>
+          <a:lstStyle/>
+          <a:p>
+            <a:r>
+              <a:rPr lang="en-US" sz="2800" dirty="0" err="1"/>
+              <a:t>Titouan</a:t>
+            </a:r>
+            <a:r>
+              <a:rPr lang="en-US" sz="2800" dirty="0"/>
+              <a:t> : “Je </a:t>
+            </a:r>
+            <a:r>
+              <a:rPr lang="en-US" sz="2800" dirty="0" err="1"/>
+              <a:t>sais</a:t>
+            </a:r>
+            <a:r>
+              <a:rPr lang="en-US" sz="2800" dirty="0"/>
+              <a:t> pas je suis sur le Front”</a:t>
+            </a:r>
           </a:p>
         </p:txBody>
       </p:sp>
     </p:spTree>
     <p:extLst>
       <p:ext uri="{BB962C8B-B14F-4D97-AF65-F5344CB8AC3E}">
-        <p14:creationId xmlns:p14="http://schemas.microsoft.com/office/powerpoint/2010/main" val="3480339974"/>
+        <p14:creationId xmlns:p14="http://schemas.microsoft.com/office/powerpoint/2010/main" val="331330302"/>
       </p:ext>
     </p:extLst>
   </p:cSld>
   <p:clrMapOvr>
     <a:masterClrMapping/>
   </p:clrMapOvr>
-  <mc:AlternateContent xmlns:mc="http://schemas.openxmlformats.org/markup-compatibility/2006" xmlns:p14="http://schemas.microsoft.com/office/powerpoint/2010/main">
-    <mc:Choice Requires="p14">
+  <mc:AlternateContent xmlns:mc="http://schemas.openxmlformats.org/markup-compatibility/2006">
+    <mc:Choice xmlns:p14="http://schemas.microsoft.com/office/powerpoint/2010/main" Requires="p14">
       <p:transition spd="med" p14:dur="700">
         <p:fade/>
       </p:transition>
     </mc:Choice>
-    <mc:Fallback xmlns="">
+    <mc:Fallback>
+      <p:transition spd="med">
+        <p:fade/>
+      </p:transition>
+    </mc:Fallback>
+  </mc:AlternateContent>
+</p:sld>
+</file>
+
+<file path=ppt/slides/slide12.xml><?xml version="1.0" encoding="utf-8"?>
+<p:sld xmlns:a="http://schemas.openxmlformats.org/drawingml/2006/main" xmlns:r="http://schemas.openxmlformats.org/officeDocument/2006/relationships" xmlns:p="http://schemas.openxmlformats.org/presentationml/2006/main">
+  <p:cSld>
+    <p:spTree>
+      <p:nvGrpSpPr>
+        <p:cNvPr id="1" name=""/>
+        <p:cNvGrpSpPr/>
+        <p:nvPr/>
+      </p:nvGrpSpPr>
+      <p:grpSpPr>
+        <a:xfrm>
+          <a:off x="0" y="0"/>
+          <a:ext cx="0" cy="0"/>
+          <a:chOff x="0" y="0"/>
+          <a:chExt cx="0" cy="0"/>
+        </a:xfrm>
+      </p:grpSpPr>
+      <p:sp>
+        <p:nvSpPr>
+          <p:cNvPr id="7" name="Titre 6"/>
+          <p:cNvSpPr>
+            <a:spLocks noGrp="1"/>
+          </p:cNvSpPr>
+          <p:nvPr>
+            <p:ph type="title"/>
+          </p:nvPr>
+        </p:nvSpPr>
+        <p:spPr/>
+        <p:txBody>
+          <a:bodyPr rtlCol="0">
+            <a:normAutofit/>
+          </a:bodyPr>
+          <a:lstStyle/>
+          <a:p>
+            <a:pPr rtl="0"/>
+            <a:r>
+              <a:rPr lang="fr-FR" sz="5400" dirty="0"/>
+              <a:t>Retour d’expérience</a:t>
+            </a:r>
+          </a:p>
+        </p:txBody>
+      </p:sp>
+      <p:sp>
+        <p:nvSpPr>
+          <p:cNvPr id="2" name="Espace réservé du numéro de diapositive 1">
+            <a:extLst>
+              <a:ext uri="{FF2B5EF4-FFF2-40B4-BE49-F238E27FC236}">
+                <a16:creationId xmlns:a16="http://schemas.microsoft.com/office/drawing/2014/main" id="{B344FC84-4D5F-C237-25BB-E05BD8EDA3A9}"/>
+              </a:ext>
+            </a:extLst>
+          </p:cNvPr>
+          <p:cNvSpPr>
+            <a:spLocks noGrp="1"/>
+          </p:cNvSpPr>
+          <p:nvPr>
+            <p:ph type="sldNum" sz="quarter" idx="12"/>
+          </p:nvPr>
+        </p:nvSpPr>
+        <p:spPr/>
+        <p:txBody>
+          <a:bodyPr/>
+          <a:lstStyle/>
+          <a:p>
+            <a:pPr algn="r"/>
+            <a:fld id="{C014DD1E-5D91-48A3-AD6D-45FBA980D106}" type="slidenum">
+              <a:rPr lang="fr-FR" sz="2400" smtClean="0"/>
+              <a:pPr algn="r"/>
+              <a:t>12</a:t>
+            </a:fld>
+            <a:endParaRPr lang="fr-FR" sz="2400" dirty="0"/>
+          </a:p>
+        </p:txBody>
+      </p:sp>
+      <p:sp>
+        <p:nvSpPr>
+          <p:cNvPr id="5" name="ZoneTexte 4">
+            <a:extLst>
+              <a:ext uri="{FF2B5EF4-FFF2-40B4-BE49-F238E27FC236}">
+                <a16:creationId xmlns:a16="http://schemas.microsoft.com/office/drawing/2014/main" id="{1F37CFFB-FB7B-72CF-1200-530604028B94}"/>
+              </a:ext>
+            </a:extLst>
+          </p:cNvPr>
+          <p:cNvSpPr txBox="1"/>
+          <p:nvPr/>
+        </p:nvSpPr>
+        <p:spPr>
+          <a:xfrm>
+            <a:off x="1090536" y="1981443"/>
+            <a:ext cx="6083996" cy="523220"/>
+          </a:xfrm>
+          <a:prstGeom prst="rect">
+            <a:avLst/>
+          </a:prstGeom>
+          <a:noFill/>
+        </p:spPr>
+        <p:txBody>
+          <a:bodyPr wrap="square" rtlCol="0">
+            <a:spAutoFit/>
+          </a:bodyPr>
+          <a:lstStyle/>
+          <a:p>
+            <a:r>
+              <a:rPr lang="en-US" sz="2800" dirty="0" err="1"/>
+              <a:t>Titouan</a:t>
+            </a:r>
+            <a:r>
+              <a:rPr lang="en-US" sz="2800" dirty="0"/>
+              <a:t> : “Je </a:t>
+            </a:r>
+            <a:r>
+              <a:rPr lang="en-US" sz="2800" dirty="0" err="1"/>
+              <a:t>sais</a:t>
+            </a:r>
+            <a:r>
+              <a:rPr lang="en-US" sz="2800" dirty="0"/>
+              <a:t> pas je suis sur le Front”</a:t>
+            </a:r>
+          </a:p>
+        </p:txBody>
+      </p:sp>
+      <p:sp>
+        <p:nvSpPr>
+          <p:cNvPr id="6" name="ZoneTexte 5">
+            <a:extLst>
+              <a:ext uri="{FF2B5EF4-FFF2-40B4-BE49-F238E27FC236}">
+                <a16:creationId xmlns:a16="http://schemas.microsoft.com/office/drawing/2014/main" id="{F96CCB92-71AD-5A28-47DF-FC12121A9D1E}"/>
+              </a:ext>
+            </a:extLst>
+          </p:cNvPr>
+          <p:cNvSpPr txBox="1"/>
+          <p:nvPr/>
+        </p:nvSpPr>
+        <p:spPr>
+          <a:xfrm>
+            <a:off x="1090536" y="2819189"/>
+            <a:ext cx="6083996" cy="523220"/>
+          </a:xfrm>
+          <a:prstGeom prst="rect">
+            <a:avLst/>
+          </a:prstGeom>
+          <a:noFill/>
+        </p:spPr>
+        <p:txBody>
+          <a:bodyPr wrap="square" rtlCol="0">
+            <a:spAutoFit/>
+          </a:bodyPr>
+          <a:lstStyle/>
+          <a:p>
+            <a:r>
+              <a:rPr lang="en-US" sz="2800" dirty="0"/>
+              <a:t>Christian : “Oh </a:t>
+            </a:r>
+            <a:r>
+              <a:rPr lang="en-US" sz="2800" dirty="0" err="1"/>
+              <a:t>mais</a:t>
+            </a:r>
+            <a:r>
+              <a:rPr lang="en-US" sz="2800" dirty="0"/>
+              <a:t> </a:t>
+            </a:r>
+            <a:r>
+              <a:rPr lang="en-US" sz="2800" dirty="0" err="1"/>
+              <a:t>Titouan</a:t>
+            </a:r>
+            <a:r>
+              <a:rPr lang="en-US" sz="2800" dirty="0"/>
+              <a:t> !”</a:t>
+            </a:r>
+          </a:p>
+        </p:txBody>
+      </p:sp>
+    </p:spTree>
+    <p:extLst>
+      <p:ext uri="{BB962C8B-B14F-4D97-AF65-F5344CB8AC3E}">
+        <p14:creationId xmlns:p14="http://schemas.microsoft.com/office/powerpoint/2010/main" val="4255253361"/>
+      </p:ext>
+    </p:extLst>
+  </p:cSld>
+  <p:clrMapOvr>
+    <a:masterClrMapping/>
+  </p:clrMapOvr>
+  <mc:AlternateContent xmlns:mc="http://schemas.openxmlformats.org/markup-compatibility/2006">
+    <mc:Choice xmlns:p14="http://schemas.microsoft.com/office/powerpoint/2010/main" Requires="p14">
+      <p:transition spd="med" p14:dur="700">
+        <p:fade/>
+      </p:transition>
+    </mc:Choice>
+    <mc:Fallback>
+      <p:transition spd="med">
+        <p:fade/>
+      </p:transition>
+    </mc:Fallback>
+  </mc:AlternateContent>
+</p:sld>
+</file>
+
+<file path=ppt/slides/slide13.xml><?xml version="1.0" encoding="utf-8"?>
+<p:sld xmlns:a="http://schemas.openxmlformats.org/drawingml/2006/main" xmlns:r="http://schemas.openxmlformats.org/officeDocument/2006/relationships" xmlns:p="http://schemas.openxmlformats.org/presentationml/2006/main">
+  <p:cSld>
+    <p:spTree>
+      <p:nvGrpSpPr>
+        <p:cNvPr id="1" name=""/>
+        <p:cNvGrpSpPr/>
+        <p:nvPr/>
+      </p:nvGrpSpPr>
+      <p:grpSpPr>
+        <a:xfrm>
+          <a:off x="0" y="0"/>
+          <a:ext cx="0" cy="0"/>
+          <a:chOff x="0" y="0"/>
+          <a:chExt cx="0" cy="0"/>
+        </a:xfrm>
+      </p:grpSpPr>
+      <p:sp>
+        <p:nvSpPr>
+          <p:cNvPr id="7" name="Titre 6"/>
+          <p:cNvSpPr>
+            <a:spLocks noGrp="1"/>
+          </p:cNvSpPr>
+          <p:nvPr>
+            <p:ph type="title"/>
+          </p:nvPr>
+        </p:nvSpPr>
+        <p:spPr/>
+        <p:txBody>
+          <a:bodyPr rtlCol="0">
+            <a:normAutofit/>
+          </a:bodyPr>
+          <a:lstStyle/>
+          <a:p>
+            <a:pPr rtl="0"/>
+            <a:r>
+              <a:rPr lang="fr-FR" sz="5400" dirty="0"/>
+              <a:t>Retour d’expérience</a:t>
+            </a:r>
+          </a:p>
+        </p:txBody>
+      </p:sp>
+      <p:sp>
+        <p:nvSpPr>
+          <p:cNvPr id="2" name="Espace réservé du numéro de diapositive 1">
+            <a:extLst>
+              <a:ext uri="{FF2B5EF4-FFF2-40B4-BE49-F238E27FC236}">
+                <a16:creationId xmlns:a16="http://schemas.microsoft.com/office/drawing/2014/main" id="{B344FC84-4D5F-C237-25BB-E05BD8EDA3A9}"/>
+              </a:ext>
+            </a:extLst>
+          </p:cNvPr>
+          <p:cNvSpPr>
+            <a:spLocks noGrp="1"/>
+          </p:cNvSpPr>
+          <p:nvPr>
+            <p:ph type="sldNum" sz="quarter" idx="12"/>
+          </p:nvPr>
+        </p:nvSpPr>
+        <p:spPr/>
+        <p:txBody>
+          <a:bodyPr/>
+          <a:lstStyle/>
+          <a:p>
+            <a:pPr algn="r"/>
+            <a:fld id="{C014DD1E-5D91-48A3-AD6D-45FBA980D106}" type="slidenum">
+              <a:rPr lang="fr-FR" sz="2400" smtClean="0"/>
+              <a:pPr algn="r"/>
+              <a:t>13</a:t>
+            </a:fld>
+            <a:endParaRPr lang="fr-FR" sz="2400" dirty="0"/>
+          </a:p>
+        </p:txBody>
+      </p:sp>
+      <p:sp>
+        <p:nvSpPr>
+          <p:cNvPr id="5" name="ZoneTexte 4">
+            <a:extLst>
+              <a:ext uri="{FF2B5EF4-FFF2-40B4-BE49-F238E27FC236}">
+                <a16:creationId xmlns:a16="http://schemas.microsoft.com/office/drawing/2014/main" id="{1F37CFFB-FB7B-72CF-1200-530604028B94}"/>
+              </a:ext>
+            </a:extLst>
+          </p:cNvPr>
+          <p:cNvSpPr txBox="1"/>
+          <p:nvPr/>
+        </p:nvSpPr>
+        <p:spPr>
+          <a:xfrm>
+            <a:off x="1090536" y="1981443"/>
+            <a:ext cx="6083996" cy="523220"/>
+          </a:xfrm>
+          <a:prstGeom prst="rect">
+            <a:avLst/>
+          </a:prstGeom>
+          <a:noFill/>
+        </p:spPr>
+        <p:txBody>
+          <a:bodyPr wrap="square" rtlCol="0">
+            <a:spAutoFit/>
+          </a:bodyPr>
+          <a:lstStyle/>
+          <a:p>
+            <a:r>
+              <a:rPr lang="en-US" sz="2800" dirty="0" err="1"/>
+              <a:t>Titouan</a:t>
+            </a:r>
+            <a:r>
+              <a:rPr lang="en-US" sz="2800" dirty="0"/>
+              <a:t> : “Je </a:t>
+            </a:r>
+            <a:r>
+              <a:rPr lang="en-US" sz="2800" dirty="0" err="1"/>
+              <a:t>sais</a:t>
+            </a:r>
+            <a:r>
+              <a:rPr lang="en-US" sz="2800" dirty="0"/>
+              <a:t> pas je suis sur le Front”</a:t>
+            </a:r>
+          </a:p>
+        </p:txBody>
+      </p:sp>
+      <p:sp>
+        <p:nvSpPr>
+          <p:cNvPr id="6" name="ZoneTexte 5">
+            <a:extLst>
+              <a:ext uri="{FF2B5EF4-FFF2-40B4-BE49-F238E27FC236}">
+                <a16:creationId xmlns:a16="http://schemas.microsoft.com/office/drawing/2014/main" id="{F96CCB92-71AD-5A28-47DF-FC12121A9D1E}"/>
+              </a:ext>
+            </a:extLst>
+          </p:cNvPr>
+          <p:cNvSpPr txBox="1"/>
+          <p:nvPr/>
+        </p:nvSpPr>
+        <p:spPr>
+          <a:xfrm>
+            <a:off x="1090536" y="2819189"/>
+            <a:ext cx="6083996" cy="523220"/>
+          </a:xfrm>
+          <a:prstGeom prst="rect">
+            <a:avLst/>
+          </a:prstGeom>
+          <a:noFill/>
+        </p:spPr>
+        <p:txBody>
+          <a:bodyPr wrap="square" rtlCol="0">
+            <a:spAutoFit/>
+          </a:bodyPr>
+          <a:lstStyle/>
+          <a:p>
+            <a:r>
+              <a:rPr lang="en-US" sz="2800" dirty="0"/>
+              <a:t>Christian : “Oh </a:t>
+            </a:r>
+            <a:r>
+              <a:rPr lang="en-US" sz="2800" dirty="0" err="1"/>
+              <a:t>mais</a:t>
+            </a:r>
+            <a:r>
+              <a:rPr lang="en-US" sz="2800" dirty="0"/>
+              <a:t> </a:t>
+            </a:r>
+            <a:r>
+              <a:rPr lang="en-US" sz="2800" dirty="0" err="1"/>
+              <a:t>Titouan</a:t>
+            </a:r>
+            <a:r>
+              <a:rPr lang="en-US" sz="2800" dirty="0"/>
+              <a:t> !”</a:t>
+            </a:r>
+          </a:p>
+        </p:txBody>
+      </p:sp>
+      <p:sp>
+        <p:nvSpPr>
+          <p:cNvPr id="10" name="ZoneTexte 9">
+            <a:extLst>
+              <a:ext uri="{FF2B5EF4-FFF2-40B4-BE49-F238E27FC236}">
+                <a16:creationId xmlns:a16="http://schemas.microsoft.com/office/drawing/2014/main" id="{1E13335A-1980-A2EC-0C14-7B2605BC511B}"/>
+              </a:ext>
+            </a:extLst>
+          </p:cNvPr>
+          <p:cNvSpPr txBox="1"/>
+          <p:nvPr/>
+        </p:nvSpPr>
+        <p:spPr>
+          <a:xfrm>
+            <a:off x="1090536" y="3527430"/>
+            <a:ext cx="6552728" cy="523220"/>
+          </a:xfrm>
+          <a:prstGeom prst="rect">
+            <a:avLst/>
+          </a:prstGeom>
+          <a:noFill/>
+        </p:spPr>
+        <p:txBody>
+          <a:bodyPr wrap="square" rtlCol="0">
+            <a:spAutoFit/>
+          </a:bodyPr>
+          <a:lstStyle/>
+          <a:p>
+            <a:r>
+              <a:rPr lang="en-US" sz="2800" dirty="0"/>
+              <a:t>Simon : “</a:t>
+            </a:r>
+            <a:r>
+              <a:rPr lang="en-US" sz="2800" dirty="0" err="1"/>
+              <a:t>Flemme</a:t>
+            </a:r>
+            <a:r>
+              <a:rPr lang="en-US" sz="2800" dirty="0"/>
+              <a:t>” (le fait </a:t>
+            </a:r>
+            <a:r>
+              <a:rPr lang="en-US" sz="2800" dirty="0" err="1"/>
+              <a:t>quand-même</a:t>
+            </a:r>
+            <a:r>
+              <a:rPr lang="en-US" sz="2800" dirty="0"/>
+              <a:t>)</a:t>
+            </a:r>
+          </a:p>
+        </p:txBody>
+      </p:sp>
+    </p:spTree>
+    <p:extLst>
+      <p:ext uri="{BB962C8B-B14F-4D97-AF65-F5344CB8AC3E}">
+        <p14:creationId xmlns:p14="http://schemas.microsoft.com/office/powerpoint/2010/main" val="2121891191"/>
+      </p:ext>
+    </p:extLst>
+  </p:cSld>
+  <p:clrMapOvr>
+    <a:masterClrMapping/>
+  </p:clrMapOvr>
+  <mc:AlternateContent xmlns:mc="http://schemas.openxmlformats.org/markup-compatibility/2006">
+    <mc:Choice xmlns:p14="http://schemas.microsoft.com/office/powerpoint/2010/main" Requires="p14">
+      <p:transition spd="med" p14:dur="700">
+        <p:fade/>
+      </p:transition>
+    </mc:Choice>
+    <mc:Fallback>
+      <p:transition spd="med">
+        <p:fade/>
+      </p:transition>
+    </mc:Fallback>
+  </mc:AlternateContent>
+</p:sld>
+</file>
+
+<file path=ppt/slides/slide14.xml><?xml version="1.0" encoding="utf-8"?>
+<p:sld xmlns:a="http://schemas.openxmlformats.org/drawingml/2006/main" xmlns:r="http://schemas.openxmlformats.org/officeDocument/2006/relationships" xmlns:p="http://schemas.openxmlformats.org/presentationml/2006/main">
+  <p:cSld>
+    <p:spTree>
+      <p:nvGrpSpPr>
+        <p:cNvPr id="1" name=""/>
+        <p:cNvGrpSpPr/>
+        <p:nvPr/>
+      </p:nvGrpSpPr>
+      <p:grpSpPr>
+        <a:xfrm>
+          <a:off x="0" y="0"/>
+          <a:ext cx="0" cy="0"/>
+          <a:chOff x="0" y="0"/>
+          <a:chExt cx="0" cy="0"/>
+        </a:xfrm>
+      </p:grpSpPr>
+      <p:sp>
+        <p:nvSpPr>
+          <p:cNvPr id="7" name="Titre 6"/>
+          <p:cNvSpPr>
+            <a:spLocks noGrp="1"/>
+          </p:cNvSpPr>
+          <p:nvPr>
+            <p:ph type="title"/>
+          </p:nvPr>
+        </p:nvSpPr>
+        <p:spPr/>
+        <p:txBody>
+          <a:bodyPr rtlCol="0">
+            <a:normAutofit/>
+          </a:bodyPr>
+          <a:lstStyle/>
+          <a:p>
+            <a:pPr rtl="0"/>
+            <a:r>
+              <a:rPr lang="fr-FR" sz="5400" dirty="0"/>
+              <a:t>Retour d’expérience</a:t>
+            </a:r>
+          </a:p>
+        </p:txBody>
+      </p:sp>
+      <p:sp>
+        <p:nvSpPr>
+          <p:cNvPr id="2" name="Espace réservé du numéro de diapositive 1">
+            <a:extLst>
+              <a:ext uri="{FF2B5EF4-FFF2-40B4-BE49-F238E27FC236}">
+                <a16:creationId xmlns:a16="http://schemas.microsoft.com/office/drawing/2014/main" id="{B344FC84-4D5F-C237-25BB-E05BD8EDA3A9}"/>
+              </a:ext>
+            </a:extLst>
+          </p:cNvPr>
+          <p:cNvSpPr>
+            <a:spLocks noGrp="1"/>
+          </p:cNvSpPr>
+          <p:nvPr>
+            <p:ph type="sldNum" sz="quarter" idx="12"/>
+          </p:nvPr>
+        </p:nvSpPr>
+        <p:spPr/>
+        <p:txBody>
+          <a:bodyPr/>
+          <a:lstStyle/>
+          <a:p>
+            <a:pPr algn="r"/>
+            <a:fld id="{C014DD1E-5D91-48A3-AD6D-45FBA980D106}" type="slidenum">
+              <a:rPr lang="fr-FR" sz="2400" smtClean="0"/>
+              <a:pPr algn="r"/>
+              <a:t>14</a:t>
+            </a:fld>
+            <a:endParaRPr lang="fr-FR" sz="2400" dirty="0"/>
+          </a:p>
+        </p:txBody>
+      </p:sp>
+      <p:sp>
+        <p:nvSpPr>
+          <p:cNvPr id="5" name="ZoneTexte 4">
+            <a:extLst>
+              <a:ext uri="{FF2B5EF4-FFF2-40B4-BE49-F238E27FC236}">
+                <a16:creationId xmlns:a16="http://schemas.microsoft.com/office/drawing/2014/main" id="{1F37CFFB-FB7B-72CF-1200-530604028B94}"/>
+              </a:ext>
+            </a:extLst>
+          </p:cNvPr>
+          <p:cNvSpPr txBox="1"/>
+          <p:nvPr/>
+        </p:nvSpPr>
+        <p:spPr>
+          <a:xfrm>
+            <a:off x="1090536" y="1981443"/>
+            <a:ext cx="6083996" cy="523220"/>
+          </a:xfrm>
+          <a:prstGeom prst="rect">
+            <a:avLst/>
+          </a:prstGeom>
+          <a:noFill/>
+        </p:spPr>
+        <p:txBody>
+          <a:bodyPr wrap="square" rtlCol="0">
+            <a:spAutoFit/>
+          </a:bodyPr>
+          <a:lstStyle/>
+          <a:p>
+            <a:r>
+              <a:rPr lang="en-US" sz="2800" dirty="0" err="1"/>
+              <a:t>Titouan</a:t>
+            </a:r>
+            <a:r>
+              <a:rPr lang="en-US" sz="2800" dirty="0"/>
+              <a:t> : “Je </a:t>
+            </a:r>
+            <a:r>
+              <a:rPr lang="en-US" sz="2800" dirty="0" err="1"/>
+              <a:t>sais</a:t>
+            </a:r>
+            <a:r>
+              <a:rPr lang="en-US" sz="2800" dirty="0"/>
+              <a:t> pas je suis sur le Front”</a:t>
+            </a:r>
+          </a:p>
+        </p:txBody>
+      </p:sp>
+      <p:sp>
+        <p:nvSpPr>
+          <p:cNvPr id="6" name="ZoneTexte 5">
+            <a:extLst>
+              <a:ext uri="{FF2B5EF4-FFF2-40B4-BE49-F238E27FC236}">
+                <a16:creationId xmlns:a16="http://schemas.microsoft.com/office/drawing/2014/main" id="{F96CCB92-71AD-5A28-47DF-FC12121A9D1E}"/>
+              </a:ext>
+            </a:extLst>
+          </p:cNvPr>
+          <p:cNvSpPr txBox="1"/>
+          <p:nvPr/>
+        </p:nvSpPr>
+        <p:spPr>
+          <a:xfrm>
+            <a:off x="1090536" y="2819189"/>
+            <a:ext cx="6083996" cy="523220"/>
+          </a:xfrm>
+          <a:prstGeom prst="rect">
+            <a:avLst/>
+          </a:prstGeom>
+          <a:noFill/>
+        </p:spPr>
+        <p:txBody>
+          <a:bodyPr wrap="square" rtlCol="0">
+            <a:spAutoFit/>
+          </a:bodyPr>
+          <a:lstStyle/>
+          <a:p>
+            <a:r>
+              <a:rPr lang="en-US" sz="2800" dirty="0"/>
+              <a:t>Christian : “Oh </a:t>
+            </a:r>
+            <a:r>
+              <a:rPr lang="en-US" sz="2800" dirty="0" err="1"/>
+              <a:t>mais</a:t>
+            </a:r>
+            <a:r>
+              <a:rPr lang="en-US" sz="2800" dirty="0"/>
+              <a:t> </a:t>
+            </a:r>
+            <a:r>
+              <a:rPr lang="en-US" sz="2800" dirty="0" err="1"/>
+              <a:t>Titouan</a:t>
+            </a:r>
+            <a:r>
+              <a:rPr lang="en-US" sz="2800" dirty="0"/>
+              <a:t> !”</a:t>
+            </a:r>
+          </a:p>
+        </p:txBody>
+      </p:sp>
+      <p:sp>
+        <p:nvSpPr>
+          <p:cNvPr id="9" name="ZoneTexte 8">
+            <a:extLst>
+              <a:ext uri="{FF2B5EF4-FFF2-40B4-BE49-F238E27FC236}">
+                <a16:creationId xmlns:a16="http://schemas.microsoft.com/office/drawing/2014/main" id="{1975DD8B-ECF5-1310-107E-4177115B0D25}"/>
+              </a:ext>
+            </a:extLst>
+          </p:cNvPr>
+          <p:cNvSpPr txBox="1"/>
+          <p:nvPr/>
+        </p:nvSpPr>
+        <p:spPr>
+          <a:xfrm>
+            <a:off x="1090536" y="4264474"/>
+            <a:ext cx="7308132" cy="523220"/>
+          </a:xfrm>
+          <a:prstGeom prst="rect">
+            <a:avLst/>
+          </a:prstGeom>
+          <a:noFill/>
+        </p:spPr>
+        <p:txBody>
+          <a:bodyPr wrap="square" rtlCol="0">
+            <a:spAutoFit/>
+          </a:bodyPr>
+          <a:lstStyle/>
+          <a:p>
+            <a:r>
+              <a:rPr lang="en-US" sz="2800" dirty="0"/>
+              <a:t>Sofia : “Je </a:t>
+            </a:r>
+            <a:r>
+              <a:rPr lang="en-US" sz="2800" dirty="0" err="1"/>
+              <a:t>crois</a:t>
+            </a:r>
+            <a:r>
+              <a:rPr lang="en-US" sz="2800" dirty="0"/>
+              <a:t> il y a un </a:t>
+            </a:r>
+            <a:r>
+              <a:rPr lang="en-US" sz="2800" dirty="0" err="1"/>
+              <a:t>problème</a:t>
+            </a:r>
+            <a:r>
+              <a:rPr lang="en-US" sz="2800" dirty="0"/>
+              <a:t> dans les Dao”</a:t>
+            </a:r>
+          </a:p>
+        </p:txBody>
+      </p:sp>
+      <p:sp>
+        <p:nvSpPr>
+          <p:cNvPr id="10" name="ZoneTexte 9">
+            <a:extLst>
+              <a:ext uri="{FF2B5EF4-FFF2-40B4-BE49-F238E27FC236}">
+                <a16:creationId xmlns:a16="http://schemas.microsoft.com/office/drawing/2014/main" id="{1E13335A-1980-A2EC-0C14-7B2605BC511B}"/>
+              </a:ext>
+            </a:extLst>
+          </p:cNvPr>
+          <p:cNvSpPr txBox="1"/>
+          <p:nvPr/>
+        </p:nvSpPr>
+        <p:spPr>
+          <a:xfrm>
+            <a:off x="1090536" y="3527430"/>
+            <a:ext cx="6552728" cy="523220"/>
+          </a:xfrm>
+          <a:prstGeom prst="rect">
+            <a:avLst/>
+          </a:prstGeom>
+          <a:noFill/>
+        </p:spPr>
+        <p:txBody>
+          <a:bodyPr wrap="square" rtlCol="0">
+            <a:spAutoFit/>
+          </a:bodyPr>
+          <a:lstStyle/>
+          <a:p>
+            <a:r>
+              <a:rPr lang="en-US" sz="2800" dirty="0"/>
+              <a:t>Simon : “</a:t>
+            </a:r>
+            <a:r>
+              <a:rPr lang="en-US" sz="2800" dirty="0" err="1"/>
+              <a:t>Flemme</a:t>
+            </a:r>
+            <a:r>
+              <a:rPr lang="en-US" sz="2800" dirty="0"/>
+              <a:t>” (le fait </a:t>
+            </a:r>
+            <a:r>
+              <a:rPr lang="en-US" sz="2800" dirty="0" err="1"/>
+              <a:t>quand-même</a:t>
+            </a:r>
+            <a:r>
+              <a:rPr lang="en-US" sz="2800" dirty="0"/>
+              <a:t>)</a:t>
+            </a:r>
+          </a:p>
+        </p:txBody>
+      </p:sp>
+    </p:spTree>
+    <p:extLst>
+      <p:ext uri="{BB962C8B-B14F-4D97-AF65-F5344CB8AC3E}">
+        <p14:creationId xmlns:p14="http://schemas.microsoft.com/office/powerpoint/2010/main" val="4017899265"/>
+      </p:ext>
+    </p:extLst>
+  </p:cSld>
+  <p:clrMapOvr>
+    <a:masterClrMapping/>
+  </p:clrMapOvr>
+  <mc:AlternateContent xmlns:mc="http://schemas.openxmlformats.org/markup-compatibility/2006">
+    <mc:Choice xmlns:p14="http://schemas.microsoft.com/office/powerpoint/2010/main" Requires="p14">
+      <p:transition spd="med" p14:dur="700">
+        <p:fade/>
+      </p:transition>
+    </mc:Choice>
+    <mc:Fallback>
+      <p:transition spd="med">
+        <p:fade/>
+      </p:transition>
+    </mc:Fallback>
+  </mc:AlternateContent>
+</p:sld>
+</file>
+
+<file path=ppt/slides/slide15.xml><?xml version="1.0" encoding="utf-8"?>
+<p:sld xmlns:a="http://schemas.openxmlformats.org/drawingml/2006/main" xmlns:r="http://schemas.openxmlformats.org/officeDocument/2006/relationships" xmlns:p="http://schemas.openxmlformats.org/presentationml/2006/main">
+  <p:cSld>
+    <p:spTree>
+      <p:nvGrpSpPr>
+        <p:cNvPr id="1" name=""/>
+        <p:cNvGrpSpPr/>
+        <p:nvPr/>
+      </p:nvGrpSpPr>
+      <p:grpSpPr>
+        <a:xfrm>
+          <a:off x="0" y="0"/>
+          <a:ext cx="0" cy="0"/>
+          <a:chOff x="0" y="0"/>
+          <a:chExt cx="0" cy="0"/>
+        </a:xfrm>
+      </p:grpSpPr>
+      <p:sp>
+        <p:nvSpPr>
+          <p:cNvPr id="7" name="Titre 6"/>
+          <p:cNvSpPr>
+            <a:spLocks noGrp="1"/>
+          </p:cNvSpPr>
+          <p:nvPr>
+            <p:ph type="title"/>
+          </p:nvPr>
+        </p:nvSpPr>
+        <p:spPr/>
+        <p:txBody>
+          <a:bodyPr rtlCol="0">
+            <a:normAutofit/>
+          </a:bodyPr>
+          <a:lstStyle/>
+          <a:p>
+            <a:pPr rtl="0"/>
+            <a:r>
+              <a:rPr lang="fr-FR" sz="5400" dirty="0"/>
+              <a:t>Retour d’expérience</a:t>
+            </a:r>
+          </a:p>
+        </p:txBody>
+      </p:sp>
+      <p:sp>
+        <p:nvSpPr>
+          <p:cNvPr id="2" name="Espace réservé du numéro de diapositive 1">
+            <a:extLst>
+              <a:ext uri="{FF2B5EF4-FFF2-40B4-BE49-F238E27FC236}">
+                <a16:creationId xmlns:a16="http://schemas.microsoft.com/office/drawing/2014/main" id="{B344FC84-4D5F-C237-25BB-E05BD8EDA3A9}"/>
+              </a:ext>
+            </a:extLst>
+          </p:cNvPr>
+          <p:cNvSpPr>
+            <a:spLocks noGrp="1"/>
+          </p:cNvSpPr>
+          <p:nvPr>
+            <p:ph type="sldNum" sz="quarter" idx="12"/>
+          </p:nvPr>
+        </p:nvSpPr>
+        <p:spPr/>
+        <p:txBody>
+          <a:bodyPr/>
+          <a:lstStyle/>
+          <a:p>
+            <a:pPr algn="r"/>
+            <a:fld id="{C014DD1E-5D91-48A3-AD6D-45FBA980D106}" type="slidenum">
+              <a:rPr lang="fr-FR" sz="2400" smtClean="0"/>
+              <a:pPr algn="r"/>
+              <a:t>15</a:t>
+            </a:fld>
+            <a:endParaRPr lang="fr-FR" sz="2400" dirty="0"/>
+          </a:p>
+        </p:txBody>
+      </p:sp>
+      <p:sp>
+        <p:nvSpPr>
+          <p:cNvPr id="5" name="ZoneTexte 4">
+            <a:extLst>
+              <a:ext uri="{FF2B5EF4-FFF2-40B4-BE49-F238E27FC236}">
+                <a16:creationId xmlns:a16="http://schemas.microsoft.com/office/drawing/2014/main" id="{1F37CFFB-FB7B-72CF-1200-530604028B94}"/>
+              </a:ext>
+            </a:extLst>
+          </p:cNvPr>
+          <p:cNvSpPr txBox="1"/>
+          <p:nvPr/>
+        </p:nvSpPr>
+        <p:spPr>
+          <a:xfrm>
+            <a:off x="1090536" y="1981443"/>
+            <a:ext cx="6083996" cy="523220"/>
+          </a:xfrm>
+          <a:prstGeom prst="rect">
+            <a:avLst/>
+          </a:prstGeom>
+          <a:noFill/>
+        </p:spPr>
+        <p:txBody>
+          <a:bodyPr wrap="square" rtlCol="0">
+            <a:spAutoFit/>
+          </a:bodyPr>
+          <a:lstStyle/>
+          <a:p>
+            <a:r>
+              <a:rPr lang="en-US" sz="2800" dirty="0" err="1"/>
+              <a:t>Titouan</a:t>
+            </a:r>
+            <a:r>
+              <a:rPr lang="en-US" sz="2800" dirty="0"/>
+              <a:t> : “Je </a:t>
+            </a:r>
+            <a:r>
+              <a:rPr lang="en-US" sz="2800" dirty="0" err="1"/>
+              <a:t>sais</a:t>
+            </a:r>
+            <a:r>
+              <a:rPr lang="en-US" sz="2800" dirty="0"/>
+              <a:t> pas je suis sur le Front”</a:t>
+            </a:r>
+          </a:p>
+        </p:txBody>
+      </p:sp>
+      <p:sp>
+        <p:nvSpPr>
+          <p:cNvPr id="6" name="ZoneTexte 5">
+            <a:extLst>
+              <a:ext uri="{FF2B5EF4-FFF2-40B4-BE49-F238E27FC236}">
+                <a16:creationId xmlns:a16="http://schemas.microsoft.com/office/drawing/2014/main" id="{F96CCB92-71AD-5A28-47DF-FC12121A9D1E}"/>
+              </a:ext>
+            </a:extLst>
+          </p:cNvPr>
+          <p:cNvSpPr txBox="1"/>
+          <p:nvPr/>
+        </p:nvSpPr>
+        <p:spPr>
+          <a:xfrm>
+            <a:off x="1090536" y="2819189"/>
+            <a:ext cx="6083996" cy="523220"/>
+          </a:xfrm>
+          <a:prstGeom prst="rect">
+            <a:avLst/>
+          </a:prstGeom>
+          <a:noFill/>
+        </p:spPr>
+        <p:txBody>
+          <a:bodyPr wrap="square" rtlCol="0">
+            <a:spAutoFit/>
+          </a:bodyPr>
+          <a:lstStyle/>
+          <a:p>
+            <a:r>
+              <a:rPr lang="en-US" sz="2800" dirty="0"/>
+              <a:t>Christian : “Oh </a:t>
+            </a:r>
+            <a:r>
+              <a:rPr lang="en-US" sz="2800" dirty="0" err="1"/>
+              <a:t>mais</a:t>
+            </a:r>
+            <a:r>
+              <a:rPr lang="en-US" sz="2800" dirty="0"/>
+              <a:t> </a:t>
+            </a:r>
+            <a:r>
+              <a:rPr lang="en-US" sz="2800" dirty="0" err="1"/>
+              <a:t>Titouan</a:t>
+            </a:r>
+            <a:r>
+              <a:rPr lang="en-US" sz="2800" dirty="0"/>
+              <a:t> !”</a:t>
+            </a:r>
+          </a:p>
+        </p:txBody>
+      </p:sp>
+      <p:sp>
+        <p:nvSpPr>
+          <p:cNvPr id="8" name="ZoneTexte 7">
+            <a:extLst>
+              <a:ext uri="{FF2B5EF4-FFF2-40B4-BE49-F238E27FC236}">
+                <a16:creationId xmlns:a16="http://schemas.microsoft.com/office/drawing/2014/main" id="{8681EBA1-C3D8-D88D-F025-48053C84CD43}"/>
+              </a:ext>
+            </a:extLst>
+          </p:cNvPr>
+          <p:cNvSpPr txBox="1"/>
+          <p:nvPr/>
+        </p:nvSpPr>
+        <p:spPr>
+          <a:xfrm>
+            <a:off x="1083539" y="5001518"/>
+            <a:ext cx="6804076" cy="523220"/>
+          </a:xfrm>
+          <a:prstGeom prst="rect">
+            <a:avLst/>
+          </a:prstGeom>
+          <a:noFill/>
+        </p:spPr>
+        <p:txBody>
+          <a:bodyPr wrap="square" rtlCol="0">
+            <a:spAutoFit/>
+          </a:bodyPr>
+          <a:lstStyle/>
+          <a:p>
+            <a:r>
+              <a:rPr lang="en-US" sz="2800" dirty="0"/>
+              <a:t>Alex : “Mais je </a:t>
+            </a:r>
+            <a:r>
+              <a:rPr lang="en-US" sz="2800" dirty="0" err="1"/>
+              <a:t>l’ai</a:t>
+            </a:r>
+            <a:r>
+              <a:rPr lang="en-US" sz="2800" dirty="0"/>
+              <a:t> push je </a:t>
+            </a:r>
+            <a:r>
+              <a:rPr lang="en-US" sz="2800" dirty="0" err="1"/>
+              <a:t>comprend</a:t>
+            </a:r>
+            <a:r>
+              <a:rPr lang="en-US" sz="2800" dirty="0"/>
+              <a:t> pas”</a:t>
+            </a:r>
+          </a:p>
+        </p:txBody>
+      </p:sp>
+      <p:sp>
+        <p:nvSpPr>
+          <p:cNvPr id="9" name="ZoneTexte 8">
+            <a:extLst>
+              <a:ext uri="{FF2B5EF4-FFF2-40B4-BE49-F238E27FC236}">
+                <a16:creationId xmlns:a16="http://schemas.microsoft.com/office/drawing/2014/main" id="{1975DD8B-ECF5-1310-107E-4177115B0D25}"/>
+              </a:ext>
+            </a:extLst>
+          </p:cNvPr>
+          <p:cNvSpPr txBox="1"/>
+          <p:nvPr/>
+        </p:nvSpPr>
+        <p:spPr>
+          <a:xfrm>
+            <a:off x="1090536" y="4264474"/>
+            <a:ext cx="7380140" cy="523220"/>
+          </a:xfrm>
+          <a:prstGeom prst="rect">
+            <a:avLst/>
+          </a:prstGeom>
+          <a:noFill/>
+        </p:spPr>
+        <p:txBody>
+          <a:bodyPr wrap="square" rtlCol="0">
+            <a:spAutoFit/>
+          </a:bodyPr>
+          <a:lstStyle/>
+          <a:p>
+            <a:r>
+              <a:rPr lang="en-US" sz="2800" dirty="0"/>
+              <a:t>Sofia : “Je </a:t>
+            </a:r>
+            <a:r>
+              <a:rPr lang="en-US" sz="2800" dirty="0" err="1"/>
+              <a:t>crois</a:t>
+            </a:r>
+            <a:r>
+              <a:rPr lang="en-US" sz="2800" dirty="0"/>
+              <a:t> il y a un </a:t>
+            </a:r>
+            <a:r>
+              <a:rPr lang="en-US" sz="2800" dirty="0" err="1"/>
+              <a:t>problème</a:t>
+            </a:r>
+            <a:r>
+              <a:rPr lang="en-US" sz="2800" dirty="0"/>
+              <a:t> dans les Dao”</a:t>
+            </a:r>
+          </a:p>
+        </p:txBody>
+      </p:sp>
+      <p:sp>
+        <p:nvSpPr>
+          <p:cNvPr id="10" name="ZoneTexte 9">
+            <a:extLst>
+              <a:ext uri="{FF2B5EF4-FFF2-40B4-BE49-F238E27FC236}">
+                <a16:creationId xmlns:a16="http://schemas.microsoft.com/office/drawing/2014/main" id="{1E13335A-1980-A2EC-0C14-7B2605BC511B}"/>
+              </a:ext>
+            </a:extLst>
+          </p:cNvPr>
+          <p:cNvSpPr txBox="1"/>
+          <p:nvPr/>
+        </p:nvSpPr>
+        <p:spPr>
+          <a:xfrm>
+            <a:off x="1090536" y="3527430"/>
+            <a:ext cx="6552728" cy="523220"/>
+          </a:xfrm>
+          <a:prstGeom prst="rect">
+            <a:avLst/>
+          </a:prstGeom>
+          <a:noFill/>
+        </p:spPr>
+        <p:txBody>
+          <a:bodyPr wrap="square" rtlCol="0">
+            <a:spAutoFit/>
+          </a:bodyPr>
+          <a:lstStyle/>
+          <a:p>
+            <a:r>
+              <a:rPr lang="en-US" sz="2800" dirty="0"/>
+              <a:t>Simon : “</a:t>
+            </a:r>
+            <a:r>
+              <a:rPr lang="en-US" sz="2800" dirty="0" err="1"/>
+              <a:t>Flemme</a:t>
+            </a:r>
+            <a:r>
+              <a:rPr lang="en-US" sz="2800" dirty="0"/>
+              <a:t>” (le fait </a:t>
+            </a:r>
+            <a:r>
+              <a:rPr lang="en-US" sz="2800" dirty="0" err="1"/>
+              <a:t>quand-même</a:t>
+            </a:r>
+            <a:r>
+              <a:rPr lang="en-US" sz="2800" dirty="0"/>
+              <a:t>)</a:t>
+            </a:r>
+          </a:p>
+        </p:txBody>
+      </p:sp>
+    </p:spTree>
+    <p:extLst>
+      <p:ext uri="{BB962C8B-B14F-4D97-AF65-F5344CB8AC3E}">
+        <p14:creationId xmlns:p14="http://schemas.microsoft.com/office/powerpoint/2010/main" val="1392497502"/>
+      </p:ext>
+    </p:extLst>
+  </p:cSld>
+  <p:clrMapOvr>
+    <a:masterClrMapping/>
+  </p:clrMapOvr>
+  <mc:AlternateContent xmlns:mc="http://schemas.openxmlformats.org/markup-compatibility/2006">
+    <mc:Choice xmlns:p14="http://schemas.microsoft.com/office/powerpoint/2010/main" Requires="p14">
+      <p:transition spd="med" p14:dur="700">
+        <p:fade/>
+      </p:transition>
+    </mc:Choice>
+    <mc:Fallback>
       <p:transition spd="med">
         <p:fade/>
       </p:transition>
@@ -11570,20 +8431,22 @@
         </p:nvSpPr>
         <p:spPr/>
         <p:txBody>
-          <a:bodyPr rtlCol="0"/>
+          <a:bodyPr rtlCol="0">
+            <a:normAutofit/>
+          </a:bodyPr>
           <a:lstStyle/>
           <a:p>
             <a:pPr rtl="0"/>
             <a:r>
-              <a:rPr lang="fr-FR" dirty="0"/>
+              <a:rPr lang="fr-FR" sz="5400" dirty="0"/>
               <a:t>TESM E-</a:t>
             </a:r>
             <a:r>
-              <a:rPr lang="fr-FR" dirty="0" err="1"/>
+              <a:rPr lang="fr-FR" sz="5400" dirty="0" err="1"/>
               <a:t>Sporter</a:t>
             </a:r>
             <a:r>
-              <a:rPr lang="fr-FR" dirty="0"/>
+              <a:rPr lang="fr-FR" sz="5400" dirty="0"/>
               <a:t> Manager</a:t>
             </a:r>
           </a:p>
@@ -11599,9 +8462,16 @@
             <p:ph idx="1"/>
           </p:nvPr>
         </p:nvSpPr>
-        <p:spPr/>
-        <p:txBody>
-          <a:bodyPr rtlCol="0"/>
+        <p:spPr>
+          <a:xfrm>
+            <a:off x="1218882" y="2122524"/>
+            <a:ext cx="10360501" cy="3697568"/>
+          </a:xfrm>
+        </p:spPr>
+        <p:txBody>
+          <a:bodyPr rtlCol="0">
+            <a:normAutofit/>
+          </a:bodyPr>
           <a:lstStyle/>
           <a:p>
             <a:pPr rtl="0"/>
@@ -11683,6 +8553,72 @@
           </a:prstGeom>
         </p:spPr>
       </p:pic>
+      <p:sp>
+        <p:nvSpPr>
+          <p:cNvPr id="3" name="Espace réservé du numéro de diapositive 2">
+            <a:extLst>
+              <a:ext uri="{FF2B5EF4-FFF2-40B4-BE49-F238E27FC236}">
+                <a16:creationId xmlns:a16="http://schemas.microsoft.com/office/drawing/2014/main" id="{C9E05040-6EBE-D7F2-8C6E-6460BB3D02FE}"/>
+              </a:ext>
+            </a:extLst>
+          </p:cNvPr>
+          <p:cNvSpPr>
+            <a:spLocks noGrp="1"/>
+          </p:cNvSpPr>
+          <p:nvPr>
+            <p:ph type="sldNum" sz="quarter" idx="12"/>
+          </p:nvPr>
+        </p:nvSpPr>
+        <p:spPr/>
+        <p:txBody>
+          <a:bodyPr/>
+          <a:lstStyle/>
+          <a:p>
+            <a:pPr algn="r"/>
+            <a:fld id="{C014DD1E-5D91-48A3-AD6D-45FBA980D106}" type="slidenum">
+              <a:rPr lang="fr-FR" sz="2400" smtClean="0"/>
+              <a:pPr algn="r"/>
+              <a:t>2</a:t>
+            </a:fld>
+            <a:endParaRPr lang="fr-FR" sz="2400" dirty="0"/>
+          </a:p>
+        </p:txBody>
+      </p:sp>
+      <p:sp>
+        <p:nvSpPr>
+          <p:cNvPr id="4" name="ZoneTexte 3">
+            <a:extLst>
+              <a:ext uri="{FF2B5EF4-FFF2-40B4-BE49-F238E27FC236}">
+                <a16:creationId xmlns:a16="http://schemas.microsoft.com/office/drawing/2014/main" id="{108EDC17-2891-0190-C791-73FCBB2E8F10}"/>
+              </a:ext>
+            </a:extLst>
+          </p:cNvPr>
+          <p:cNvSpPr txBox="1"/>
+          <p:nvPr/>
+        </p:nvSpPr>
+        <p:spPr>
+          <a:xfrm>
+            <a:off x="4798268" y="6015694"/>
+            <a:ext cx="2592288" cy="523220"/>
+          </a:xfrm>
+          <a:prstGeom prst="rect">
+            <a:avLst/>
+          </a:prstGeom>
+          <a:noFill/>
+        </p:spPr>
+        <p:txBody>
+          <a:bodyPr wrap="square" rtlCol="0">
+            <a:spAutoFit/>
+          </a:bodyPr>
+          <a:lstStyle/>
+          <a:p>
+            <a:r>
+              <a:rPr lang="en-US" sz="2800" dirty="0"/>
+              <a:t>Simon ARMAND</a:t>
+            </a:r>
+          </a:p>
+        </p:txBody>
+      </p:sp>
     </p:spTree>
     <p:extLst>
       <p:ext uri="{BB962C8B-B14F-4D97-AF65-F5344CB8AC3E}">
@@ -11735,44 +8671,198 @@
             <p:ph type="title"/>
           </p:nvPr>
         </p:nvSpPr>
+        <p:spPr>
+          <a:xfrm>
+            <a:off x="1066049" y="404664"/>
+            <a:ext cx="10360501" cy="949920"/>
+          </a:xfrm>
+        </p:spPr>
+        <p:txBody>
+          <a:bodyPr rtlCol="0">
+            <a:normAutofit/>
+          </a:bodyPr>
+          <a:lstStyle/>
+          <a:p>
+            <a:pPr rtl="0"/>
+            <a:r>
+              <a:rPr lang="fr-FR" sz="5400" dirty="0"/>
+              <a:t>Objectifs identifiés</a:t>
+            </a:r>
+          </a:p>
+        </p:txBody>
+      </p:sp>
+      <p:sp>
+        <p:nvSpPr>
+          <p:cNvPr id="3" name="Espace réservé du contenu 2">
+            <a:extLst>
+              <a:ext uri="{FF2B5EF4-FFF2-40B4-BE49-F238E27FC236}">
+                <a16:creationId xmlns:a16="http://schemas.microsoft.com/office/drawing/2014/main" id="{E8376B3C-15A1-B5A8-8691-8162EBDE310B}"/>
+              </a:ext>
+            </a:extLst>
+          </p:cNvPr>
+          <p:cNvSpPr>
+            <a:spLocks noGrp="1"/>
+          </p:cNvSpPr>
+          <p:nvPr>
+            <p:ph idx="1"/>
+          </p:nvPr>
+        </p:nvSpPr>
         <p:spPr/>
         <p:txBody>
-          <a:bodyPr rtlCol="0"/>
+          <a:bodyPr>
+            <a:normAutofit/>
+          </a:bodyPr>
           <a:lstStyle/>
           <a:p>
-            <a:pPr rtl="0"/>
-            <a:r>
-              <a:rPr lang="fr-FR" dirty="0"/>
-              <a:t>Disposition de titre et de contenu avec graphique</a:t>
-            </a:r>
-          </a:p>
-        </p:txBody>
-      </p:sp>
-      <p:graphicFrame>
-        <p:nvGraphicFramePr>
-          <p:cNvPr id="9" name="Espace réservé du contenu 8" descr="Histogramme groupé affichant les valeurs de 3 séries pour 4 catégories"/>
-          <p:cNvGraphicFramePr>
-            <a:graphicFrameLocks noGrp="1"/>
-          </p:cNvGraphicFramePr>
-          <p:nvPr>
-            <p:ph idx="1"/>
-            <p:extLst>
-              <p:ext uri="{D42A27DB-BD31-4B8C-83A1-F6EECF244321}">
-                <p14:modId xmlns:p14="http://schemas.microsoft.com/office/powerpoint/2010/main" val="938402454"/>
-              </p:ext>
-            </p:extLst>
-          </p:nvPr>
-        </p:nvGraphicFramePr>
-        <p:xfrm>
-          <a:off x="1219200" y="1701800"/>
-          <a:ext cx="10360025" cy="4462463"/>
-        </p:xfrm>
-        <a:graphic>
-          <a:graphicData uri="http://schemas.openxmlformats.org/drawingml/2006/chart">
-            <c:chart xmlns:c="http://schemas.openxmlformats.org/drawingml/2006/chart" xmlns:r="http://schemas.openxmlformats.org/officeDocument/2006/relationships" r:id="rId3"/>
-          </a:graphicData>
-        </a:graphic>
-      </p:graphicFrame>
+            <a:r>
+              <a:rPr lang="en-US" dirty="0"/>
+              <a:t>Identification</a:t>
+            </a:r>
+          </a:p>
+          <a:p>
+            <a:r>
+              <a:rPr lang="en-US" dirty="0"/>
+              <a:t>Gestion</a:t>
+            </a:r>
+          </a:p>
+          <a:p>
+            <a:pPr lvl="1"/>
+            <a:r>
+              <a:rPr lang="en-US" dirty="0" err="1"/>
+              <a:t>Tournois</a:t>
+            </a:r>
+            <a:endParaRPr lang="en-US" dirty="0"/>
+          </a:p>
+          <a:p>
+            <a:pPr lvl="1"/>
+            <a:r>
+              <a:rPr lang="en-US" dirty="0"/>
+              <a:t>Equipes</a:t>
+            </a:r>
+          </a:p>
+          <a:p>
+            <a:pPr lvl="1"/>
+            <a:r>
+              <a:rPr lang="en-US" dirty="0" err="1"/>
+              <a:t>Saisons</a:t>
+            </a:r>
+            <a:endParaRPr lang="en-US" dirty="0"/>
+          </a:p>
+          <a:p>
+            <a:r>
+              <a:rPr lang="en-US" dirty="0"/>
+              <a:t>Consultation </a:t>
+            </a:r>
+            <a:r>
+              <a:rPr lang="en-US" dirty="0" err="1"/>
+              <a:t>classement</a:t>
+            </a:r>
+            <a:r>
+              <a:rPr lang="en-US" dirty="0"/>
+              <a:t> (+impression)</a:t>
+            </a:r>
+          </a:p>
+          <a:p>
+            <a:endParaRPr lang="en-US" dirty="0"/>
+          </a:p>
+        </p:txBody>
+      </p:sp>
+      <p:pic>
+        <p:nvPicPr>
+          <p:cNvPr id="8" name="Image 7">
+            <a:extLst>
+              <a:ext uri="{FF2B5EF4-FFF2-40B4-BE49-F238E27FC236}">
+                <a16:creationId xmlns:a16="http://schemas.microsoft.com/office/drawing/2014/main" id="{89988A79-C5A3-E52B-A372-3AAE286C4416}"/>
+              </a:ext>
+            </a:extLst>
+          </p:cNvPr>
+          <p:cNvPicPr>
+            <a:picLocks noChangeAspect="1"/>
+          </p:cNvPicPr>
+          <p:nvPr/>
+        </p:nvPicPr>
+        <p:blipFill>
+          <a:blip r:embed="rId3"/>
+          <a:stretch>
+            <a:fillRect/>
+          </a:stretch>
+        </p:blipFill>
+        <p:spPr>
+          <a:xfrm>
+            <a:off x="6886500" y="404664"/>
+            <a:ext cx="5022015" cy="3802710"/>
+          </a:xfrm>
+          <a:prstGeom prst="rect">
+            <a:avLst/>
+          </a:prstGeom>
+        </p:spPr>
+      </p:pic>
+      <p:sp>
+        <p:nvSpPr>
+          <p:cNvPr id="2" name="Espace réservé du numéro de diapositive 1">
+            <a:extLst>
+              <a:ext uri="{FF2B5EF4-FFF2-40B4-BE49-F238E27FC236}">
+                <a16:creationId xmlns:a16="http://schemas.microsoft.com/office/drawing/2014/main" id="{E97C91DC-DD20-0A60-1E34-C47D22F3E9F6}"/>
+              </a:ext>
+            </a:extLst>
+          </p:cNvPr>
+          <p:cNvSpPr>
+            <a:spLocks noGrp="1"/>
+          </p:cNvSpPr>
+          <p:nvPr>
+            <p:ph type="sldNum" sz="quarter" idx="12"/>
+          </p:nvPr>
+        </p:nvSpPr>
+        <p:spPr/>
+        <p:txBody>
+          <a:bodyPr/>
+          <a:lstStyle/>
+          <a:p>
+            <a:pPr algn="r"/>
+            <a:fld id="{C014DD1E-5D91-48A3-AD6D-45FBA980D106}" type="slidenum">
+              <a:rPr lang="fr-FR" sz="2400" smtClean="0"/>
+              <a:pPr algn="r"/>
+              <a:t>3</a:t>
+            </a:fld>
+            <a:endParaRPr lang="fr-FR" sz="2400" dirty="0"/>
+          </a:p>
+        </p:txBody>
+      </p:sp>
+      <p:sp>
+        <p:nvSpPr>
+          <p:cNvPr id="9" name="ZoneTexte 8">
+            <a:extLst>
+              <a:ext uri="{FF2B5EF4-FFF2-40B4-BE49-F238E27FC236}">
+                <a16:creationId xmlns:a16="http://schemas.microsoft.com/office/drawing/2014/main" id="{1036CAB7-E06F-1A98-DF0B-09AC83B114DE}"/>
+              </a:ext>
+            </a:extLst>
+          </p:cNvPr>
+          <p:cNvSpPr txBox="1"/>
+          <p:nvPr/>
+        </p:nvSpPr>
+        <p:spPr>
+          <a:xfrm>
+            <a:off x="4798268" y="6015694"/>
+            <a:ext cx="2592288" cy="523220"/>
+          </a:xfrm>
+          <a:prstGeom prst="rect">
+            <a:avLst/>
+          </a:prstGeom>
+          <a:noFill/>
+        </p:spPr>
+        <p:txBody>
+          <a:bodyPr wrap="square" rtlCol="0">
+            <a:spAutoFit/>
+          </a:bodyPr>
+          <a:lstStyle/>
+          <a:p>
+            <a:r>
+              <a:rPr lang="en-US" sz="2800" dirty="0"/>
+              <a:t>Alex PELLETIER</a:t>
+            </a:r>
+          </a:p>
+        </p:txBody>
+      </p:sp>
     </p:spTree>
     <p:extLst>
       <p:ext uri="{BB962C8B-B14F-4D97-AF65-F5344CB8AC3E}">
@@ -11817,7 +8907,7 @@
       </p:grpSpPr>
       <p:sp>
         <p:nvSpPr>
-          <p:cNvPr id="2" name="Titre 1"/>
+          <p:cNvPr id="7" name="Titre 6"/>
           <p:cNvSpPr>
             <a:spLocks noGrp="1"/>
           </p:cNvSpPr>
@@ -11825,333 +8915,252 @@
             <p:ph type="title"/>
           </p:nvPr>
         </p:nvSpPr>
+        <p:spPr>
+          <a:xfrm>
+            <a:off x="1066049" y="404664"/>
+            <a:ext cx="10360501" cy="949920"/>
+          </a:xfrm>
+        </p:spPr>
+        <p:txBody>
+          <a:bodyPr rtlCol="0">
+            <a:normAutofit/>
+          </a:bodyPr>
+          <a:lstStyle/>
+          <a:p>
+            <a:pPr rtl="0"/>
+            <a:r>
+              <a:rPr lang="fr-FR" sz="5400" dirty="0"/>
+              <a:t>Objectifs identifiés</a:t>
+            </a:r>
+          </a:p>
+        </p:txBody>
+      </p:sp>
+      <p:sp>
+        <p:nvSpPr>
+          <p:cNvPr id="3" name="Espace réservé du contenu 2">
+            <a:extLst>
+              <a:ext uri="{FF2B5EF4-FFF2-40B4-BE49-F238E27FC236}">
+                <a16:creationId xmlns:a16="http://schemas.microsoft.com/office/drawing/2014/main" id="{E8376B3C-15A1-B5A8-8691-8162EBDE310B}"/>
+              </a:ext>
+            </a:extLst>
+          </p:cNvPr>
+          <p:cNvSpPr>
+            <a:spLocks noGrp="1"/>
+          </p:cNvSpPr>
+          <p:nvPr>
+            <p:ph idx="1"/>
+          </p:nvPr>
+        </p:nvSpPr>
         <p:spPr/>
         <p:txBody>
-          <a:bodyPr rtlCol="0"/>
+          <a:bodyPr>
+            <a:normAutofit fontScale="92500" lnSpcReduction="10000"/>
+          </a:bodyPr>
           <a:lstStyle/>
           <a:p>
-            <a:pPr rtl="0"/>
-            <a:r>
-              <a:rPr lang="fr-FR" dirty="0"/>
-              <a:t>Disposition de deux contenus avec tableau</a:t>
-            </a:r>
-          </a:p>
-        </p:txBody>
-      </p:sp>
-      <p:sp>
-        <p:nvSpPr>
-          <p:cNvPr id="3" name="Espace réservé du contenu 2"/>
-          <p:cNvSpPr>
-            <a:spLocks noGrp="1"/>
-          </p:cNvSpPr>
-          <p:nvPr>
-            <p:ph sz="half" idx="1"/>
+            <a:r>
+              <a:rPr lang="en-US" dirty="0"/>
+              <a:t>Identification</a:t>
+            </a:r>
+          </a:p>
+          <a:p>
+            <a:r>
+              <a:rPr lang="en-US" dirty="0"/>
+              <a:t>Gestion</a:t>
+            </a:r>
+          </a:p>
+          <a:p>
+            <a:pPr lvl="1"/>
+            <a:r>
+              <a:rPr lang="en-US" dirty="0" err="1"/>
+              <a:t>Tournois</a:t>
+            </a:r>
+            <a:endParaRPr lang="en-US" dirty="0"/>
+          </a:p>
+          <a:p>
+            <a:pPr lvl="1"/>
+            <a:r>
+              <a:rPr lang="en-US" dirty="0"/>
+              <a:t>Equipes</a:t>
+            </a:r>
+          </a:p>
+          <a:p>
+            <a:pPr lvl="1"/>
+            <a:r>
+              <a:rPr lang="en-US" dirty="0" err="1"/>
+              <a:t>Saisons</a:t>
+            </a:r>
+            <a:endParaRPr lang="en-US" dirty="0"/>
+          </a:p>
+          <a:p>
+            <a:r>
+              <a:rPr lang="en-US" dirty="0"/>
+              <a:t>Consultation </a:t>
+            </a:r>
+            <a:r>
+              <a:rPr lang="en-US" dirty="0" err="1"/>
+              <a:t>classement</a:t>
+            </a:r>
+            <a:r>
+              <a:rPr lang="en-US" dirty="0"/>
+              <a:t> (+impression)</a:t>
+            </a:r>
+          </a:p>
+          <a:p>
+            <a:endParaRPr lang="en-US" dirty="0"/>
+          </a:p>
+          <a:p>
+            <a:r>
+              <a:rPr lang="en-US" dirty="0" err="1"/>
+              <a:t>Création</a:t>
+            </a:r>
+            <a:r>
+              <a:rPr lang="en-US" dirty="0"/>
+              <a:t> de </a:t>
+            </a:r>
+            <a:r>
+              <a:rPr lang="en-US" dirty="0" err="1"/>
+              <a:t>tournoi</a:t>
+            </a:r>
+            <a:r>
+              <a:rPr lang="en-US" dirty="0"/>
+              <a:t> à </a:t>
+            </a:r>
+            <a:r>
+              <a:rPr lang="en-US" dirty="0" err="1"/>
+              <a:t>plusieurs</a:t>
+            </a:r>
+            <a:r>
+              <a:rPr lang="en-US" dirty="0"/>
+              <a:t> </a:t>
+            </a:r>
+            <a:r>
+              <a:rPr lang="en-US" dirty="0" err="1"/>
+              <a:t>poules</a:t>
+            </a:r>
+            <a:endParaRPr lang="en-US" dirty="0"/>
+          </a:p>
+          <a:p>
+            <a:r>
+              <a:rPr lang="en-US" dirty="0"/>
+              <a:t>Import de données au format xlsx</a:t>
+            </a:r>
+          </a:p>
+        </p:txBody>
+      </p:sp>
+      <p:pic>
+        <p:nvPicPr>
+          <p:cNvPr id="8" name="Image 7">
+            <a:extLst>
+              <a:ext uri="{FF2B5EF4-FFF2-40B4-BE49-F238E27FC236}">
+                <a16:creationId xmlns:a16="http://schemas.microsoft.com/office/drawing/2014/main" id="{89988A79-C5A3-E52B-A372-3AAE286C4416}"/>
+              </a:ext>
+            </a:extLst>
+          </p:cNvPr>
+          <p:cNvPicPr>
+            <a:picLocks noChangeAspect="1"/>
+          </p:cNvPicPr>
+          <p:nvPr/>
+        </p:nvPicPr>
+        <p:blipFill>
+          <a:blip r:embed="rId3"/>
+          <a:stretch>
+            <a:fillRect/>
+          </a:stretch>
+        </p:blipFill>
+        <p:spPr>
+          <a:xfrm>
+            <a:off x="6742484" y="879624"/>
+            <a:ext cx="5022015" cy="3802710"/>
+          </a:xfrm>
+          <a:prstGeom prst="rect">
+            <a:avLst/>
+          </a:prstGeom>
+        </p:spPr>
+      </p:pic>
+      <p:sp>
+        <p:nvSpPr>
+          <p:cNvPr id="2" name="Espace réservé du numéro de diapositive 1">
+            <a:extLst>
+              <a:ext uri="{FF2B5EF4-FFF2-40B4-BE49-F238E27FC236}">
+                <a16:creationId xmlns:a16="http://schemas.microsoft.com/office/drawing/2014/main" id="{E97C91DC-DD20-0A60-1E34-C47D22F3E9F6}"/>
+              </a:ext>
+            </a:extLst>
+          </p:cNvPr>
+          <p:cNvSpPr>
+            <a:spLocks noGrp="1"/>
+          </p:cNvSpPr>
+          <p:nvPr>
+            <p:ph type="sldNum" sz="quarter" idx="12"/>
           </p:nvPr>
         </p:nvSpPr>
         <p:spPr/>
         <p:txBody>
-          <a:bodyPr rtlCol="0"/>
+          <a:bodyPr/>
           <a:lstStyle/>
           <a:p>
-            <a:pPr rtl="0"/>
-            <a:r>
-              <a:rPr lang="fr-FR" dirty="0"/>
-              <a:t>Premier point ici</a:t>
-            </a:r>
-          </a:p>
-          <a:p>
-            <a:pPr rtl="0"/>
-            <a:r>
-              <a:rPr lang="fr-FR" dirty="0"/>
-              <a:t>Deuxième point ici</a:t>
-            </a:r>
-          </a:p>
-          <a:p>
-            <a:pPr rtl="0"/>
-            <a:r>
-              <a:rPr lang="fr-FR" dirty="0"/>
-              <a:t>Troisième point ici</a:t>
-            </a:r>
-          </a:p>
-        </p:txBody>
-      </p:sp>
-      <p:graphicFrame>
-        <p:nvGraphicFramePr>
-          <p:cNvPr id="5" name="Espace réservé du contenu 4"/>
-          <p:cNvGraphicFramePr>
-            <a:graphicFrameLocks noGrp="1"/>
-          </p:cNvGraphicFramePr>
-          <p:nvPr>
-            <p:ph sz="half" idx="2"/>
-            <p:extLst>
-              <p:ext uri="{D42A27DB-BD31-4B8C-83A1-F6EECF244321}">
-                <p14:modId xmlns:p14="http://schemas.microsoft.com/office/powerpoint/2010/main" val="3218497318"/>
-              </p:ext>
-            </p:extLst>
-          </p:nvPr>
-        </p:nvGraphicFramePr>
-        <p:xfrm>
-          <a:off x="6500813" y="1706563"/>
-          <a:ext cx="5078412" cy="2255836"/>
-        </p:xfrm>
-        <a:graphic>
-          <a:graphicData uri="http://schemas.openxmlformats.org/drawingml/2006/table">
-            <a:tbl>
-              <a:tblPr firstRow="1" bandRow="1">
-                <a:tableStyleId>{5C22544A-7EE6-4342-B048-85BDC9FD1C3A}</a:tableStyleId>
-              </a:tblPr>
-              <a:tblGrid>
-                <a:gridCol w="1692804">
-                  <a:extLst>
-                    <a:ext uri="{9D8B030D-6E8A-4147-A177-3AD203B41FA5}">
-                      <a16:colId xmlns:a16="http://schemas.microsoft.com/office/drawing/2014/main" val="20000"/>
-                    </a:ext>
-                  </a:extLst>
-                </a:gridCol>
-                <a:gridCol w="1692804">
-                  <a:extLst>
-                    <a:ext uri="{9D8B030D-6E8A-4147-A177-3AD203B41FA5}">
-                      <a16:colId xmlns:a16="http://schemas.microsoft.com/office/drawing/2014/main" val="20001"/>
-                    </a:ext>
-                  </a:extLst>
-                </a:gridCol>
-                <a:gridCol w="1692804">
-                  <a:extLst>
-                    <a:ext uri="{9D8B030D-6E8A-4147-A177-3AD203B41FA5}">
-                      <a16:colId xmlns:a16="http://schemas.microsoft.com/office/drawing/2014/main" val="20002"/>
-                    </a:ext>
-                  </a:extLst>
-                </a:gridCol>
-              </a:tblGrid>
-              <a:tr h="563959">
-                <a:tc>
-                  <a:txBody>
-                    <a:bodyPr/>
-                    <a:lstStyle/>
-                    <a:p>
-                      <a:pPr rtl="0"/>
-                      <a:r>
-                        <a:rPr lang="fr-FR" dirty="0"/>
-                        <a:t>Cours</a:t>
-                      </a:r>
-                    </a:p>
-                  </a:txBody>
-                  <a:tcPr anchor="ctr">
-                    <a:solidFill>
-                      <a:srgbClr val="008282"/>
-                    </a:solidFill>
-                  </a:tcPr>
-                </a:tc>
-                <a:tc>
-                  <a:txBody>
-                    <a:bodyPr/>
-                    <a:lstStyle/>
-                    <a:p>
-                      <a:pPr algn="ctr" rtl="0"/>
-                      <a:r>
-                        <a:rPr lang="fr-FR" dirty="0"/>
-                        <a:t>Groupe 1</a:t>
-                      </a:r>
-                    </a:p>
-                  </a:txBody>
-                  <a:tcPr anchor="ctr">
-                    <a:solidFill>
-                      <a:srgbClr val="008282"/>
-                    </a:solidFill>
-                  </a:tcPr>
-                </a:tc>
-                <a:tc>
-                  <a:txBody>
-                    <a:bodyPr/>
-                    <a:lstStyle/>
-                    <a:p>
-                      <a:pPr algn="ctr" rtl="0"/>
-                      <a:r>
-                        <a:rPr lang="fr-FR" dirty="0"/>
-                        <a:t>Groupe 2</a:t>
-                      </a:r>
-                    </a:p>
-                  </a:txBody>
-                  <a:tcPr anchor="ctr">
-                    <a:solidFill>
-                      <a:srgbClr val="008282"/>
-                    </a:solidFill>
-                  </a:tcPr>
-                </a:tc>
-                <a:extLst>
-                  <a:ext uri="{0D108BD9-81ED-4DB2-BD59-A6C34878D82A}">
-                    <a16:rowId xmlns:a16="http://schemas.microsoft.com/office/drawing/2014/main" val="10000"/>
-                  </a:ext>
-                </a:extLst>
-              </a:tr>
-              <a:tr h="563959">
-                <a:tc>
-                  <a:txBody>
-                    <a:bodyPr/>
-                    <a:lstStyle/>
-                    <a:p>
-                      <a:pPr rtl="0"/>
-                      <a:r>
-                        <a:rPr lang="fr-FR" dirty="0"/>
-                        <a:t>Cours 1</a:t>
-                      </a:r>
-                    </a:p>
-                  </a:txBody>
-                  <a:tcPr anchor="ctr"/>
-                </a:tc>
-                <a:tc>
-                  <a:txBody>
-                    <a:bodyPr/>
-                    <a:lstStyle/>
-                    <a:p>
-                      <a:pPr algn="ctr" rtl="0"/>
-                      <a:r>
-                        <a:rPr lang="fr-FR" dirty="0"/>
-                        <a:t>82</a:t>
-                      </a:r>
-                    </a:p>
-                  </a:txBody>
-                  <a:tcPr anchor="ctr"/>
-                </a:tc>
-                <a:tc>
-                  <a:txBody>
-                    <a:bodyPr/>
-                    <a:lstStyle/>
-                    <a:p>
-                      <a:pPr algn="ctr" rtl="0"/>
-                      <a:r>
-                        <a:rPr lang="fr-FR" dirty="0"/>
-                        <a:t>95</a:t>
-                      </a:r>
-                    </a:p>
-                  </a:txBody>
-                  <a:tcPr anchor="ctr"/>
-                </a:tc>
-                <a:extLst>
-                  <a:ext uri="{0D108BD9-81ED-4DB2-BD59-A6C34878D82A}">
-                    <a16:rowId xmlns:a16="http://schemas.microsoft.com/office/drawing/2014/main" val="10001"/>
-                  </a:ext>
-                </a:extLst>
-              </a:tr>
-              <a:tr h="563959">
-                <a:tc>
-                  <a:txBody>
-                    <a:bodyPr/>
-                    <a:lstStyle/>
-                    <a:p>
-                      <a:pPr rtl="0"/>
-                      <a:r>
-                        <a:rPr lang="fr-FR" dirty="0"/>
-                        <a:t>Cours 2</a:t>
-                      </a:r>
-                    </a:p>
-                  </a:txBody>
-                  <a:tcPr anchor="ctr"/>
-                </a:tc>
-                <a:tc>
-                  <a:txBody>
-                    <a:bodyPr/>
-                    <a:lstStyle/>
-                    <a:p>
-                      <a:pPr algn="ctr" rtl="0"/>
-                      <a:r>
-                        <a:rPr lang="fr-FR" dirty="0"/>
-                        <a:t>76</a:t>
-                      </a:r>
-                    </a:p>
-                  </a:txBody>
-                  <a:tcPr anchor="ctr"/>
-                </a:tc>
-                <a:tc>
-                  <a:txBody>
-                    <a:bodyPr/>
-                    <a:lstStyle/>
-                    <a:p>
-                      <a:pPr algn="ctr" rtl="0"/>
-                      <a:r>
-                        <a:rPr lang="fr-FR" dirty="0"/>
-                        <a:t>88</a:t>
-                      </a:r>
-                    </a:p>
-                  </a:txBody>
-                  <a:tcPr anchor="ctr"/>
-                </a:tc>
-                <a:extLst>
-                  <a:ext uri="{0D108BD9-81ED-4DB2-BD59-A6C34878D82A}">
-                    <a16:rowId xmlns:a16="http://schemas.microsoft.com/office/drawing/2014/main" val="10002"/>
-                  </a:ext>
-                </a:extLst>
-              </a:tr>
-              <a:tr h="563959">
-                <a:tc>
-                  <a:txBody>
-                    <a:bodyPr/>
-                    <a:lstStyle/>
-                    <a:p>
-                      <a:pPr rtl="0"/>
-                      <a:r>
-                        <a:rPr lang="fr-FR" dirty="0"/>
-                        <a:t>Cours 3</a:t>
-                      </a:r>
-                    </a:p>
-                  </a:txBody>
-                  <a:tcPr anchor="ctr"/>
-                </a:tc>
-                <a:tc>
-                  <a:txBody>
-                    <a:bodyPr/>
-                    <a:lstStyle/>
-                    <a:p>
-                      <a:pPr algn="ctr" rtl="0"/>
-                      <a:r>
-                        <a:rPr lang="fr-FR" dirty="0"/>
-                        <a:t>84</a:t>
-                      </a:r>
-                    </a:p>
-                  </a:txBody>
-                  <a:tcPr anchor="ctr"/>
-                </a:tc>
-                <a:tc>
-                  <a:txBody>
-                    <a:bodyPr/>
-                    <a:lstStyle/>
-                    <a:p>
-                      <a:pPr algn="ctr" rtl="0"/>
-                      <a:r>
-                        <a:rPr lang="fr-FR" dirty="0"/>
-                        <a:t>90</a:t>
-                      </a:r>
-                    </a:p>
-                  </a:txBody>
-                  <a:tcPr anchor="ctr"/>
-                </a:tc>
-                <a:extLst>
-                  <a:ext uri="{0D108BD9-81ED-4DB2-BD59-A6C34878D82A}">
-                    <a16:rowId xmlns:a16="http://schemas.microsoft.com/office/drawing/2014/main" val="10003"/>
-                  </a:ext>
-                </a:extLst>
-              </a:tr>
-            </a:tbl>
-          </a:graphicData>
-        </a:graphic>
-      </p:graphicFrame>
+            <a:pPr algn="r"/>
+            <a:fld id="{C014DD1E-5D91-48A3-AD6D-45FBA980D106}" type="slidenum">
+              <a:rPr lang="fr-FR" sz="2400" smtClean="0"/>
+              <a:pPr algn="r"/>
+              <a:t>4</a:t>
+            </a:fld>
+            <a:endParaRPr lang="fr-FR" sz="2400" dirty="0"/>
+          </a:p>
+        </p:txBody>
+      </p:sp>
+      <p:sp>
+        <p:nvSpPr>
+          <p:cNvPr id="5" name="ZoneTexte 4">
+            <a:extLst>
+              <a:ext uri="{FF2B5EF4-FFF2-40B4-BE49-F238E27FC236}">
+                <a16:creationId xmlns:a16="http://schemas.microsoft.com/office/drawing/2014/main" id="{17B50C98-CE22-7534-5174-83798AA6C24E}"/>
+              </a:ext>
+            </a:extLst>
+          </p:cNvPr>
+          <p:cNvSpPr txBox="1"/>
+          <p:nvPr/>
+        </p:nvSpPr>
+        <p:spPr>
+          <a:xfrm>
+            <a:off x="4798268" y="6015694"/>
+            <a:ext cx="2592288" cy="523220"/>
+          </a:xfrm>
+          <a:prstGeom prst="rect">
+            <a:avLst/>
+          </a:prstGeom>
+          <a:noFill/>
+        </p:spPr>
+        <p:txBody>
+          <a:bodyPr wrap="square" rtlCol="0">
+            <a:spAutoFit/>
+          </a:bodyPr>
+          <a:lstStyle/>
+          <a:p>
+            <a:r>
+              <a:rPr lang="en-US" sz="2800" dirty="0"/>
+              <a:t>Alex PELLETIER</a:t>
+            </a:r>
+          </a:p>
+        </p:txBody>
+      </p:sp>
     </p:spTree>
     <p:extLst>
       <p:ext uri="{BB962C8B-B14F-4D97-AF65-F5344CB8AC3E}">
-        <p14:creationId xmlns:p14="http://schemas.microsoft.com/office/powerpoint/2010/main" val="2341911148"/>
+        <p14:creationId xmlns:p14="http://schemas.microsoft.com/office/powerpoint/2010/main" val="4256333202"/>
       </p:ext>
     </p:extLst>
   </p:cSld>
   <p:clrMapOvr>
     <a:masterClrMapping/>
   </p:clrMapOvr>
-  <mc:AlternateContent xmlns:mc="http://schemas.openxmlformats.org/markup-compatibility/2006" xmlns:p14="http://schemas.microsoft.com/office/powerpoint/2010/main">
-    <mc:Choice Requires="p14">
+  <mc:AlternateContent xmlns:mc="http://schemas.openxmlformats.org/markup-compatibility/2006">
+    <mc:Choice xmlns:p14="http://schemas.microsoft.com/office/powerpoint/2010/main" Requires="p14">
       <p:transition spd="med" p14:dur="700">
         <p:fade/>
       </p:transition>
     </mc:Choice>
-    <mc:Fallback xmlns="">
+    <mc:Fallback>
       <p:transition spd="med">
         <p:fade/>
       </p:transition>
@@ -12179,7 +9188,7 @@
       </p:grpSpPr>
       <p:sp>
         <p:nvSpPr>
-          <p:cNvPr id="2" name="Titre 1"/>
+          <p:cNvPr id="2" name="Titre 1"/>
           <p:cNvSpPr>
             <a:spLocks noGrp="1"/>
           </p:cNvSpPr>
@@ -12187,90 +9196,189 @@
             <p:ph type="title"/>
           </p:nvPr>
         </p:nvSpPr>
+        <p:spPr>
+          <a:xfrm>
+            <a:off x="1218883" y="274637"/>
+            <a:ext cx="10360501" cy="778099"/>
+          </a:xfrm>
+        </p:spPr>
+        <p:txBody>
+          <a:bodyPr rtlCol="0">
+            <a:noAutofit/>
+          </a:bodyPr>
+          <a:lstStyle/>
+          <a:p>
+            <a:pPr rtl="0"/>
+            <a:r>
+              <a:rPr lang="fr-FR" sz="5400" dirty="0"/>
+              <a:t>Déroulement du projet (Sprint 0)</a:t>
+            </a:r>
+          </a:p>
+        </p:txBody>
+      </p:sp>
+      <p:sp>
+        <p:nvSpPr>
+          <p:cNvPr id="7" name="Espace réservé du contenu 6">
+            <a:extLst>
+              <a:ext uri="{FF2B5EF4-FFF2-40B4-BE49-F238E27FC236}">
+                <a16:creationId xmlns:a16="http://schemas.microsoft.com/office/drawing/2014/main" id="{301752B3-C2CB-84A4-F629-3A8D2454B4D7}"/>
+              </a:ext>
+            </a:extLst>
+          </p:cNvPr>
+          <p:cNvSpPr>
+            <a:spLocks noGrp="1"/>
+          </p:cNvSpPr>
+          <p:nvPr>
+            <p:ph sz="half" idx="2"/>
+          </p:nvPr>
+        </p:nvSpPr>
+        <p:spPr>
+          <a:xfrm>
+            <a:off x="988970" y="1364722"/>
+            <a:ext cx="5321466" cy="1152128"/>
+          </a:xfrm>
+        </p:spPr>
+        <p:txBody>
+          <a:bodyPr>
+            <a:normAutofit/>
+          </a:bodyPr>
+          <a:lstStyle/>
+          <a:p>
+            <a:r>
+              <a:rPr lang="en-US" dirty="0"/>
+              <a:t>Début non agile (</a:t>
+            </a:r>
+            <a:r>
+              <a:rPr lang="en-US" dirty="0" err="1"/>
+              <a:t>problème</a:t>
+            </a:r>
+            <a:r>
+              <a:rPr lang="en-US" dirty="0"/>
+              <a:t> de </a:t>
+            </a:r>
+            <a:r>
+              <a:rPr lang="en-US" dirty="0" err="1"/>
+              <a:t>compréhension</a:t>
+            </a:r>
+            <a:r>
+              <a:rPr lang="en-US" dirty="0"/>
+              <a:t> de la </a:t>
+            </a:r>
+            <a:r>
+              <a:rPr lang="en-US" dirty="0" err="1"/>
+              <a:t>méthode</a:t>
+            </a:r>
+            <a:r>
+              <a:rPr lang="en-US" dirty="0"/>
+              <a:t>)</a:t>
+            </a:r>
+          </a:p>
+        </p:txBody>
+      </p:sp>
+      <p:sp>
+        <p:nvSpPr>
+          <p:cNvPr id="24" name="Espace réservé du numéro de diapositive 23">
+            <a:extLst>
+              <a:ext uri="{FF2B5EF4-FFF2-40B4-BE49-F238E27FC236}">
+                <a16:creationId xmlns:a16="http://schemas.microsoft.com/office/drawing/2014/main" id="{5ECFCA56-8158-64A6-E820-CBF4C9B055EC}"/>
+              </a:ext>
+            </a:extLst>
+          </p:cNvPr>
+          <p:cNvSpPr>
+            <a:spLocks noGrp="1"/>
+          </p:cNvSpPr>
+          <p:nvPr>
+            <p:ph type="sldNum" sz="quarter" idx="12"/>
+          </p:nvPr>
+        </p:nvSpPr>
         <p:spPr/>
         <p:txBody>
-          <a:bodyPr rtlCol="0"/>
+          <a:bodyPr/>
           <a:lstStyle/>
           <a:p>
-            <a:pPr rtl="0"/>
-            <a:r>
-              <a:rPr lang="fr-FR" dirty="0"/>
-              <a:t>Disposition de deux contenus avec graphique </a:t>
-            </a:r>
-            <a:r>
-              <a:rPr lang="fr-FR" dirty="0" err="1"/>
-              <a:t>SmartArt</a:t>
-            </a:r>
-            <a:endParaRPr lang="fr-FR" dirty="0"/>
-          </a:p>
-        </p:txBody>
-      </p:sp>
-      <p:sp>
-        <p:nvSpPr>
-          <p:cNvPr id="3" name="Espace réservé du contenu 2"/>
-          <p:cNvSpPr>
-            <a:spLocks noGrp="1"/>
-          </p:cNvSpPr>
-          <p:nvPr>
-            <p:ph sz="half" idx="1"/>
-          </p:nvPr>
-        </p:nvSpPr>
-        <p:spPr/>
-        <p:txBody>
-          <a:bodyPr rtlCol="0"/>
+            <a:pPr algn="r"/>
+            <a:fld id="{C014DD1E-5D91-48A3-AD6D-45FBA980D106}" type="slidenum">
+              <a:rPr lang="fr-FR" sz="2400" smtClean="0"/>
+              <a:pPr algn="r"/>
+              <a:t>5</a:t>
+            </a:fld>
+            <a:endParaRPr lang="fr-FR" sz="2400" dirty="0"/>
+          </a:p>
+        </p:txBody>
+      </p:sp>
+      <p:sp>
+        <p:nvSpPr>
+          <p:cNvPr id="25" name="ZoneTexte 24">
+            <a:extLst>
+              <a:ext uri="{FF2B5EF4-FFF2-40B4-BE49-F238E27FC236}">
+                <a16:creationId xmlns:a16="http://schemas.microsoft.com/office/drawing/2014/main" id="{A63DB250-2A25-912E-0596-2F5D3D5FCB58}"/>
+              </a:ext>
+            </a:extLst>
+          </p:cNvPr>
+          <p:cNvSpPr txBox="1"/>
+          <p:nvPr/>
+        </p:nvSpPr>
+        <p:spPr>
+          <a:xfrm>
+            <a:off x="4798268" y="6015694"/>
+            <a:ext cx="2808312" cy="523220"/>
+          </a:xfrm>
+          <a:prstGeom prst="rect">
+            <a:avLst/>
+          </a:prstGeom>
+          <a:noFill/>
+        </p:spPr>
+        <p:txBody>
+          <a:bodyPr wrap="square" rtlCol="0">
+            <a:spAutoFit/>
+          </a:bodyPr>
           <a:lstStyle/>
           <a:p>
-            <a:pPr rtl="0"/>
-            <a:r>
-              <a:rPr lang="fr-FR" dirty="0"/>
-              <a:t>Premier point ici</a:t>
-            </a:r>
-          </a:p>
-          <a:p>
-            <a:pPr rtl="0"/>
-            <a:r>
-              <a:rPr lang="fr-FR" dirty="0"/>
-              <a:t>Deuxième point ici</a:t>
-            </a:r>
-          </a:p>
-          <a:p>
-            <a:pPr rtl="0"/>
-            <a:r>
-              <a:rPr lang="fr-FR" dirty="0"/>
-              <a:t>Troisième point ici</a:t>
-            </a:r>
-          </a:p>
-        </p:txBody>
-      </p:sp>
-      <p:graphicFrame>
-        <p:nvGraphicFramePr>
-          <p:cNvPr id="5" name="Espace réservé du contenu 4" descr="Processus échelonné présentant 3 tâches superposées. Deux flèches vers le bas indiquent la progression de la première à la deuxième tâche, puis de la deuxième à la troisième tâche."/>
-          <p:cNvGraphicFramePr>
-            <a:graphicFrameLocks noGrp="1"/>
-          </p:cNvGraphicFramePr>
-          <p:nvPr>
-            <p:ph sz="half" idx="2"/>
-            <p:extLst>
-              <p:ext uri="{D42A27DB-BD31-4B8C-83A1-F6EECF244321}">
-                <p14:modId xmlns:p14="http://schemas.microsoft.com/office/powerpoint/2010/main" val="1345455457"/>
-              </p:ext>
-            </p:extLst>
-          </p:nvPr>
-        </p:nvGraphicFramePr>
-        <p:xfrm>
-          <a:off x="6500813" y="1706563"/>
-          <a:ext cx="5078412" cy="4465637"/>
-        </p:xfrm>
-        <a:graphic>
-          <a:graphicData uri="http://schemas.openxmlformats.org/drawingml/2006/diagram">
-            <dgm:relIds xmlns:dgm="http://schemas.openxmlformats.org/drawingml/2006/diagram" xmlns:r="http://schemas.openxmlformats.org/officeDocument/2006/relationships" r:dm="rId3" r:lo="rId4" r:qs="rId5" r:cs="rId6"/>
-          </a:graphicData>
-        </a:graphic>
-      </p:graphicFrame>
+            <a:r>
+              <a:rPr lang="en-US" sz="2800" dirty="0" err="1"/>
+              <a:t>Titouan</a:t>
+            </a:r>
+            <a:r>
+              <a:rPr lang="en-US" sz="2800" dirty="0"/>
+              <a:t> BRANDO</a:t>
+            </a:r>
+          </a:p>
+        </p:txBody>
+      </p:sp>
+      <p:pic>
+        <p:nvPicPr>
+          <p:cNvPr id="28" name="Image 27">
+            <a:extLst>
+              <a:ext uri="{FF2B5EF4-FFF2-40B4-BE49-F238E27FC236}">
+                <a16:creationId xmlns:a16="http://schemas.microsoft.com/office/drawing/2014/main" id="{18F0CEA9-A468-5E3B-C30B-D4A53379B3FE}"/>
+              </a:ext>
+            </a:extLst>
+          </p:cNvPr>
+          <p:cNvPicPr>
+            <a:picLocks noChangeAspect="1"/>
+          </p:cNvPicPr>
+          <p:nvPr/>
+        </p:nvPicPr>
+        <p:blipFill>
+          <a:blip r:embed="rId3"/>
+          <a:stretch>
+            <a:fillRect/>
+          </a:stretch>
+        </p:blipFill>
+        <p:spPr>
+          <a:xfrm>
+            <a:off x="1218883" y="2420888"/>
+            <a:ext cx="9434378" cy="3330229"/>
+          </a:xfrm>
+          <a:prstGeom prst="rect">
+            <a:avLst/>
+          </a:prstGeom>
+        </p:spPr>
+      </p:pic>
     </p:spTree>
     <p:extLst>
       <p:ext uri="{BB962C8B-B14F-4D97-AF65-F5344CB8AC3E}">
-        <p14:creationId xmlns:p14="http://schemas.microsoft.com/office/powerpoint/2010/main" val="4123189245"/>
+        <p14:creationId xmlns:p14="http://schemas.microsoft.com/office/powerpoint/2010/main" val="2341911148"/>
       </p:ext>
     </p:extLst>
   </p:cSld>
@@ -12311,7 +9419,7 @@
       </p:grpSpPr>
       <p:sp>
         <p:nvSpPr>
-          <p:cNvPr id="4" name="Titre 3"/>
+          <p:cNvPr id="2" name="Titre 1"/>
           <p:cNvSpPr>
             <a:spLocks noGrp="1"/>
           </p:cNvSpPr>
@@ -12321,59 +9429,639 @@
         </p:nvSpPr>
         <p:spPr>
           <a:xfrm>
-            <a:off x="1625176" y="2209801"/>
-            <a:ext cx="9498435" cy="2764335"/>
+            <a:off x="1218883" y="274637"/>
+            <a:ext cx="10360501" cy="778099"/>
           </a:xfrm>
         </p:spPr>
         <p:txBody>
-          <a:bodyPr rtlCol="0"/>
+          <a:bodyPr rtlCol="0">
+            <a:noAutofit/>
+          </a:bodyPr>
           <a:lstStyle/>
           <a:p>
             <a:pPr rtl="0"/>
             <a:r>
-              <a:rPr lang="fr-FR" dirty="0"/>
-              <a:t>Ajouter un titre de diapositive - 1</a:t>
-            </a:r>
-          </a:p>
-        </p:txBody>
-      </p:sp>
-      <p:sp>
-        <p:nvSpPr>
-          <p:cNvPr id="5" name="Espace réservé du texte 4"/>
-          <p:cNvSpPr>
-            <a:spLocks noGrp="1"/>
-          </p:cNvSpPr>
-          <p:nvPr>
-            <p:ph type="body" idx="1"/>
+              <a:rPr lang="fr-FR" sz="5400" dirty="0"/>
+              <a:t>Déroulement du projet</a:t>
+            </a:r>
+          </a:p>
+        </p:txBody>
+      </p:sp>
+      <p:sp>
+        <p:nvSpPr>
+          <p:cNvPr id="8" name="Ellipse 7">
+            <a:extLst>
+              <a:ext uri="{FF2B5EF4-FFF2-40B4-BE49-F238E27FC236}">
+                <a16:creationId xmlns:a16="http://schemas.microsoft.com/office/drawing/2014/main" id="{B9FBDC74-846A-6983-D713-D66875E60295}"/>
+              </a:ext>
+            </a:extLst>
+          </p:cNvPr>
+          <p:cNvSpPr/>
+          <p:nvPr/>
+        </p:nvSpPr>
+        <p:spPr>
+          <a:xfrm>
+            <a:off x="1400754" y="1338452"/>
+            <a:ext cx="2520280" cy="1302216"/>
+          </a:xfrm>
+          <a:prstGeom prst="ellipse">
+            <a:avLst/>
+          </a:prstGeom>
+          <a:solidFill>
+            <a:srgbClr val="050A16"/>
+          </a:solidFill>
+        </p:spPr>
+        <p:style>
+          <a:lnRef idx="2">
+            <a:schemeClr val="accent1"/>
+          </a:lnRef>
+          <a:fillRef idx="1">
+            <a:schemeClr val="lt1"/>
+          </a:fillRef>
+          <a:effectRef idx="0">
+            <a:schemeClr val="accent1"/>
+          </a:effectRef>
+          <a:fontRef idx="minor">
+            <a:schemeClr val="dk1"/>
+          </a:fontRef>
+        </p:style>
+        <p:txBody>
+          <a:bodyPr rtlCol="0" anchor="ctr"/>
+          <a:lstStyle/>
+          <a:p>
+            <a:pPr algn="ctr"/>
+            <a:r>
+              <a:rPr lang="en-US" sz="2800" dirty="0">
+                <a:ln>
+                  <a:solidFill>
+                    <a:schemeClr val="tx1"/>
+                  </a:solidFill>
+                </a:ln>
+                <a:solidFill>
+                  <a:schemeClr val="tx1"/>
+                </a:solidFill>
+              </a:rPr>
+              <a:t>5 Sprints</a:t>
+            </a:r>
+          </a:p>
+        </p:txBody>
+      </p:sp>
+      <p:sp>
+        <p:nvSpPr>
+          <p:cNvPr id="9" name="Rectangle : coins arrondis 8">
+            <a:extLst>
+              <a:ext uri="{FF2B5EF4-FFF2-40B4-BE49-F238E27FC236}">
+                <a16:creationId xmlns:a16="http://schemas.microsoft.com/office/drawing/2014/main" id="{07D5B1BD-92E8-4B25-3422-63780745B6A4}"/>
+              </a:ext>
+            </a:extLst>
+          </p:cNvPr>
+          <p:cNvSpPr/>
+          <p:nvPr/>
+        </p:nvSpPr>
+        <p:spPr>
+          <a:xfrm>
+            <a:off x="6970911" y="1197702"/>
+            <a:ext cx="3817161" cy="1152128"/>
+          </a:xfrm>
+          <a:prstGeom prst="roundRect">
+            <a:avLst/>
+          </a:prstGeom>
+        </p:spPr>
+        <p:style>
+          <a:lnRef idx="2">
+            <a:schemeClr val="accent1">
+              <a:shade val="50000"/>
+            </a:schemeClr>
+          </a:lnRef>
+          <a:fillRef idx="1">
+            <a:schemeClr val="accent1"/>
+          </a:fillRef>
+          <a:effectRef idx="0">
+            <a:schemeClr val="accent1"/>
+          </a:effectRef>
+          <a:fontRef idx="minor">
+            <a:schemeClr val="lt1"/>
+          </a:fontRef>
+        </p:style>
+        <p:txBody>
+          <a:bodyPr rtlCol="0" anchor="ctr"/>
+          <a:lstStyle/>
+          <a:p>
+            <a:pPr marL="0" indent="0" algn="ctr" rtl="0">
+              <a:buNone/>
+            </a:pPr>
+            <a:r>
+              <a:rPr lang="fr-FR" sz="3200" dirty="0">
+                <a:sym typeface="Wingdings" panose="05000000000000000000" pitchFamily="2" charset="2"/>
+              </a:rPr>
+              <a:t>Fonctionnalités Résultat</a:t>
+            </a:r>
+            <a:endParaRPr lang="fr-FR" sz="3200" dirty="0"/>
+          </a:p>
+        </p:txBody>
+      </p:sp>
+      <p:sp>
+        <p:nvSpPr>
+          <p:cNvPr id="10" name="Rectangle : coins arrondis 9">
+            <a:extLst>
+              <a:ext uri="{FF2B5EF4-FFF2-40B4-BE49-F238E27FC236}">
+                <a16:creationId xmlns:a16="http://schemas.microsoft.com/office/drawing/2014/main" id="{33668635-97F7-49E9-AD5E-F43617230E9E}"/>
+              </a:ext>
+            </a:extLst>
+          </p:cNvPr>
+          <p:cNvSpPr/>
+          <p:nvPr/>
+        </p:nvSpPr>
+        <p:spPr>
+          <a:xfrm>
+            <a:off x="6954475" y="2598586"/>
+            <a:ext cx="3906083" cy="1152128"/>
+          </a:xfrm>
+          <a:prstGeom prst="roundRect">
+            <a:avLst/>
+          </a:prstGeom>
+        </p:spPr>
+        <p:style>
+          <a:lnRef idx="2">
+            <a:schemeClr val="accent1">
+              <a:shade val="50000"/>
+            </a:schemeClr>
+          </a:lnRef>
+          <a:fillRef idx="1">
+            <a:schemeClr val="accent1"/>
+          </a:fillRef>
+          <a:effectRef idx="0">
+            <a:schemeClr val="accent1"/>
+          </a:effectRef>
+          <a:fontRef idx="minor">
+            <a:schemeClr val="lt1"/>
+          </a:fontRef>
+        </p:style>
+        <p:txBody>
+          <a:bodyPr rtlCol="0" anchor="ctr"/>
+          <a:lstStyle/>
+          <a:p>
+            <a:pPr marL="0" indent="0" algn="ctr" rtl="0">
+              <a:buNone/>
+            </a:pPr>
+            <a:r>
+              <a:rPr lang="fr-FR" sz="3200" dirty="0">
+                <a:sym typeface="Wingdings" panose="05000000000000000000" pitchFamily="2" charset="2"/>
+              </a:rPr>
+              <a:t>Fonctionnalités Tournoi</a:t>
+            </a:r>
+          </a:p>
+        </p:txBody>
+      </p:sp>
+      <p:sp>
+        <p:nvSpPr>
+          <p:cNvPr id="11" name="Rectangle : coins arrondis 10">
+            <a:extLst>
+              <a:ext uri="{FF2B5EF4-FFF2-40B4-BE49-F238E27FC236}">
+                <a16:creationId xmlns:a16="http://schemas.microsoft.com/office/drawing/2014/main" id="{70FA4FD9-65B3-16B0-EFC2-65F40C93065C}"/>
+              </a:ext>
+            </a:extLst>
+          </p:cNvPr>
+          <p:cNvSpPr/>
+          <p:nvPr/>
+        </p:nvSpPr>
+        <p:spPr>
+          <a:xfrm>
+            <a:off x="6970911" y="3999470"/>
+            <a:ext cx="3875548" cy="1152128"/>
+          </a:xfrm>
+          <a:prstGeom prst="roundRect">
+            <a:avLst/>
+          </a:prstGeom>
+        </p:spPr>
+        <p:style>
+          <a:lnRef idx="2">
+            <a:schemeClr val="accent1">
+              <a:shade val="50000"/>
+            </a:schemeClr>
+          </a:lnRef>
+          <a:fillRef idx="1">
+            <a:schemeClr val="accent1"/>
+          </a:fillRef>
+          <a:effectRef idx="0">
+            <a:schemeClr val="accent1"/>
+          </a:effectRef>
+          <a:fontRef idx="minor">
+            <a:schemeClr val="lt1"/>
+          </a:fontRef>
+        </p:style>
+        <p:txBody>
+          <a:bodyPr rtlCol="0" anchor="ctr"/>
+          <a:lstStyle/>
+          <a:p>
+            <a:pPr marL="0" indent="0" algn="ctr" rtl="0">
+              <a:buNone/>
+            </a:pPr>
+            <a:r>
+              <a:rPr lang="fr-FR" sz="3200" dirty="0">
+                <a:sym typeface="Wingdings" panose="05000000000000000000" pitchFamily="2" charset="2"/>
+              </a:rPr>
+              <a:t>Fonctionnalités Equipe</a:t>
+            </a:r>
+          </a:p>
+        </p:txBody>
+      </p:sp>
+      <p:sp>
+        <p:nvSpPr>
+          <p:cNvPr id="12" name="Rectangle : coins arrondis 11">
+            <a:extLst>
+              <a:ext uri="{FF2B5EF4-FFF2-40B4-BE49-F238E27FC236}">
+                <a16:creationId xmlns:a16="http://schemas.microsoft.com/office/drawing/2014/main" id="{3C54BB26-7FD8-C8CC-2CA3-5EDEDB9DF7D9}"/>
+              </a:ext>
+            </a:extLst>
+          </p:cNvPr>
+          <p:cNvSpPr/>
+          <p:nvPr/>
+        </p:nvSpPr>
+        <p:spPr>
+          <a:xfrm>
+            <a:off x="3551948" y="4287502"/>
+            <a:ext cx="2232248" cy="1152128"/>
+          </a:xfrm>
+          <a:prstGeom prst="roundRect">
+            <a:avLst/>
+          </a:prstGeom>
+        </p:spPr>
+        <p:style>
+          <a:lnRef idx="2">
+            <a:schemeClr val="accent1">
+              <a:shade val="50000"/>
+            </a:schemeClr>
+          </a:lnRef>
+          <a:fillRef idx="1">
+            <a:schemeClr val="accent1"/>
+          </a:fillRef>
+          <a:effectRef idx="0">
+            <a:schemeClr val="accent1"/>
+          </a:effectRef>
+          <a:fontRef idx="minor">
+            <a:schemeClr val="lt1"/>
+          </a:fontRef>
+        </p:style>
+        <p:txBody>
+          <a:bodyPr rtlCol="0" anchor="ctr"/>
+          <a:lstStyle/>
+          <a:p>
+            <a:pPr algn="ctr"/>
+            <a:r>
+              <a:rPr lang="fr-FR" sz="3200" dirty="0"/>
+              <a:t>Dao</a:t>
+            </a:r>
+            <a:endParaRPr lang="en-US" sz="2800" dirty="0"/>
+          </a:p>
+        </p:txBody>
+      </p:sp>
+      <p:sp>
+        <p:nvSpPr>
+          <p:cNvPr id="13" name="Rectangle : coins arrondis 12">
+            <a:extLst>
+              <a:ext uri="{FF2B5EF4-FFF2-40B4-BE49-F238E27FC236}">
+                <a16:creationId xmlns:a16="http://schemas.microsoft.com/office/drawing/2014/main" id="{7320AAD5-D46B-1E71-14AE-549F9B869B71}"/>
+              </a:ext>
+            </a:extLst>
+          </p:cNvPr>
+          <p:cNvSpPr/>
+          <p:nvPr/>
+        </p:nvSpPr>
+        <p:spPr>
+          <a:xfrm>
+            <a:off x="770684" y="4287502"/>
+            <a:ext cx="2520280" cy="1152128"/>
+          </a:xfrm>
+          <a:prstGeom prst="roundRect">
+            <a:avLst/>
+          </a:prstGeom>
+        </p:spPr>
+        <p:style>
+          <a:lnRef idx="2">
+            <a:schemeClr val="accent1">
+              <a:shade val="50000"/>
+            </a:schemeClr>
+          </a:lnRef>
+          <a:fillRef idx="1">
+            <a:schemeClr val="accent1"/>
+          </a:fillRef>
+          <a:effectRef idx="0">
+            <a:schemeClr val="accent1"/>
+          </a:effectRef>
+          <a:fontRef idx="minor">
+            <a:schemeClr val="lt1"/>
+          </a:fontRef>
+        </p:style>
+        <p:txBody>
+          <a:bodyPr rtlCol="0" anchor="ctr"/>
+          <a:lstStyle/>
+          <a:p>
+            <a:pPr algn="ctr"/>
+            <a:r>
+              <a:rPr lang="en-US" sz="2800" dirty="0"/>
+              <a:t>Classes métiers</a:t>
+            </a:r>
+          </a:p>
+        </p:txBody>
+      </p:sp>
+      <p:cxnSp>
+        <p:nvCxnSpPr>
+          <p:cNvPr id="15" name="Connecteur droit avec flèche 14">
+            <a:extLst>
+              <a:ext uri="{FF2B5EF4-FFF2-40B4-BE49-F238E27FC236}">
+                <a16:creationId xmlns:a16="http://schemas.microsoft.com/office/drawing/2014/main" id="{0968BF41-3894-9D0D-2FCF-7E7FB6141ECC}"/>
+              </a:ext>
+            </a:extLst>
+          </p:cNvPr>
+          <p:cNvCxnSpPr>
+            <a:cxnSpLocks/>
+            <a:endCxn id="13" idx="0"/>
+          </p:cNvCxnSpPr>
+          <p:nvPr/>
+        </p:nvCxnSpPr>
+        <p:spPr>
+          <a:xfrm flipH="1">
+            <a:off x="2030824" y="2640668"/>
+            <a:ext cx="239213" cy="1646834"/>
+          </a:xfrm>
+          <a:prstGeom prst="straightConnector1">
+            <a:avLst/>
+          </a:prstGeom>
+          <a:ln w="25400">
+            <a:tailEnd type="triangle"/>
+          </a:ln>
+        </p:spPr>
+        <p:style>
+          <a:lnRef idx="1">
+            <a:schemeClr val="accent1"/>
+          </a:lnRef>
+          <a:fillRef idx="0">
+            <a:schemeClr val="accent1"/>
+          </a:fillRef>
+          <a:effectRef idx="0">
+            <a:schemeClr val="accent1"/>
+          </a:effectRef>
+          <a:fontRef idx="minor">
+            <a:schemeClr val="tx1"/>
+          </a:fontRef>
+        </p:style>
+      </p:cxnSp>
+      <p:cxnSp>
+        <p:nvCxnSpPr>
+          <p:cNvPr id="17" name="Connecteur droit avec flèche 16">
+            <a:extLst>
+              <a:ext uri="{FF2B5EF4-FFF2-40B4-BE49-F238E27FC236}">
+                <a16:creationId xmlns:a16="http://schemas.microsoft.com/office/drawing/2014/main" id="{DCA43F53-3FCC-0BD4-0679-D680C779B89F}"/>
+              </a:ext>
+            </a:extLst>
+          </p:cNvPr>
+          <p:cNvCxnSpPr>
+            <a:cxnSpLocks/>
+            <a:stCxn id="8" idx="4"/>
+            <a:endCxn id="12" idx="0"/>
+          </p:cNvCxnSpPr>
+          <p:nvPr/>
+        </p:nvCxnSpPr>
+        <p:spPr>
+          <a:xfrm>
+            <a:off x="2660894" y="2640668"/>
+            <a:ext cx="2007178" cy="1646834"/>
+          </a:xfrm>
+          <a:prstGeom prst="straightConnector1">
+            <a:avLst/>
+          </a:prstGeom>
+          <a:ln w="25400">
+            <a:tailEnd type="triangle"/>
+          </a:ln>
+        </p:spPr>
+        <p:style>
+          <a:lnRef idx="1">
+            <a:schemeClr val="accent1"/>
+          </a:lnRef>
+          <a:fillRef idx="0">
+            <a:schemeClr val="accent1"/>
+          </a:fillRef>
+          <a:effectRef idx="0">
+            <a:schemeClr val="accent1"/>
+          </a:effectRef>
+          <a:fontRef idx="minor">
+            <a:schemeClr val="tx1"/>
+          </a:fontRef>
+        </p:style>
+      </p:cxnSp>
+      <p:cxnSp>
+        <p:nvCxnSpPr>
+          <p:cNvPr id="20" name="Connecteur droit avec flèche 19">
+            <a:extLst>
+              <a:ext uri="{FF2B5EF4-FFF2-40B4-BE49-F238E27FC236}">
+                <a16:creationId xmlns:a16="http://schemas.microsoft.com/office/drawing/2014/main" id="{D749D38E-40C6-0FF2-C3F8-87329FBACFCF}"/>
+              </a:ext>
+            </a:extLst>
+          </p:cNvPr>
+          <p:cNvCxnSpPr>
+            <a:cxnSpLocks/>
+            <a:stCxn id="8" idx="5"/>
+            <a:endCxn id="11" idx="1"/>
+          </p:cNvCxnSpPr>
+          <p:nvPr/>
+        </p:nvCxnSpPr>
+        <p:spPr>
+          <a:xfrm>
+            <a:off x="3551948" y="2449963"/>
+            <a:ext cx="3418963" cy="2125571"/>
+          </a:xfrm>
+          <a:prstGeom prst="straightConnector1">
+            <a:avLst/>
+          </a:prstGeom>
+          <a:ln w="25400">
+            <a:tailEnd type="triangle"/>
+          </a:ln>
+        </p:spPr>
+        <p:style>
+          <a:lnRef idx="1">
+            <a:schemeClr val="accent1"/>
+          </a:lnRef>
+          <a:fillRef idx="0">
+            <a:schemeClr val="accent1"/>
+          </a:fillRef>
+          <a:effectRef idx="0">
+            <a:schemeClr val="accent1"/>
+          </a:effectRef>
+          <a:fontRef idx="minor">
+            <a:schemeClr val="tx1"/>
+          </a:fontRef>
+        </p:style>
+      </p:cxnSp>
+      <p:cxnSp>
+        <p:nvCxnSpPr>
+          <p:cNvPr id="23" name="Connecteur droit avec flèche 22">
+            <a:extLst>
+              <a:ext uri="{FF2B5EF4-FFF2-40B4-BE49-F238E27FC236}">
+                <a16:creationId xmlns:a16="http://schemas.microsoft.com/office/drawing/2014/main" id="{2CB9AE3E-92F3-EE17-F479-953B002B4CE4}"/>
+              </a:ext>
+            </a:extLst>
+          </p:cNvPr>
+          <p:cNvCxnSpPr>
+            <a:cxnSpLocks/>
+            <a:stCxn id="8" idx="6"/>
+            <a:endCxn id="10" idx="1"/>
+          </p:cNvCxnSpPr>
+          <p:nvPr/>
+        </p:nvCxnSpPr>
+        <p:spPr>
+          <a:xfrm>
+            <a:off x="3921034" y="1989560"/>
+            <a:ext cx="3033441" cy="1185090"/>
+          </a:xfrm>
+          <a:prstGeom prst="straightConnector1">
+            <a:avLst/>
+          </a:prstGeom>
+          <a:ln w="25400">
+            <a:tailEnd type="triangle"/>
+          </a:ln>
+        </p:spPr>
+        <p:style>
+          <a:lnRef idx="1">
+            <a:schemeClr val="accent1"/>
+          </a:lnRef>
+          <a:fillRef idx="0">
+            <a:schemeClr val="accent1"/>
+          </a:fillRef>
+          <a:effectRef idx="0">
+            <a:schemeClr val="accent1"/>
+          </a:effectRef>
+          <a:fontRef idx="minor">
+            <a:schemeClr val="tx1"/>
+          </a:fontRef>
+        </p:style>
+      </p:cxnSp>
+      <p:cxnSp>
+        <p:nvCxnSpPr>
+          <p:cNvPr id="26" name="Connecteur droit avec flèche 25">
+            <a:extLst>
+              <a:ext uri="{FF2B5EF4-FFF2-40B4-BE49-F238E27FC236}">
+                <a16:creationId xmlns:a16="http://schemas.microsoft.com/office/drawing/2014/main" id="{0EE1B23D-B02F-A845-834A-C0D143FBCCEA}"/>
+              </a:ext>
+            </a:extLst>
+          </p:cNvPr>
+          <p:cNvCxnSpPr>
+            <a:cxnSpLocks/>
+            <a:stCxn id="8" idx="7"/>
+            <a:endCxn id="9" idx="1"/>
+          </p:cNvCxnSpPr>
+          <p:nvPr/>
+        </p:nvCxnSpPr>
+        <p:spPr>
+          <a:xfrm>
+            <a:off x="3551948" y="1529157"/>
+            <a:ext cx="3418963" cy="244609"/>
+          </a:xfrm>
+          <a:prstGeom prst="straightConnector1">
+            <a:avLst/>
+          </a:prstGeom>
+          <a:ln w="25400">
+            <a:tailEnd type="triangle"/>
+          </a:ln>
+        </p:spPr>
+        <p:style>
+          <a:lnRef idx="1">
+            <a:schemeClr val="accent1"/>
+          </a:lnRef>
+          <a:fillRef idx="0">
+            <a:schemeClr val="accent1"/>
+          </a:fillRef>
+          <a:effectRef idx="0">
+            <a:schemeClr val="accent1"/>
+          </a:effectRef>
+          <a:fontRef idx="minor">
+            <a:schemeClr val="tx1"/>
+          </a:fontRef>
+        </p:style>
+      </p:cxnSp>
+      <p:sp>
+        <p:nvSpPr>
+          <p:cNvPr id="24" name="Espace réservé du numéro de diapositive 23">
+            <a:extLst>
+              <a:ext uri="{FF2B5EF4-FFF2-40B4-BE49-F238E27FC236}">
+                <a16:creationId xmlns:a16="http://schemas.microsoft.com/office/drawing/2014/main" id="{5ECFCA56-8158-64A6-E820-CBF4C9B055EC}"/>
+              </a:ext>
+            </a:extLst>
+          </p:cNvPr>
+          <p:cNvSpPr>
+            <a:spLocks noGrp="1"/>
+          </p:cNvSpPr>
+          <p:nvPr>
+            <p:ph type="sldNum" sz="quarter" idx="12"/>
           </p:nvPr>
         </p:nvSpPr>
         <p:spPr/>
         <p:txBody>
-          <a:bodyPr rtlCol="0"/>
+          <a:bodyPr/>
           <a:lstStyle/>
           <a:p>
-            <a:pPr rtl="0"/>
-            <a:endParaRPr lang="fr-FR" dirty="0"/>
+            <a:pPr algn="r"/>
+            <a:fld id="{C014DD1E-5D91-48A3-AD6D-45FBA980D106}" type="slidenum">
+              <a:rPr lang="fr-FR" sz="2400" smtClean="0"/>
+              <a:pPr algn="r"/>
+              <a:t>6</a:t>
+            </a:fld>
+            <a:endParaRPr lang="fr-FR" sz="2400" dirty="0"/>
+          </a:p>
+        </p:txBody>
+      </p:sp>
+      <p:sp>
+        <p:nvSpPr>
+          <p:cNvPr id="3" name="ZoneTexte 2">
+            <a:extLst>
+              <a:ext uri="{FF2B5EF4-FFF2-40B4-BE49-F238E27FC236}">
+                <a16:creationId xmlns:a16="http://schemas.microsoft.com/office/drawing/2014/main" id="{35180A56-6F92-B8D6-8379-F9DA96A28DEA}"/>
+              </a:ext>
+            </a:extLst>
+          </p:cNvPr>
+          <p:cNvSpPr txBox="1"/>
+          <p:nvPr/>
+        </p:nvSpPr>
+        <p:spPr>
+          <a:xfrm>
+            <a:off x="4798268" y="6015694"/>
+            <a:ext cx="2592288" cy="523220"/>
+          </a:xfrm>
+          <a:prstGeom prst="rect">
+            <a:avLst/>
+          </a:prstGeom>
+          <a:noFill/>
+        </p:spPr>
+        <p:txBody>
+          <a:bodyPr wrap="square" rtlCol="0">
+            <a:spAutoFit/>
+          </a:bodyPr>
+          <a:lstStyle/>
+          <a:p>
+            <a:r>
+              <a:rPr lang="en-US" sz="2800" dirty="0"/>
+              <a:t>Simon ARMAND</a:t>
+            </a:r>
           </a:p>
         </p:txBody>
       </p:sp>
     </p:spTree>
     <p:extLst>
       <p:ext uri="{BB962C8B-B14F-4D97-AF65-F5344CB8AC3E}">
-        <p14:creationId xmlns:p14="http://schemas.microsoft.com/office/powerpoint/2010/main" val="4264977537"/>
+        <p14:creationId xmlns:p14="http://schemas.microsoft.com/office/powerpoint/2010/main" val="507200849"/>
       </p:ext>
     </p:extLst>
   </p:cSld>
   <p:clrMapOvr>
     <a:masterClrMapping/>
   </p:clrMapOvr>
-  <mc:AlternateContent xmlns:mc="http://schemas.openxmlformats.org/markup-compatibility/2006" xmlns:p14="http://schemas.microsoft.com/office/powerpoint/2010/main">
-    <mc:Choice Requires="p14">
+  <mc:AlternateContent xmlns:mc="http://schemas.openxmlformats.org/markup-compatibility/2006">
+    <mc:Choice xmlns:p14="http://schemas.microsoft.com/office/powerpoint/2010/main" Requires="p14">
       <p:transition spd="med" p14:dur="700">
         <p:fade/>
       </p:transition>
     </mc:Choice>
-    <mc:Fallback xmlns="">
+    <mc:Fallback>
       <p:transition spd="med">
         <p:fade/>
       </p:transition>
@@ -12401,7 +10089,7 @@
       </p:grpSpPr>
       <p:sp>
         <p:nvSpPr>
-          <p:cNvPr id="7" name="Titre 6"/>
+          <p:cNvPr id="2" name="Titre 1"/>
           <p:cNvSpPr>
             <a:spLocks noGrp="1"/>
           </p:cNvSpPr>
@@ -12409,103 +10097,143 @@
             <p:ph type="title"/>
           </p:nvPr>
         </p:nvSpPr>
+        <p:spPr>
+          <a:xfrm>
+            <a:off x="1197868" y="332656"/>
+            <a:ext cx="7992887" cy="805904"/>
+          </a:xfrm>
+        </p:spPr>
+        <p:txBody>
+          <a:bodyPr rtlCol="0">
+            <a:noAutofit/>
+          </a:bodyPr>
+          <a:lstStyle/>
+          <a:p>
+            <a:pPr rtl="0"/>
+            <a:r>
+              <a:rPr lang="fr-FR" sz="5400" dirty="0"/>
+              <a:t>Démonstration vidéo</a:t>
+            </a:r>
+          </a:p>
+        </p:txBody>
+      </p:sp>
+      <p:pic>
+        <p:nvPicPr>
+          <p:cNvPr id="2050" name="Picture 2">
+            <a:extLst>
+              <a:ext uri="{FF2B5EF4-FFF2-40B4-BE49-F238E27FC236}">
+                <a16:creationId xmlns:a16="http://schemas.microsoft.com/office/drawing/2014/main" id="{43CB6660-036B-A601-9181-1F90E3AFCCB4}"/>
+              </a:ext>
+            </a:extLst>
+          </p:cNvPr>
+          <p:cNvPicPr>
+            <a:picLocks noChangeAspect="1" noChangeArrowheads="1"/>
+          </p:cNvPicPr>
+          <p:nvPr/>
+        </p:nvPicPr>
+        <p:blipFill>
+          <a:blip r:embed="rId3">
+            <a:extLst>
+              <a:ext uri="{28A0092B-C50C-407E-A947-70E740481C1C}">
+                <a14:useLocalDpi xmlns:a14="http://schemas.microsoft.com/office/drawing/2010/main" val="0"/>
+              </a:ext>
+            </a:extLst>
+          </a:blip>
+          <a:srcRect/>
+          <a:stretch>
+            <a:fillRect/>
+          </a:stretch>
+        </p:blipFill>
+        <p:spPr bwMode="auto">
+          <a:xfrm>
+            <a:off x="1341884" y="1268760"/>
+            <a:ext cx="8295728" cy="5117456"/>
+          </a:xfrm>
+          <a:prstGeom prst="rect">
+            <a:avLst/>
+          </a:prstGeom>
+          <a:noFill/>
+          <a:extLst>
+            <a:ext uri="{909E8E84-426E-40DD-AFC4-6F175D3DCCD1}">
+              <a14:hiddenFill xmlns:a14="http://schemas.microsoft.com/office/drawing/2010/main">
+                <a:solidFill>
+                  <a:srgbClr val="FFFFFF"/>
+                </a:solidFill>
+              </a14:hiddenFill>
+            </a:ext>
+          </a:extLst>
+        </p:spPr>
+      </p:pic>
+      <p:sp>
+        <p:nvSpPr>
+          <p:cNvPr id="3" name="Espace réservé du numéro de diapositive 2">
+            <a:extLst>
+              <a:ext uri="{FF2B5EF4-FFF2-40B4-BE49-F238E27FC236}">
+                <a16:creationId xmlns:a16="http://schemas.microsoft.com/office/drawing/2014/main" id="{58D8540C-DD8F-7035-56F0-7E32ADE10CDB}"/>
+              </a:ext>
+            </a:extLst>
+          </p:cNvPr>
+          <p:cNvSpPr>
+            <a:spLocks noGrp="1"/>
+          </p:cNvSpPr>
+          <p:nvPr>
+            <p:ph type="sldNum" sz="quarter" idx="12"/>
+          </p:nvPr>
+        </p:nvSpPr>
         <p:spPr/>
         <p:txBody>
-          <a:bodyPr rtlCol="0"/>
+          <a:bodyPr/>
           <a:lstStyle/>
           <a:p>
-            <a:pPr rtl="0"/>
-            <a:r>
-              <a:rPr lang="fr-FR" dirty="0"/>
-              <a:t>Ajouter un titre de diapositive - 2</a:t>
-            </a:r>
-          </a:p>
-        </p:txBody>
-      </p:sp>
-      <p:sp>
-        <p:nvSpPr>
-          <p:cNvPr id="8" name="Espace réservé du texte 7"/>
-          <p:cNvSpPr>
-            <a:spLocks noGrp="1"/>
-          </p:cNvSpPr>
-          <p:nvPr>
-            <p:ph type="body" idx="1"/>
-          </p:nvPr>
-        </p:nvSpPr>
-        <p:spPr/>
-        <p:txBody>
-          <a:bodyPr rtlCol="0"/>
+            <a:pPr algn="r"/>
+            <a:fld id="{C014DD1E-5D91-48A3-AD6D-45FBA980D106}" type="slidenum">
+              <a:rPr lang="fr-FR" sz="2400" smtClean="0"/>
+              <a:pPr algn="r"/>
+              <a:t>7</a:t>
+            </a:fld>
+            <a:endParaRPr lang="fr-FR" sz="2400" dirty="0"/>
+          </a:p>
+        </p:txBody>
+      </p:sp>
+      <p:sp>
+        <p:nvSpPr>
+          <p:cNvPr id="4" name="ZoneTexte 3">
+            <a:extLst>
+              <a:ext uri="{FF2B5EF4-FFF2-40B4-BE49-F238E27FC236}">
+                <a16:creationId xmlns:a16="http://schemas.microsoft.com/office/drawing/2014/main" id="{0559E7EC-0DCE-DCAA-32BF-8AA77E290819}"/>
+              </a:ext>
+            </a:extLst>
+          </p:cNvPr>
+          <p:cNvSpPr txBox="1"/>
+          <p:nvPr/>
+        </p:nvSpPr>
+        <p:spPr>
+          <a:xfrm>
+            <a:off x="4798268" y="6015694"/>
+            <a:ext cx="2880320" cy="523220"/>
+          </a:xfrm>
+          <a:prstGeom prst="rect">
+            <a:avLst/>
+          </a:prstGeom>
+          <a:noFill/>
+        </p:spPr>
+        <p:txBody>
+          <a:bodyPr wrap="square" rtlCol="0">
+            <a:spAutoFit/>
+          </a:bodyPr>
           <a:lstStyle/>
           <a:p>
-            <a:pPr rtl="0"/>
-            <a:endParaRPr lang="fr-FR" dirty="0"/>
-          </a:p>
-        </p:txBody>
-      </p:sp>
-      <p:sp>
-        <p:nvSpPr>
-          <p:cNvPr id="10" name="Espace réservé du contenu 9"/>
-          <p:cNvSpPr>
-            <a:spLocks noGrp="1"/>
-          </p:cNvSpPr>
-          <p:nvPr>
-            <p:ph sz="half" idx="2"/>
-          </p:nvPr>
-        </p:nvSpPr>
-        <p:spPr/>
-        <p:txBody>
-          <a:bodyPr rtlCol="0"/>
-          <a:lstStyle/>
-          <a:p>
-            <a:pPr rtl="0"/>
-            <a:endParaRPr lang="fr-FR" dirty="0"/>
-          </a:p>
-        </p:txBody>
-      </p:sp>
-      <p:sp>
-        <p:nvSpPr>
-          <p:cNvPr id="9" name="Espace réservé du texte 8"/>
-          <p:cNvSpPr>
-            <a:spLocks noGrp="1"/>
-          </p:cNvSpPr>
-          <p:nvPr>
-            <p:ph type="body" sz="quarter" idx="3"/>
-          </p:nvPr>
-        </p:nvSpPr>
-        <p:spPr/>
-        <p:txBody>
-          <a:bodyPr rtlCol="0"/>
-          <a:lstStyle/>
-          <a:p>
-            <a:pPr rtl="0"/>
-            <a:endParaRPr lang="fr-FR" dirty="0"/>
-          </a:p>
-        </p:txBody>
-      </p:sp>
-      <p:sp>
-        <p:nvSpPr>
-          <p:cNvPr id="11" name="Espace réservé du contenu 10"/>
-          <p:cNvSpPr>
-            <a:spLocks noGrp="1"/>
-          </p:cNvSpPr>
-          <p:nvPr>
-            <p:ph sz="quarter" idx="4"/>
-          </p:nvPr>
-        </p:nvSpPr>
-        <p:spPr/>
-        <p:txBody>
-          <a:bodyPr rtlCol="0"/>
-          <a:lstStyle/>
-          <a:p>
-            <a:pPr rtl="0"/>
-            <a:endParaRPr lang="fr-FR" dirty="0"/>
+            <a:r>
+              <a:rPr lang="en-US" sz="2800" dirty="0"/>
+              <a:t>Christian GIKAPA</a:t>
+            </a:r>
           </a:p>
         </p:txBody>
       </p:sp>
     </p:spTree>
     <p:extLst>
       <p:ext uri="{BB962C8B-B14F-4D97-AF65-F5344CB8AC3E}">
-        <p14:creationId xmlns:p14="http://schemas.microsoft.com/office/powerpoint/2010/main" val="2672039197"/>
+        <p14:creationId xmlns:p14="http://schemas.microsoft.com/office/powerpoint/2010/main" val="4123189245"/>
       </p:ext>
     </p:extLst>
   </p:cSld>
@@ -12546,7 +10274,7 @@
       </p:grpSpPr>
       <p:sp>
         <p:nvSpPr>
-          <p:cNvPr id="3" name="Titre 2"/>
+          <p:cNvPr id="7" name="Titre 6"/>
           <p:cNvSpPr>
             <a:spLocks noGrp="1"/>
           </p:cNvSpPr>
@@ -12556,13 +10284,180 @@
         </p:nvSpPr>
         <p:spPr/>
         <p:txBody>
-          <a:bodyPr rtlCol="0"/>
+          <a:bodyPr rtlCol="0">
+            <a:normAutofit/>
+          </a:bodyPr>
           <a:lstStyle/>
           <a:p>
             <a:pPr rtl="0"/>
             <a:r>
-              <a:rPr lang="fr-FR" dirty="0"/>
-              <a:t>Ajouter un titre de diapositive - 3</a:t>
+              <a:rPr lang="fr-FR" sz="5400" dirty="0"/>
+              <a:t>Résultat de chaque US</a:t>
+            </a:r>
+          </a:p>
+        </p:txBody>
+      </p:sp>
+      <p:sp>
+        <p:nvSpPr>
+          <p:cNvPr id="4" name="ZoneTexte 3">
+            <a:extLst>
+              <a:ext uri="{FF2B5EF4-FFF2-40B4-BE49-F238E27FC236}">
+                <a16:creationId xmlns:a16="http://schemas.microsoft.com/office/drawing/2014/main" id="{04AF9B3D-986F-3D1A-AB4F-C6F5665C4394}"/>
+              </a:ext>
+            </a:extLst>
+          </p:cNvPr>
+          <p:cNvSpPr txBox="1"/>
+          <p:nvPr/>
+        </p:nvSpPr>
+        <p:spPr>
+          <a:xfrm>
+            <a:off x="2302339" y="1844824"/>
+            <a:ext cx="7584145" cy="2308324"/>
+          </a:xfrm>
+          <a:prstGeom prst="rect">
+            <a:avLst/>
+          </a:prstGeom>
+          <a:noFill/>
+        </p:spPr>
+        <p:txBody>
+          <a:bodyPr wrap="square">
+            <a:spAutoFit/>
+          </a:bodyPr>
+          <a:lstStyle/>
+          <a:p>
+            <a:pPr marL="342900" indent="-342900">
+              <a:buFont typeface="Wingdings" panose="05000000000000000000" pitchFamily="2" charset="2"/>
+              <a:buChar char="ü"/>
+            </a:pPr>
+            <a:r>
+              <a:rPr lang="en-US" dirty="0"/>
+              <a:t>Identification</a:t>
+            </a:r>
+          </a:p>
+          <a:p>
+            <a:pPr marL="342900" indent="-342900">
+              <a:buFont typeface="Wingdings" panose="05000000000000000000" pitchFamily="2" charset="2"/>
+              <a:buChar char="ü"/>
+            </a:pPr>
+            <a:r>
+              <a:rPr lang="en-US" dirty="0"/>
+              <a:t>Gestion</a:t>
+            </a:r>
+          </a:p>
+          <a:p>
+            <a:pPr marL="952393" lvl="1" indent="-342900">
+              <a:buFont typeface="Wingdings" panose="05000000000000000000" pitchFamily="2" charset="2"/>
+              <a:buChar char="ü"/>
+            </a:pPr>
+            <a:r>
+              <a:rPr lang="en-US" dirty="0" err="1"/>
+              <a:t>Tournois</a:t>
+            </a:r>
+            <a:endParaRPr lang="en-US" dirty="0"/>
+          </a:p>
+          <a:p>
+            <a:pPr marL="952393" lvl="1" indent="-342900">
+              <a:buFont typeface="Wingdings" panose="05000000000000000000" pitchFamily="2" charset="2"/>
+              <a:buChar char="ü"/>
+            </a:pPr>
+            <a:r>
+              <a:rPr lang="en-US" dirty="0"/>
+              <a:t>Equipes</a:t>
+            </a:r>
+          </a:p>
+          <a:p>
+            <a:pPr marL="952393" lvl="1" indent="-342900">
+              <a:buFont typeface="Wingdings" panose="05000000000000000000" pitchFamily="2" charset="2"/>
+              <a:buChar char="ü"/>
+            </a:pPr>
+            <a:r>
+              <a:rPr lang="en-US" dirty="0" err="1"/>
+              <a:t>Saisons</a:t>
+            </a:r>
+            <a:endParaRPr lang="en-US" dirty="0"/>
+          </a:p>
+          <a:p>
+            <a:pPr marL="342900" indent="-342900">
+              <a:buFont typeface="Wingdings" panose="05000000000000000000" pitchFamily="2" charset="2"/>
+              <a:buChar char="ü"/>
+            </a:pPr>
+            <a:r>
+              <a:rPr lang="en-US" dirty="0"/>
+              <a:t>Consultation </a:t>
+            </a:r>
+            <a:r>
+              <a:rPr lang="en-US" dirty="0" err="1"/>
+              <a:t>classement</a:t>
+            </a:r>
+            <a:r>
+              <a:rPr lang="en-US" dirty="0"/>
+              <a:t> (+impression)</a:t>
+            </a:r>
+          </a:p>
+        </p:txBody>
+      </p:sp>
+      <p:sp>
+        <p:nvSpPr>
+          <p:cNvPr id="5" name="Espace réservé du numéro de diapositive 4">
+            <a:extLst>
+              <a:ext uri="{FF2B5EF4-FFF2-40B4-BE49-F238E27FC236}">
+                <a16:creationId xmlns:a16="http://schemas.microsoft.com/office/drawing/2014/main" id="{CBDDD67C-066F-B763-E526-AA2B687DF7E7}"/>
+              </a:ext>
+            </a:extLst>
+          </p:cNvPr>
+          <p:cNvSpPr>
+            <a:spLocks noGrp="1"/>
+          </p:cNvSpPr>
+          <p:nvPr>
+            <p:ph type="sldNum" sz="quarter" idx="12"/>
+          </p:nvPr>
+        </p:nvSpPr>
+        <p:spPr/>
+        <p:txBody>
+          <a:bodyPr/>
+          <a:lstStyle/>
+          <a:p>
+            <a:pPr algn="r"/>
+            <a:fld id="{C014DD1E-5D91-48A3-AD6D-45FBA980D106}" type="slidenum">
+              <a:rPr lang="fr-FR" sz="2400" smtClean="0"/>
+              <a:pPr algn="r"/>
+              <a:t>8</a:t>
+            </a:fld>
+            <a:endParaRPr lang="fr-FR" sz="2400" dirty="0"/>
+          </a:p>
+        </p:txBody>
+      </p:sp>
+      <p:sp>
+        <p:nvSpPr>
+          <p:cNvPr id="2" name="ZoneTexte 1">
+            <a:extLst>
+              <a:ext uri="{FF2B5EF4-FFF2-40B4-BE49-F238E27FC236}">
+                <a16:creationId xmlns:a16="http://schemas.microsoft.com/office/drawing/2014/main" id="{B357EAE3-736F-3EA0-BB23-86EEEEA80A23}"/>
+              </a:ext>
+            </a:extLst>
+          </p:cNvPr>
+          <p:cNvSpPr txBox="1"/>
+          <p:nvPr/>
+        </p:nvSpPr>
+        <p:spPr>
+          <a:xfrm>
+            <a:off x="4798268" y="6015694"/>
+            <a:ext cx="2952328" cy="523220"/>
+          </a:xfrm>
+          <a:prstGeom prst="rect">
+            <a:avLst/>
+          </a:prstGeom>
+          <a:noFill/>
+        </p:spPr>
+        <p:txBody>
+          <a:bodyPr wrap="square" rtlCol="0">
+            <a:spAutoFit/>
+          </a:bodyPr>
+          <a:lstStyle/>
+          <a:p>
+            <a:r>
+              <a:rPr lang="en-US" sz="2800" dirty="0"/>
+              <a:t>Sofia GRIBANOVA</a:t>
             </a:r>
           </a:p>
         </p:txBody>
@@ -12570,20 +10465,20 @@
     </p:spTree>
     <p:extLst>
       <p:ext uri="{BB962C8B-B14F-4D97-AF65-F5344CB8AC3E}">
-        <p14:creationId xmlns:p14="http://schemas.microsoft.com/office/powerpoint/2010/main" val="397710800"/>
+        <p14:creationId xmlns:p14="http://schemas.microsoft.com/office/powerpoint/2010/main" val="3571138849"/>
       </p:ext>
     </p:extLst>
   </p:cSld>
   <p:clrMapOvr>
     <a:masterClrMapping/>
   </p:clrMapOvr>
-  <mc:AlternateContent xmlns:mc="http://schemas.openxmlformats.org/markup-compatibility/2006" xmlns:p14="http://schemas.microsoft.com/office/powerpoint/2010/main">
-    <mc:Choice Requires="p14">
+  <mc:AlternateContent xmlns:mc="http://schemas.openxmlformats.org/markup-compatibility/2006">
+    <mc:Choice xmlns:p14="http://schemas.microsoft.com/office/powerpoint/2010/main" Requires="p14">
       <p:transition spd="med" p14:dur="700">
         <p:fade/>
       </p:transition>
     </mc:Choice>
-    <mc:Fallback xmlns="">
+    <mc:Fallback>
       <p:transition spd="med">
         <p:fade/>
       </p:transition>
@@ -12609,23 +10504,264 @@
           <a:chExt cx="0" cy="0"/>
         </a:xfrm>
       </p:grpSpPr>
+      <p:sp>
+        <p:nvSpPr>
+          <p:cNvPr id="7" name="Titre 6"/>
+          <p:cNvSpPr>
+            <a:spLocks noGrp="1"/>
+          </p:cNvSpPr>
+          <p:nvPr>
+            <p:ph type="title"/>
+          </p:nvPr>
+        </p:nvSpPr>
+        <p:spPr/>
+        <p:txBody>
+          <a:bodyPr rtlCol="0">
+            <a:normAutofit/>
+          </a:bodyPr>
+          <a:lstStyle/>
+          <a:p>
+            <a:pPr rtl="0"/>
+            <a:r>
+              <a:rPr lang="fr-FR" sz="5400" dirty="0"/>
+              <a:t>Résultat de chaque US</a:t>
+            </a:r>
+          </a:p>
+        </p:txBody>
+      </p:sp>
+      <p:sp>
+        <p:nvSpPr>
+          <p:cNvPr id="4" name="ZoneTexte 3">
+            <a:extLst>
+              <a:ext uri="{FF2B5EF4-FFF2-40B4-BE49-F238E27FC236}">
+                <a16:creationId xmlns:a16="http://schemas.microsoft.com/office/drawing/2014/main" id="{04AF9B3D-986F-3D1A-AB4F-C6F5665C4394}"/>
+              </a:ext>
+            </a:extLst>
+          </p:cNvPr>
+          <p:cNvSpPr txBox="1"/>
+          <p:nvPr/>
+        </p:nvSpPr>
+        <p:spPr>
+          <a:xfrm>
+            <a:off x="2302339" y="1844824"/>
+            <a:ext cx="7584145" cy="3785652"/>
+          </a:xfrm>
+          <a:prstGeom prst="rect">
+            <a:avLst/>
+          </a:prstGeom>
+          <a:noFill/>
+        </p:spPr>
+        <p:txBody>
+          <a:bodyPr wrap="square">
+            <a:spAutoFit/>
+          </a:bodyPr>
+          <a:lstStyle/>
+          <a:p>
+            <a:pPr marL="342900" indent="-342900">
+              <a:buFont typeface="Wingdings" panose="05000000000000000000" pitchFamily="2" charset="2"/>
+              <a:buChar char="ü"/>
+            </a:pPr>
+            <a:r>
+              <a:rPr lang="en-US" dirty="0"/>
+              <a:t>Identification</a:t>
+            </a:r>
+          </a:p>
+          <a:p>
+            <a:pPr marL="342900" indent="-342900">
+              <a:buFont typeface="Wingdings" panose="05000000000000000000" pitchFamily="2" charset="2"/>
+              <a:buChar char="ü"/>
+            </a:pPr>
+            <a:r>
+              <a:rPr lang="en-US" dirty="0"/>
+              <a:t>Gestion</a:t>
+            </a:r>
+          </a:p>
+          <a:p>
+            <a:pPr marL="952393" lvl="1" indent="-342900">
+              <a:buFont typeface="Wingdings" panose="05000000000000000000" pitchFamily="2" charset="2"/>
+              <a:buChar char="ü"/>
+            </a:pPr>
+            <a:r>
+              <a:rPr lang="en-US" dirty="0" err="1"/>
+              <a:t>Tournois</a:t>
+            </a:r>
+            <a:endParaRPr lang="en-US" dirty="0"/>
+          </a:p>
+          <a:p>
+            <a:pPr marL="952393" lvl="1" indent="-342900">
+              <a:buFont typeface="Wingdings" panose="05000000000000000000" pitchFamily="2" charset="2"/>
+              <a:buChar char="ü"/>
+            </a:pPr>
+            <a:r>
+              <a:rPr lang="en-US" dirty="0"/>
+              <a:t>Equipes</a:t>
+            </a:r>
+          </a:p>
+          <a:p>
+            <a:pPr marL="952393" lvl="1" indent="-342900">
+              <a:buFont typeface="Wingdings" panose="05000000000000000000" pitchFamily="2" charset="2"/>
+              <a:buChar char="ü"/>
+            </a:pPr>
+            <a:r>
+              <a:rPr lang="en-US" dirty="0" err="1"/>
+              <a:t>Saisons</a:t>
+            </a:r>
+            <a:endParaRPr lang="en-US" dirty="0"/>
+          </a:p>
+          <a:p>
+            <a:pPr marL="342900" indent="-342900">
+              <a:buFont typeface="Wingdings" panose="05000000000000000000" pitchFamily="2" charset="2"/>
+              <a:buChar char="ü"/>
+            </a:pPr>
+            <a:r>
+              <a:rPr lang="en-US" dirty="0"/>
+              <a:t>Consultation </a:t>
+            </a:r>
+            <a:r>
+              <a:rPr lang="en-US" dirty="0" err="1"/>
+              <a:t>classement</a:t>
+            </a:r>
+            <a:r>
+              <a:rPr lang="en-US" dirty="0"/>
+              <a:t> (+impression)</a:t>
+            </a:r>
+          </a:p>
+          <a:p>
+            <a:endParaRPr lang="en-US" dirty="0"/>
+          </a:p>
+          <a:p>
+            <a:endParaRPr lang="en-US" dirty="0"/>
+          </a:p>
+          <a:p>
+            <a:pPr marL="342900" indent="-342900">
+              <a:buFont typeface="Calibri" panose="020F0502020204030204" pitchFamily="34" charset="0"/>
+              <a:buChar char="x"/>
+            </a:pPr>
+            <a:r>
+              <a:rPr lang="en-US" dirty="0" err="1"/>
+              <a:t>Création</a:t>
+            </a:r>
+            <a:r>
+              <a:rPr lang="en-US" dirty="0"/>
+              <a:t> de </a:t>
+            </a:r>
+            <a:r>
+              <a:rPr lang="en-US" dirty="0" err="1"/>
+              <a:t>tournoi</a:t>
+            </a:r>
+            <a:r>
+              <a:rPr lang="en-US" dirty="0"/>
+              <a:t> à </a:t>
+            </a:r>
+            <a:r>
+              <a:rPr lang="en-US" dirty="0" err="1"/>
+              <a:t>plusieurs</a:t>
+            </a:r>
+            <a:r>
+              <a:rPr lang="en-US" dirty="0"/>
+              <a:t> </a:t>
+            </a:r>
+            <a:r>
+              <a:rPr lang="en-US" dirty="0" err="1"/>
+              <a:t>poules</a:t>
+            </a:r>
+            <a:endParaRPr lang="en-US" dirty="0"/>
+          </a:p>
+          <a:p>
+            <a:pPr marL="342900" indent="-342900">
+              <a:buFont typeface="Calibri" panose="020F0502020204030204" pitchFamily="34" charset="0"/>
+              <a:buChar char="x"/>
+            </a:pPr>
+            <a:r>
+              <a:rPr lang="en-US" dirty="0"/>
+              <a:t>Import de données au format xlsx</a:t>
+            </a:r>
+          </a:p>
+        </p:txBody>
+      </p:sp>
+      <p:sp>
+        <p:nvSpPr>
+          <p:cNvPr id="5" name="Espace réservé du numéro de diapositive 4">
+            <a:extLst>
+              <a:ext uri="{FF2B5EF4-FFF2-40B4-BE49-F238E27FC236}">
+                <a16:creationId xmlns:a16="http://schemas.microsoft.com/office/drawing/2014/main" id="{CBDDD67C-066F-B763-E526-AA2B687DF7E7}"/>
+              </a:ext>
+            </a:extLst>
+          </p:cNvPr>
+          <p:cNvSpPr>
+            <a:spLocks noGrp="1"/>
+          </p:cNvSpPr>
+          <p:nvPr>
+            <p:ph type="sldNum" sz="quarter" idx="12"/>
+          </p:nvPr>
+        </p:nvSpPr>
+        <p:spPr/>
+        <p:txBody>
+          <a:bodyPr/>
+          <a:lstStyle/>
+          <a:p>
+            <a:pPr algn="r"/>
+            <a:fld id="{C014DD1E-5D91-48A3-AD6D-45FBA980D106}" type="slidenum">
+              <a:rPr lang="fr-FR" sz="2400" smtClean="0"/>
+              <a:pPr algn="r"/>
+              <a:t>9</a:t>
+            </a:fld>
+            <a:endParaRPr lang="fr-FR" sz="2400" dirty="0"/>
+          </a:p>
+        </p:txBody>
+      </p:sp>
+      <p:sp>
+        <p:nvSpPr>
+          <p:cNvPr id="2" name="ZoneTexte 1">
+            <a:extLst>
+              <a:ext uri="{FF2B5EF4-FFF2-40B4-BE49-F238E27FC236}">
+                <a16:creationId xmlns:a16="http://schemas.microsoft.com/office/drawing/2014/main" id="{5D0BA436-50AC-CFF1-BC1B-1592C960E02A}"/>
+              </a:ext>
+            </a:extLst>
+          </p:cNvPr>
+          <p:cNvSpPr txBox="1"/>
+          <p:nvPr/>
+        </p:nvSpPr>
+        <p:spPr>
+          <a:xfrm>
+            <a:off x="4798268" y="6015694"/>
+            <a:ext cx="3024336" cy="523220"/>
+          </a:xfrm>
+          <a:prstGeom prst="rect">
+            <a:avLst/>
+          </a:prstGeom>
+          <a:noFill/>
+        </p:spPr>
+        <p:txBody>
+          <a:bodyPr wrap="square" rtlCol="0">
+            <a:spAutoFit/>
+          </a:bodyPr>
+          <a:lstStyle/>
+          <a:p>
+            <a:r>
+              <a:rPr lang="en-US" sz="2800" dirty="0"/>
+              <a:t>Sofia GRIBANOVA</a:t>
+            </a:r>
+          </a:p>
+        </p:txBody>
+      </p:sp>
     </p:spTree>
     <p:extLst>
       <p:ext uri="{BB962C8B-B14F-4D97-AF65-F5344CB8AC3E}">
-        <p14:creationId xmlns:p14="http://schemas.microsoft.com/office/powerpoint/2010/main" val="1405850135"/>
+        <p14:creationId xmlns:p14="http://schemas.microsoft.com/office/powerpoint/2010/main" val="1240431336"/>
       </p:ext>
     </p:extLst>
   </p:cSld>
   <p:clrMapOvr>
     <a:masterClrMapping/>
   </p:clrMapOvr>
-  <mc:AlternateContent xmlns:mc="http://schemas.openxmlformats.org/markup-compatibility/2006" xmlns:p14="http://schemas.microsoft.com/office/powerpoint/2010/main">
-    <mc:Choice Requires="p14">
+  <mc:AlternateContent xmlns:mc="http://schemas.openxmlformats.org/markup-compatibility/2006">
+    <mc:Choice xmlns:p14="http://schemas.microsoft.com/office/powerpoint/2010/main" Requires="p14">
       <p:transition spd="med" p14:dur="700">
         <p:fade/>
       </p:transition>
     </mc:Choice>
-    <mc:Fallback xmlns="">
+    <mc:Fallback>
       <p:transition spd="med">
         <p:fade/>
       </p:transition>

--- a/TESM E-Sporter Manager.pptx
+++ b/TESM E-Sporter Manager.pptx
@@ -7242,10 +7242,10 @@
       </p:sp>
       <p:sp>
         <p:nvSpPr>
-          <p:cNvPr id="5" name="ZoneTexte 4">
+          <p:cNvPr id="4" name="ZoneTexte 3">
             <a:extLst>
               <a:ext uri="{FF2B5EF4-FFF2-40B4-BE49-F238E27FC236}">
-                <a16:creationId xmlns:a16="http://schemas.microsoft.com/office/drawing/2014/main" id="{1F37CFFB-FB7B-72CF-1200-530604028B94}"/>
+                <a16:creationId xmlns:a16="http://schemas.microsoft.com/office/drawing/2014/main" id="{2F9B3FF2-A10F-B891-0F26-C9659CCD6781}"/>
               </a:ext>
             </a:extLst>
           </p:cNvPr>
@@ -7254,7 +7254,7 @@
         </p:nvSpPr>
         <p:spPr>
           <a:xfrm>
-            <a:off x="1090536" y="1981443"/>
+            <a:off x="1090536" y="2077682"/>
             <a:ext cx="6083996" cy="523220"/>
           </a:xfrm>
           <a:prstGeom prst="rect">
@@ -7387,53 +7387,6 @@
       </p:sp>
       <p:sp>
         <p:nvSpPr>
-          <p:cNvPr id="5" name="ZoneTexte 4">
-            <a:extLst>
-              <a:ext uri="{FF2B5EF4-FFF2-40B4-BE49-F238E27FC236}">
-                <a16:creationId xmlns:a16="http://schemas.microsoft.com/office/drawing/2014/main" id="{1F37CFFB-FB7B-72CF-1200-530604028B94}"/>
-              </a:ext>
-            </a:extLst>
-          </p:cNvPr>
-          <p:cNvSpPr txBox="1"/>
-          <p:nvPr/>
-        </p:nvSpPr>
-        <p:spPr>
-          <a:xfrm>
-            <a:off x="1090536" y="1981443"/>
-            <a:ext cx="6083996" cy="523220"/>
-          </a:xfrm>
-          <a:prstGeom prst="rect">
-            <a:avLst/>
-          </a:prstGeom>
-          <a:noFill/>
-        </p:spPr>
-        <p:txBody>
-          <a:bodyPr wrap="square" rtlCol="0">
-            <a:spAutoFit/>
-          </a:bodyPr>
-          <a:lstStyle/>
-          <a:p>
-            <a:r>
-              <a:rPr lang="en-US" sz="2800" dirty="0" err="1"/>
-              <a:t>Titouan</a:t>
-            </a:r>
-            <a:r>
-              <a:rPr lang="en-US" sz="2800" dirty="0"/>
-              <a:t> : “Je </a:t>
-            </a:r>
-            <a:r>
-              <a:rPr lang="en-US" sz="2800" dirty="0" err="1"/>
-              <a:t>sais</a:t>
-            </a:r>
-            <a:r>
-              <a:rPr lang="en-US" sz="2800" dirty="0"/>
-              <a:t> pas je suis sur le Front”</a:t>
-            </a:r>
-          </a:p>
-        </p:txBody>
-      </p:sp>
-      <p:sp>
-        <p:nvSpPr>
           <p:cNvPr id="6" name="ZoneTexte 5">
             <a:extLst>
               <a:ext uri="{FF2B5EF4-FFF2-40B4-BE49-F238E27FC236}">
@@ -7479,6 +7432,53 @@
             <a:r>
               <a:rPr lang="en-US" sz="2800" dirty="0"/>
               <a:t> !”</a:t>
+            </a:r>
+          </a:p>
+        </p:txBody>
+      </p:sp>
+      <p:sp>
+        <p:nvSpPr>
+          <p:cNvPr id="12" name="ZoneTexte 11">
+            <a:extLst>
+              <a:ext uri="{FF2B5EF4-FFF2-40B4-BE49-F238E27FC236}">
+                <a16:creationId xmlns:a16="http://schemas.microsoft.com/office/drawing/2014/main" id="{D714D5C2-5AC6-8BCC-95D0-BF0B79A1325B}"/>
+              </a:ext>
+            </a:extLst>
+          </p:cNvPr>
+          <p:cNvSpPr txBox="1"/>
+          <p:nvPr/>
+        </p:nvSpPr>
+        <p:spPr>
+          <a:xfrm>
+            <a:off x="1090536" y="2077682"/>
+            <a:ext cx="6083996" cy="523220"/>
+          </a:xfrm>
+          <a:prstGeom prst="rect">
+            <a:avLst/>
+          </a:prstGeom>
+          <a:noFill/>
+        </p:spPr>
+        <p:txBody>
+          <a:bodyPr wrap="square" rtlCol="0">
+            <a:spAutoFit/>
+          </a:bodyPr>
+          <a:lstStyle/>
+          <a:p>
+            <a:r>
+              <a:rPr lang="en-US" sz="2800" dirty="0" err="1"/>
+              <a:t>Titouan</a:t>
+            </a:r>
+            <a:r>
+              <a:rPr lang="en-US" sz="2800" dirty="0"/>
+              <a:t> : “Je </a:t>
+            </a:r>
+            <a:r>
+              <a:rPr lang="en-US" sz="2800" dirty="0" err="1"/>
+              <a:t>sais</a:t>
+            </a:r>
+            <a:r>
+              <a:rPr lang="en-US" sz="2800" dirty="0"/>
+              <a:t> pas je suis sur le Front”</a:t>
             </a:r>
           </a:p>
         </p:txBody>
@@ -7595,7 +7595,7 @@
         </p:nvSpPr>
         <p:spPr>
           <a:xfrm>
-            <a:off x="1090536" y="1981443"/>
+            <a:off x="1090536" y="2077682"/>
             <a:ext cx="6083996" cy="523220"/>
           </a:xfrm>
           <a:prstGeom prst="rect">
@@ -7830,53 +7830,6 @@
       </p:sp>
       <p:sp>
         <p:nvSpPr>
-          <p:cNvPr id="5" name="ZoneTexte 4">
-            <a:extLst>
-              <a:ext uri="{FF2B5EF4-FFF2-40B4-BE49-F238E27FC236}">
-                <a16:creationId xmlns:a16="http://schemas.microsoft.com/office/drawing/2014/main" id="{1F37CFFB-FB7B-72CF-1200-530604028B94}"/>
-              </a:ext>
-            </a:extLst>
-          </p:cNvPr>
-          <p:cNvSpPr txBox="1"/>
-          <p:nvPr/>
-        </p:nvSpPr>
-        <p:spPr>
-          <a:xfrm>
-            <a:off x="1090536" y="1981443"/>
-            <a:ext cx="6083996" cy="523220"/>
-          </a:xfrm>
-          <a:prstGeom prst="rect">
-            <a:avLst/>
-          </a:prstGeom>
-          <a:noFill/>
-        </p:spPr>
-        <p:txBody>
-          <a:bodyPr wrap="square" rtlCol="0">
-            <a:spAutoFit/>
-          </a:bodyPr>
-          <a:lstStyle/>
-          <a:p>
-            <a:r>
-              <a:rPr lang="en-US" sz="2800" dirty="0" err="1"/>
-              <a:t>Titouan</a:t>
-            </a:r>
-            <a:r>
-              <a:rPr lang="en-US" sz="2800" dirty="0"/>
-              <a:t> : “Je </a:t>
-            </a:r>
-            <a:r>
-              <a:rPr lang="en-US" sz="2800" dirty="0" err="1"/>
-              <a:t>sais</a:t>
-            </a:r>
-            <a:r>
-              <a:rPr lang="en-US" sz="2800" dirty="0"/>
-              <a:t> pas je suis sur le Front”</a:t>
-            </a:r>
-          </a:p>
-        </p:txBody>
-      </p:sp>
-      <p:sp>
-        <p:nvSpPr>
           <p:cNvPr id="6" name="ZoneTexte 5">
             <a:extLst>
               <a:ext uri="{FF2B5EF4-FFF2-40B4-BE49-F238E27FC236}">
@@ -8024,6 +7977,53 @@
             <a:r>
               <a:rPr lang="en-US" sz="2800" dirty="0"/>
               <a:t>)</a:t>
+            </a:r>
+          </a:p>
+        </p:txBody>
+      </p:sp>
+      <p:sp>
+        <p:nvSpPr>
+          <p:cNvPr id="4" name="ZoneTexte 3">
+            <a:extLst>
+              <a:ext uri="{FF2B5EF4-FFF2-40B4-BE49-F238E27FC236}">
+                <a16:creationId xmlns:a16="http://schemas.microsoft.com/office/drawing/2014/main" id="{FCDB5093-3F59-4A20-0394-F226738AAE8D}"/>
+              </a:ext>
+            </a:extLst>
+          </p:cNvPr>
+          <p:cNvSpPr txBox="1"/>
+          <p:nvPr/>
+        </p:nvSpPr>
+        <p:spPr>
+          <a:xfrm>
+            <a:off x="1090536" y="2077682"/>
+            <a:ext cx="6083996" cy="523220"/>
+          </a:xfrm>
+          <a:prstGeom prst="rect">
+            <a:avLst/>
+          </a:prstGeom>
+          <a:noFill/>
+        </p:spPr>
+        <p:txBody>
+          <a:bodyPr wrap="square" rtlCol="0">
+            <a:spAutoFit/>
+          </a:bodyPr>
+          <a:lstStyle/>
+          <a:p>
+            <a:r>
+              <a:rPr lang="en-US" sz="2800" dirty="0" err="1"/>
+              <a:t>Titouan</a:t>
+            </a:r>
+            <a:r>
+              <a:rPr lang="en-US" sz="2800" dirty="0"/>
+              <a:t> : “Je </a:t>
+            </a:r>
+            <a:r>
+              <a:rPr lang="en-US" sz="2800" dirty="0" err="1"/>
+              <a:t>sais</a:t>
+            </a:r>
+            <a:r>
+              <a:rPr lang="en-US" sz="2800" dirty="0"/>
+              <a:t> pas je suis sur le Front”</a:t>
             </a:r>
           </a:p>
         </p:txBody>
@@ -8140,7 +8140,7 @@
         </p:nvSpPr>
         <p:spPr>
           <a:xfrm>
-            <a:off x="1090536" y="1981443"/>
+            <a:off x="1090536" y="2082145"/>
             <a:ext cx="6083996" cy="523220"/>
           </a:xfrm>
           <a:prstGeom prst="rect">

--- a/TESM E-Sporter Manager.pptx
+++ b/TESM E-Sporter Manager.pptx
@@ -9070,7 +9070,7 @@
         </p:blipFill>
         <p:spPr>
           <a:xfrm>
-            <a:off x="6742484" y="879624"/>
+            <a:off x="6886500" y="764704"/>
             <a:ext cx="5022015" cy="3802710"/>
           </a:xfrm>
           <a:prstGeom prst="rect">

--- a/TESM E-Sporter Manager.pptx
+++ b/TESM E-Sporter Manager.pptx
@@ -6595,7 +6595,15 @@
             <a:pPr rtl="0"/>
             <a:r>
               <a:rPr lang="fr-FR" dirty="0"/>
-              <a:t>SAE S3 – Développement d’un logiciel de gestion de tournoi e-Sport</a:t>
+              <a:t>SAE S3 – Développement d’un logiciel de gestion de </a:t>
+            </a:r>
+            <a:r>
+              <a:rPr lang="fr-FR" dirty="0" err="1"/>
+              <a:t>tournoiS</a:t>
+            </a:r>
+            <a:r>
+              <a:rPr lang="fr-FR" dirty="0"/>
+              <a:t> e-Sport</a:t>
             </a:r>
           </a:p>
         </p:txBody>
@@ -6821,7 +6829,7 @@
           <p:nvPr>
             <p:extLst>
               <p:ext uri="{D42A27DB-BD31-4B8C-83A1-F6EECF244321}">
-                <p14:modId xmlns:p14="http://schemas.microsoft.com/office/powerpoint/2010/main" val="1964209343"/>
+                <p14:modId xmlns:p14="http://schemas.microsoft.com/office/powerpoint/2010/main" val="537897816"/>
               </p:ext>
             </p:extLst>
           </p:nvPr>
@@ -6924,7 +6932,7 @@
                       </a:r>
                       <a:r>
                         <a:rPr lang="en-US" dirty="0"/>
-                        <a:t> et BDD</a:t>
+                        <a:t> et BD</a:t>
                       </a:r>
                     </a:p>
                   </a:txBody>
@@ -7052,7 +7060,7 @@
                       </a:r>
                       <a:r>
                         <a:rPr lang="en-US" dirty="0" err="1"/>
-                        <a:t>Logique</a:t>
+                        <a:t>Algorithmes</a:t>
                       </a:r>
                       <a:r>
                         <a:rPr lang="en-US" dirty="0"/>
@@ -7094,7 +7102,7 @@
                       </a:r>
                       <a:r>
                         <a:rPr lang="en-US" dirty="0" err="1"/>
-                        <a:t>Logique</a:t>
+                        <a:t>Algorithmes</a:t>
                       </a:r>
                       <a:endParaRPr lang="en-US" dirty="0"/>
                     </a:p>
@@ -7297,13 +7305,13 @@
   <p:clrMapOvr>
     <a:masterClrMapping/>
   </p:clrMapOvr>
-  <mc:AlternateContent xmlns:mc="http://schemas.openxmlformats.org/markup-compatibility/2006">
-    <mc:Choice xmlns:p14="http://schemas.microsoft.com/office/powerpoint/2010/main" Requires="p14">
+  <mc:AlternateContent xmlns:mc="http://schemas.openxmlformats.org/markup-compatibility/2006" xmlns:p14="http://schemas.microsoft.com/office/powerpoint/2010/main">
+    <mc:Choice Requires="p14">
       <p:transition spd="med" p14:dur="700">
         <p:fade/>
       </p:transition>
     </mc:Choice>
-    <mc:Fallback>
+    <mc:Fallback xmlns="">
       <p:transition spd="med">
         <p:fade/>
       </p:transition>
@@ -7493,13 +7501,13 @@
   <p:clrMapOvr>
     <a:masterClrMapping/>
   </p:clrMapOvr>
-  <mc:AlternateContent xmlns:mc="http://schemas.openxmlformats.org/markup-compatibility/2006">
-    <mc:Choice xmlns:p14="http://schemas.microsoft.com/office/powerpoint/2010/main" Requires="p14">
+  <mc:AlternateContent xmlns:mc="http://schemas.openxmlformats.org/markup-compatibility/2006" xmlns:p14="http://schemas.microsoft.com/office/powerpoint/2010/main">
+    <mc:Choice Requires="p14">
       <p:transition spd="med" p14:dur="700">
         <p:fade/>
       </p:transition>
     </mc:Choice>
-    <mc:Fallback>
+    <mc:Fallback xmlns="">
       <p:transition spd="med">
         <p:fade/>
       </p:transition>
@@ -7740,13 +7748,13 @@
   <p:clrMapOvr>
     <a:masterClrMapping/>
   </p:clrMapOvr>
-  <mc:AlternateContent xmlns:mc="http://schemas.openxmlformats.org/markup-compatibility/2006">
-    <mc:Choice xmlns:p14="http://schemas.microsoft.com/office/powerpoint/2010/main" Requires="p14">
+  <mc:AlternateContent xmlns:mc="http://schemas.openxmlformats.org/markup-compatibility/2006" xmlns:p14="http://schemas.microsoft.com/office/powerpoint/2010/main">
+    <mc:Choice Requires="p14">
       <p:transition spd="med" p14:dur="700">
         <p:fade/>
       </p:transition>
     </mc:Choice>
-    <mc:Fallback>
+    <mc:Fallback xmlns="">
       <p:transition spd="med">
         <p:fade/>
       </p:transition>
@@ -8038,13 +8046,13 @@
   <p:clrMapOvr>
     <a:masterClrMapping/>
   </p:clrMapOvr>
-  <mc:AlternateContent xmlns:mc="http://schemas.openxmlformats.org/markup-compatibility/2006">
-    <mc:Choice xmlns:p14="http://schemas.microsoft.com/office/powerpoint/2010/main" Requires="p14">
+  <mc:AlternateContent xmlns:mc="http://schemas.openxmlformats.org/markup-compatibility/2006" xmlns:p14="http://schemas.microsoft.com/office/powerpoint/2010/main">
+    <mc:Choice Requires="p14">
       <p:transition spd="med" p14:dur="700">
         <p:fade/>
       </p:transition>
     </mc:Choice>
-    <mc:Fallback>
+    <mc:Fallback xmlns="">
       <p:transition spd="med">
         <p:fade/>
       </p:transition>
@@ -8387,13 +8395,13 @@
   <p:clrMapOvr>
     <a:masterClrMapping/>
   </p:clrMapOvr>
-  <mc:AlternateContent xmlns:mc="http://schemas.openxmlformats.org/markup-compatibility/2006">
-    <mc:Choice xmlns:p14="http://schemas.microsoft.com/office/powerpoint/2010/main" Requires="p14">
+  <mc:AlternateContent xmlns:mc="http://schemas.openxmlformats.org/markup-compatibility/2006" xmlns:p14="http://schemas.microsoft.com/office/powerpoint/2010/main">
+    <mc:Choice Requires="p14">
       <p:transition spd="med" p14:dur="700">
         <p:fade/>
       </p:transition>
     </mc:Choice>
-    <mc:Fallback>
+    <mc:Fallback xmlns="">
       <p:transition spd="med">
         <p:fade/>
       </p:transition>
@@ -8491,7 +8499,7 @@
             <a:pPr rtl="0"/>
             <a:r>
               <a:rPr lang="fr-FR" dirty="0"/>
-              <a:t>Démonstration du logiciel de gestion de tournoi</a:t>
+              <a:t>Démonstration du logiciel de gestion de tournois</a:t>
             </a:r>
           </a:p>
           <a:p>
@@ -9154,13 +9162,13 @@
   <p:clrMapOvr>
     <a:masterClrMapping/>
   </p:clrMapOvr>
-  <mc:AlternateContent xmlns:mc="http://schemas.openxmlformats.org/markup-compatibility/2006">
-    <mc:Choice xmlns:p14="http://schemas.microsoft.com/office/powerpoint/2010/main" Requires="p14">
+  <mc:AlternateContent xmlns:mc="http://schemas.openxmlformats.org/markup-compatibility/2006" xmlns:p14="http://schemas.microsoft.com/office/powerpoint/2010/main">
+    <mc:Choice Requires="p14">
       <p:transition spd="med" p14:dur="700">
         <p:fade/>
       </p:transition>
     </mc:Choice>
-    <mc:Fallback>
+    <mc:Fallback xmlns="">
       <p:transition spd="med">
         <p:fade/>
       </p:transition>
@@ -10055,13 +10063,13 @@
   <p:clrMapOvr>
     <a:masterClrMapping/>
   </p:clrMapOvr>
-  <mc:AlternateContent xmlns:mc="http://schemas.openxmlformats.org/markup-compatibility/2006">
-    <mc:Choice xmlns:p14="http://schemas.microsoft.com/office/powerpoint/2010/main" Requires="p14">
+  <mc:AlternateContent xmlns:mc="http://schemas.openxmlformats.org/markup-compatibility/2006" xmlns:p14="http://schemas.microsoft.com/office/powerpoint/2010/main">
+    <mc:Choice Requires="p14">
       <p:transition spd="med" p14:dur="700">
         <p:fade/>
       </p:transition>
     </mc:Choice>
-    <mc:Fallback>
+    <mc:Fallback xmlns="">
       <p:transition spd="med">
         <p:fade/>
       </p:transition>
@@ -10472,13 +10480,13 @@
   <p:clrMapOvr>
     <a:masterClrMapping/>
   </p:clrMapOvr>
-  <mc:AlternateContent xmlns:mc="http://schemas.openxmlformats.org/markup-compatibility/2006">
-    <mc:Choice xmlns:p14="http://schemas.microsoft.com/office/powerpoint/2010/main" Requires="p14">
+  <mc:AlternateContent xmlns:mc="http://schemas.openxmlformats.org/markup-compatibility/2006" xmlns:p14="http://schemas.microsoft.com/office/powerpoint/2010/main">
+    <mc:Choice Requires="p14">
       <p:transition spd="med" p14:dur="700">
         <p:fade/>
       </p:transition>
     </mc:Choice>
-    <mc:Fallback>
+    <mc:Fallback xmlns="">
       <p:transition spd="med">
         <p:fade/>
       </p:transition>
@@ -10647,7 +10655,7 @@
             </a:r>
             <a:r>
               <a:rPr lang="en-US" dirty="0" err="1"/>
-              <a:t>tournoi</a:t>
+              <a:t>tournois</a:t>
             </a:r>
             <a:r>
               <a:rPr lang="en-US" dirty="0"/>
@@ -10755,13 +10763,13 @@
   <p:clrMapOvr>
     <a:masterClrMapping/>
   </p:clrMapOvr>
-  <mc:AlternateContent xmlns:mc="http://schemas.openxmlformats.org/markup-compatibility/2006">
-    <mc:Choice xmlns:p14="http://schemas.microsoft.com/office/powerpoint/2010/main" Requires="p14">
+  <mc:AlternateContent xmlns:mc="http://schemas.openxmlformats.org/markup-compatibility/2006" xmlns:p14="http://schemas.microsoft.com/office/powerpoint/2010/main">
+    <mc:Choice Requires="p14">
       <p:transition spd="med" p14:dur="700">
         <p:fade/>
       </p:transition>
     </mc:Choice>
-    <mc:Fallback>
+    <mc:Fallback xmlns="">
       <p:transition spd="med">
         <p:fade/>
       </p:transition>
@@ -11721,6 +11729,15 @@
 </file>
 
 <file path=customXml/item1.xml><?xml version="1.0" encoding="utf-8"?>
+<?mso-contentType ?>
+<FormTemplates xmlns="http://schemas.microsoft.com/sharepoint/v3/contenttype/forms">
+  <Display>DocumentLibraryForm</Display>
+  <Edit>AssetEditForm</Edit>
+  <New>DocumentLibraryForm</New>
+</FormTemplates>
+</file>
+
+<file path=customXml/item2.xml><?xml version="1.0" encoding="utf-8"?>
 <ct:contentTypeSchema xmlns:ct="http://schemas.microsoft.com/office/2006/metadata/contentType" xmlns:ma="http://schemas.microsoft.com/office/2006/metadata/properties/metaAttributes" ct:_="" ma:_="" ma:contentTypeName="TemplateFile" ma:contentTypeID="0x0101006EDDDB5EE6D98C44930B742096920B300400F5B6D36B3EF94B4E9A635CDF2A18F5B8" ma:contentTypeVersion="72" ma:contentTypeDescription="Create a new document." ma:contentTypeScope="" ma:versionID="a23e56308344d904b51738559c3d67c9">
   <xsd:schema xmlns:xsd="http://www.w3.org/2001/XMLSchema" xmlns:xs="http://www.w3.org/2001/XMLSchema" xmlns:p="http://schemas.microsoft.com/office/2006/metadata/properties" xmlns:ns2="4873beb7-5857-4685-be1f-d57550cc96cc" targetNamespace="http://schemas.microsoft.com/office/2006/metadata/properties" ma:root="true" ma:fieldsID="cd0908cc4600e77bf5da051303e00c8d" ns2:_="">
     <xsd:import namespace="4873beb7-5857-4685-be1f-d57550cc96cc"/>
@@ -12760,15 +12777,6 @@
 </ct:contentTypeSchema>
 </file>
 
-<file path=customXml/item2.xml><?xml version="1.0" encoding="utf-8"?>
-<?mso-contentType ?>
-<FormTemplates xmlns="http://schemas.microsoft.com/sharepoint/v3/contenttype/forms">
-  <Display>DocumentLibraryForm</Display>
-  <Edit>AssetEditForm</Edit>
-  <New>DocumentLibraryForm</New>
-</FormTemplates>
-</file>
-
 <file path=customXml/item3.xml><?xml version="1.0" encoding="utf-8"?>
 <p:properties xmlns:p="http://schemas.microsoft.com/office/2006/metadata/properties" xmlns:xsi="http://www.w3.org/2001/XMLSchema-instance" xmlns:pc="http://schemas.microsoft.com/office/infopath/2007/PartnerControls">
   <documentManagement>
@@ -12906,6 +12914,14 @@
 </file>
 
 <file path=customXml/itemProps1.xml><?xml version="1.0" encoding="utf-8"?>
+<ds:datastoreItem xmlns:ds="http://schemas.openxmlformats.org/officeDocument/2006/customXml" ds:itemID="{3836F65B-1B07-41EE-A0E8-BC6EF3855225}">
+  <ds:schemaRefs>
+    <ds:schemaRef ds:uri="http://schemas.microsoft.com/sharepoint/v3/contenttype/forms"/>
+  </ds:schemaRefs>
+</ds:datastoreItem>
+</file>
+
+<file path=customXml/itemProps2.xml><?xml version="1.0" encoding="utf-8"?>
 <ds:datastoreItem xmlns:ds="http://schemas.openxmlformats.org/officeDocument/2006/customXml" ds:itemID="{A09BF4D4-EF60-4196-BFC3-9462D607978C}">
   <ds:schemaRefs>
     <ds:schemaRef ds:uri="http://schemas.microsoft.com/office/2006/metadata/contentType"/>
@@ -12919,14 +12935,6 @@
     <ds:schemaRef ds:uri="http://purl.org/dc/elements/1.1/"/>
     <ds:schemaRef ds:uri="http://purl.org/dc/terms/"/>
     <ds:schemaRef ds:uri="http://schemas.microsoft.com/internal/obd"/>
-  </ds:schemaRefs>
-</ds:datastoreItem>
-</file>
-
-<file path=customXml/itemProps2.xml><?xml version="1.0" encoding="utf-8"?>
-<ds:datastoreItem xmlns:ds="http://schemas.openxmlformats.org/officeDocument/2006/customXml" ds:itemID="{3836F65B-1B07-41EE-A0E8-BC6EF3855225}">
-  <ds:schemaRefs>
-    <ds:schemaRef ds:uri="http://schemas.microsoft.com/sharepoint/v3/contenttype/forms"/>
   </ds:schemaRefs>
 </ds:datastoreItem>
 </file>
